--- a/quickpbt.pptx
+++ b/quickpbt.pptx
@@ -10779,7 +10779,7 @@
           <a:p>
             <a:fld id="{792351EF-48F6-4A54-8506-ACD68070E42C}" type="datetimeFigureOut">
               <a:rPr lang="en-US" smtClean="0"/>
-              <a:t>2016-10-07</a:t>
+              <a:t>2016-10-08</a:t>
             </a:fld>
             <a:endParaRPr lang="en-US"/>
           </a:p>
@@ -11134,8 +11134,13 @@
             </a:r>
             <a:r>
               <a:rPr lang="en-US" baseline="0" dirty="0"/>
-              <a:t> as a professional developer</a:t>
-            </a:r>
+              <a:t> as a </a:t>
+            </a:r>
+            <a:r>
+              <a:rPr lang="en-US" baseline="0"/>
+              <a:t>professional developer</a:t>
+            </a:r>
+            <a:endParaRPr lang="en-US" baseline="0" dirty="0"/>
           </a:p>
           <a:p>
             <a:pPr marL="171450" indent="-171450">
@@ -11144,45 +11149,7 @@
             </a:pPr>
             <a:r>
               <a:rPr lang="en-US" baseline="0" dirty="0"/>
-              <a:t>Long-time Microsoft developer</a:t>
-            </a:r>
-          </a:p>
-          <a:p>
-            <a:pPr marL="628650" lvl="1" indent="-171450">
-              <a:buFont typeface="Arial" panose="020B0604020202020204" pitchFamily="34" charset="0"/>
-              <a:buChar char="•"/>
-            </a:pPr>
-            <a:r>
-              <a:rPr lang="en-US" baseline="0" dirty="0"/>
-              <a:t>.NET since it was in beta</a:t>
-            </a:r>
-          </a:p>
-          <a:p>
-            <a:pPr marL="628650" lvl="1" indent="-171450">
-              <a:buFont typeface="Arial" panose="020B0604020202020204" pitchFamily="34" charset="0"/>
-              <a:buChar char="•"/>
-            </a:pPr>
-            <a:r>
-              <a:rPr lang="en-US" baseline="0" dirty="0"/>
-              <a:t>Years of: C# &gt; VB &gt; </a:t>
-            </a:r>
-            <a:r>
-              <a:rPr lang="en-US" baseline="0" dirty="0" err="1"/>
-              <a:t>IronPython</a:t>
-            </a:r>
-            <a:r>
-              <a:rPr lang="en-US" baseline="0" dirty="0"/>
-              <a:t> &gt; F#</a:t>
-            </a:r>
-          </a:p>
-          <a:p>
-            <a:pPr marL="171450" lvl="0" indent="-171450">
-              <a:buFont typeface="Arial" panose="020B0604020202020204" pitchFamily="34" charset="0"/>
-              <a:buChar char="•"/>
-            </a:pPr>
-            <a:r>
-              <a:rPr lang="en-US" baseline="0" dirty="0"/>
-              <a:t>2014, 2015 Microsoft MVP (F#/.NET)</a:t>
+              <a:t>2014, 2015, 2016 Microsoft MVP (F#/.NET)</a:t>
             </a:r>
           </a:p>
           <a:p>
@@ -14888,7 +14855,7 @@
           <a:p>
             <a:fld id="{84FC9A44-31BA-473D-90EB-2B4B506A8774}" type="datetime1">
               <a:rPr lang="en-US" smtClean="0"/>
-              <a:t>2016-10-07</a:t>
+              <a:t>2016-10-08</a:t>
             </a:fld>
             <a:endParaRPr lang="en-US"/>
           </a:p>
@@ -15069,7 +15036,7 @@
           <a:p>
             <a:fld id="{A0D70A4E-4719-4060-8CE9-A64B77C1F437}" type="datetime1">
               <a:rPr lang="en-US" smtClean="0"/>
-              <a:t>2016-10-07</a:t>
+              <a:t>2016-10-08</a:t>
             </a:fld>
             <a:endParaRPr lang="en-US"/>
           </a:p>
@@ -15260,7 +15227,7 @@
           <a:p>
             <a:fld id="{CD5C1A23-DD78-40CC-87F0-AEA8F03DBC64}" type="datetime1">
               <a:rPr lang="en-US" smtClean="0"/>
-              <a:t>2016-10-07</a:t>
+              <a:t>2016-10-08</a:t>
             </a:fld>
             <a:endParaRPr lang="en-US"/>
           </a:p>
@@ -15441,7 +15408,7 @@
           <a:p>
             <a:fld id="{EA0DD099-93A6-4C54-8EFC-51F7179FF08A}" type="datetime1">
               <a:rPr lang="en-US" smtClean="0"/>
-              <a:t>2016-10-07</a:t>
+              <a:t>2016-10-08</a:t>
             </a:fld>
             <a:endParaRPr lang="en-US"/>
           </a:p>
@@ -15699,7 +15666,7 @@
           <a:p>
             <a:fld id="{438FA885-58E0-4914-AFB6-E1D2253F30DF}" type="datetime1">
               <a:rPr lang="en-US" smtClean="0"/>
-              <a:t>2016-10-07</a:t>
+              <a:t>2016-10-08</a:t>
             </a:fld>
             <a:endParaRPr lang="en-US"/>
           </a:p>
@@ -15941,7 +15908,7 @@
           <a:p>
             <a:fld id="{18C5AAED-6FC4-403F-BCA4-E28A6479AE8E}" type="datetime1">
               <a:rPr lang="en-US" smtClean="0"/>
-              <a:t>2016-10-07</a:t>
+              <a:t>2016-10-08</a:t>
             </a:fld>
             <a:endParaRPr lang="en-US"/>
           </a:p>
@@ -16318,7 +16285,7 @@
           <a:p>
             <a:fld id="{80941D23-49EA-47ED-92AB-DF4E801CDC3B}" type="datetime1">
               <a:rPr lang="en-US" smtClean="0"/>
-              <a:t>2016-10-07</a:t>
+              <a:t>2016-10-08</a:t>
             </a:fld>
             <a:endParaRPr lang="en-US"/>
           </a:p>
@@ -16448,7 +16415,7 @@
           <a:p>
             <a:fld id="{F8FB43DA-14DE-4464-89F5-BBC3D201E6FD}" type="datetime1">
               <a:rPr lang="en-US" smtClean="0"/>
-              <a:t>2016-10-07</a:t>
+              <a:t>2016-10-08</a:t>
             </a:fld>
             <a:endParaRPr lang="en-US"/>
           </a:p>
@@ -16556,7 +16523,7 @@
           <a:p>
             <a:fld id="{D127DAF6-8EB5-4C97-8010-ACFB1F63921D}" type="datetime1">
               <a:rPr lang="en-US" smtClean="0"/>
-              <a:t>2016-10-07</a:t>
+              <a:t>2016-10-08</a:t>
             </a:fld>
             <a:endParaRPr lang="en-US" dirty="0"/>
           </a:p>
@@ -16844,7 +16811,7 @@
           <a:p>
             <a:fld id="{42933535-5548-4F17-8697-4FDD620CAB2E}" type="datetime1">
               <a:rPr lang="en-US" smtClean="0"/>
-              <a:t>2016-10-07</a:t>
+              <a:t>2016-10-08</a:t>
             </a:fld>
             <a:endParaRPr lang="en-US"/>
           </a:p>
@@ -17109,7 +17076,7 @@
           <a:p>
             <a:fld id="{1CCE9BD6-450D-4862-9490-873171136554}" type="datetime1">
               <a:rPr lang="en-US" smtClean="0"/>
-              <a:t>2016-10-07</a:t>
+              <a:t>2016-10-08</a:t>
             </a:fld>
             <a:endParaRPr lang="en-US"/>
           </a:p>
@@ -27380,7 +27347,7 @@
             </a:r>
             <a:r>
               <a:rPr lang="en-US" sz="1200" dirty="0"/>
-              <a:t> 24</a:t>
+              <a:t> (7 * 24)</a:t>
             </a:r>
           </a:p>
           <a:p>
@@ -27608,7 +27575,7 @@
             </a:r>
             <a:r>
               <a:rPr lang="en-US" sz="1200" dirty="0"/>
-              <a:t> 24</a:t>
+              <a:t> (7 * 24)</a:t>
             </a:r>
           </a:p>
           <a:p>

--- a/quickpbt.pptx
+++ b/quickpbt.pptx
@@ -1159,15 +1159,15 @@
 </file>
 
 <file path=ppt/diagrams/colors1.xml><?xml version="1.0" encoding="utf-8"?>
-<dgm:colorsDef xmlns:dgm="http://schemas.openxmlformats.org/drawingml/2006/diagram" xmlns:a="http://schemas.openxmlformats.org/drawingml/2006/main" uniqueId="urn:microsoft.com/office/officeart/2005/8/colors/colorful4">
+<dgm:colorsDef xmlns:dgm="http://schemas.openxmlformats.org/drawingml/2006/diagram" xmlns:a="http://schemas.openxmlformats.org/drawingml/2006/main" uniqueId="urn:microsoft.com/office/officeart/2005/8/colors/colorful1">
   <dgm:title val=""/>
   <dgm:desc val=""/>
   <dgm:catLst>
-    <dgm:cat type="colorful" pri="10400"/>
+    <dgm:cat type="colorful" pri="10100"/>
   </dgm:catLst>
   <dgm:styleLbl name="node0">
     <dgm:fillClrLst meth="repeat">
-      <a:schemeClr val="accent3"/>
+      <a:schemeClr val="accent1"/>
     </dgm:fillClrLst>
     <dgm:linClrLst meth="repeat">
       <a:schemeClr val="lt1"/>
@@ -1178,9 +1178,12 @@
     <dgm:txEffectClrLst/>
   </dgm:styleLbl>
   <dgm:styleLbl name="node1">
-    <dgm:fillClrLst>
+    <dgm:fillClrLst meth="repeat">
+      <a:schemeClr val="accent2"/>
+      <a:schemeClr val="accent3"/>
       <a:schemeClr val="accent4"/>
       <a:schemeClr val="accent5"/>
+      <a:schemeClr val="accent6"/>
     </dgm:fillClrLst>
     <dgm:linClrLst meth="repeat">
       <a:schemeClr val="lt1"/>
@@ -1191,13 +1194,19 @@
     <dgm:txEffectClrLst/>
   </dgm:styleLbl>
   <dgm:styleLbl name="alignNode1">
-    <dgm:fillClrLst>
+    <dgm:fillClrLst meth="repeat">
+      <a:schemeClr val="accent2"/>
+      <a:schemeClr val="accent3"/>
       <a:schemeClr val="accent4"/>
       <a:schemeClr val="accent5"/>
+      <a:schemeClr val="accent6"/>
     </dgm:fillClrLst>
-    <dgm:linClrLst>
+    <dgm:linClrLst meth="repeat">
+      <a:schemeClr val="accent2"/>
+      <a:schemeClr val="accent3"/>
       <a:schemeClr val="accent4"/>
       <a:schemeClr val="accent5"/>
+      <a:schemeClr val="accent6"/>
     </dgm:linClrLst>
     <dgm:effectClrLst/>
     <dgm:txLinClrLst/>
@@ -1205,9 +1214,12 @@
     <dgm:txEffectClrLst/>
   </dgm:styleLbl>
   <dgm:styleLbl name="lnNode1">
-    <dgm:fillClrLst>
+    <dgm:fillClrLst meth="repeat">
+      <a:schemeClr val="accent2"/>
+      <a:schemeClr val="accent3"/>
       <a:schemeClr val="accent4"/>
       <a:schemeClr val="accent5"/>
+      <a:schemeClr val="accent6"/>
     </dgm:fillClrLst>
     <dgm:linClrLst meth="repeat">
       <a:schemeClr val="lt1"/>
@@ -1218,11 +1230,20 @@
     <dgm:txEffectClrLst/>
   </dgm:styleLbl>
   <dgm:styleLbl name="vennNode1">
-    <dgm:fillClrLst>
+    <dgm:fillClrLst meth="repeat">
+      <a:schemeClr val="accent2">
+        <a:alpha val="50000"/>
+      </a:schemeClr>
+      <a:schemeClr val="accent3">
+        <a:alpha val="50000"/>
+      </a:schemeClr>
       <a:schemeClr val="accent4">
         <a:alpha val="50000"/>
       </a:schemeClr>
       <a:schemeClr val="accent5">
+        <a:alpha val="50000"/>
+      </a:schemeClr>
+      <a:schemeClr val="accent6">
         <a:alpha val="50000"/>
       </a:schemeClr>
     </dgm:fillClrLst>
@@ -1236,7 +1257,7 @@
   </dgm:styleLbl>
   <dgm:styleLbl name="node2">
     <dgm:fillClrLst>
-      <a:schemeClr val="accent5"/>
+      <a:schemeClr val="accent2"/>
     </dgm:fillClrLst>
     <dgm:linClrLst meth="repeat">
       <a:schemeClr val="lt1"/>
@@ -1248,7 +1269,7 @@
   </dgm:styleLbl>
   <dgm:styleLbl name="node3">
     <dgm:fillClrLst>
-      <a:schemeClr val="accent6"/>
+      <a:schemeClr val="accent3"/>
     </dgm:fillClrLst>
     <dgm:linClrLst meth="repeat">
       <a:schemeClr val="lt1"/>
@@ -1260,7 +1281,7 @@
   </dgm:styleLbl>
   <dgm:styleLbl name="node4">
     <dgm:fillClrLst>
-      <a:schemeClr val="accent1"/>
+      <a:schemeClr val="accent4"/>
     </dgm:fillClrLst>
     <dgm:linClrLst meth="repeat">
       <a:schemeClr val="lt1"/>
@@ -1271,11 +1292,20 @@
     <dgm:txEffectClrLst/>
   </dgm:styleLbl>
   <dgm:styleLbl name="fgImgPlace1">
-    <dgm:fillClrLst>
+    <dgm:fillClrLst meth="repeat">
+      <a:schemeClr val="accent2">
+        <a:tint val="50000"/>
+      </a:schemeClr>
+      <a:schemeClr val="accent3">
+        <a:tint val="50000"/>
+      </a:schemeClr>
       <a:schemeClr val="accent4">
         <a:tint val="50000"/>
       </a:schemeClr>
       <a:schemeClr val="accent5">
+        <a:tint val="50000"/>
+      </a:schemeClr>
+      <a:schemeClr val="accent6">
         <a:tint val="50000"/>
       </a:schemeClr>
     </dgm:fillClrLst>
@@ -1291,10 +1321,10 @@
   </dgm:styleLbl>
   <dgm:styleLbl name="alignImgPlace1">
     <dgm:fillClrLst>
-      <a:schemeClr val="accent4">
+      <a:schemeClr val="accent1">
         <a:tint val="50000"/>
       </a:schemeClr>
-      <a:schemeClr val="accent5">
+      <a:schemeClr val="accent2">
         <a:tint val="20000"/>
       </a:schemeClr>
     </dgm:fillClrLst>
@@ -1310,10 +1340,10 @@
   </dgm:styleLbl>
   <dgm:styleLbl name="bgImgPlace1">
     <dgm:fillClrLst>
-      <a:schemeClr val="accent4">
+      <a:schemeClr val="accent1">
         <a:tint val="50000"/>
       </a:schemeClr>
-      <a:schemeClr val="accent5">
+      <a:schemeClr val="accent2">
         <a:tint val="20000"/>
       </a:schemeClr>
     </dgm:fillClrLst>
@@ -1328,11 +1358,14 @@
     <dgm:txEffectClrLst/>
   </dgm:styleLbl>
   <dgm:styleLbl name="sibTrans2D1">
-    <dgm:fillClrLst>
+    <dgm:fillClrLst meth="repeat">
+      <a:schemeClr val="accent2"/>
+      <a:schemeClr val="accent3"/>
       <a:schemeClr val="accent4"/>
       <a:schemeClr val="accent5"/>
+      <a:schemeClr val="accent6"/>
     </dgm:fillClrLst>
-    <dgm:linClrLst meth="repeat">
+    <dgm:linClrLst meth="cycle">
       <a:schemeClr val="lt1"/>
     </dgm:linClrLst>
     <dgm:effectClrLst/>
@@ -1341,11 +1374,14 @@
     <dgm:txEffectClrLst/>
   </dgm:styleLbl>
   <dgm:styleLbl name="fgSibTrans2D1">
-    <dgm:fillClrLst>
+    <dgm:fillClrLst meth="repeat">
+      <a:schemeClr val="accent2"/>
+      <a:schemeClr val="accent3"/>
       <a:schemeClr val="accent4"/>
       <a:schemeClr val="accent5"/>
+      <a:schemeClr val="accent6"/>
     </dgm:fillClrLst>
-    <dgm:linClrLst meth="repeat">
+    <dgm:linClrLst meth="cycle">
       <a:schemeClr val="lt1"/>
     </dgm:linClrLst>
     <dgm:effectClrLst/>
@@ -1356,11 +1392,14 @@
     <dgm:txEffectClrLst/>
   </dgm:styleLbl>
   <dgm:styleLbl name="bgSibTrans2D1">
-    <dgm:fillClrLst>
+    <dgm:fillClrLst meth="repeat">
+      <a:schemeClr val="accent2"/>
+      <a:schemeClr val="accent3"/>
       <a:schemeClr val="accent4"/>
       <a:schemeClr val="accent5"/>
+      <a:schemeClr val="accent6"/>
     </dgm:fillClrLst>
-    <dgm:linClrLst meth="repeat">
+    <dgm:linClrLst meth="cycle">
       <a:schemeClr val="lt1"/>
     </dgm:linClrLst>
     <dgm:effectClrLst/>
@@ -1371,10 +1410,19 @@
     <dgm:txEffectClrLst/>
   </dgm:styleLbl>
   <dgm:styleLbl name="sibTrans1D1">
-    <dgm:fillClrLst/>
-    <dgm:linClrLst>
+    <dgm:fillClrLst meth="repeat">
+      <a:schemeClr val="accent2"/>
+      <a:schemeClr val="accent3"/>
       <a:schemeClr val="accent4"/>
       <a:schemeClr val="accent5"/>
+      <a:schemeClr val="accent6"/>
+    </dgm:fillClrLst>
+    <dgm:linClrLst meth="repeat">
+      <a:schemeClr val="accent2"/>
+      <a:schemeClr val="accent3"/>
+      <a:schemeClr val="accent4"/>
+      <a:schemeClr val="accent5"/>
+      <a:schemeClr val="accent6"/>
     </dgm:linClrLst>
     <dgm:effectClrLst/>
     <dgm:txLinClrLst/>
@@ -1385,10 +1433,10 @@
   </dgm:styleLbl>
   <dgm:styleLbl name="callout">
     <dgm:fillClrLst meth="repeat">
-      <a:schemeClr val="accent4"/>
+      <a:schemeClr val="accent2"/>
     </dgm:fillClrLst>
     <dgm:linClrLst meth="repeat">
-      <a:schemeClr val="accent4">
+      <a:schemeClr val="accent2">
         <a:tint val="50000"/>
       </a:schemeClr>
     </dgm:linClrLst>
@@ -1401,12 +1449,10 @@
   </dgm:styleLbl>
   <dgm:styleLbl name="asst0">
     <dgm:fillClrLst meth="repeat">
-      <a:schemeClr val="accent4"/>
+      <a:schemeClr val="accent1"/>
     </dgm:fillClrLst>
     <dgm:linClrLst meth="repeat">
-      <a:schemeClr val="lt1">
-        <a:shade val="80000"/>
-      </a:schemeClr>
+      <a:schemeClr val="lt1"/>
     </dgm:linClrLst>
     <dgm:effectClrLst/>
     <dgm:txLinClrLst/>
@@ -1415,12 +1461,10 @@
   </dgm:styleLbl>
   <dgm:styleLbl name="asst1">
     <dgm:fillClrLst meth="repeat">
-      <a:schemeClr val="accent5"/>
+      <a:schemeClr val="accent2"/>
     </dgm:fillClrLst>
     <dgm:linClrLst meth="repeat">
-      <a:schemeClr val="lt1">
-        <a:shade val="80000"/>
-      </a:schemeClr>
+      <a:schemeClr val="lt1"/>
     </dgm:linClrLst>
     <dgm:effectClrLst/>
     <dgm:txLinClrLst/>
@@ -1429,7 +1473,7 @@
   </dgm:styleLbl>
   <dgm:styleLbl name="asst2">
     <dgm:fillClrLst>
-      <a:schemeClr val="accent6"/>
+      <a:schemeClr val="accent3"/>
     </dgm:fillClrLst>
     <dgm:linClrLst meth="repeat">
       <a:schemeClr val="lt1"/>
@@ -1441,7 +1485,7 @@
   </dgm:styleLbl>
   <dgm:styleLbl name="asst3">
     <dgm:fillClrLst>
-      <a:schemeClr val="accent1"/>
+      <a:schemeClr val="accent4"/>
     </dgm:fillClrLst>
     <dgm:linClrLst meth="repeat">
       <a:schemeClr val="lt1"/>
@@ -1453,7 +1497,7 @@
   </dgm:styleLbl>
   <dgm:styleLbl name="asst4">
     <dgm:fillClrLst>
-      <a:schemeClr val="accent2"/>
+      <a:schemeClr val="accent5"/>
     </dgm:fillClrLst>
     <dgm:linClrLst meth="repeat">
       <a:schemeClr val="lt1"/>
@@ -1465,7 +1509,7 @@
   </dgm:styleLbl>
   <dgm:styleLbl name="parChTrans2D1">
     <dgm:fillClrLst meth="repeat">
-      <a:schemeClr val="accent4"/>
+      <a:schemeClr val="accent2"/>
     </dgm:fillClrLst>
     <dgm:linClrLst meth="repeat">
       <a:schemeClr val="lt1"/>
@@ -1479,7 +1523,7 @@
   </dgm:styleLbl>
   <dgm:styleLbl name="parChTrans2D2">
     <dgm:fillClrLst meth="repeat">
-      <a:schemeClr val="accent5"/>
+      <a:schemeClr val="accent3"/>
     </dgm:fillClrLst>
     <dgm:linClrLst meth="repeat">
       <a:schemeClr val="lt1"/>
@@ -1491,7 +1535,7 @@
   </dgm:styleLbl>
   <dgm:styleLbl name="parChTrans2D3">
     <dgm:fillClrLst meth="repeat">
-      <a:schemeClr val="accent5"/>
+      <a:schemeClr val="accent4"/>
     </dgm:fillClrLst>
     <dgm:linClrLst meth="repeat">
       <a:schemeClr val="lt1"/>
@@ -1503,7 +1547,7 @@
   </dgm:styleLbl>
   <dgm:styleLbl name="parChTrans2D4">
     <dgm:fillClrLst meth="repeat">
-      <a:schemeClr val="accent6"/>
+      <a:schemeClr val="accent5"/>
     </dgm:fillClrLst>
     <dgm:linClrLst meth="repeat">
       <a:schemeClr val="lt1"/>
@@ -1517,10 +1561,10 @@
   </dgm:styleLbl>
   <dgm:styleLbl name="parChTrans1D1">
     <dgm:fillClrLst meth="repeat">
-      <a:schemeClr val="accent4"/>
+      <a:schemeClr val="accent2"/>
     </dgm:fillClrLst>
     <dgm:linClrLst meth="repeat">
-      <a:schemeClr val="accent4"/>
+      <a:schemeClr val="accent1"/>
     </dgm:linClrLst>
     <dgm:effectClrLst/>
     <dgm:txLinClrLst/>
@@ -1531,12 +1575,12 @@
   </dgm:styleLbl>
   <dgm:styleLbl name="parChTrans1D2">
     <dgm:fillClrLst meth="repeat">
-      <a:schemeClr val="accent4">
+      <a:schemeClr val="accent3">
         <a:tint val="90000"/>
       </a:schemeClr>
     </dgm:fillClrLst>
     <dgm:linClrLst meth="repeat">
-      <a:schemeClr val="accent5"/>
+      <a:schemeClr val="accent2"/>
     </dgm:linClrLst>
     <dgm:effectClrLst/>
     <dgm:txLinClrLst/>
@@ -1552,7 +1596,7 @@
       </a:schemeClr>
     </dgm:fillClrLst>
     <dgm:linClrLst meth="repeat">
-      <a:schemeClr val="accent6"/>
+      <a:schemeClr val="accent3"/>
     </dgm:linClrLst>
     <dgm:effectClrLst/>
     <dgm:txLinClrLst/>
@@ -1563,12 +1607,12 @@
   </dgm:styleLbl>
   <dgm:styleLbl name="parChTrans1D4">
     <dgm:fillClrLst meth="repeat">
-      <a:schemeClr val="accent4">
+      <a:schemeClr val="accent5">
         <a:tint val="50000"/>
       </a:schemeClr>
     </dgm:fillClrLst>
     <dgm:linClrLst meth="repeat">
-      <a:schemeClr val="accent1"/>
+      <a:schemeClr val="accent4"/>
     </dgm:linClrLst>
     <dgm:effectClrLst/>
     <dgm:txLinClrLst/>
@@ -1583,9 +1627,12 @@
         <a:alpha val="90000"/>
       </a:schemeClr>
     </dgm:fillClrLst>
-    <dgm:linClrLst>
+    <dgm:linClrLst meth="repeat">
+      <a:schemeClr val="accent2"/>
+      <a:schemeClr val="accent3"/>
       <a:schemeClr val="accent4"/>
       <a:schemeClr val="accent5"/>
+      <a:schemeClr val="accent6"/>
     </dgm:linClrLst>
     <dgm:effectClrLst/>
     <dgm:txLinClrLst/>
@@ -1600,9 +1647,12 @@
         <a:alpha val="90000"/>
       </a:schemeClr>
     </dgm:fillClrLst>
-    <dgm:linClrLst>
+    <dgm:linClrLst meth="repeat">
+      <a:schemeClr val="accent2"/>
+      <a:schemeClr val="accent3"/>
       <a:schemeClr val="accent4"/>
       <a:schemeClr val="accent5"/>
+      <a:schemeClr val="accent6"/>
     </dgm:linClrLst>
     <dgm:effectClrLst/>
     <dgm:txLinClrLst/>
@@ -1617,9 +1667,12 @@
         <a:alpha val="90000"/>
       </a:schemeClr>
     </dgm:fillClrLst>
-    <dgm:linClrLst>
+    <dgm:linClrLst meth="repeat">
+      <a:schemeClr val="accent2"/>
+      <a:schemeClr val="accent3"/>
       <a:schemeClr val="accent4"/>
       <a:schemeClr val="accent5"/>
+      <a:schemeClr val="accent6"/>
     </dgm:linClrLst>
     <dgm:effectClrLst/>
     <dgm:txLinClrLst/>
@@ -1635,7 +1688,7 @@
       </a:schemeClr>
     </dgm:fillClrLst>
     <dgm:linClrLst meth="repeat">
-      <a:schemeClr val="accent4"/>
+      <a:schemeClr val="accent1"/>
     </dgm:linClrLst>
     <dgm:effectClrLst/>
     <dgm:txLinClrLst/>
@@ -1650,9 +1703,12 @@
         <a:alpha val="90000"/>
       </a:schemeClr>
     </dgm:fillClrLst>
-    <dgm:linClrLst>
+    <dgm:linClrLst meth="repeat">
+      <a:schemeClr val="accent2"/>
+      <a:schemeClr val="accent3"/>
       <a:schemeClr val="accent4"/>
       <a:schemeClr val="accent5"/>
+      <a:schemeClr val="accent6"/>
     </dgm:linClrLst>
     <dgm:effectClrLst/>
     <dgm:txLinClrLst/>
@@ -1665,9 +1721,12 @@
     <dgm:fillClrLst meth="repeat">
       <a:schemeClr val="lt1"/>
     </dgm:fillClrLst>
-    <dgm:linClrLst>
+    <dgm:linClrLst meth="repeat">
+      <a:schemeClr val="accent2"/>
+      <a:schemeClr val="accent3"/>
       <a:schemeClr val="accent4"/>
       <a:schemeClr val="accent5"/>
+      <a:schemeClr val="accent6"/>
     </dgm:linClrLst>
     <dgm:effectClrLst/>
     <dgm:txLinClrLst/>
@@ -1680,9 +1739,12 @@
     <dgm:fillClrLst meth="repeat">
       <a:schemeClr val="lt1"/>
     </dgm:fillClrLst>
-    <dgm:linClrLst>
+    <dgm:linClrLst meth="repeat">
+      <a:schemeClr val="accent2"/>
+      <a:schemeClr val="accent3"/>
       <a:schemeClr val="accent4"/>
       <a:schemeClr val="accent5"/>
+      <a:schemeClr val="accent6"/>
     </dgm:linClrLst>
     <dgm:effectClrLst/>
     <dgm:txLinClrLst/>
@@ -1695,9 +1757,12 @@
     <dgm:fillClrLst meth="repeat">
       <a:schemeClr val="lt1"/>
     </dgm:fillClrLst>
-    <dgm:linClrLst>
+    <dgm:linClrLst meth="repeat">
+      <a:schemeClr val="accent2"/>
+      <a:schemeClr val="accent3"/>
       <a:schemeClr val="accent4"/>
       <a:schemeClr val="accent5"/>
+      <a:schemeClr val="accent6"/>
     </dgm:linClrLst>
     <dgm:effectClrLst/>
     <dgm:txLinClrLst/>
@@ -1707,7 +1772,15 @@
     <dgm:txEffectClrLst/>
   </dgm:styleLbl>
   <dgm:styleLbl name="fgAccFollowNode1">
-    <dgm:fillClrLst>
+    <dgm:fillClrLst meth="repeat">
+      <a:schemeClr val="accent2">
+        <a:tint val="40000"/>
+        <a:alpha val="90000"/>
+      </a:schemeClr>
+      <a:schemeClr val="accent3">
+        <a:tint val="40000"/>
+        <a:alpha val="90000"/>
+      </a:schemeClr>
       <a:schemeClr val="accent4">
         <a:tint val="40000"/>
         <a:alpha val="90000"/>
@@ -1716,13 +1789,29 @@
         <a:tint val="40000"/>
         <a:alpha val="90000"/>
       </a:schemeClr>
+      <a:schemeClr val="accent6">
+        <a:tint val="40000"/>
+        <a:alpha val="90000"/>
+      </a:schemeClr>
     </dgm:fillClrLst>
-    <dgm:linClrLst>
+    <dgm:linClrLst meth="repeat">
+      <a:schemeClr val="accent2">
+        <a:tint val="40000"/>
+        <a:alpha val="90000"/>
+      </a:schemeClr>
+      <a:schemeClr val="accent3">
+        <a:tint val="40000"/>
+        <a:alpha val="90000"/>
+      </a:schemeClr>
       <a:schemeClr val="accent4">
         <a:tint val="40000"/>
         <a:alpha val="90000"/>
       </a:schemeClr>
       <a:schemeClr val="accent5">
+        <a:tint val="40000"/>
+        <a:alpha val="90000"/>
+      </a:schemeClr>
+      <a:schemeClr val="accent6">
         <a:tint val="40000"/>
         <a:alpha val="90000"/>
       </a:schemeClr>
@@ -1735,7 +1824,15 @@
     <dgm:txEffectClrLst/>
   </dgm:styleLbl>
   <dgm:styleLbl name="alignAccFollowNode1">
-    <dgm:fillClrLst>
+    <dgm:fillClrLst meth="repeat">
+      <a:schemeClr val="accent2">
+        <a:tint val="40000"/>
+        <a:alpha val="90000"/>
+      </a:schemeClr>
+      <a:schemeClr val="accent3">
+        <a:tint val="40000"/>
+        <a:alpha val="90000"/>
+      </a:schemeClr>
       <a:schemeClr val="accent4">
         <a:tint val="40000"/>
         <a:alpha val="90000"/>
@@ -1744,13 +1841,29 @@
         <a:tint val="40000"/>
         <a:alpha val="90000"/>
       </a:schemeClr>
+      <a:schemeClr val="accent6">
+        <a:tint val="40000"/>
+        <a:alpha val="90000"/>
+      </a:schemeClr>
     </dgm:fillClrLst>
-    <dgm:linClrLst>
+    <dgm:linClrLst meth="repeat">
+      <a:schemeClr val="accent2">
+        <a:tint val="40000"/>
+        <a:alpha val="90000"/>
+      </a:schemeClr>
+      <a:schemeClr val="accent3">
+        <a:tint val="40000"/>
+        <a:alpha val="90000"/>
+      </a:schemeClr>
       <a:schemeClr val="accent4">
         <a:tint val="40000"/>
         <a:alpha val="90000"/>
       </a:schemeClr>
       <a:schemeClr val="accent5">
+        <a:tint val="40000"/>
+        <a:alpha val="90000"/>
+      </a:schemeClr>
+      <a:schemeClr val="accent6">
         <a:tint val="40000"/>
         <a:alpha val="90000"/>
       </a:schemeClr>
@@ -1763,7 +1876,15 @@
     <dgm:txEffectClrLst/>
   </dgm:styleLbl>
   <dgm:styleLbl name="bgAccFollowNode1">
-    <dgm:fillClrLst>
+    <dgm:fillClrLst meth="repeat">
+      <a:schemeClr val="accent2">
+        <a:tint val="40000"/>
+        <a:alpha val="90000"/>
+      </a:schemeClr>
+      <a:schemeClr val="accent3">
+        <a:tint val="40000"/>
+        <a:alpha val="90000"/>
+      </a:schemeClr>
       <a:schemeClr val="accent4">
         <a:tint val="40000"/>
         <a:alpha val="90000"/>
@@ -1772,13 +1893,29 @@
         <a:tint val="40000"/>
         <a:alpha val="90000"/>
       </a:schemeClr>
+      <a:schemeClr val="accent6">
+        <a:tint val="40000"/>
+        <a:alpha val="90000"/>
+      </a:schemeClr>
     </dgm:fillClrLst>
-    <dgm:linClrLst>
+    <dgm:linClrLst meth="repeat">
+      <a:schemeClr val="accent2">
+        <a:tint val="40000"/>
+        <a:alpha val="90000"/>
+      </a:schemeClr>
+      <a:schemeClr val="accent3">
+        <a:tint val="40000"/>
+        <a:alpha val="90000"/>
+      </a:schemeClr>
       <a:schemeClr val="accent4">
         <a:tint val="40000"/>
         <a:alpha val="90000"/>
       </a:schemeClr>
       <a:schemeClr val="accent5">
+        <a:tint val="40000"/>
+        <a:alpha val="90000"/>
+      </a:schemeClr>
+      <a:schemeClr val="accent6">
         <a:tint val="40000"/>
         <a:alpha val="90000"/>
       </a:schemeClr>
@@ -1797,7 +1934,7 @@
       </a:schemeClr>
     </dgm:fillClrLst>
     <dgm:linClrLst>
-      <a:schemeClr val="accent3"/>
+      <a:schemeClr val="accent1"/>
     </dgm:linClrLst>
     <dgm:effectClrLst/>
     <dgm:txLinClrLst/>
@@ -1813,7 +1950,7 @@
       </a:schemeClr>
     </dgm:fillClrLst>
     <dgm:linClrLst>
-      <a:schemeClr val="accent5"/>
+      <a:schemeClr val="accent2"/>
     </dgm:linClrLst>
     <dgm:effectClrLst/>
     <dgm:txLinClrLst/>
@@ -1829,7 +1966,7 @@
       </a:schemeClr>
     </dgm:fillClrLst>
     <dgm:linClrLst>
-      <a:schemeClr val="accent6"/>
+      <a:schemeClr val="accent3"/>
     </dgm:linClrLst>
     <dgm:effectClrLst/>
     <dgm:txLinClrLst/>
@@ -1845,7 +1982,7 @@
       </a:schemeClr>
     </dgm:fillClrLst>
     <dgm:linClrLst>
-      <a:schemeClr val="accent1"/>
+      <a:schemeClr val="accent4"/>
     </dgm:linClrLst>
     <dgm:effectClrLst/>
     <dgm:txLinClrLst/>
@@ -1856,7 +1993,7 @@
   </dgm:styleLbl>
   <dgm:styleLbl name="bgShp">
     <dgm:fillClrLst meth="repeat">
-      <a:schemeClr val="accent4">
+      <a:schemeClr val="accent2">
         <a:tint val="40000"/>
       </a:schemeClr>
     </dgm:fillClrLst>
@@ -1872,7 +2009,7 @@
   </dgm:styleLbl>
   <dgm:styleLbl name="dkBgShp">
     <dgm:fillClrLst meth="repeat">
-      <a:schemeClr val="accent4">
+      <a:schemeClr val="accent2">
         <a:shade val="90000"/>
       </a:schemeClr>
     </dgm:fillClrLst>
@@ -1888,13 +2025,13 @@
   </dgm:styleLbl>
   <dgm:styleLbl name="trBgShp">
     <dgm:fillClrLst meth="repeat">
-      <a:schemeClr val="accent4">
+      <a:schemeClr val="accent1">
         <a:tint val="50000"/>
         <a:alpha val="40000"/>
       </a:schemeClr>
     </dgm:fillClrLst>
     <dgm:linClrLst meth="repeat">
-      <a:schemeClr val="accent4"/>
+      <a:schemeClr val="accent2"/>
     </dgm:linClrLst>
     <dgm:effectClrLst/>
     <dgm:txLinClrLst/>
@@ -1905,7 +2042,7 @@
   </dgm:styleLbl>
   <dgm:styleLbl name="fgShp">
     <dgm:fillClrLst meth="repeat">
-      <a:schemeClr val="accent4">
+      <a:schemeClr val="accent2">
         <a:tint val="40000"/>
       </a:schemeClr>
     </dgm:fillClrLst>
@@ -1941,15 +2078,15 @@
 </file>
 
 <file path=ppt/diagrams/colors2.xml><?xml version="1.0" encoding="utf-8"?>
-<dgm:colorsDef xmlns:dgm="http://schemas.openxmlformats.org/drawingml/2006/diagram" xmlns:a="http://schemas.openxmlformats.org/drawingml/2006/main" uniqueId="urn:microsoft.com/office/officeart/2005/8/colors/colorful4">
+<dgm:colorsDef xmlns:dgm="http://schemas.openxmlformats.org/drawingml/2006/diagram" xmlns:a="http://schemas.openxmlformats.org/drawingml/2006/main" uniqueId="urn:microsoft.com/office/officeart/2005/8/colors/colorful1">
   <dgm:title val=""/>
   <dgm:desc val=""/>
   <dgm:catLst>
-    <dgm:cat type="colorful" pri="10400"/>
+    <dgm:cat type="colorful" pri="10100"/>
   </dgm:catLst>
   <dgm:styleLbl name="node0">
     <dgm:fillClrLst meth="repeat">
-      <a:schemeClr val="accent3"/>
+      <a:schemeClr val="accent1"/>
     </dgm:fillClrLst>
     <dgm:linClrLst meth="repeat">
       <a:schemeClr val="lt1"/>
@@ -1960,9 +2097,12 @@
     <dgm:txEffectClrLst/>
   </dgm:styleLbl>
   <dgm:styleLbl name="node1">
-    <dgm:fillClrLst>
+    <dgm:fillClrLst meth="repeat">
+      <a:schemeClr val="accent2"/>
+      <a:schemeClr val="accent3"/>
       <a:schemeClr val="accent4"/>
       <a:schemeClr val="accent5"/>
+      <a:schemeClr val="accent6"/>
     </dgm:fillClrLst>
     <dgm:linClrLst meth="repeat">
       <a:schemeClr val="lt1"/>
@@ -1973,13 +2113,19 @@
     <dgm:txEffectClrLst/>
   </dgm:styleLbl>
   <dgm:styleLbl name="alignNode1">
-    <dgm:fillClrLst>
+    <dgm:fillClrLst meth="repeat">
+      <a:schemeClr val="accent2"/>
+      <a:schemeClr val="accent3"/>
       <a:schemeClr val="accent4"/>
       <a:schemeClr val="accent5"/>
+      <a:schemeClr val="accent6"/>
     </dgm:fillClrLst>
-    <dgm:linClrLst>
+    <dgm:linClrLst meth="repeat">
+      <a:schemeClr val="accent2"/>
+      <a:schemeClr val="accent3"/>
       <a:schemeClr val="accent4"/>
       <a:schemeClr val="accent5"/>
+      <a:schemeClr val="accent6"/>
     </dgm:linClrLst>
     <dgm:effectClrLst/>
     <dgm:txLinClrLst/>
@@ -1987,9 +2133,12 @@
     <dgm:txEffectClrLst/>
   </dgm:styleLbl>
   <dgm:styleLbl name="lnNode1">
-    <dgm:fillClrLst>
+    <dgm:fillClrLst meth="repeat">
+      <a:schemeClr val="accent2"/>
+      <a:schemeClr val="accent3"/>
       <a:schemeClr val="accent4"/>
       <a:schemeClr val="accent5"/>
+      <a:schemeClr val="accent6"/>
     </dgm:fillClrLst>
     <dgm:linClrLst meth="repeat">
       <a:schemeClr val="lt1"/>
@@ -2000,11 +2149,20 @@
     <dgm:txEffectClrLst/>
   </dgm:styleLbl>
   <dgm:styleLbl name="vennNode1">
-    <dgm:fillClrLst>
+    <dgm:fillClrLst meth="repeat">
+      <a:schemeClr val="accent2">
+        <a:alpha val="50000"/>
+      </a:schemeClr>
+      <a:schemeClr val="accent3">
+        <a:alpha val="50000"/>
+      </a:schemeClr>
       <a:schemeClr val="accent4">
         <a:alpha val="50000"/>
       </a:schemeClr>
       <a:schemeClr val="accent5">
+        <a:alpha val="50000"/>
+      </a:schemeClr>
+      <a:schemeClr val="accent6">
         <a:alpha val="50000"/>
       </a:schemeClr>
     </dgm:fillClrLst>
@@ -2018,7 +2176,7 @@
   </dgm:styleLbl>
   <dgm:styleLbl name="node2">
     <dgm:fillClrLst>
-      <a:schemeClr val="accent5"/>
+      <a:schemeClr val="accent2"/>
     </dgm:fillClrLst>
     <dgm:linClrLst meth="repeat">
       <a:schemeClr val="lt1"/>
@@ -2030,7 +2188,7 @@
   </dgm:styleLbl>
   <dgm:styleLbl name="node3">
     <dgm:fillClrLst>
-      <a:schemeClr val="accent6"/>
+      <a:schemeClr val="accent3"/>
     </dgm:fillClrLst>
     <dgm:linClrLst meth="repeat">
       <a:schemeClr val="lt1"/>
@@ -2042,7 +2200,7 @@
   </dgm:styleLbl>
   <dgm:styleLbl name="node4">
     <dgm:fillClrLst>
-      <a:schemeClr val="accent1"/>
+      <a:schemeClr val="accent4"/>
     </dgm:fillClrLst>
     <dgm:linClrLst meth="repeat">
       <a:schemeClr val="lt1"/>
@@ -2053,11 +2211,20 @@
     <dgm:txEffectClrLst/>
   </dgm:styleLbl>
   <dgm:styleLbl name="fgImgPlace1">
-    <dgm:fillClrLst>
+    <dgm:fillClrLst meth="repeat">
+      <a:schemeClr val="accent2">
+        <a:tint val="50000"/>
+      </a:schemeClr>
+      <a:schemeClr val="accent3">
+        <a:tint val="50000"/>
+      </a:schemeClr>
       <a:schemeClr val="accent4">
         <a:tint val="50000"/>
       </a:schemeClr>
       <a:schemeClr val="accent5">
+        <a:tint val="50000"/>
+      </a:schemeClr>
+      <a:schemeClr val="accent6">
         <a:tint val="50000"/>
       </a:schemeClr>
     </dgm:fillClrLst>
@@ -2073,10 +2240,10 @@
   </dgm:styleLbl>
   <dgm:styleLbl name="alignImgPlace1">
     <dgm:fillClrLst>
-      <a:schemeClr val="accent4">
+      <a:schemeClr val="accent1">
         <a:tint val="50000"/>
       </a:schemeClr>
-      <a:schemeClr val="accent5">
+      <a:schemeClr val="accent2">
         <a:tint val="20000"/>
       </a:schemeClr>
     </dgm:fillClrLst>
@@ -2092,10 +2259,10 @@
   </dgm:styleLbl>
   <dgm:styleLbl name="bgImgPlace1">
     <dgm:fillClrLst>
-      <a:schemeClr val="accent4">
+      <a:schemeClr val="accent1">
         <a:tint val="50000"/>
       </a:schemeClr>
-      <a:schemeClr val="accent5">
+      <a:schemeClr val="accent2">
         <a:tint val="20000"/>
       </a:schemeClr>
     </dgm:fillClrLst>
@@ -2110,11 +2277,14 @@
     <dgm:txEffectClrLst/>
   </dgm:styleLbl>
   <dgm:styleLbl name="sibTrans2D1">
-    <dgm:fillClrLst>
+    <dgm:fillClrLst meth="repeat">
+      <a:schemeClr val="accent2"/>
+      <a:schemeClr val="accent3"/>
       <a:schemeClr val="accent4"/>
       <a:schemeClr val="accent5"/>
+      <a:schemeClr val="accent6"/>
     </dgm:fillClrLst>
-    <dgm:linClrLst meth="repeat">
+    <dgm:linClrLst meth="cycle">
       <a:schemeClr val="lt1"/>
     </dgm:linClrLst>
     <dgm:effectClrLst/>
@@ -2123,11 +2293,14 @@
     <dgm:txEffectClrLst/>
   </dgm:styleLbl>
   <dgm:styleLbl name="fgSibTrans2D1">
-    <dgm:fillClrLst>
+    <dgm:fillClrLst meth="repeat">
+      <a:schemeClr val="accent2"/>
+      <a:schemeClr val="accent3"/>
       <a:schemeClr val="accent4"/>
       <a:schemeClr val="accent5"/>
+      <a:schemeClr val="accent6"/>
     </dgm:fillClrLst>
-    <dgm:linClrLst meth="repeat">
+    <dgm:linClrLst meth="cycle">
       <a:schemeClr val="lt1"/>
     </dgm:linClrLst>
     <dgm:effectClrLst/>
@@ -2138,11 +2311,14 @@
     <dgm:txEffectClrLst/>
   </dgm:styleLbl>
   <dgm:styleLbl name="bgSibTrans2D1">
-    <dgm:fillClrLst>
+    <dgm:fillClrLst meth="repeat">
+      <a:schemeClr val="accent2"/>
+      <a:schemeClr val="accent3"/>
       <a:schemeClr val="accent4"/>
       <a:schemeClr val="accent5"/>
+      <a:schemeClr val="accent6"/>
     </dgm:fillClrLst>
-    <dgm:linClrLst meth="repeat">
+    <dgm:linClrLst meth="cycle">
       <a:schemeClr val="lt1"/>
     </dgm:linClrLst>
     <dgm:effectClrLst/>
@@ -2153,10 +2329,19 @@
     <dgm:txEffectClrLst/>
   </dgm:styleLbl>
   <dgm:styleLbl name="sibTrans1D1">
-    <dgm:fillClrLst/>
-    <dgm:linClrLst>
+    <dgm:fillClrLst meth="repeat">
+      <a:schemeClr val="accent2"/>
+      <a:schemeClr val="accent3"/>
       <a:schemeClr val="accent4"/>
       <a:schemeClr val="accent5"/>
+      <a:schemeClr val="accent6"/>
+    </dgm:fillClrLst>
+    <dgm:linClrLst meth="repeat">
+      <a:schemeClr val="accent2"/>
+      <a:schemeClr val="accent3"/>
+      <a:schemeClr val="accent4"/>
+      <a:schemeClr val="accent5"/>
+      <a:schemeClr val="accent6"/>
     </dgm:linClrLst>
     <dgm:effectClrLst/>
     <dgm:txLinClrLst/>
@@ -2167,10 +2352,10 @@
   </dgm:styleLbl>
   <dgm:styleLbl name="callout">
     <dgm:fillClrLst meth="repeat">
-      <a:schemeClr val="accent4"/>
+      <a:schemeClr val="accent2"/>
     </dgm:fillClrLst>
     <dgm:linClrLst meth="repeat">
-      <a:schemeClr val="accent4">
+      <a:schemeClr val="accent2">
         <a:tint val="50000"/>
       </a:schemeClr>
     </dgm:linClrLst>
@@ -2183,12 +2368,10 @@
   </dgm:styleLbl>
   <dgm:styleLbl name="asst0">
     <dgm:fillClrLst meth="repeat">
-      <a:schemeClr val="accent4"/>
+      <a:schemeClr val="accent1"/>
     </dgm:fillClrLst>
     <dgm:linClrLst meth="repeat">
-      <a:schemeClr val="lt1">
-        <a:shade val="80000"/>
-      </a:schemeClr>
+      <a:schemeClr val="lt1"/>
     </dgm:linClrLst>
     <dgm:effectClrLst/>
     <dgm:txLinClrLst/>
@@ -2197,12 +2380,10 @@
   </dgm:styleLbl>
   <dgm:styleLbl name="asst1">
     <dgm:fillClrLst meth="repeat">
-      <a:schemeClr val="accent5"/>
+      <a:schemeClr val="accent2"/>
     </dgm:fillClrLst>
     <dgm:linClrLst meth="repeat">
-      <a:schemeClr val="lt1">
-        <a:shade val="80000"/>
-      </a:schemeClr>
+      <a:schemeClr val="lt1"/>
     </dgm:linClrLst>
     <dgm:effectClrLst/>
     <dgm:txLinClrLst/>
@@ -2211,7 +2392,7 @@
   </dgm:styleLbl>
   <dgm:styleLbl name="asst2">
     <dgm:fillClrLst>
-      <a:schemeClr val="accent6"/>
+      <a:schemeClr val="accent3"/>
     </dgm:fillClrLst>
     <dgm:linClrLst meth="repeat">
       <a:schemeClr val="lt1"/>
@@ -2223,7 +2404,7 @@
   </dgm:styleLbl>
   <dgm:styleLbl name="asst3">
     <dgm:fillClrLst>
-      <a:schemeClr val="accent1"/>
+      <a:schemeClr val="accent4"/>
     </dgm:fillClrLst>
     <dgm:linClrLst meth="repeat">
       <a:schemeClr val="lt1"/>
@@ -2235,7 +2416,7 @@
   </dgm:styleLbl>
   <dgm:styleLbl name="asst4">
     <dgm:fillClrLst>
-      <a:schemeClr val="accent2"/>
+      <a:schemeClr val="accent5"/>
     </dgm:fillClrLst>
     <dgm:linClrLst meth="repeat">
       <a:schemeClr val="lt1"/>
@@ -2247,7 +2428,7 @@
   </dgm:styleLbl>
   <dgm:styleLbl name="parChTrans2D1">
     <dgm:fillClrLst meth="repeat">
-      <a:schemeClr val="accent4"/>
+      <a:schemeClr val="accent2"/>
     </dgm:fillClrLst>
     <dgm:linClrLst meth="repeat">
       <a:schemeClr val="lt1"/>
@@ -2261,7 +2442,7 @@
   </dgm:styleLbl>
   <dgm:styleLbl name="parChTrans2D2">
     <dgm:fillClrLst meth="repeat">
-      <a:schemeClr val="accent5"/>
+      <a:schemeClr val="accent3"/>
     </dgm:fillClrLst>
     <dgm:linClrLst meth="repeat">
       <a:schemeClr val="lt1"/>
@@ -2273,7 +2454,7 @@
   </dgm:styleLbl>
   <dgm:styleLbl name="parChTrans2D3">
     <dgm:fillClrLst meth="repeat">
-      <a:schemeClr val="accent5"/>
+      <a:schemeClr val="accent4"/>
     </dgm:fillClrLst>
     <dgm:linClrLst meth="repeat">
       <a:schemeClr val="lt1"/>
@@ -2285,7 +2466,7 @@
   </dgm:styleLbl>
   <dgm:styleLbl name="parChTrans2D4">
     <dgm:fillClrLst meth="repeat">
-      <a:schemeClr val="accent6"/>
+      <a:schemeClr val="accent5"/>
     </dgm:fillClrLst>
     <dgm:linClrLst meth="repeat">
       <a:schemeClr val="lt1"/>
@@ -2299,10 +2480,10 @@
   </dgm:styleLbl>
   <dgm:styleLbl name="parChTrans1D1">
     <dgm:fillClrLst meth="repeat">
-      <a:schemeClr val="accent4"/>
+      <a:schemeClr val="accent2"/>
     </dgm:fillClrLst>
     <dgm:linClrLst meth="repeat">
-      <a:schemeClr val="accent4"/>
+      <a:schemeClr val="accent1"/>
     </dgm:linClrLst>
     <dgm:effectClrLst/>
     <dgm:txLinClrLst/>
@@ -2313,12 +2494,12 @@
   </dgm:styleLbl>
   <dgm:styleLbl name="parChTrans1D2">
     <dgm:fillClrLst meth="repeat">
-      <a:schemeClr val="accent4">
+      <a:schemeClr val="accent3">
         <a:tint val="90000"/>
       </a:schemeClr>
     </dgm:fillClrLst>
     <dgm:linClrLst meth="repeat">
-      <a:schemeClr val="accent5"/>
+      <a:schemeClr val="accent2"/>
     </dgm:linClrLst>
     <dgm:effectClrLst/>
     <dgm:txLinClrLst/>
@@ -2334,7 +2515,7 @@
       </a:schemeClr>
     </dgm:fillClrLst>
     <dgm:linClrLst meth="repeat">
-      <a:schemeClr val="accent6"/>
+      <a:schemeClr val="accent3"/>
     </dgm:linClrLst>
     <dgm:effectClrLst/>
     <dgm:txLinClrLst/>
@@ -2345,12 +2526,12 @@
   </dgm:styleLbl>
   <dgm:styleLbl name="parChTrans1D4">
     <dgm:fillClrLst meth="repeat">
-      <a:schemeClr val="accent4">
+      <a:schemeClr val="accent5">
         <a:tint val="50000"/>
       </a:schemeClr>
     </dgm:fillClrLst>
     <dgm:linClrLst meth="repeat">
-      <a:schemeClr val="accent1"/>
+      <a:schemeClr val="accent4"/>
     </dgm:linClrLst>
     <dgm:effectClrLst/>
     <dgm:txLinClrLst/>
@@ -2365,9 +2546,12 @@
         <a:alpha val="90000"/>
       </a:schemeClr>
     </dgm:fillClrLst>
-    <dgm:linClrLst>
+    <dgm:linClrLst meth="repeat">
+      <a:schemeClr val="accent2"/>
+      <a:schemeClr val="accent3"/>
       <a:schemeClr val="accent4"/>
       <a:schemeClr val="accent5"/>
+      <a:schemeClr val="accent6"/>
     </dgm:linClrLst>
     <dgm:effectClrLst/>
     <dgm:txLinClrLst/>
@@ -2382,9 +2566,12 @@
         <a:alpha val="90000"/>
       </a:schemeClr>
     </dgm:fillClrLst>
-    <dgm:linClrLst>
+    <dgm:linClrLst meth="repeat">
+      <a:schemeClr val="accent2"/>
+      <a:schemeClr val="accent3"/>
       <a:schemeClr val="accent4"/>
       <a:schemeClr val="accent5"/>
+      <a:schemeClr val="accent6"/>
     </dgm:linClrLst>
     <dgm:effectClrLst/>
     <dgm:txLinClrLst/>
@@ -2399,9 +2586,12 @@
         <a:alpha val="90000"/>
       </a:schemeClr>
     </dgm:fillClrLst>
-    <dgm:linClrLst>
+    <dgm:linClrLst meth="repeat">
+      <a:schemeClr val="accent2"/>
+      <a:schemeClr val="accent3"/>
       <a:schemeClr val="accent4"/>
       <a:schemeClr val="accent5"/>
+      <a:schemeClr val="accent6"/>
     </dgm:linClrLst>
     <dgm:effectClrLst/>
     <dgm:txLinClrLst/>
@@ -2417,7 +2607,7 @@
       </a:schemeClr>
     </dgm:fillClrLst>
     <dgm:linClrLst meth="repeat">
-      <a:schemeClr val="accent4"/>
+      <a:schemeClr val="accent1"/>
     </dgm:linClrLst>
     <dgm:effectClrLst/>
     <dgm:txLinClrLst/>
@@ -2432,9 +2622,12 @@
         <a:alpha val="90000"/>
       </a:schemeClr>
     </dgm:fillClrLst>
-    <dgm:linClrLst>
+    <dgm:linClrLst meth="repeat">
+      <a:schemeClr val="accent2"/>
+      <a:schemeClr val="accent3"/>
       <a:schemeClr val="accent4"/>
       <a:schemeClr val="accent5"/>
+      <a:schemeClr val="accent6"/>
     </dgm:linClrLst>
     <dgm:effectClrLst/>
     <dgm:txLinClrLst/>
@@ -2447,9 +2640,12 @@
     <dgm:fillClrLst meth="repeat">
       <a:schemeClr val="lt1"/>
     </dgm:fillClrLst>
-    <dgm:linClrLst>
+    <dgm:linClrLst meth="repeat">
+      <a:schemeClr val="accent2"/>
+      <a:schemeClr val="accent3"/>
       <a:schemeClr val="accent4"/>
       <a:schemeClr val="accent5"/>
+      <a:schemeClr val="accent6"/>
     </dgm:linClrLst>
     <dgm:effectClrLst/>
     <dgm:txLinClrLst/>
@@ -2462,9 +2658,12 @@
     <dgm:fillClrLst meth="repeat">
       <a:schemeClr val="lt1"/>
     </dgm:fillClrLst>
-    <dgm:linClrLst>
+    <dgm:linClrLst meth="repeat">
+      <a:schemeClr val="accent2"/>
+      <a:schemeClr val="accent3"/>
       <a:schemeClr val="accent4"/>
       <a:schemeClr val="accent5"/>
+      <a:schemeClr val="accent6"/>
     </dgm:linClrLst>
     <dgm:effectClrLst/>
     <dgm:txLinClrLst/>
@@ -2477,9 +2676,12 @@
     <dgm:fillClrLst meth="repeat">
       <a:schemeClr val="lt1"/>
     </dgm:fillClrLst>
-    <dgm:linClrLst>
+    <dgm:linClrLst meth="repeat">
+      <a:schemeClr val="accent2"/>
+      <a:schemeClr val="accent3"/>
       <a:schemeClr val="accent4"/>
       <a:schemeClr val="accent5"/>
+      <a:schemeClr val="accent6"/>
     </dgm:linClrLst>
     <dgm:effectClrLst/>
     <dgm:txLinClrLst/>
@@ -2489,7 +2691,15 @@
     <dgm:txEffectClrLst/>
   </dgm:styleLbl>
   <dgm:styleLbl name="fgAccFollowNode1">
-    <dgm:fillClrLst>
+    <dgm:fillClrLst meth="repeat">
+      <a:schemeClr val="accent2">
+        <a:tint val="40000"/>
+        <a:alpha val="90000"/>
+      </a:schemeClr>
+      <a:schemeClr val="accent3">
+        <a:tint val="40000"/>
+        <a:alpha val="90000"/>
+      </a:schemeClr>
       <a:schemeClr val="accent4">
         <a:tint val="40000"/>
         <a:alpha val="90000"/>
@@ -2498,13 +2708,29 @@
         <a:tint val="40000"/>
         <a:alpha val="90000"/>
       </a:schemeClr>
+      <a:schemeClr val="accent6">
+        <a:tint val="40000"/>
+        <a:alpha val="90000"/>
+      </a:schemeClr>
     </dgm:fillClrLst>
-    <dgm:linClrLst>
+    <dgm:linClrLst meth="repeat">
+      <a:schemeClr val="accent2">
+        <a:tint val="40000"/>
+        <a:alpha val="90000"/>
+      </a:schemeClr>
+      <a:schemeClr val="accent3">
+        <a:tint val="40000"/>
+        <a:alpha val="90000"/>
+      </a:schemeClr>
       <a:schemeClr val="accent4">
         <a:tint val="40000"/>
         <a:alpha val="90000"/>
       </a:schemeClr>
       <a:schemeClr val="accent5">
+        <a:tint val="40000"/>
+        <a:alpha val="90000"/>
+      </a:schemeClr>
+      <a:schemeClr val="accent6">
         <a:tint val="40000"/>
         <a:alpha val="90000"/>
       </a:schemeClr>
@@ -2517,7 +2743,15 @@
     <dgm:txEffectClrLst/>
   </dgm:styleLbl>
   <dgm:styleLbl name="alignAccFollowNode1">
-    <dgm:fillClrLst>
+    <dgm:fillClrLst meth="repeat">
+      <a:schemeClr val="accent2">
+        <a:tint val="40000"/>
+        <a:alpha val="90000"/>
+      </a:schemeClr>
+      <a:schemeClr val="accent3">
+        <a:tint val="40000"/>
+        <a:alpha val="90000"/>
+      </a:schemeClr>
       <a:schemeClr val="accent4">
         <a:tint val="40000"/>
         <a:alpha val="90000"/>
@@ -2526,13 +2760,29 @@
         <a:tint val="40000"/>
         <a:alpha val="90000"/>
       </a:schemeClr>
+      <a:schemeClr val="accent6">
+        <a:tint val="40000"/>
+        <a:alpha val="90000"/>
+      </a:schemeClr>
     </dgm:fillClrLst>
-    <dgm:linClrLst>
+    <dgm:linClrLst meth="repeat">
+      <a:schemeClr val="accent2">
+        <a:tint val="40000"/>
+        <a:alpha val="90000"/>
+      </a:schemeClr>
+      <a:schemeClr val="accent3">
+        <a:tint val="40000"/>
+        <a:alpha val="90000"/>
+      </a:schemeClr>
       <a:schemeClr val="accent4">
         <a:tint val="40000"/>
         <a:alpha val="90000"/>
       </a:schemeClr>
       <a:schemeClr val="accent5">
+        <a:tint val="40000"/>
+        <a:alpha val="90000"/>
+      </a:schemeClr>
+      <a:schemeClr val="accent6">
         <a:tint val="40000"/>
         <a:alpha val="90000"/>
       </a:schemeClr>
@@ -2545,7 +2795,15 @@
     <dgm:txEffectClrLst/>
   </dgm:styleLbl>
   <dgm:styleLbl name="bgAccFollowNode1">
-    <dgm:fillClrLst>
+    <dgm:fillClrLst meth="repeat">
+      <a:schemeClr val="accent2">
+        <a:tint val="40000"/>
+        <a:alpha val="90000"/>
+      </a:schemeClr>
+      <a:schemeClr val="accent3">
+        <a:tint val="40000"/>
+        <a:alpha val="90000"/>
+      </a:schemeClr>
       <a:schemeClr val="accent4">
         <a:tint val="40000"/>
         <a:alpha val="90000"/>
@@ -2554,13 +2812,29 @@
         <a:tint val="40000"/>
         <a:alpha val="90000"/>
       </a:schemeClr>
+      <a:schemeClr val="accent6">
+        <a:tint val="40000"/>
+        <a:alpha val="90000"/>
+      </a:schemeClr>
     </dgm:fillClrLst>
-    <dgm:linClrLst>
+    <dgm:linClrLst meth="repeat">
+      <a:schemeClr val="accent2">
+        <a:tint val="40000"/>
+        <a:alpha val="90000"/>
+      </a:schemeClr>
+      <a:schemeClr val="accent3">
+        <a:tint val="40000"/>
+        <a:alpha val="90000"/>
+      </a:schemeClr>
       <a:schemeClr val="accent4">
         <a:tint val="40000"/>
         <a:alpha val="90000"/>
       </a:schemeClr>
       <a:schemeClr val="accent5">
+        <a:tint val="40000"/>
+        <a:alpha val="90000"/>
+      </a:schemeClr>
+      <a:schemeClr val="accent6">
         <a:tint val="40000"/>
         <a:alpha val="90000"/>
       </a:schemeClr>
@@ -2579,7 +2853,7 @@
       </a:schemeClr>
     </dgm:fillClrLst>
     <dgm:linClrLst>
-      <a:schemeClr val="accent3"/>
+      <a:schemeClr val="accent1"/>
     </dgm:linClrLst>
     <dgm:effectClrLst/>
     <dgm:txLinClrLst/>
@@ -2595,7 +2869,7 @@
       </a:schemeClr>
     </dgm:fillClrLst>
     <dgm:linClrLst>
-      <a:schemeClr val="accent5"/>
+      <a:schemeClr val="accent2"/>
     </dgm:linClrLst>
     <dgm:effectClrLst/>
     <dgm:txLinClrLst/>
@@ -2611,7 +2885,7 @@
       </a:schemeClr>
     </dgm:fillClrLst>
     <dgm:linClrLst>
-      <a:schemeClr val="accent6"/>
+      <a:schemeClr val="accent3"/>
     </dgm:linClrLst>
     <dgm:effectClrLst/>
     <dgm:txLinClrLst/>
@@ -2627,7 +2901,7 @@
       </a:schemeClr>
     </dgm:fillClrLst>
     <dgm:linClrLst>
-      <a:schemeClr val="accent1"/>
+      <a:schemeClr val="accent4"/>
     </dgm:linClrLst>
     <dgm:effectClrLst/>
     <dgm:txLinClrLst/>
@@ -2638,7 +2912,7 @@
   </dgm:styleLbl>
   <dgm:styleLbl name="bgShp">
     <dgm:fillClrLst meth="repeat">
-      <a:schemeClr val="accent4">
+      <a:schemeClr val="accent2">
         <a:tint val="40000"/>
       </a:schemeClr>
     </dgm:fillClrLst>
@@ -2654,7 +2928,7 @@
   </dgm:styleLbl>
   <dgm:styleLbl name="dkBgShp">
     <dgm:fillClrLst meth="repeat">
-      <a:schemeClr val="accent4">
+      <a:schemeClr val="accent2">
         <a:shade val="90000"/>
       </a:schemeClr>
     </dgm:fillClrLst>
@@ -2670,13 +2944,13 @@
   </dgm:styleLbl>
   <dgm:styleLbl name="trBgShp">
     <dgm:fillClrLst meth="repeat">
-      <a:schemeClr val="accent4">
+      <a:schemeClr val="accent1">
         <a:tint val="50000"/>
         <a:alpha val="40000"/>
       </a:schemeClr>
     </dgm:fillClrLst>
     <dgm:linClrLst meth="repeat">
-      <a:schemeClr val="accent4"/>
+      <a:schemeClr val="accent2"/>
     </dgm:linClrLst>
     <dgm:effectClrLst/>
     <dgm:txLinClrLst/>
@@ -2687,7 +2961,7 @@
   </dgm:styleLbl>
   <dgm:styleLbl name="fgShp">
     <dgm:fillClrLst meth="repeat">
-      <a:schemeClr val="accent4">
+      <a:schemeClr val="accent2">
         <a:tint val="40000"/>
       </a:schemeClr>
     </dgm:fillClrLst>
@@ -2723,15 +2997,15 @@
 </file>
 
 <file path=ppt/diagrams/colors3.xml><?xml version="1.0" encoding="utf-8"?>
-<dgm:colorsDef xmlns:dgm="http://schemas.openxmlformats.org/drawingml/2006/diagram" xmlns:a="http://schemas.openxmlformats.org/drawingml/2006/main" uniqueId="urn:microsoft.com/office/officeart/2005/8/colors/colorful4">
+<dgm:colorsDef xmlns:dgm="http://schemas.openxmlformats.org/drawingml/2006/diagram" xmlns:a="http://schemas.openxmlformats.org/drawingml/2006/main" uniqueId="urn:microsoft.com/office/officeart/2005/8/colors/colorful1">
   <dgm:title val=""/>
   <dgm:desc val=""/>
   <dgm:catLst>
-    <dgm:cat type="colorful" pri="10400"/>
+    <dgm:cat type="colorful" pri="10100"/>
   </dgm:catLst>
   <dgm:styleLbl name="node0">
     <dgm:fillClrLst meth="repeat">
-      <a:schemeClr val="accent3"/>
+      <a:schemeClr val="accent1"/>
     </dgm:fillClrLst>
     <dgm:linClrLst meth="repeat">
       <a:schemeClr val="lt1"/>
@@ -2742,9 +3016,12 @@
     <dgm:txEffectClrLst/>
   </dgm:styleLbl>
   <dgm:styleLbl name="node1">
-    <dgm:fillClrLst>
+    <dgm:fillClrLst meth="repeat">
+      <a:schemeClr val="accent2"/>
+      <a:schemeClr val="accent3"/>
       <a:schemeClr val="accent4"/>
       <a:schemeClr val="accent5"/>
+      <a:schemeClr val="accent6"/>
     </dgm:fillClrLst>
     <dgm:linClrLst meth="repeat">
       <a:schemeClr val="lt1"/>
@@ -2755,13 +3032,19 @@
     <dgm:txEffectClrLst/>
   </dgm:styleLbl>
   <dgm:styleLbl name="alignNode1">
-    <dgm:fillClrLst>
+    <dgm:fillClrLst meth="repeat">
+      <a:schemeClr val="accent2"/>
+      <a:schemeClr val="accent3"/>
       <a:schemeClr val="accent4"/>
       <a:schemeClr val="accent5"/>
+      <a:schemeClr val="accent6"/>
     </dgm:fillClrLst>
-    <dgm:linClrLst>
+    <dgm:linClrLst meth="repeat">
+      <a:schemeClr val="accent2"/>
+      <a:schemeClr val="accent3"/>
       <a:schemeClr val="accent4"/>
       <a:schemeClr val="accent5"/>
+      <a:schemeClr val="accent6"/>
     </dgm:linClrLst>
     <dgm:effectClrLst/>
     <dgm:txLinClrLst/>
@@ -2769,9 +3052,12 @@
     <dgm:txEffectClrLst/>
   </dgm:styleLbl>
   <dgm:styleLbl name="lnNode1">
-    <dgm:fillClrLst>
+    <dgm:fillClrLst meth="repeat">
+      <a:schemeClr val="accent2"/>
+      <a:schemeClr val="accent3"/>
       <a:schemeClr val="accent4"/>
       <a:schemeClr val="accent5"/>
+      <a:schemeClr val="accent6"/>
     </dgm:fillClrLst>
     <dgm:linClrLst meth="repeat">
       <a:schemeClr val="lt1"/>
@@ -2782,11 +3068,20 @@
     <dgm:txEffectClrLst/>
   </dgm:styleLbl>
   <dgm:styleLbl name="vennNode1">
-    <dgm:fillClrLst>
+    <dgm:fillClrLst meth="repeat">
+      <a:schemeClr val="accent2">
+        <a:alpha val="50000"/>
+      </a:schemeClr>
+      <a:schemeClr val="accent3">
+        <a:alpha val="50000"/>
+      </a:schemeClr>
       <a:schemeClr val="accent4">
         <a:alpha val="50000"/>
       </a:schemeClr>
       <a:schemeClr val="accent5">
+        <a:alpha val="50000"/>
+      </a:schemeClr>
+      <a:schemeClr val="accent6">
         <a:alpha val="50000"/>
       </a:schemeClr>
     </dgm:fillClrLst>
@@ -2800,7 +3095,7 @@
   </dgm:styleLbl>
   <dgm:styleLbl name="node2">
     <dgm:fillClrLst>
-      <a:schemeClr val="accent5"/>
+      <a:schemeClr val="accent2"/>
     </dgm:fillClrLst>
     <dgm:linClrLst meth="repeat">
       <a:schemeClr val="lt1"/>
@@ -2812,7 +3107,7 @@
   </dgm:styleLbl>
   <dgm:styleLbl name="node3">
     <dgm:fillClrLst>
-      <a:schemeClr val="accent6"/>
+      <a:schemeClr val="accent3"/>
     </dgm:fillClrLst>
     <dgm:linClrLst meth="repeat">
       <a:schemeClr val="lt1"/>
@@ -2824,7 +3119,7 @@
   </dgm:styleLbl>
   <dgm:styleLbl name="node4">
     <dgm:fillClrLst>
-      <a:schemeClr val="accent1"/>
+      <a:schemeClr val="accent4"/>
     </dgm:fillClrLst>
     <dgm:linClrLst meth="repeat">
       <a:schemeClr val="lt1"/>
@@ -2835,11 +3130,20 @@
     <dgm:txEffectClrLst/>
   </dgm:styleLbl>
   <dgm:styleLbl name="fgImgPlace1">
-    <dgm:fillClrLst>
+    <dgm:fillClrLst meth="repeat">
+      <a:schemeClr val="accent2">
+        <a:tint val="50000"/>
+      </a:schemeClr>
+      <a:schemeClr val="accent3">
+        <a:tint val="50000"/>
+      </a:schemeClr>
       <a:schemeClr val="accent4">
         <a:tint val="50000"/>
       </a:schemeClr>
       <a:schemeClr val="accent5">
+        <a:tint val="50000"/>
+      </a:schemeClr>
+      <a:schemeClr val="accent6">
         <a:tint val="50000"/>
       </a:schemeClr>
     </dgm:fillClrLst>
@@ -2855,10 +3159,10 @@
   </dgm:styleLbl>
   <dgm:styleLbl name="alignImgPlace1">
     <dgm:fillClrLst>
-      <a:schemeClr val="accent4">
+      <a:schemeClr val="accent1">
         <a:tint val="50000"/>
       </a:schemeClr>
-      <a:schemeClr val="accent5">
+      <a:schemeClr val="accent2">
         <a:tint val="20000"/>
       </a:schemeClr>
     </dgm:fillClrLst>
@@ -2874,10 +3178,10 @@
   </dgm:styleLbl>
   <dgm:styleLbl name="bgImgPlace1">
     <dgm:fillClrLst>
-      <a:schemeClr val="accent4">
+      <a:schemeClr val="accent1">
         <a:tint val="50000"/>
       </a:schemeClr>
-      <a:schemeClr val="accent5">
+      <a:schemeClr val="accent2">
         <a:tint val="20000"/>
       </a:schemeClr>
     </dgm:fillClrLst>
@@ -2892,11 +3196,14 @@
     <dgm:txEffectClrLst/>
   </dgm:styleLbl>
   <dgm:styleLbl name="sibTrans2D1">
-    <dgm:fillClrLst>
+    <dgm:fillClrLst meth="repeat">
+      <a:schemeClr val="accent2"/>
+      <a:schemeClr val="accent3"/>
       <a:schemeClr val="accent4"/>
       <a:schemeClr val="accent5"/>
+      <a:schemeClr val="accent6"/>
     </dgm:fillClrLst>
-    <dgm:linClrLst meth="repeat">
+    <dgm:linClrLst meth="cycle">
       <a:schemeClr val="lt1"/>
     </dgm:linClrLst>
     <dgm:effectClrLst/>
@@ -2905,11 +3212,14 @@
     <dgm:txEffectClrLst/>
   </dgm:styleLbl>
   <dgm:styleLbl name="fgSibTrans2D1">
-    <dgm:fillClrLst>
+    <dgm:fillClrLst meth="repeat">
+      <a:schemeClr val="accent2"/>
+      <a:schemeClr val="accent3"/>
       <a:schemeClr val="accent4"/>
       <a:schemeClr val="accent5"/>
+      <a:schemeClr val="accent6"/>
     </dgm:fillClrLst>
-    <dgm:linClrLst meth="repeat">
+    <dgm:linClrLst meth="cycle">
       <a:schemeClr val="lt1"/>
     </dgm:linClrLst>
     <dgm:effectClrLst/>
@@ -2920,11 +3230,14 @@
     <dgm:txEffectClrLst/>
   </dgm:styleLbl>
   <dgm:styleLbl name="bgSibTrans2D1">
-    <dgm:fillClrLst>
+    <dgm:fillClrLst meth="repeat">
+      <a:schemeClr val="accent2"/>
+      <a:schemeClr val="accent3"/>
       <a:schemeClr val="accent4"/>
       <a:schemeClr val="accent5"/>
+      <a:schemeClr val="accent6"/>
     </dgm:fillClrLst>
-    <dgm:linClrLst meth="repeat">
+    <dgm:linClrLst meth="cycle">
       <a:schemeClr val="lt1"/>
     </dgm:linClrLst>
     <dgm:effectClrLst/>
@@ -2935,10 +3248,19 @@
     <dgm:txEffectClrLst/>
   </dgm:styleLbl>
   <dgm:styleLbl name="sibTrans1D1">
-    <dgm:fillClrLst/>
-    <dgm:linClrLst>
+    <dgm:fillClrLst meth="repeat">
+      <a:schemeClr val="accent2"/>
+      <a:schemeClr val="accent3"/>
       <a:schemeClr val="accent4"/>
       <a:schemeClr val="accent5"/>
+      <a:schemeClr val="accent6"/>
+    </dgm:fillClrLst>
+    <dgm:linClrLst meth="repeat">
+      <a:schemeClr val="accent2"/>
+      <a:schemeClr val="accent3"/>
+      <a:schemeClr val="accent4"/>
+      <a:schemeClr val="accent5"/>
+      <a:schemeClr val="accent6"/>
     </dgm:linClrLst>
     <dgm:effectClrLst/>
     <dgm:txLinClrLst/>
@@ -2949,10 +3271,10 @@
   </dgm:styleLbl>
   <dgm:styleLbl name="callout">
     <dgm:fillClrLst meth="repeat">
-      <a:schemeClr val="accent4"/>
+      <a:schemeClr val="accent2"/>
     </dgm:fillClrLst>
     <dgm:linClrLst meth="repeat">
-      <a:schemeClr val="accent4">
+      <a:schemeClr val="accent2">
         <a:tint val="50000"/>
       </a:schemeClr>
     </dgm:linClrLst>
@@ -2965,12 +3287,10 @@
   </dgm:styleLbl>
   <dgm:styleLbl name="asst0">
     <dgm:fillClrLst meth="repeat">
-      <a:schemeClr val="accent4"/>
+      <a:schemeClr val="accent1"/>
     </dgm:fillClrLst>
     <dgm:linClrLst meth="repeat">
-      <a:schemeClr val="lt1">
-        <a:shade val="80000"/>
-      </a:schemeClr>
+      <a:schemeClr val="lt1"/>
     </dgm:linClrLst>
     <dgm:effectClrLst/>
     <dgm:txLinClrLst/>
@@ -2979,12 +3299,10 @@
   </dgm:styleLbl>
   <dgm:styleLbl name="asst1">
     <dgm:fillClrLst meth="repeat">
-      <a:schemeClr val="accent5"/>
+      <a:schemeClr val="accent2"/>
     </dgm:fillClrLst>
     <dgm:linClrLst meth="repeat">
-      <a:schemeClr val="lt1">
-        <a:shade val="80000"/>
-      </a:schemeClr>
+      <a:schemeClr val="lt1"/>
     </dgm:linClrLst>
     <dgm:effectClrLst/>
     <dgm:txLinClrLst/>
@@ -2993,7 +3311,7 @@
   </dgm:styleLbl>
   <dgm:styleLbl name="asst2">
     <dgm:fillClrLst>
-      <a:schemeClr val="accent6"/>
+      <a:schemeClr val="accent3"/>
     </dgm:fillClrLst>
     <dgm:linClrLst meth="repeat">
       <a:schemeClr val="lt1"/>
@@ -3005,7 +3323,7 @@
   </dgm:styleLbl>
   <dgm:styleLbl name="asst3">
     <dgm:fillClrLst>
-      <a:schemeClr val="accent1"/>
+      <a:schemeClr val="accent4"/>
     </dgm:fillClrLst>
     <dgm:linClrLst meth="repeat">
       <a:schemeClr val="lt1"/>
@@ -3017,7 +3335,7 @@
   </dgm:styleLbl>
   <dgm:styleLbl name="asst4">
     <dgm:fillClrLst>
-      <a:schemeClr val="accent2"/>
+      <a:schemeClr val="accent5"/>
     </dgm:fillClrLst>
     <dgm:linClrLst meth="repeat">
       <a:schemeClr val="lt1"/>
@@ -3029,7 +3347,7 @@
   </dgm:styleLbl>
   <dgm:styleLbl name="parChTrans2D1">
     <dgm:fillClrLst meth="repeat">
-      <a:schemeClr val="accent4"/>
+      <a:schemeClr val="accent2"/>
     </dgm:fillClrLst>
     <dgm:linClrLst meth="repeat">
       <a:schemeClr val="lt1"/>
@@ -3043,7 +3361,7 @@
   </dgm:styleLbl>
   <dgm:styleLbl name="parChTrans2D2">
     <dgm:fillClrLst meth="repeat">
-      <a:schemeClr val="accent5"/>
+      <a:schemeClr val="accent3"/>
     </dgm:fillClrLst>
     <dgm:linClrLst meth="repeat">
       <a:schemeClr val="lt1"/>
@@ -3055,7 +3373,7 @@
   </dgm:styleLbl>
   <dgm:styleLbl name="parChTrans2D3">
     <dgm:fillClrLst meth="repeat">
-      <a:schemeClr val="accent5"/>
+      <a:schemeClr val="accent4"/>
     </dgm:fillClrLst>
     <dgm:linClrLst meth="repeat">
       <a:schemeClr val="lt1"/>
@@ -3067,7 +3385,7 @@
   </dgm:styleLbl>
   <dgm:styleLbl name="parChTrans2D4">
     <dgm:fillClrLst meth="repeat">
-      <a:schemeClr val="accent6"/>
+      <a:schemeClr val="accent5"/>
     </dgm:fillClrLst>
     <dgm:linClrLst meth="repeat">
       <a:schemeClr val="lt1"/>
@@ -3081,10 +3399,10 @@
   </dgm:styleLbl>
   <dgm:styleLbl name="parChTrans1D1">
     <dgm:fillClrLst meth="repeat">
-      <a:schemeClr val="accent4"/>
+      <a:schemeClr val="accent2"/>
     </dgm:fillClrLst>
     <dgm:linClrLst meth="repeat">
-      <a:schemeClr val="accent4"/>
+      <a:schemeClr val="accent1"/>
     </dgm:linClrLst>
     <dgm:effectClrLst/>
     <dgm:txLinClrLst/>
@@ -3095,12 +3413,12 @@
   </dgm:styleLbl>
   <dgm:styleLbl name="parChTrans1D2">
     <dgm:fillClrLst meth="repeat">
-      <a:schemeClr val="accent4">
+      <a:schemeClr val="accent3">
         <a:tint val="90000"/>
       </a:schemeClr>
     </dgm:fillClrLst>
     <dgm:linClrLst meth="repeat">
-      <a:schemeClr val="accent5"/>
+      <a:schemeClr val="accent2"/>
     </dgm:linClrLst>
     <dgm:effectClrLst/>
     <dgm:txLinClrLst/>
@@ -3116,7 +3434,7 @@
       </a:schemeClr>
     </dgm:fillClrLst>
     <dgm:linClrLst meth="repeat">
-      <a:schemeClr val="accent6"/>
+      <a:schemeClr val="accent3"/>
     </dgm:linClrLst>
     <dgm:effectClrLst/>
     <dgm:txLinClrLst/>
@@ -3127,12 +3445,12 @@
   </dgm:styleLbl>
   <dgm:styleLbl name="parChTrans1D4">
     <dgm:fillClrLst meth="repeat">
-      <a:schemeClr val="accent4">
+      <a:schemeClr val="accent5">
         <a:tint val="50000"/>
       </a:schemeClr>
     </dgm:fillClrLst>
     <dgm:linClrLst meth="repeat">
-      <a:schemeClr val="accent1"/>
+      <a:schemeClr val="accent4"/>
     </dgm:linClrLst>
     <dgm:effectClrLst/>
     <dgm:txLinClrLst/>
@@ -3147,9 +3465,12 @@
         <a:alpha val="90000"/>
       </a:schemeClr>
     </dgm:fillClrLst>
-    <dgm:linClrLst>
+    <dgm:linClrLst meth="repeat">
+      <a:schemeClr val="accent2"/>
+      <a:schemeClr val="accent3"/>
       <a:schemeClr val="accent4"/>
       <a:schemeClr val="accent5"/>
+      <a:schemeClr val="accent6"/>
     </dgm:linClrLst>
     <dgm:effectClrLst/>
     <dgm:txLinClrLst/>
@@ -3164,9 +3485,12 @@
         <a:alpha val="90000"/>
       </a:schemeClr>
     </dgm:fillClrLst>
-    <dgm:linClrLst>
+    <dgm:linClrLst meth="repeat">
+      <a:schemeClr val="accent2"/>
+      <a:schemeClr val="accent3"/>
       <a:schemeClr val="accent4"/>
       <a:schemeClr val="accent5"/>
+      <a:schemeClr val="accent6"/>
     </dgm:linClrLst>
     <dgm:effectClrLst/>
     <dgm:txLinClrLst/>
@@ -3181,9 +3505,12 @@
         <a:alpha val="90000"/>
       </a:schemeClr>
     </dgm:fillClrLst>
-    <dgm:linClrLst>
+    <dgm:linClrLst meth="repeat">
+      <a:schemeClr val="accent2"/>
+      <a:schemeClr val="accent3"/>
       <a:schemeClr val="accent4"/>
       <a:schemeClr val="accent5"/>
+      <a:schemeClr val="accent6"/>
     </dgm:linClrLst>
     <dgm:effectClrLst/>
     <dgm:txLinClrLst/>
@@ -3199,7 +3526,7 @@
       </a:schemeClr>
     </dgm:fillClrLst>
     <dgm:linClrLst meth="repeat">
-      <a:schemeClr val="accent4"/>
+      <a:schemeClr val="accent1"/>
     </dgm:linClrLst>
     <dgm:effectClrLst/>
     <dgm:txLinClrLst/>
@@ -3214,9 +3541,12 @@
         <a:alpha val="90000"/>
       </a:schemeClr>
     </dgm:fillClrLst>
-    <dgm:linClrLst>
+    <dgm:linClrLst meth="repeat">
+      <a:schemeClr val="accent2"/>
+      <a:schemeClr val="accent3"/>
       <a:schemeClr val="accent4"/>
       <a:schemeClr val="accent5"/>
+      <a:schemeClr val="accent6"/>
     </dgm:linClrLst>
     <dgm:effectClrLst/>
     <dgm:txLinClrLst/>
@@ -3229,9 +3559,12 @@
     <dgm:fillClrLst meth="repeat">
       <a:schemeClr val="lt1"/>
     </dgm:fillClrLst>
-    <dgm:linClrLst>
+    <dgm:linClrLst meth="repeat">
+      <a:schemeClr val="accent2"/>
+      <a:schemeClr val="accent3"/>
       <a:schemeClr val="accent4"/>
       <a:schemeClr val="accent5"/>
+      <a:schemeClr val="accent6"/>
     </dgm:linClrLst>
     <dgm:effectClrLst/>
     <dgm:txLinClrLst/>
@@ -3244,9 +3577,12 @@
     <dgm:fillClrLst meth="repeat">
       <a:schemeClr val="lt1"/>
     </dgm:fillClrLst>
-    <dgm:linClrLst>
+    <dgm:linClrLst meth="repeat">
+      <a:schemeClr val="accent2"/>
+      <a:schemeClr val="accent3"/>
       <a:schemeClr val="accent4"/>
       <a:schemeClr val="accent5"/>
+      <a:schemeClr val="accent6"/>
     </dgm:linClrLst>
     <dgm:effectClrLst/>
     <dgm:txLinClrLst/>
@@ -3259,9 +3595,12 @@
     <dgm:fillClrLst meth="repeat">
       <a:schemeClr val="lt1"/>
     </dgm:fillClrLst>
-    <dgm:linClrLst>
+    <dgm:linClrLst meth="repeat">
+      <a:schemeClr val="accent2"/>
+      <a:schemeClr val="accent3"/>
       <a:schemeClr val="accent4"/>
       <a:schemeClr val="accent5"/>
+      <a:schemeClr val="accent6"/>
     </dgm:linClrLst>
     <dgm:effectClrLst/>
     <dgm:txLinClrLst/>
@@ -3271,7 +3610,15 @@
     <dgm:txEffectClrLst/>
   </dgm:styleLbl>
   <dgm:styleLbl name="fgAccFollowNode1">
-    <dgm:fillClrLst>
+    <dgm:fillClrLst meth="repeat">
+      <a:schemeClr val="accent2">
+        <a:tint val="40000"/>
+        <a:alpha val="90000"/>
+      </a:schemeClr>
+      <a:schemeClr val="accent3">
+        <a:tint val="40000"/>
+        <a:alpha val="90000"/>
+      </a:schemeClr>
       <a:schemeClr val="accent4">
         <a:tint val="40000"/>
         <a:alpha val="90000"/>
@@ -3280,13 +3627,29 @@
         <a:tint val="40000"/>
         <a:alpha val="90000"/>
       </a:schemeClr>
+      <a:schemeClr val="accent6">
+        <a:tint val="40000"/>
+        <a:alpha val="90000"/>
+      </a:schemeClr>
     </dgm:fillClrLst>
-    <dgm:linClrLst>
+    <dgm:linClrLst meth="repeat">
+      <a:schemeClr val="accent2">
+        <a:tint val="40000"/>
+        <a:alpha val="90000"/>
+      </a:schemeClr>
+      <a:schemeClr val="accent3">
+        <a:tint val="40000"/>
+        <a:alpha val="90000"/>
+      </a:schemeClr>
       <a:schemeClr val="accent4">
         <a:tint val="40000"/>
         <a:alpha val="90000"/>
       </a:schemeClr>
       <a:schemeClr val="accent5">
+        <a:tint val="40000"/>
+        <a:alpha val="90000"/>
+      </a:schemeClr>
+      <a:schemeClr val="accent6">
         <a:tint val="40000"/>
         <a:alpha val="90000"/>
       </a:schemeClr>
@@ -3299,7 +3662,15 @@
     <dgm:txEffectClrLst/>
   </dgm:styleLbl>
   <dgm:styleLbl name="alignAccFollowNode1">
-    <dgm:fillClrLst>
+    <dgm:fillClrLst meth="repeat">
+      <a:schemeClr val="accent2">
+        <a:tint val="40000"/>
+        <a:alpha val="90000"/>
+      </a:schemeClr>
+      <a:schemeClr val="accent3">
+        <a:tint val="40000"/>
+        <a:alpha val="90000"/>
+      </a:schemeClr>
       <a:schemeClr val="accent4">
         <a:tint val="40000"/>
         <a:alpha val="90000"/>
@@ -3308,13 +3679,29 @@
         <a:tint val="40000"/>
         <a:alpha val="90000"/>
       </a:schemeClr>
+      <a:schemeClr val="accent6">
+        <a:tint val="40000"/>
+        <a:alpha val="90000"/>
+      </a:schemeClr>
     </dgm:fillClrLst>
-    <dgm:linClrLst>
+    <dgm:linClrLst meth="repeat">
+      <a:schemeClr val="accent2">
+        <a:tint val="40000"/>
+        <a:alpha val="90000"/>
+      </a:schemeClr>
+      <a:schemeClr val="accent3">
+        <a:tint val="40000"/>
+        <a:alpha val="90000"/>
+      </a:schemeClr>
       <a:schemeClr val="accent4">
         <a:tint val="40000"/>
         <a:alpha val="90000"/>
       </a:schemeClr>
       <a:schemeClr val="accent5">
+        <a:tint val="40000"/>
+        <a:alpha val="90000"/>
+      </a:schemeClr>
+      <a:schemeClr val="accent6">
         <a:tint val="40000"/>
         <a:alpha val="90000"/>
       </a:schemeClr>
@@ -3327,7 +3714,15 @@
     <dgm:txEffectClrLst/>
   </dgm:styleLbl>
   <dgm:styleLbl name="bgAccFollowNode1">
-    <dgm:fillClrLst>
+    <dgm:fillClrLst meth="repeat">
+      <a:schemeClr val="accent2">
+        <a:tint val="40000"/>
+        <a:alpha val="90000"/>
+      </a:schemeClr>
+      <a:schemeClr val="accent3">
+        <a:tint val="40000"/>
+        <a:alpha val="90000"/>
+      </a:schemeClr>
       <a:schemeClr val="accent4">
         <a:tint val="40000"/>
         <a:alpha val="90000"/>
@@ -3336,13 +3731,29 @@
         <a:tint val="40000"/>
         <a:alpha val="90000"/>
       </a:schemeClr>
+      <a:schemeClr val="accent6">
+        <a:tint val="40000"/>
+        <a:alpha val="90000"/>
+      </a:schemeClr>
     </dgm:fillClrLst>
-    <dgm:linClrLst>
+    <dgm:linClrLst meth="repeat">
+      <a:schemeClr val="accent2">
+        <a:tint val="40000"/>
+        <a:alpha val="90000"/>
+      </a:schemeClr>
+      <a:schemeClr val="accent3">
+        <a:tint val="40000"/>
+        <a:alpha val="90000"/>
+      </a:schemeClr>
       <a:schemeClr val="accent4">
         <a:tint val="40000"/>
         <a:alpha val="90000"/>
       </a:schemeClr>
       <a:schemeClr val="accent5">
+        <a:tint val="40000"/>
+        <a:alpha val="90000"/>
+      </a:schemeClr>
+      <a:schemeClr val="accent6">
         <a:tint val="40000"/>
         <a:alpha val="90000"/>
       </a:schemeClr>
@@ -3361,7 +3772,7 @@
       </a:schemeClr>
     </dgm:fillClrLst>
     <dgm:linClrLst>
-      <a:schemeClr val="accent3"/>
+      <a:schemeClr val="accent1"/>
     </dgm:linClrLst>
     <dgm:effectClrLst/>
     <dgm:txLinClrLst/>
@@ -3377,7 +3788,7 @@
       </a:schemeClr>
     </dgm:fillClrLst>
     <dgm:linClrLst>
-      <a:schemeClr val="accent5"/>
+      <a:schemeClr val="accent2"/>
     </dgm:linClrLst>
     <dgm:effectClrLst/>
     <dgm:txLinClrLst/>
@@ -3393,7 +3804,7 @@
       </a:schemeClr>
     </dgm:fillClrLst>
     <dgm:linClrLst>
-      <a:schemeClr val="accent6"/>
+      <a:schemeClr val="accent3"/>
     </dgm:linClrLst>
     <dgm:effectClrLst/>
     <dgm:txLinClrLst/>
@@ -3409,7 +3820,7 @@
       </a:schemeClr>
     </dgm:fillClrLst>
     <dgm:linClrLst>
-      <a:schemeClr val="accent1"/>
+      <a:schemeClr val="accent4"/>
     </dgm:linClrLst>
     <dgm:effectClrLst/>
     <dgm:txLinClrLst/>
@@ -3420,7 +3831,7 @@
   </dgm:styleLbl>
   <dgm:styleLbl name="bgShp">
     <dgm:fillClrLst meth="repeat">
-      <a:schemeClr val="accent4">
+      <a:schemeClr val="accent2">
         <a:tint val="40000"/>
       </a:schemeClr>
     </dgm:fillClrLst>
@@ -3436,7 +3847,7 @@
   </dgm:styleLbl>
   <dgm:styleLbl name="dkBgShp">
     <dgm:fillClrLst meth="repeat">
-      <a:schemeClr val="accent4">
+      <a:schemeClr val="accent2">
         <a:shade val="90000"/>
       </a:schemeClr>
     </dgm:fillClrLst>
@@ -3452,13 +3863,13 @@
   </dgm:styleLbl>
   <dgm:styleLbl name="trBgShp">
     <dgm:fillClrLst meth="repeat">
-      <a:schemeClr val="accent4">
+      <a:schemeClr val="accent1">
         <a:tint val="50000"/>
         <a:alpha val="40000"/>
       </a:schemeClr>
     </dgm:fillClrLst>
     <dgm:linClrLst meth="repeat">
-      <a:schemeClr val="accent4"/>
+      <a:schemeClr val="accent2"/>
     </dgm:linClrLst>
     <dgm:effectClrLst/>
     <dgm:txLinClrLst/>
@@ -3469,7 +3880,7 @@
   </dgm:styleLbl>
   <dgm:styleLbl name="fgShp">
     <dgm:fillClrLst meth="repeat">
-      <a:schemeClr val="accent4">
+      <a:schemeClr val="accent2">
         <a:tint val="40000"/>
       </a:schemeClr>
     </dgm:fillClrLst>
@@ -3508,7 +3919,7 @@
 <dgm:dataModel xmlns:dgm="http://schemas.openxmlformats.org/drawingml/2006/diagram" xmlns:a="http://schemas.openxmlformats.org/drawingml/2006/main">
   <dgm:ptLst>
     <dgm:pt modelId="{222E1EF8-A4C3-4B3F-BC7A-AB006B26AA28}" type="doc">
-      <dgm:prSet loTypeId="urn:microsoft.com/office/officeart/2005/8/layout/equation1" loCatId="relationship" qsTypeId="urn:microsoft.com/office/officeart/2005/8/quickstyle/3d4" qsCatId="3D" csTypeId="urn:microsoft.com/office/officeart/2005/8/colors/colorful4" csCatId="colorful" phldr="1"/>
+      <dgm:prSet loTypeId="urn:microsoft.com/office/officeart/2005/8/layout/equation1" loCatId="relationship" qsTypeId="urn:microsoft.com/office/officeart/2005/8/quickstyle/3d4" qsCatId="3D" csTypeId="urn:microsoft.com/office/officeart/2005/8/colors/colorful1" csCatId="colorful" phldr="1"/>
       <dgm:spPr/>
     </dgm:pt>
     <dgm:pt modelId="{C3BC6139-1480-48B7-A184-9DDCEA85B44C}">
@@ -3555,11 +3966,19 @@
         <a:lstStyle/>
         <a:p>
           <a:r>
-            <a:rPr lang="en-US" dirty="0" err="1"/>
+            <a:rPr lang="en-US" dirty="0" err="1">
+              <a:solidFill>
+                <a:schemeClr val="accent4"/>
+              </a:solidFill>
+            </a:rPr>
             <a:t>Shrinker</a:t>
           </a:r>
           <a:r>
-            <a:rPr lang="en-US" dirty="0"/>
+            <a:rPr lang="en-US" dirty="0">
+              <a:solidFill>
+                <a:schemeClr val="accent4"/>
+              </a:solidFill>
+            </a:rPr>
             <a:t> (of T)</a:t>
           </a:r>
         </a:p>
@@ -3715,7 +4134,7 @@
 <dgm:dataModel xmlns:dgm="http://schemas.openxmlformats.org/drawingml/2006/diagram" xmlns:a="http://schemas.openxmlformats.org/drawingml/2006/main">
   <dgm:ptLst>
     <dgm:pt modelId="{CAE1D68B-5872-431D-929D-5846171ADFC0}" type="doc">
-      <dgm:prSet loTypeId="urn:microsoft.com/office/officeart/2005/8/layout/lProcess1" loCatId="process" qsTypeId="urn:microsoft.com/office/officeart/2005/8/quickstyle/3d4" qsCatId="3D" csTypeId="urn:microsoft.com/office/officeart/2005/8/colors/colorful4" csCatId="colorful" phldr="1"/>
+      <dgm:prSet loTypeId="urn:microsoft.com/office/officeart/2005/8/layout/lProcess1" loCatId="process" qsTypeId="urn:microsoft.com/office/officeart/2005/8/quickstyle/3d4" qsCatId="3D" csTypeId="urn:microsoft.com/office/officeart/2005/8/colors/colorful1" csCatId="colorful" phldr="1"/>
       <dgm:spPr/>
     </dgm:pt>
     <dgm:pt modelId="{BB931A9A-D139-44E1-899B-ABE69424AF1A}">
@@ -3798,7 +4217,11 @@
         <a:lstStyle/>
         <a:p>
           <a:r>
-            <a:rPr lang="en-US" dirty="0"/>
+            <a:rPr lang="en-US" dirty="0">
+              <a:solidFill>
+                <a:schemeClr val="accent4"/>
+              </a:solidFill>
+            </a:rPr>
             <a:t>Gen&lt;Address&gt;</a:t>
           </a:r>
         </a:p>
@@ -4062,7 +4485,7 @@
 <dgm:dataModel xmlns:dgm="http://schemas.openxmlformats.org/drawingml/2006/diagram" xmlns:a="http://schemas.openxmlformats.org/drawingml/2006/main">
   <dgm:ptLst>
     <dgm:pt modelId="{A3973FD7-4E78-4038-A7A7-B61DB0D08809}" type="doc">
-      <dgm:prSet loTypeId="urn:microsoft.com/office/officeart/2009/3/layout/IncreasingArrowsProcess" loCatId="process" qsTypeId="urn:microsoft.com/office/officeart/2005/8/quickstyle/3d4" qsCatId="3D" csTypeId="urn:microsoft.com/office/officeart/2005/8/colors/colorful4" csCatId="colorful" phldr="1"/>
+      <dgm:prSet loTypeId="urn:microsoft.com/office/officeart/2009/3/layout/IncreasingArrowsProcess" loCatId="process" qsTypeId="urn:microsoft.com/office/officeart/2005/8/quickstyle/3d4" qsCatId="3D" csTypeId="urn:microsoft.com/office/officeart/2005/8/colors/colorful1" csCatId="colorful" phldr="1"/>
       <dgm:spPr/>
       <dgm:t>
         <a:bodyPr/>
@@ -4161,10 +4584,18 @@
         <a:lstStyle/>
         <a:p>
           <a:r>
-            <a:rPr lang="en-US"/>
+            <a:rPr lang="en-US">
+              <a:solidFill>
+                <a:schemeClr val="accent4"/>
+              </a:solidFill>
+            </a:rPr>
             <a:t>Size = 0: shrink []</a:t>
           </a:r>
-          <a:endParaRPr lang="en-US" dirty="0"/>
+          <a:endParaRPr lang="en-US" dirty="0">
+            <a:solidFill>
+              <a:schemeClr val="accent4"/>
+            </a:solidFill>
+          </a:endParaRPr>
         </a:p>
       </dgm:t>
     </dgm:pt>
@@ -4198,10 +4629,18 @@
         <a:lstStyle/>
         <a:p>
           <a:r>
-            <a:rPr lang="en-US"/>
+            <a:rPr lang="en-US">
+              <a:solidFill>
+                <a:schemeClr val="accent4"/>
+              </a:solidFill>
+            </a:rPr>
             <a:t>Size = 4: shrink [ 5,1,3,6 ]</a:t>
           </a:r>
-          <a:endParaRPr lang="en-US" dirty="0"/>
+          <a:endParaRPr lang="en-US" dirty="0">
+            <a:solidFill>
+              <a:schemeClr val="accent4"/>
+            </a:solidFill>
+          </a:endParaRPr>
         </a:p>
       </dgm:t>
     </dgm:pt>
@@ -4326,7 +4765,7 @@
           <a:avLst/>
         </a:prstGeom>
         <a:solidFill>
-          <a:schemeClr val="accent4">
+          <a:schemeClr val="accent2">
             <a:hueOff val="0"/>
             <a:satOff val="0"/>
             <a:lumOff val="0"/>
@@ -4402,7 +4841,7 @@
           <a:avLst/>
         </a:prstGeom>
         <a:solidFill>
-          <a:schemeClr val="accent4">
+          <a:schemeClr val="accent2">
             <a:hueOff val="0"/>
             <a:satOff val="0"/>
             <a:lumOff val="0"/>
@@ -4476,10 +4915,10 @@
           <a:avLst/>
         </a:prstGeom>
         <a:solidFill>
-          <a:schemeClr val="accent4">
-            <a:hueOff val="2400004"/>
-            <a:satOff val="19998"/>
-            <a:lumOff val="10001"/>
+          <a:schemeClr val="accent3">
+            <a:hueOff val="0"/>
+            <a:satOff val="0"/>
+            <a:lumOff val="0"/>
             <a:alphaOff val="0"/>
           </a:schemeClr>
         </a:solidFill>
@@ -4528,11 +4967,19 @@
             <a:buNone/>
           </a:pPr>
           <a:r>
-            <a:rPr lang="en-US" sz="2200" kern="1200" dirty="0" err="1"/>
+            <a:rPr lang="en-US" sz="2200" kern="1200" dirty="0" err="1">
+              <a:solidFill>
+                <a:schemeClr val="accent4"/>
+              </a:solidFill>
+            </a:rPr>
             <a:t>Shrinker</a:t>
           </a:r>
           <a:r>
-            <a:rPr lang="en-US" sz="2200" kern="1200" dirty="0"/>
+            <a:rPr lang="en-US" sz="2200" kern="1200" dirty="0">
+              <a:solidFill>
+                <a:schemeClr val="accent4"/>
+              </a:solidFill>
+            </a:rPr>
             <a:t> (of T)</a:t>
           </a:r>
         </a:p>
@@ -4556,10 +5003,10 @@
           <a:avLst/>
         </a:prstGeom>
         <a:solidFill>
-          <a:schemeClr val="accent4">
-            <a:hueOff val="4800007"/>
-            <a:satOff val="39997"/>
-            <a:lumOff val="20001"/>
+          <a:schemeClr val="accent3">
+            <a:hueOff val="0"/>
+            <a:satOff val="0"/>
+            <a:lumOff val="0"/>
             <a:alphaOff val="0"/>
           </a:schemeClr>
         </a:solidFill>
@@ -4631,9 +5078,9 @@
         </a:prstGeom>
         <a:solidFill>
           <a:schemeClr val="accent4">
-            <a:hueOff val="4800007"/>
-            <a:satOff val="39997"/>
-            <a:lumOff val="20001"/>
+            <a:hueOff val="0"/>
+            <a:satOff val="0"/>
+            <a:lumOff val="0"/>
             <a:alphaOff val="0"/>
           </a:schemeClr>
         </a:solidFill>
@@ -4720,7 +5167,7 @@
           </a:avLst>
         </a:prstGeom>
         <a:solidFill>
-          <a:schemeClr val="accent4">
+          <a:schemeClr val="accent2">
             <a:hueOff val="0"/>
             <a:satOff val="0"/>
             <a:lumOff val="0"/>
@@ -4799,7 +5246,7 @@
           </a:avLst>
         </a:prstGeom>
         <a:solidFill>
-          <a:schemeClr val="accent4">
+          <a:schemeClr val="accent2">
             <a:hueOff val="0"/>
             <a:satOff val="0"/>
             <a:lumOff val="0"/>
@@ -4850,7 +5297,7 @@
           </a:avLst>
         </a:prstGeom>
         <a:solidFill>
-          <a:schemeClr val="accent4">
+          <a:schemeClr val="accent2">
             <a:tint val="40000"/>
             <a:alpha val="90000"/>
             <a:hueOff val="0"/>
@@ -4861,7 +5308,7 @@
         </a:solidFill>
         <a:ln w="6350" cap="flat" cmpd="sng" algn="ctr">
           <a:solidFill>
-            <a:schemeClr val="accent4">
+            <a:schemeClr val="accent2">
               <a:tint val="40000"/>
               <a:alpha val="90000"/>
               <a:hueOff val="0"/>
@@ -4940,10 +5387,10 @@
           </a:avLst>
         </a:prstGeom>
         <a:solidFill>
-          <a:schemeClr val="accent4">
-            <a:hueOff val="2400004"/>
-            <a:satOff val="19998"/>
-            <a:lumOff val="10001"/>
+          <a:schemeClr val="accent3">
+            <a:hueOff val="0"/>
+            <a:satOff val="0"/>
+            <a:lumOff val="0"/>
             <a:alphaOff val="0"/>
           </a:schemeClr>
         </a:solidFill>
@@ -4992,7 +5439,11 @@
             <a:buNone/>
           </a:pPr>
           <a:r>
-            <a:rPr lang="en-US" sz="3000" kern="1200" dirty="0"/>
+            <a:rPr lang="en-US" sz="3000" kern="1200" dirty="0">
+              <a:solidFill>
+                <a:schemeClr val="accent4"/>
+              </a:solidFill>
+            </a:rPr>
             <a:t>Gen&lt;Address&gt;</a:t>
           </a:r>
         </a:p>
@@ -5019,10 +5470,10 @@
           </a:avLst>
         </a:prstGeom>
         <a:solidFill>
-          <a:schemeClr val="accent4">
-            <a:hueOff val="2400004"/>
-            <a:satOff val="19998"/>
-            <a:lumOff val="10001"/>
+          <a:schemeClr val="accent3">
+            <a:hueOff val="0"/>
+            <a:satOff val="0"/>
+            <a:lumOff val="0"/>
             <a:alphaOff val="0"/>
           </a:schemeClr>
         </a:solidFill>
@@ -5070,23 +5521,23 @@
           </a:avLst>
         </a:prstGeom>
         <a:solidFill>
-          <a:schemeClr val="accent4">
+          <a:schemeClr val="accent3">
             <a:tint val="40000"/>
             <a:alpha val="90000"/>
-            <a:hueOff val="2225394"/>
-            <a:satOff val="27342"/>
-            <a:lumOff val="2402"/>
+            <a:hueOff val="0"/>
+            <a:satOff val="0"/>
+            <a:lumOff val="0"/>
             <a:alphaOff val="0"/>
           </a:schemeClr>
         </a:solidFill>
         <a:ln w="6350" cap="flat" cmpd="sng" algn="ctr">
           <a:solidFill>
-            <a:schemeClr val="accent4">
+            <a:schemeClr val="accent3">
               <a:tint val="40000"/>
               <a:alpha val="90000"/>
-              <a:hueOff val="2225394"/>
-              <a:satOff val="27342"/>
-              <a:lumOff val="2402"/>
+              <a:hueOff val="0"/>
+              <a:satOff val="0"/>
+              <a:lumOff val="0"/>
               <a:alphaOff val="0"/>
             </a:schemeClr>
           </a:solidFill>
@@ -5161,9 +5612,9 @@
         </a:prstGeom>
         <a:solidFill>
           <a:schemeClr val="accent4">
-            <a:hueOff val="4800007"/>
-            <a:satOff val="39997"/>
-            <a:lumOff val="20001"/>
+            <a:hueOff val="0"/>
+            <a:satOff val="0"/>
+            <a:lumOff val="0"/>
             <a:alphaOff val="0"/>
           </a:schemeClr>
         </a:solidFill>
@@ -5240,9 +5691,9 @@
         </a:prstGeom>
         <a:solidFill>
           <a:schemeClr val="accent4">
-            <a:hueOff val="4800007"/>
-            <a:satOff val="39997"/>
-            <a:lumOff val="20001"/>
+            <a:hueOff val="0"/>
+            <a:satOff val="0"/>
+            <a:lumOff val="0"/>
             <a:alphaOff val="0"/>
           </a:schemeClr>
         </a:solidFill>
@@ -5293,9 +5744,9 @@
           <a:schemeClr val="accent4">
             <a:tint val="40000"/>
             <a:alpha val="90000"/>
-            <a:hueOff val="4450789"/>
-            <a:satOff val="54684"/>
-            <a:lumOff val="4805"/>
+            <a:hueOff val="0"/>
+            <a:satOff val="0"/>
+            <a:lumOff val="0"/>
             <a:alphaOff val="0"/>
           </a:schemeClr>
         </a:solidFill>
@@ -5304,9 +5755,9 @@
             <a:schemeClr val="accent4">
               <a:tint val="40000"/>
               <a:alpha val="90000"/>
-              <a:hueOff val="4450789"/>
-              <a:satOff val="54684"/>
-              <a:lumOff val="4805"/>
+              <a:hueOff val="0"/>
+              <a:satOff val="0"/>
+              <a:lumOff val="0"/>
               <a:alphaOff val="0"/>
             </a:schemeClr>
           </a:solidFill>
@@ -5393,7 +5844,7 @@
           </a:avLst>
         </a:prstGeom>
         <a:solidFill>
-          <a:schemeClr val="accent4">
+          <a:schemeClr val="accent2">
             <a:hueOff val="0"/>
             <a:satOff val="0"/>
             <a:lumOff val="0"/>
@@ -5481,10 +5932,10 @@
           </a:avLst>
         </a:prstGeom>
         <a:solidFill>
-          <a:schemeClr val="accent4">
-            <a:hueOff val="1600002"/>
-            <a:satOff val="13332"/>
-            <a:lumOff val="6667"/>
+          <a:schemeClr val="accent3">
+            <a:hueOff val="0"/>
+            <a:satOff val="0"/>
+            <a:lumOff val="0"/>
             <a:alphaOff val="0"/>
           </a:schemeClr>
         </a:solidFill>
@@ -5533,10 +5984,18 @@
             <a:buNone/>
           </a:pPr>
           <a:r>
-            <a:rPr lang="en-US" sz="2000" kern="1200"/>
+            <a:rPr lang="en-US" sz="2000" kern="1200">
+              <a:solidFill>
+                <a:schemeClr val="accent4"/>
+              </a:solidFill>
+            </a:rPr>
             <a:t>Size = 4: shrink [ 5,1,3,6 ]</a:t>
           </a:r>
-          <a:endParaRPr lang="en-US" sz="2000" kern="1200" dirty="0"/>
+          <a:endParaRPr lang="en-US" sz="2000" kern="1200" dirty="0">
+            <a:solidFill>
+              <a:schemeClr val="accent4"/>
+            </a:solidFill>
+          </a:endParaRPr>
         </a:p>
       </dsp:txBody>
       <dsp:txXfrm>
@@ -5562,9 +6021,9 @@
         </a:prstGeom>
         <a:solidFill>
           <a:schemeClr val="accent4">
-            <a:hueOff val="3200005"/>
-            <a:satOff val="26665"/>
-            <a:lumOff val="13334"/>
+            <a:hueOff val="0"/>
+            <a:satOff val="0"/>
+            <a:lumOff val="0"/>
             <a:alphaOff val="0"/>
           </a:schemeClr>
         </a:solidFill>
@@ -5640,10 +6099,10 @@
           </a:avLst>
         </a:prstGeom>
         <a:solidFill>
-          <a:schemeClr val="accent4">
-            <a:hueOff val="4800007"/>
-            <a:satOff val="39997"/>
-            <a:lumOff val="20001"/>
+          <a:schemeClr val="accent5">
+            <a:hueOff val="0"/>
+            <a:satOff val="0"/>
+            <a:lumOff val="0"/>
             <a:alphaOff val="0"/>
           </a:schemeClr>
         </a:solidFill>
@@ -5692,10 +6151,18 @@
             <a:buNone/>
           </a:pPr>
           <a:r>
-            <a:rPr lang="en-US" sz="2000" kern="1200"/>
+            <a:rPr lang="en-US" sz="2000" kern="1200">
+              <a:solidFill>
+                <a:schemeClr val="accent4"/>
+              </a:solidFill>
+            </a:rPr>
             <a:t>Size = 0: shrink []</a:t>
           </a:r>
-          <a:endParaRPr lang="en-US" sz="2000" kern="1200" dirty="0"/>
+          <a:endParaRPr lang="en-US" sz="2000" kern="1200" dirty="0">
+            <a:solidFill>
+              <a:schemeClr val="accent4"/>
+            </a:solidFill>
+          </a:endParaRPr>
         </a:p>
       </dsp:txBody>
       <dsp:txXfrm>
@@ -10779,7 +11246,7 @@
           <a:p>
             <a:fld id="{792351EF-48F6-4A54-8506-ACD68070E42C}" type="datetimeFigureOut">
               <a:rPr lang="en-US" smtClean="0"/>
-              <a:t>2016-10-08</a:t>
+              <a:t>10-Jan-17</a:t>
             </a:fld>
             <a:endParaRPr lang="en-US"/>
           </a:p>
@@ -11105,11 +11572,15 @@
             </a:pPr>
             <a:r>
               <a:rPr lang="en-US" dirty="0"/>
-              <a:t>Associate Director at</a:t>
+              <a:t>Software Developer as </a:t>
+            </a:r>
+            <a:r>
+              <a:rPr lang="en-US" dirty="0" err="1"/>
+              <a:t>StatMuse</a:t>
             </a:r>
             <a:r>
               <a:rPr lang="en-US" baseline="0" dirty="0"/>
-              <a:t> Jet.com</a:t>
+              <a:t> Inc</a:t>
             </a:r>
           </a:p>
           <a:p>
@@ -11119,7 +11590,7 @@
             </a:pPr>
             <a:r>
               <a:rPr lang="en-US" baseline="0" dirty="0"/>
-              <a:t>Part of the team behind the pricing engine</a:t>
+              <a:t>Doing a mix of NLP, NLG, and ML</a:t>
             </a:r>
             <a:endParaRPr lang="en-US" dirty="0"/>
           </a:p>
@@ -11130,17 +11601,12 @@
             </a:pPr>
             <a:r>
               <a:rPr lang="en-US" dirty="0"/>
-              <a:t>17.5</a:t>
+              <a:t>18 years</a:t>
             </a:r>
             <a:r>
               <a:rPr lang="en-US" baseline="0" dirty="0"/>
-              <a:t> as a </a:t>
-            </a:r>
-            <a:r>
-              <a:rPr lang="en-US" baseline="0"/>
-              <a:t>professional developer</a:t>
-            </a:r>
-            <a:endParaRPr lang="en-US" baseline="0" dirty="0"/>
+              <a:t> as a professional developer</a:t>
+            </a:r>
           </a:p>
           <a:p>
             <a:pPr marL="171450" indent="-171450">
@@ -14853,9 +15319,9 @@
           <a:bodyPr/>
           <a:lstStyle/>
           <a:p>
-            <a:fld id="{84FC9A44-31BA-473D-90EB-2B4B506A8774}" type="datetime1">
+            <a:fld id="{99667D9C-57C2-48DC-8E2A-DB68D08E9ACB}" type="datetime1">
               <a:rPr lang="en-US" smtClean="0"/>
-              <a:t>2016-10-08</a:t>
+              <a:t>10-Jan-17</a:t>
             </a:fld>
             <a:endParaRPr lang="en-US"/>
           </a:p>
@@ -14878,7 +15344,7 @@
           <a:p>
             <a:r>
               <a:rPr lang="en-US"/>
-              <a:t>paulmichael@jet.com</a:t>
+              <a:t>paul@statmuse.com</a:t>
             </a:r>
             <a:endParaRPr lang="en-US" dirty="0"/>
           </a:p>
@@ -15034,9 +15500,9 @@
           <a:bodyPr/>
           <a:lstStyle/>
           <a:p>
-            <a:fld id="{A0D70A4E-4719-4060-8CE9-A64B77C1F437}" type="datetime1">
+            <a:fld id="{1CC3A3BF-CE84-473F-A166-732B16349B57}" type="datetime1">
               <a:rPr lang="en-US" smtClean="0"/>
-              <a:t>2016-10-08</a:t>
+              <a:t>10-Jan-17</a:t>
             </a:fld>
             <a:endParaRPr lang="en-US"/>
           </a:p>
@@ -15059,7 +15525,7 @@
           <a:p>
             <a:r>
               <a:rPr lang="en-US"/>
-              <a:t>paulmichael@jet.com</a:t>
+              <a:t>paul@statmuse.com</a:t>
             </a:r>
             <a:endParaRPr lang="en-US" dirty="0"/>
           </a:p>
@@ -15225,9 +15691,9 @@
           <a:bodyPr/>
           <a:lstStyle/>
           <a:p>
-            <a:fld id="{CD5C1A23-DD78-40CC-87F0-AEA8F03DBC64}" type="datetime1">
+            <a:fld id="{206A78A2-76F7-4A59-89D6-C34AB4BACB8B}" type="datetime1">
               <a:rPr lang="en-US" smtClean="0"/>
-              <a:t>2016-10-08</a:t>
+              <a:t>10-Jan-17</a:t>
             </a:fld>
             <a:endParaRPr lang="en-US"/>
           </a:p>
@@ -15250,7 +15716,7 @@
           <a:p>
             <a:r>
               <a:rPr lang="en-US"/>
-              <a:t>paulmichael@jet.com</a:t>
+              <a:t>paul@statmuse.com</a:t>
             </a:r>
             <a:endParaRPr lang="en-US" dirty="0"/>
           </a:p>
@@ -15406,9 +15872,9 @@
           <a:bodyPr/>
           <a:lstStyle/>
           <a:p>
-            <a:fld id="{EA0DD099-93A6-4C54-8EFC-51F7179FF08A}" type="datetime1">
+            <a:fld id="{795112BC-D96E-4E45-BCF8-224AF60D6BC7}" type="datetime1">
               <a:rPr lang="en-US" smtClean="0"/>
-              <a:t>2016-10-08</a:t>
+              <a:t>10-Jan-17</a:t>
             </a:fld>
             <a:endParaRPr lang="en-US"/>
           </a:p>
@@ -15431,7 +15897,7 @@
           <a:p>
             <a:r>
               <a:rPr lang="en-US"/>
-              <a:t>paulmichael@jet.com</a:t>
+              <a:t>paul@statmuse.com</a:t>
             </a:r>
             <a:endParaRPr lang="en-US" dirty="0"/>
           </a:p>
@@ -15664,9 +16130,9 @@
           <a:bodyPr/>
           <a:lstStyle/>
           <a:p>
-            <a:fld id="{438FA885-58E0-4914-AFB6-E1D2253F30DF}" type="datetime1">
+            <a:fld id="{96B8AAE4-B49E-40FE-A9FB-BE628D0C3160}" type="datetime1">
               <a:rPr lang="en-US" smtClean="0"/>
-              <a:t>2016-10-08</a:t>
+              <a:t>10-Jan-17</a:t>
             </a:fld>
             <a:endParaRPr lang="en-US"/>
           </a:p>
@@ -15689,7 +16155,7 @@
           <a:p>
             <a:r>
               <a:rPr lang="en-US"/>
-              <a:t>paulmichael@jet.com</a:t>
+              <a:t>paul@statmuse.com</a:t>
             </a:r>
             <a:endParaRPr lang="en-US" dirty="0"/>
           </a:p>
@@ -15906,9 +16372,9 @@
           <a:bodyPr/>
           <a:lstStyle/>
           <a:p>
-            <a:fld id="{18C5AAED-6FC4-403F-BCA4-E28A6479AE8E}" type="datetime1">
+            <a:fld id="{350D71F7-57E7-4660-811D-A8B9B4A4068B}" type="datetime1">
               <a:rPr lang="en-US" smtClean="0"/>
-              <a:t>2016-10-08</a:t>
+              <a:t>10-Jan-17</a:t>
             </a:fld>
             <a:endParaRPr lang="en-US"/>
           </a:p>
@@ -15931,7 +16397,7 @@
           <a:p>
             <a:r>
               <a:rPr lang="en-US"/>
-              <a:t>paulmichael@jet.com</a:t>
+              <a:t>paul@statmuse.com</a:t>
             </a:r>
             <a:endParaRPr lang="en-US" dirty="0"/>
           </a:p>
@@ -16283,9 +16749,9 @@
           <a:bodyPr/>
           <a:lstStyle/>
           <a:p>
-            <a:fld id="{80941D23-49EA-47ED-92AB-DF4E801CDC3B}" type="datetime1">
+            <a:fld id="{C992D08A-3315-4AC7-A91C-1ECE21D80F46}" type="datetime1">
               <a:rPr lang="en-US" smtClean="0"/>
-              <a:t>2016-10-08</a:t>
+              <a:t>10-Jan-17</a:t>
             </a:fld>
             <a:endParaRPr lang="en-US"/>
           </a:p>
@@ -16308,7 +16774,7 @@
           <a:p>
             <a:r>
               <a:rPr lang="en-US"/>
-              <a:t>paulmichael@jet.com</a:t>
+              <a:t>paul@statmuse.com</a:t>
             </a:r>
             <a:endParaRPr lang="en-US" dirty="0"/>
           </a:p>
@@ -16413,9 +16879,9 @@
           <a:bodyPr/>
           <a:lstStyle/>
           <a:p>
-            <a:fld id="{F8FB43DA-14DE-4464-89F5-BBC3D201E6FD}" type="datetime1">
+            <a:fld id="{1BC381D5-A5D8-40D3-9526-C13D5005AF7A}" type="datetime1">
               <a:rPr lang="en-US" smtClean="0"/>
-              <a:t>2016-10-08</a:t>
+              <a:t>10-Jan-17</a:t>
             </a:fld>
             <a:endParaRPr lang="en-US"/>
           </a:p>
@@ -16438,7 +16904,7 @@
           <a:p>
             <a:r>
               <a:rPr lang="en-US"/>
-              <a:t>paulmichael@jet.com</a:t>
+              <a:t>paul@statmuse.com</a:t>
             </a:r>
             <a:endParaRPr lang="en-US" dirty="0"/>
           </a:p>
@@ -16521,9 +16987,9 @@
           <a:bodyPr/>
           <a:lstStyle/>
           <a:p>
-            <a:fld id="{D127DAF6-8EB5-4C97-8010-ACFB1F63921D}" type="datetime1">
+            <a:fld id="{016834E5-7307-4859-B145-C2AFF27A1B96}" type="datetime1">
               <a:rPr lang="en-US" smtClean="0"/>
-              <a:t>2016-10-08</a:t>
+              <a:t>10-Jan-17</a:t>
             </a:fld>
             <a:endParaRPr lang="en-US" dirty="0"/>
           </a:p>
@@ -16546,7 +17012,7 @@
           <a:p>
             <a:r>
               <a:rPr lang="en-US"/>
-              <a:t>paulmichael@jet.com</a:t>
+              <a:t>paul@statmuse.com</a:t>
             </a:r>
             <a:endParaRPr lang="en-US" dirty="0"/>
           </a:p>
@@ -16809,9 +17275,9 @@
           <a:bodyPr/>
           <a:lstStyle/>
           <a:p>
-            <a:fld id="{42933535-5548-4F17-8697-4FDD620CAB2E}" type="datetime1">
+            <a:fld id="{359007DF-0F18-4593-8A45-989F234AE2E3}" type="datetime1">
               <a:rPr lang="en-US" smtClean="0"/>
-              <a:t>2016-10-08</a:t>
+              <a:t>10-Jan-17</a:t>
             </a:fld>
             <a:endParaRPr lang="en-US"/>
           </a:p>
@@ -16834,7 +17300,7 @@
           <a:p>
             <a:r>
               <a:rPr lang="en-US"/>
-              <a:t>paulmichael@jet.com</a:t>
+              <a:t>paul@statmuse.com</a:t>
             </a:r>
             <a:endParaRPr lang="en-US" dirty="0"/>
           </a:p>
@@ -17074,9 +17540,9 @@
           <a:bodyPr/>
           <a:lstStyle/>
           <a:p>
-            <a:fld id="{1CCE9BD6-450D-4862-9490-873171136554}" type="datetime1">
+            <a:fld id="{6930168A-CAF0-4244-8110-147FC2B86D05}" type="datetime1">
               <a:rPr lang="en-US" smtClean="0"/>
-              <a:t>2016-10-08</a:t>
+              <a:t>10-Jan-17</a:t>
             </a:fld>
             <a:endParaRPr lang="en-US"/>
           </a:p>
@@ -17099,7 +17565,7 @@
           <a:p>
             <a:r>
               <a:rPr lang="en-US"/>
-              <a:t>paulmichael@jet.com</a:t>
+              <a:t>paul@statmuse.com</a:t>
             </a:r>
             <a:endParaRPr lang="en-US" dirty="0"/>
           </a:p>
@@ -17293,10 +17759,9 @@
           </a:lstStyle>
           <a:p>
             <a:r>
-              <a:rPr lang="en-US"/>
-              <a:t>paulmichael@jet.com</a:t>
-            </a:r>
-            <a:endParaRPr lang="en-US" dirty="0"/>
+              <a:rPr lang="en-US" dirty="0"/>
+              <a:t>paul@statmuse.com</a:t>
+            </a:r>
           </a:p>
         </p:txBody>
       </p:sp>
@@ -17346,28 +17811,22 @@
       </p:sp>
       <p:pic>
         <p:nvPicPr>
-          <p:cNvPr id="7" name="Picture 6"/>
+          <p:cNvPr id="9" name="Picture 8"/>
           <p:cNvPicPr>
             <a:picLocks noChangeAspect="1"/>
           </p:cNvPicPr>
           <p:nvPr userDrawn="1"/>
         </p:nvPicPr>
         <p:blipFill>
-          <a:blip r:embed="rId13">
-            <a:extLst>
-              <a:ext uri="{28A0092B-C50C-407E-A947-70E740481C1C}">
-                <a14:useLocalDpi xmlns:a14="http://schemas.microsoft.com/office/drawing/2010/main" val="0"/>
-              </a:ext>
-            </a:extLst>
-          </a:blip>
+          <a:blip r:embed="rId13"/>
           <a:stretch>
             <a:fillRect/>
           </a:stretch>
         </p:blipFill>
         <p:spPr>
           <a:xfrm>
-            <a:off x="4240068" y="6356351"/>
-            <a:ext cx="663864" cy="365125"/>
+            <a:off x="4237102" y="6361370"/>
+            <a:ext cx="669795" cy="360105"/>
           </a:xfrm>
           <a:prstGeom prst="rect">
             <a:avLst/>
@@ -17733,7 +18192,7 @@
             <a:r>
               <a:rPr lang="en-US" sz="3200" dirty="0">
                 <a:solidFill>
-                  <a:schemeClr val="accent3"/>
+                  <a:schemeClr val="accent2"/>
                 </a:solidFill>
               </a:rPr>
               <a:t>(</a:t>
@@ -17741,7 +18200,7 @@
             <a:r>
               <a:rPr lang="en-US" sz="3200" i="1" dirty="0">
                 <a:solidFill>
-                  <a:schemeClr val="accent3"/>
+                  <a:schemeClr val="accent2"/>
                 </a:solidFill>
               </a:rPr>
               <a:t>and Write Better Software)</a:t>
@@ -17766,7 +18225,7 @@
           <a:p>
             <a:r>
               <a:rPr lang="en-US" dirty="0"/>
-              <a:t>Paulmichael Blasucci</a:t>
+              <a:t>Paul Blasucci</a:t>
             </a:r>
           </a:p>
           <a:p>
@@ -17774,7 +18233,7 @@
               <a:rPr lang="en-US" dirty="0">
                 <a:hlinkClick r:id="rId3"/>
               </a:rPr>
-              <a:t>paulmichael@jet.com</a:t>
+              <a:t>paul@statmuse.com</a:t>
             </a:r>
             <a:endParaRPr lang="en-US" dirty="0"/>
           </a:p>
@@ -17828,7 +18287,7 @@
             <a:r>
               <a:rPr lang="en-US" b="1" dirty="0">
                 <a:solidFill>
-                  <a:schemeClr val="accent3"/>
+                  <a:schemeClr val="accent5"/>
                 </a:solidFill>
               </a:rPr>
               <a:t>INPUT CONTROL</a:t>
@@ -18316,7 +18775,7 @@
           <a:lstStyle/>
           <a:p>
             <a:r>
-              <a:rPr lang="en-US" sz="1600" dirty="0">
+              <a:rPr lang="en-US" sz="1600" b="1" dirty="0">
                 <a:solidFill>
                   <a:schemeClr val="accent1"/>
                 </a:solidFill>
@@ -18343,7 +18802,7 @@
           <a:p>
             <a:r>
               <a:rPr lang="en-US"/>
-              <a:t>paulmichael@jet.com</a:t>
+              <a:t>paul@statmuse.com</a:t>
             </a:r>
             <a:endParaRPr lang="en-US" dirty="0"/>
           </a:p>
@@ -18756,7 +19215,7 @@
             <a:r>
               <a:rPr lang="en-US" b="1" dirty="0">
                 <a:solidFill>
-                  <a:schemeClr val="accent3"/>
+                  <a:schemeClr val="accent5"/>
                 </a:solidFill>
               </a:rPr>
               <a:t>DATA GENERATION</a:t>
@@ -18782,7 +19241,7 @@
           <a:lstStyle/>
           <a:p>
             <a:r>
-              <a:rPr lang="en-US" sz="1600" dirty="0">
+              <a:rPr lang="en-US" sz="1600" b="1" dirty="0">
                 <a:solidFill>
                   <a:schemeClr val="accent1"/>
                 </a:solidFill>
@@ -18790,14 +19249,14 @@
               <a:t>Arb with </a:t>
             </a:r>
             <a:r>
-              <a:rPr lang="en-US" sz="1600" dirty="0" err="1">
+              <a:rPr lang="en-US" sz="1600" b="1" dirty="0" err="1">
                 <a:solidFill>
                   <a:schemeClr val="accent1"/>
                 </a:solidFill>
               </a:rPr>
               <a:t>Shrinker</a:t>
             </a:r>
-            <a:endParaRPr lang="en-US" sz="1600" dirty="0">
+            <a:endParaRPr lang="en-US" sz="1600" b="1" dirty="0">
               <a:solidFill>
                 <a:schemeClr val="accent1"/>
               </a:solidFill>
@@ -18822,7 +19281,7 @@
           <a:p>
             <a:r>
               <a:rPr lang="en-US"/>
-              <a:t>paulmichael@jet.com</a:t>
+              <a:t>paul@statmuse.com</a:t>
             </a:r>
             <a:endParaRPr lang="en-US" dirty="0"/>
           </a:p>
@@ -19682,7 +20141,7 @@
           <a:p>
             <a:r>
               <a:rPr lang="en-US"/>
-              <a:t>paulmichael@jet.com</a:t>
+              <a:t>paul@statmuse.com</a:t>
             </a:r>
             <a:endParaRPr lang="en-US" dirty="0"/>
           </a:p>
@@ -20008,7 +20467,7 @@
           <a:p>
             <a:r>
               <a:rPr lang="en-US"/>
-              <a:t>paulmichael@jet.com</a:t>
+              <a:t>paul@statmuse.com</a:t>
             </a:r>
             <a:endParaRPr lang="en-US" dirty="0"/>
           </a:p>
@@ -20052,40 +20511,29 @@
           <a:prstGeom prst="roundRect">
             <a:avLst/>
           </a:prstGeom>
-          <a:solidFill>
-            <a:schemeClr val="accent3">
-              <a:lumMod val="20000"/>
-              <a:lumOff val="80000"/>
-            </a:schemeClr>
-          </a:solidFill>
-          <a:ln>
-            <a:noFill/>
+          <a:noFill/>
+          <a:ln w="9525" cap="flat" cmpd="sng" algn="ctr">
+            <a:solidFill>
+              <a:schemeClr val="accent2"/>
+            </a:solidFill>
+            <a:prstDash val="solid"/>
+            <a:round/>
+            <a:headEnd type="none" w="med" len="med"/>
+            <a:tailEnd type="none" w="med" len="med"/>
           </a:ln>
-          <a:effectLst/>
-          <a:scene3d>
-            <a:camera prst="orthographicFront">
-              <a:rot lat="0" lon="0" rev="0"/>
-            </a:camera>
-            <a:lightRig rig="contrasting" dir="t">
-              <a:rot lat="0" lon="0" rev="7800000"/>
-            </a:lightRig>
-          </a:scene3d>
-          <a:sp3d>
-            <a:bevelT w="139700" h="139700"/>
-          </a:sp3d>
         </p:spPr>
         <p:style>
-          <a:lnRef idx="2">
-            <a:schemeClr val="accent6"/>
+          <a:lnRef idx="0">
+            <a:scrgbClr r="0" g="0" b="0"/>
           </a:lnRef>
-          <a:fillRef idx="1">
-            <a:schemeClr val="lt1"/>
+          <a:fillRef idx="0">
+            <a:scrgbClr r="0" g="0" b="0"/>
           </a:fillRef>
           <a:effectRef idx="0">
-            <a:schemeClr val="accent6"/>
+            <a:scrgbClr r="0" g="0" b="0"/>
           </a:effectRef>
           <a:fontRef idx="minor">
-            <a:schemeClr val="dk1"/>
+            <a:schemeClr val="accent2"/>
           </a:fontRef>
         </p:style>
         <p:txBody>
@@ -20141,61 +20589,33 @@
               <a:t>    </a:t>
             </a:r>
             <a:r>
-              <a:rPr lang="en-US" sz="1400" i="1" dirty="0">
-                <a:solidFill>
-                  <a:schemeClr val="tx2"/>
-                </a:solidFill>
-              </a:rPr>
+              <a:rPr lang="en-US" sz="1400" i="1" dirty="0"/>
               <a:t>Falsifiable, after 4 tests (5 shrinks), (</a:t>
             </a:r>
             <a:r>
-              <a:rPr lang="en-US" sz="1400" i="1" dirty="0" err="1">
-                <a:solidFill>
-                  <a:schemeClr val="tx2"/>
-                </a:solidFill>
-              </a:rPr>
+              <a:rPr lang="en-US" sz="1400" i="1" dirty="0" err="1"/>
               <a:t>StdGen</a:t>
             </a:r>
             <a:r>
-              <a:rPr lang="en-US" sz="1400" i="1" dirty="0">
-                <a:solidFill>
-                  <a:schemeClr val="tx2"/>
-                </a:solidFill>
-              </a:rPr>
+              <a:rPr lang="en-US" sz="1400" i="1" dirty="0"/>
               <a:t> (199662269,296213481)):</a:t>
             </a:r>
           </a:p>
           <a:p>
-            <a:endParaRPr lang="en-US" sz="1400" i="1" dirty="0">
-              <a:solidFill>
-                <a:schemeClr val="tx2"/>
-              </a:solidFill>
-            </a:endParaRPr>
-          </a:p>
-          <a:p>
-            <a:r>
-              <a:rPr lang="en-US" sz="1400" i="1" dirty="0">
-                <a:solidFill>
-                  <a:schemeClr val="tx2"/>
-                </a:solidFill>
-              </a:rPr>
+            <a:endParaRPr lang="en-US" sz="1400" i="1" dirty="0"/>
+          </a:p>
+          <a:p>
+            <a:r>
+              <a:rPr lang="en-US" sz="1400" i="1" dirty="0"/>
               <a:t>        Original: (1948-04-19 16:18:52 +04:59, (UTC+04:00), (UTC-05:00))</a:t>
             </a:r>
           </a:p>
           <a:p>
             <a:r>
-              <a:rPr lang="en-US" sz="1400" i="1" dirty="0">
-                <a:solidFill>
-                  <a:schemeClr val="tx2"/>
-                </a:solidFill>
-              </a:rPr>
+              <a:rPr lang="en-US" sz="1400" i="1" dirty="0"/>
               <a:t>        Shrunk:   (1948-04-19 00:00:00 +00:00, (UTC+04:00), (UTC-05:00))</a:t>
             </a:r>
-            <a:endParaRPr lang="en-US" sz="1400" dirty="0">
-              <a:solidFill>
-                <a:schemeClr val="tx2"/>
-              </a:solidFill>
-            </a:endParaRPr>
+            <a:endParaRPr lang="en-US" sz="1400" dirty="0"/>
           </a:p>
         </p:txBody>
       </p:sp>
@@ -20734,7 +21154,7 @@
           <a:p>
             <a:r>
               <a:rPr lang="en-US"/>
-              <a:t>paulmichael@jet.com</a:t>
+              <a:t>paul@statmuse.com</a:t>
             </a:r>
             <a:endParaRPr lang="en-US" dirty="0"/>
           </a:p>
@@ -20778,40 +21198,29 @@
           <a:prstGeom prst="roundRect">
             <a:avLst/>
           </a:prstGeom>
-          <a:solidFill>
-            <a:schemeClr val="accent3">
-              <a:lumMod val="20000"/>
-              <a:lumOff val="80000"/>
-            </a:schemeClr>
-          </a:solidFill>
-          <a:ln>
-            <a:noFill/>
+          <a:noFill/>
+          <a:ln w="9525" cap="flat" cmpd="sng" algn="ctr">
+            <a:solidFill>
+              <a:schemeClr val="accent2"/>
+            </a:solidFill>
+            <a:prstDash val="solid"/>
+            <a:round/>
+            <a:headEnd type="none" w="med" len="med"/>
+            <a:tailEnd type="none" w="med" len="med"/>
           </a:ln>
-          <a:effectLst/>
-          <a:scene3d>
-            <a:camera prst="orthographicFront">
-              <a:rot lat="0" lon="0" rev="0"/>
-            </a:camera>
-            <a:lightRig rig="contrasting" dir="t">
-              <a:rot lat="0" lon="0" rev="7800000"/>
-            </a:lightRig>
-          </a:scene3d>
-          <a:sp3d>
-            <a:bevelT w="139700" h="139700"/>
-          </a:sp3d>
         </p:spPr>
         <p:style>
-          <a:lnRef idx="2">
-            <a:schemeClr val="accent6"/>
+          <a:lnRef idx="0">
+            <a:scrgbClr r="0" g="0" b="0"/>
           </a:lnRef>
-          <a:fillRef idx="1">
-            <a:schemeClr val="lt1"/>
+          <a:fillRef idx="0">
+            <a:scrgbClr r="0" g="0" b="0"/>
           </a:fillRef>
           <a:effectRef idx="0">
-            <a:schemeClr val="accent6"/>
+            <a:scrgbClr r="0" g="0" b="0"/>
           </a:effectRef>
           <a:fontRef idx="minor">
-            <a:schemeClr val="dk1"/>
+            <a:schemeClr val="accent2"/>
           </a:fontRef>
         </p:style>
         <p:txBody>
@@ -20867,79 +21276,43 @@
               <a:t>    </a:t>
             </a:r>
             <a:r>
-              <a:rPr lang="en-US" sz="1400" i="1" dirty="0">
-                <a:solidFill>
-                  <a:schemeClr val="tx2"/>
-                </a:solidFill>
-              </a:rPr>
+              <a:rPr lang="en-US" sz="1400" i="1" dirty="0"/>
               <a:t>Falsifiable, after 4 tests (5 shrinks), (</a:t>
             </a:r>
             <a:r>
-              <a:rPr lang="en-US" sz="1400" i="1" dirty="0" err="1">
-                <a:solidFill>
-                  <a:schemeClr val="tx2"/>
-                </a:solidFill>
-              </a:rPr>
+              <a:rPr lang="en-US" sz="1400" i="1" dirty="0" err="1"/>
               <a:t>StdGen</a:t>
             </a:r>
             <a:r>
-              <a:rPr lang="en-US" sz="1400" i="1" dirty="0">
-                <a:solidFill>
-                  <a:schemeClr val="tx2"/>
-                </a:solidFill>
-              </a:rPr>
+              <a:rPr lang="en-US" sz="1400" i="1" dirty="0"/>
               <a:t> (199662269,296213481)):</a:t>
             </a:r>
           </a:p>
           <a:p>
-            <a:endParaRPr lang="en-US" sz="1400" i="1" dirty="0">
-              <a:solidFill>
-                <a:schemeClr val="tx2"/>
-              </a:solidFill>
-            </a:endParaRPr>
-          </a:p>
-          <a:p>
-            <a:r>
-              <a:rPr lang="en-US" sz="1400" i="1" dirty="0">
-                <a:solidFill>
-                  <a:schemeClr val="tx2"/>
-                </a:solidFill>
-              </a:rPr>
+            <a:endParaRPr lang="en-US" sz="1400" i="1" dirty="0"/>
+          </a:p>
+          <a:p>
+            <a:r>
+              <a:rPr lang="en-US" sz="1400" i="1" dirty="0"/>
               <a:t>        </a:t>
             </a:r>
             <a:r>
-              <a:rPr lang="en-US" sz="1400" b="1" i="1" dirty="0">
-                <a:solidFill>
-                  <a:schemeClr val="tx2"/>
-                </a:solidFill>
-              </a:rPr>
+              <a:rPr lang="en-US" sz="1400" b="1" i="1" dirty="0"/>
               <a:t>Label of failing property: Not the same zone!</a:t>
             </a:r>
           </a:p>
           <a:p>
             <a:r>
-              <a:rPr lang="en-US" sz="1400" i="1" dirty="0">
-                <a:solidFill>
-                  <a:schemeClr val="tx2"/>
-                </a:solidFill>
-              </a:rPr>
+              <a:rPr lang="en-US" sz="1400" i="1" dirty="0"/>
               <a:t>        Original: (1948-04-19 16:18:52 +04:59, (UTC+04:00), (UTC-05:00))</a:t>
             </a:r>
           </a:p>
           <a:p>
             <a:r>
-              <a:rPr lang="en-US" sz="1400" i="1" dirty="0">
-                <a:solidFill>
-                  <a:schemeClr val="tx2"/>
-                </a:solidFill>
-              </a:rPr>
+              <a:rPr lang="en-US" sz="1400" i="1" dirty="0"/>
               <a:t>        Shrunk:   (1948-04-19 00:00:00 +00:00, (UTC+04:00), (UTC-05:00))</a:t>
             </a:r>
-            <a:endParaRPr lang="en-US" sz="1400" dirty="0">
-              <a:solidFill>
-                <a:schemeClr val="tx2"/>
-              </a:solidFill>
-            </a:endParaRPr>
+            <a:endParaRPr lang="en-US" sz="1400" dirty="0"/>
           </a:p>
         </p:txBody>
       </p:sp>
@@ -21762,7 +22135,7 @@
           <a:p>
             <a:r>
               <a:rPr lang="en-US"/>
-              <a:t>paulmichael@jet.com</a:t>
+              <a:t>paul@statmuse.com</a:t>
             </a:r>
             <a:endParaRPr lang="en-US" dirty="0"/>
           </a:p>
@@ -21806,40 +22179,29 @@
           <a:prstGeom prst="roundRect">
             <a:avLst/>
           </a:prstGeom>
-          <a:solidFill>
-            <a:schemeClr val="accent3">
-              <a:lumMod val="20000"/>
-              <a:lumOff val="80000"/>
-            </a:schemeClr>
-          </a:solidFill>
-          <a:ln>
-            <a:noFill/>
+          <a:noFill/>
+          <a:ln w="9525" cap="flat" cmpd="sng" algn="ctr">
+            <a:solidFill>
+              <a:schemeClr val="accent2"/>
+            </a:solidFill>
+            <a:prstDash val="solid"/>
+            <a:round/>
+            <a:headEnd type="none" w="med" len="med"/>
+            <a:tailEnd type="none" w="med" len="med"/>
           </a:ln>
-          <a:effectLst/>
-          <a:scene3d>
-            <a:camera prst="orthographicFront">
-              <a:rot lat="0" lon="0" rev="0"/>
-            </a:camera>
-            <a:lightRig rig="contrasting" dir="t">
-              <a:rot lat="0" lon="0" rev="7800000"/>
-            </a:lightRig>
-          </a:scene3d>
-          <a:sp3d>
-            <a:bevelT w="139700" h="139700"/>
-          </a:sp3d>
         </p:spPr>
         <p:style>
-          <a:lnRef idx="2">
-            <a:schemeClr val="accent6"/>
+          <a:lnRef idx="0">
+            <a:scrgbClr r="0" g="0" b="0"/>
           </a:lnRef>
-          <a:fillRef idx="1">
-            <a:schemeClr val="lt1"/>
+          <a:fillRef idx="0">
+            <a:scrgbClr r="0" g="0" b="0"/>
           </a:fillRef>
           <a:effectRef idx="0">
-            <a:schemeClr val="accent6"/>
+            <a:scrgbClr r="0" g="0" b="0"/>
           </a:effectRef>
           <a:fontRef idx="minor">
-            <a:schemeClr val="dk1"/>
+            <a:schemeClr val="accent2"/>
           </a:fontRef>
         </p:style>
         <p:txBody>
@@ -22387,7 +22749,7 @@
             <a:r>
               <a:rPr lang="en-US" b="1" dirty="0">
                 <a:solidFill>
-                  <a:schemeClr val="accent3"/>
+                  <a:schemeClr val="accent5"/>
                 </a:solidFill>
               </a:rPr>
               <a:t>DIAGNOSTICS</a:t>
@@ -22440,7 +22802,7 @@
           <a:p>
             <a:r>
               <a:rPr lang="en-US"/>
-              <a:t>paulmichael@jet.com</a:t>
+              <a:t>paul@statmuse.com</a:t>
             </a:r>
             <a:endParaRPr lang="en-US" dirty="0"/>
           </a:p>
@@ -22484,40 +22846,29 @@
           <a:prstGeom prst="roundRect">
             <a:avLst/>
           </a:prstGeom>
-          <a:solidFill>
-            <a:schemeClr val="accent3">
-              <a:lumMod val="20000"/>
-              <a:lumOff val="80000"/>
-            </a:schemeClr>
-          </a:solidFill>
-          <a:ln>
-            <a:noFill/>
+          <a:noFill/>
+          <a:ln w="9525" cap="flat" cmpd="sng" algn="ctr">
+            <a:solidFill>
+              <a:schemeClr val="accent2"/>
+            </a:solidFill>
+            <a:prstDash val="solid"/>
+            <a:round/>
+            <a:headEnd type="none" w="med" len="med"/>
+            <a:tailEnd type="none" w="med" len="med"/>
           </a:ln>
-          <a:effectLst/>
-          <a:scene3d>
-            <a:camera prst="orthographicFront">
-              <a:rot lat="0" lon="0" rev="0"/>
-            </a:camera>
-            <a:lightRig rig="contrasting" dir="t">
-              <a:rot lat="0" lon="0" rev="7800000"/>
-            </a:lightRig>
-          </a:scene3d>
-          <a:sp3d>
-            <a:bevelT w="139700" h="139700"/>
-          </a:sp3d>
         </p:spPr>
         <p:style>
-          <a:lnRef idx="2">
-            <a:schemeClr val="accent6"/>
+          <a:lnRef idx="0">
+            <a:scrgbClr r="0" g="0" b="0"/>
           </a:lnRef>
-          <a:fillRef idx="1">
-            <a:schemeClr val="lt1"/>
+          <a:fillRef idx="0">
+            <a:scrgbClr r="0" g="0" b="0"/>
           </a:fillRef>
           <a:effectRef idx="0">
-            <a:schemeClr val="accent6"/>
+            <a:scrgbClr r="0" g="0" b="0"/>
           </a:effectRef>
           <a:fontRef idx="minor">
-            <a:schemeClr val="dk1"/>
+            <a:schemeClr val="accent2"/>
           </a:fontRef>
         </p:style>
         <p:txBody>
@@ -23176,7 +23527,7 @@
           <a:p>
             <a:r>
               <a:rPr lang="en-US"/>
-              <a:t>paulmichael@jet.com</a:t>
+              <a:t>paul@statmuse.com</a:t>
             </a:r>
             <a:endParaRPr lang="en-US" dirty="0"/>
           </a:p>
@@ -23862,7 +24213,7 @@
           <a:p>
             <a:r>
               <a:rPr lang="en-US"/>
-              <a:t>paulmichael@jet.com</a:t>
+              <a:t>paul@statmuse.com</a:t>
             </a:r>
             <a:endParaRPr lang="en-US" dirty="0"/>
           </a:p>
@@ -24514,7 +24865,7 @@
           <a:p>
             <a:r>
               <a:rPr lang="en-US"/>
-              <a:t>paulmichael@jet.com</a:t>
+              <a:t>paul@statmuse.com</a:t>
             </a:r>
             <a:endParaRPr lang="en-US" dirty="0"/>
           </a:p>
@@ -24659,7 +25010,7 @@
             <a:r>
               <a:rPr lang="en-US" sz="2400" b="1" dirty="0">
                 <a:solidFill>
-                  <a:schemeClr val="accent3"/>
+                  <a:schemeClr val="accent1"/>
                 </a:solidFill>
               </a:rPr>
               <a:t>RANDOM TESTING</a:t>
@@ -24685,7 +25036,7 @@
             <a:r>
               <a:rPr lang="en-US" sz="2800" b="1" dirty="0">
                 <a:solidFill>
-                  <a:schemeClr val="accent1"/>
+                  <a:schemeClr val="accent2"/>
                 </a:solidFill>
               </a:rPr>
               <a:t>functions</a:t>
@@ -24701,7 +25052,7 @@
             <a:r>
               <a:rPr lang="en-US" sz="2800" b="1" dirty="0">
                 <a:solidFill>
-                  <a:schemeClr val="accent1"/>
+                  <a:schemeClr val="accent2"/>
                 </a:solidFill>
               </a:rPr>
               <a:t>automatically tested on random input</a:t>
@@ -24739,7 +25090,7 @@
             <a:r>
               <a:rPr lang="en-US" sz="2000" i="1" dirty="0">
                 <a:solidFill>
-                  <a:schemeClr val="accent3"/>
+                  <a:schemeClr val="accent5"/>
                 </a:solidFill>
               </a:rPr>
               <a:t>from</a:t>
@@ -24804,7 +25155,7 @@
           <a:p>
             <a:r>
               <a:rPr lang="en-US"/>
-              <a:t>paulmichael@jet.com</a:t>
+              <a:t>paul@statmuse.com</a:t>
             </a:r>
             <a:endParaRPr lang="en-US" dirty="0"/>
           </a:p>
@@ -25790,7 +26141,7 @@
           <a:p>
             <a:r>
               <a:rPr lang="en-US"/>
-              <a:t>paulmichael@jet.com</a:t>
+              <a:t>paul@statmuse.com</a:t>
             </a:r>
             <a:endParaRPr lang="en-US" dirty="0"/>
           </a:p>
@@ -25935,7 +26286,7 @@
             <a:r>
               <a:rPr lang="en-US" sz="2400" b="1" dirty="0">
                 <a:solidFill>
-                  <a:schemeClr val="accent3"/>
+                  <a:schemeClr val="accent1"/>
                 </a:solidFill>
               </a:rPr>
               <a:t>RANDOM TESTING</a:t>
@@ -25965,7 +26316,7 @@
             <a:r>
               <a:rPr lang="en-US" sz="2800" b="1" dirty="0">
                 <a:solidFill>
-                  <a:schemeClr val="accent1"/>
+                  <a:schemeClr val="accent2"/>
                 </a:solidFill>
               </a:rPr>
               <a:t>encourages</a:t>
@@ -25977,19 +26328,27 @@
             <a:r>
               <a:rPr lang="en-US" sz="2800" b="1" dirty="0">
                 <a:solidFill>
-                  <a:schemeClr val="accent1"/>
+                  <a:schemeClr val="accent2"/>
                 </a:solidFill>
               </a:rPr>
               <a:t>formal specifications, thus improving</a:t>
             </a:r>
             <a:r>
+              <a:rPr lang="en-US" sz="2800" dirty="0">
+                <a:solidFill>
+                  <a:schemeClr val="accent2"/>
+                </a:solidFill>
+              </a:rPr>
+              <a:t> </a:t>
+            </a:r>
+            <a:r>
               <a:rPr lang="en-US" sz="2800" dirty="0"/>
-              <a:t> our </a:t>
+              <a:t>our </a:t>
             </a:r>
             <a:r>
               <a:rPr lang="en-US" sz="2800" b="1" dirty="0">
                 <a:solidFill>
-                  <a:schemeClr val="accent1"/>
+                  <a:schemeClr val="accent2"/>
                 </a:solidFill>
               </a:rPr>
               <a:t>understanding</a:t>
@@ -26035,41 +26394,33 @@
             <a:r>
               <a:rPr lang="en-US" sz="2000" i="1" dirty="0">
                 <a:solidFill>
-                  <a:schemeClr val="accent3"/>
-                </a:solidFill>
-              </a:rPr>
-              <a:t>from</a:t>
+                  <a:schemeClr val="accent5"/>
+                </a:solidFill>
+              </a:rPr>
+              <a:t>from </a:t>
             </a:r>
             <a:r>
               <a:rPr lang="en-US" sz="2000" i="1" dirty="0">
                 <a:solidFill>
-                  <a:schemeClr val="accent2"/>
-                </a:solidFill>
-              </a:rPr>
-              <a:t> </a:t>
+                  <a:schemeClr val="accent5"/>
+                </a:solidFill>
+                <a:hlinkClick r:id="rId3" tooltip="Extensible Pattern Matching Via a Lightweight Language Extension"/>
+              </a:rPr>
+              <a:t>ICFP’00 – </a:t>
+            </a:r>
+            <a:r>
+              <a:rPr lang="en-US" sz="2000" i="1" dirty="0" err="1">
+                <a:solidFill>
+                  <a:schemeClr val="accent5"/>
+                </a:solidFill>
+                <a:hlinkClick r:id="rId3" tooltip="Extensible Pattern Matching Via a Lightweight Language Extension"/>
+              </a:rPr>
+              <a:t>Claessen</a:t>
             </a:r>
             <a:r>
               <a:rPr lang="en-US" sz="2000" i="1" dirty="0">
                 <a:solidFill>
-                  <a:schemeClr val="accent2"/>
-                </a:solidFill>
-                <a:hlinkClick r:id="rId3" tooltip="Extensible Pattern Matching Via a Lightweight Language Extension"/>
-              </a:rPr>
-              <a:t>ICFP’00 – </a:t>
-            </a:r>
-            <a:r>
-              <a:rPr lang="en-US" sz="2000" i="1" dirty="0" err="1">
-                <a:solidFill>
-                  <a:schemeClr val="accent2"/>
-                </a:solidFill>
-                <a:hlinkClick r:id="rId3" tooltip="Extensible Pattern Matching Via a Lightweight Language Extension"/>
-              </a:rPr>
-              <a:t>Claessen</a:t>
-            </a:r>
-            <a:r>
-              <a:rPr lang="en-US" sz="2000" i="1" dirty="0">
-                <a:solidFill>
-                  <a:schemeClr val="accent2"/>
+                  <a:schemeClr val="accent5"/>
                 </a:solidFill>
                 <a:hlinkClick r:id="rId3" tooltip="Extensible Pattern Matching Via a Lightweight Language Extension"/>
               </a:rPr>
@@ -26077,7 +26428,7 @@
             </a:r>
             <a:endParaRPr lang="en-US" sz="2000" i="1" dirty="0">
               <a:solidFill>
-                <a:schemeClr val="accent2"/>
+                <a:schemeClr val="accent5"/>
               </a:solidFill>
             </a:endParaRPr>
           </a:p>
@@ -26100,7 +26451,7 @@
           <a:p>
             <a:r>
               <a:rPr lang="en-US"/>
-              <a:t>paulmichael@jet.com</a:t>
+              <a:t>paul@statmuse.com</a:t>
             </a:r>
             <a:endParaRPr lang="en-US" dirty="0"/>
           </a:p>
@@ -26195,7 +26546,7 @@
             <a:r>
               <a:rPr lang="en-US" sz="1600" dirty="0">
                 <a:solidFill>
-                  <a:schemeClr val="accent3"/>
+                  <a:schemeClr val="accent5"/>
                 </a:solidFill>
               </a:rPr>
               <a:t>About F# and </a:t>
@@ -26203,14 +26554,14 @@
             <a:r>
               <a:rPr lang="en-US" sz="1600" dirty="0" err="1">
                 <a:solidFill>
-                  <a:schemeClr val="accent3"/>
+                  <a:schemeClr val="accent5"/>
                 </a:solidFill>
               </a:rPr>
               <a:t>FsCheck</a:t>
             </a:r>
             <a:endParaRPr lang="en-US" sz="1600" dirty="0">
               <a:solidFill>
-                <a:schemeClr val="accent3"/>
+                <a:schemeClr val="accent5"/>
               </a:solidFill>
             </a:endParaRPr>
           </a:p>
@@ -26315,17 +26666,8 @@
               <a:rPr lang="en-US" sz="1800" dirty="0">
                 <a:hlinkClick r:id="rId6"/>
               </a:rPr>
-              <a:t>meetup.com/</a:t>
-            </a:r>
-            <a:r>
-              <a:rPr lang="en-US" sz="1800" dirty="0" err="1">
-                <a:hlinkClick r:id="rId6"/>
-              </a:rPr>
-              <a:t>nyc-fsharp</a:t>
-            </a:r>
-            <a:endParaRPr lang="en-US" sz="1800" dirty="0"/>
-          </a:p>
-          <a:p>
+              <a:t>www.fssnip.net</a:t>
+            </a:r>
             <a:endParaRPr lang="en-US" sz="1800" dirty="0"/>
           </a:p>
         </p:txBody>
@@ -26355,7 +26697,7 @@
             <a:r>
               <a:rPr lang="en-US" sz="1600" dirty="0">
                 <a:solidFill>
-                  <a:schemeClr val="accent3"/>
+                  <a:schemeClr val="accent5"/>
                 </a:solidFill>
               </a:rPr>
               <a:t>About Paulmichael Blasucci</a:t>
@@ -26449,13 +26791,7 @@
               <a:rPr lang="en-US" sz="1800" dirty="0">
                 <a:hlinkClick r:id="rId9"/>
               </a:rPr>
-              <a:t>gitlab.com/</a:t>
-            </a:r>
-            <a:r>
-              <a:rPr lang="en-US" sz="1800" dirty="0" err="1">
-                <a:hlinkClick r:id="rId9"/>
-              </a:rPr>
-              <a:t>pblasucci</a:t>
+              <a:t>pblasucci.wordpress.com</a:t>
             </a:r>
             <a:endParaRPr lang="en-US" sz="1800" dirty="0"/>
           </a:p>
@@ -26503,7 +26839,7 @@
           <a:p>
             <a:r>
               <a:rPr lang="en-US"/>
-              <a:t>paulmichael@jet.com</a:t>
+              <a:t>paul@statmuse.com</a:t>
             </a:r>
             <a:endParaRPr lang="en-US" dirty="0"/>
           </a:p>
@@ -26723,7 +27059,7 @@
           <a:p>
             <a:r>
               <a:rPr lang="en-US"/>
-              <a:t>paulmichael@jet.com</a:t>
+              <a:t>paul@statmuse.com</a:t>
             </a:r>
             <a:endParaRPr lang="en-US" dirty="0"/>
           </a:p>
@@ -27194,7 +27530,7 @@
         </p:spPr>
         <p:txBody>
           <a:bodyPr>
-            <a:normAutofit/>
+            <a:noAutofit/>
           </a:bodyPr>
           <a:lstStyle/>
           <a:p>
@@ -27621,7 +27957,7 @@
           <a:p>
             <a:r>
               <a:rPr lang="en-US"/>
-              <a:t>paulmichael@jet.com</a:t>
+              <a:t>paul@statmuse.com</a:t>
             </a:r>
             <a:endParaRPr lang="en-US" dirty="0"/>
           </a:p>
@@ -27743,40 +28079,29 @@
           <a:prstGeom prst="roundRect">
             <a:avLst/>
           </a:prstGeom>
-          <a:solidFill>
-            <a:schemeClr val="accent3">
-              <a:lumMod val="20000"/>
-              <a:lumOff val="80000"/>
-            </a:schemeClr>
-          </a:solidFill>
-          <a:ln>
-            <a:noFill/>
+          <a:noFill/>
+          <a:ln w="9525" cap="flat" cmpd="sng" algn="ctr">
+            <a:solidFill>
+              <a:schemeClr val="accent2"/>
+            </a:solidFill>
+            <a:prstDash val="solid"/>
+            <a:round/>
+            <a:headEnd type="none" w="med" len="med"/>
+            <a:tailEnd type="none" w="med" len="med"/>
           </a:ln>
-          <a:effectLst/>
-          <a:scene3d>
-            <a:camera prst="orthographicFront">
-              <a:rot lat="0" lon="0" rev="0"/>
-            </a:camera>
-            <a:lightRig rig="contrasting" dir="t">
-              <a:rot lat="0" lon="0" rev="7800000"/>
-            </a:lightRig>
-          </a:scene3d>
-          <a:sp3d>
-            <a:bevelT w="139700" h="139700"/>
-          </a:sp3d>
         </p:spPr>
         <p:style>
-          <a:lnRef idx="2">
-            <a:schemeClr val="accent6"/>
+          <a:lnRef idx="0">
+            <a:scrgbClr r="0" g="0" b="0"/>
           </a:lnRef>
-          <a:fillRef idx="1">
-            <a:schemeClr val="lt1"/>
+          <a:fillRef idx="0">
+            <a:scrgbClr r="0" g="0" b="0"/>
           </a:fillRef>
           <a:effectRef idx="0">
-            <a:schemeClr val="accent6"/>
+            <a:scrgbClr r="0" g="0" b="0"/>
           </a:effectRef>
           <a:fontRef idx="minor">
-            <a:schemeClr val="dk1"/>
+            <a:schemeClr val="accent2"/>
           </a:fontRef>
         </p:style>
         <p:txBody>
@@ -27855,40 +28180,29 @@
           <a:prstGeom prst="roundRect">
             <a:avLst/>
           </a:prstGeom>
-          <a:solidFill>
-            <a:schemeClr val="accent3">
-              <a:lumMod val="20000"/>
-              <a:lumOff val="80000"/>
-            </a:schemeClr>
-          </a:solidFill>
-          <a:ln>
-            <a:noFill/>
+          <a:noFill/>
+          <a:ln w="9525" cap="flat" cmpd="sng" algn="ctr">
+            <a:solidFill>
+              <a:schemeClr val="accent2"/>
+            </a:solidFill>
+            <a:prstDash val="solid"/>
+            <a:round/>
+            <a:headEnd type="none" w="med" len="med"/>
+            <a:tailEnd type="none" w="med" len="med"/>
           </a:ln>
-          <a:effectLst/>
-          <a:scene3d>
-            <a:camera prst="orthographicFront">
-              <a:rot lat="0" lon="0" rev="0"/>
-            </a:camera>
-            <a:lightRig rig="contrasting" dir="t">
-              <a:rot lat="0" lon="0" rev="7800000"/>
-            </a:lightRig>
-          </a:scene3d>
-          <a:sp3d>
-            <a:bevelT w="139700" h="139700"/>
-          </a:sp3d>
         </p:spPr>
         <p:style>
-          <a:lnRef idx="3">
-            <a:schemeClr val="accent6"/>
+          <a:lnRef idx="0">
+            <a:scrgbClr r="0" g="0" b="0"/>
           </a:lnRef>
           <a:fillRef idx="0">
-            <a:schemeClr val="accent6"/>
+            <a:scrgbClr r="0" g="0" b="0"/>
           </a:fillRef>
-          <a:effectRef idx="2">
-            <a:schemeClr val="accent6"/>
+          <a:effectRef idx="0">
+            <a:scrgbClr r="0" g="0" b="0"/>
           </a:effectRef>
           <a:fontRef idx="minor">
-            <a:schemeClr val="tx1"/>
+            <a:schemeClr val="accent2"/>
           </a:fontRef>
         </p:style>
         <p:txBody>
@@ -28622,7 +28936,7 @@
                   <a:schemeClr val="accent1"/>
                 </a:solidFill>
               </a:rPr>
-              <a:t>PATTERNS: INVERSION &amp; IDEMPOTENCEY</a:t>
+              <a:t>PATTERNS: INVERSION &amp; IDEMPOTENCE</a:t>
             </a:r>
           </a:p>
         </p:txBody>
@@ -29068,7 +29382,7 @@
           <a:p>
             <a:r>
               <a:rPr lang="en-US"/>
-              <a:t>paulmichael@jet.com</a:t>
+              <a:t>paul@statmuse.com</a:t>
             </a:r>
             <a:endParaRPr lang="en-US" dirty="0"/>
           </a:p>
@@ -29168,7 +29482,7 @@
                   <a:schemeClr val="accent1"/>
                 </a:solidFill>
               </a:rPr>
-              <a:t>PATTERNS: INVARIANCE &amp; INTERCHANGE</a:t>
+              <a:t>PATTERNS: INTERCHANGE &amp; INVARIANCE</a:t>
             </a:r>
           </a:p>
         </p:txBody>
@@ -29329,7 +29643,7 @@
             </a:r>
             <a:r>
               <a:rPr lang="en-US" sz="1200" dirty="0"/>
-              <a:t> = </a:t>
+              <a:t>       = </a:t>
             </a:r>
             <a:r>
               <a:rPr lang="en-US" sz="1200" dirty="0">
@@ -29354,7 +29668,7 @@
             </a:r>
             <a:r>
               <a:rPr lang="en-US" sz="1200" dirty="0"/>
-              <a:t> days   = </a:t>
+              <a:t> days         = </a:t>
             </a:r>
             <a:r>
               <a:rPr lang="en-US" sz="1200" dirty="0" err="1">
@@ -29755,7 +30069,7 @@
           <a:p>
             <a:r>
               <a:rPr lang="en-US"/>
-              <a:t>paulmichael@jet.com</a:t>
+              <a:t>paul@statmuse.com</a:t>
             </a:r>
             <a:endParaRPr lang="en-US" dirty="0"/>
           </a:p>
@@ -29836,7 +30150,7 @@
             <a:r>
               <a:rPr lang="en-US" b="1" dirty="0">
                 <a:solidFill>
-                  <a:schemeClr val="accent3"/>
+                  <a:schemeClr val="accent5"/>
                 </a:solidFill>
               </a:rPr>
               <a:t>INPUT CONTROL</a:t>
@@ -30097,7 +30411,7 @@
           <a:lstStyle/>
           <a:p>
             <a:r>
-              <a:rPr lang="en-US" sz="1600" dirty="0">
+              <a:rPr lang="en-US" sz="1600" b="1" dirty="0">
                 <a:solidFill>
                   <a:schemeClr val="accent1"/>
                 </a:solidFill>
@@ -30124,7 +30438,7 @@
           <a:p>
             <a:r>
               <a:rPr lang="en-US"/>
-              <a:t>paulmichael@jet.com</a:t>
+              <a:t>paul@statmuse.com</a:t>
             </a:r>
             <a:endParaRPr lang="en-US" dirty="0"/>
           </a:p>
@@ -30168,40 +30482,29 @@
           <a:prstGeom prst="roundRect">
             <a:avLst/>
           </a:prstGeom>
-          <a:solidFill>
-            <a:schemeClr val="accent3">
-              <a:lumMod val="20000"/>
-              <a:lumOff val="80000"/>
-            </a:schemeClr>
-          </a:solidFill>
-          <a:ln>
-            <a:noFill/>
+          <a:noFill/>
+          <a:ln w="9525" cap="flat" cmpd="sng" algn="ctr">
+            <a:solidFill>
+              <a:schemeClr val="accent2"/>
+            </a:solidFill>
+            <a:prstDash val="solid"/>
+            <a:round/>
+            <a:headEnd type="none" w="med" len="med"/>
+            <a:tailEnd type="none" w="med" len="med"/>
           </a:ln>
-          <a:effectLst/>
-          <a:scene3d>
-            <a:camera prst="orthographicFront">
-              <a:rot lat="0" lon="0" rev="0"/>
-            </a:camera>
-            <a:lightRig rig="contrasting" dir="t">
-              <a:rot lat="0" lon="0" rev="7800000"/>
-            </a:lightRig>
-          </a:scene3d>
-          <a:sp3d>
-            <a:bevelT w="139700" h="139700"/>
-          </a:sp3d>
         </p:spPr>
         <p:style>
-          <a:lnRef idx="2">
-            <a:schemeClr val="accent6"/>
+          <a:lnRef idx="0">
+            <a:scrgbClr r="0" g="0" b="0"/>
           </a:lnRef>
-          <a:fillRef idx="1">
-            <a:schemeClr val="lt1"/>
+          <a:fillRef idx="0">
+            <a:scrgbClr r="0" g="0" b="0"/>
           </a:fillRef>
           <a:effectRef idx="0">
-            <a:schemeClr val="accent6"/>
+            <a:scrgbClr r="0" g="0" b="0"/>
           </a:effectRef>
           <a:fontRef idx="minor">
-            <a:schemeClr val="dk1"/>
+            <a:schemeClr val="accent2"/>
           </a:fontRef>
         </p:style>
         <p:txBody>
@@ -30476,7 +30779,7 @@
             <a:r>
               <a:rPr lang="en-US" b="1" dirty="0">
                 <a:solidFill>
-                  <a:schemeClr val="accent3"/>
+                  <a:schemeClr val="accent5"/>
                 </a:solidFill>
               </a:rPr>
               <a:t>INPUT CONTROL</a:t>
@@ -30765,7 +31068,7 @@
           <a:lstStyle/>
           <a:p>
             <a:r>
-              <a:rPr lang="en-US" sz="1600" dirty="0">
+              <a:rPr lang="en-US" sz="1600" b="1" dirty="0">
                 <a:solidFill>
                   <a:schemeClr val="accent1"/>
                 </a:solidFill>
@@ -30792,7 +31095,7 @@
           <a:p>
             <a:r>
               <a:rPr lang="en-US"/>
-              <a:t>paulmichael@jet.com</a:t>
+              <a:t>paul@statmuse.com</a:t>
             </a:r>
             <a:endParaRPr lang="en-US" dirty="0"/>
           </a:p>
@@ -30836,40 +31139,29 @@
           <a:prstGeom prst="roundRect">
             <a:avLst/>
           </a:prstGeom>
-          <a:solidFill>
-            <a:schemeClr val="accent3">
-              <a:lumMod val="20000"/>
-              <a:lumOff val="80000"/>
-            </a:schemeClr>
-          </a:solidFill>
-          <a:ln>
-            <a:noFill/>
+          <a:noFill/>
+          <a:ln w="9525" cap="flat" cmpd="sng" algn="ctr">
+            <a:solidFill>
+              <a:schemeClr val="accent2"/>
+            </a:solidFill>
+            <a:prstDash val="solid"/>
+            <a:round/>
+            <a:headEnd type="none" w="med" len="med"/>
+            <a:tailEnd type="none" w="med" len="med"/>
           </a:ln>
-          <a:effectLst/>
-          <a:scene3d>
-            <a:camera prst="orthographicFront">
-              <a:rot lat="0" lon="0" rev="0"/>
-            </a:camera>
-            <a:lightRig rig="contrasting" dir="t">
-              <a:rot lat="0" lon="0" rev="7800000"/>
-            </a:lightRig>
-          </a:scene3d>
-          <a:sp3d>
-            <a:bevelT w="139700" h="139700"/>
-          </a:sp3d>
         </p:spPr>
         <p:style>
-          <a:lnRef idx="2">
-            <a:schemeClr val="accent6"/>
+          <a:lnRef idx="0">
+            <a:scrgbClr r="0" g="0" b="0"/>
           </a:lnRef>
-          <a:fillRef idx="1">
-            <a:schemeClr val="lt1"/>
+          <a:fillRef idx="0">
+            <a:scrgbClr r="0" g="0" b="0"/>
           </a:fillRef>
           <a:effectRef idx="0">
-            <a:schemeClr val="accent6"/>
+            <a:scrgbClr r="0" g="0" b="0"/>
           </a:effectRef>
           <a:fontRef idx="minor">
-            <a:schemeClr val="dk1"/>
+            <a:schemeClr val="accent2"/>
           </a:fontRef>
         </p:style>
         <p:txBody>
@@ -31367,7 +31659,7 @@
           <a:p>
             <a:r>
               <a:rPr lang="en-US"/>
-              <a:t>paulmichael@jet.com</a:t>
+              <a:t>paul@statmuse.com</a:t>
             </a:r>
             <a:endParaRPr lang="en-US" dirty="0"/>
           </a:p>
@@ -31407,7 +31699,7 @@
             <p:ph idx="1"/>
             <p:extLst>
               <p:ext uri="{D42A27DB-BD31-4B8C-83A1-F6EECF244321}">
-                <p14:modId xmlns:p14="http://schemas.microsoft.com/office/powerpoint/2010/main" val="2410509471"/>
+                <p14:modId xmlns:p14="http://schemas.microsoft.com/office/powerpoint/2010/main" val="348959730"/>
               </p:ext>
             </p:extLst>
           </p:nvPr>
@@ -31813,7 +32105,7 @@
             <p:ph idx="1"/>
             <p:extLst>
               <p:ext uri="{D42A27DB-BD31-4B8C-83A1-F6EECF244321}">
-                <p14:modId xmlns:p14="http://schemas.microsoft.com/office/powerpoint/2010/main" val="1524928907"/>
+                <p14:modId xmlns:p14="http://schemas.microsoft.com/office/powerpoint/2010/main" val="3805744802"/>
               </p:ext>
             </p:extLst>
           </p:nvPr>
@@ -31845,7 +32137,7 @@
           <a:p>
             <a:r>
               <a:rPr lang="en-US"/>
-              <a:t>paulmichael@jet.com</a:t>
+              <a:t>paul@statmuse.com</a:t>
             </a:r>
             <a:endParaRPr lang="en-US" dirty="0"/>
           </a:p>
@@ -31882,7 +32174,7 @@
           <p:nvPr>
             <p:extLst>
               <p:ext uri="{D42A27DB-BD31-4B8C-83A1-F6EECF244321}">
-                <p14:modId xmlns:p14="http://schemas.microsoft.com/office/powerpoint/2010/main" val="4151008294"/>
+                <p14:modId xmlns:p14="http://schemas.microsoft.com/office/powerpoint/2010/main" val="2613033402"/>
               </p:ext>
             </p:extLst>
           </p:nvPr>
@@ -32843,42 +33135,42 @@
 <file path=ppt/theme/theme1.xml><?xml version="1.0" encoding="utf-8"?>
 <a:theme xmlns:a="http://schemas.openxmlformats.org/drawingml/2006/main" name="Office Theme">
   <a:themeElements>
-    <a:clrScheme name="Jetty">
+    <a:clrScheme name="Custom 2">
       <a:dk1>
-        <a:srgbClr val="300047"/>
+        <a:srgbClr val="000000"/>
       </a:dk1>
       <a:lt1>
-        <a:sysClr val="window" lastClr="FFFFFF"/>
+        <a:srgbClr val="FFFFFF"/>
       </a:lt1>
       <a:dk2>
-        <a:srgbClr val="333333"/>
+        <a:srgbClr val="000000"/>
       </a:dk2>
       <a:lt2>
-        <a:srgbClr val="F7F7F7"/>
+        <a:srgbClr val="FFFFFF"/>
       </a:lt2>
       <a:accent1>
-        <a:srgbClr val="8200FF"/>
+        <a:srgbClr val="39CCCC"/>
       </a:accent1>
       <a:accent2>
-        <a:srgbClr val="00CCFF"/>
+        <a:srgbClr val="0074D9"/>
       </a:accent2>
       <a:accent3>
-        <a:srgbClr val="999999"/>
+        <a:srgbClr val="7FDBFF"/>
       </a:accent3>
       <a:accent4>
-        <a:srgbClr val="33CCCC"/>
+        <a:srgbClr val="001F3F"/>
       </a:accent4>
       <a:accent5>
-        <a:srgbClr val="9966FF"/>
+        <a:srgbClr val="BFBFBF"/>
       </a:accent5>
       <a:accent6>
-        <a:srgbClr val="0FDEBD"/>
+        <a:srgbClr val="E3F8FF"/>
       </a:accent6>
       <a:hlink>
-        <a:srgbClr val="CC66FF"/>
+        <a:srgbClr val="53AFFF"/>
       </a:hlink>
       <a:folHlink>
-        <a:srgbClr val="CC66FF"/>
+        <a:srgbClr val="53AFFF"/>
       </a:folHlink>
     </a:clrScheme>
     <a:fontScheme name="Office">

--- a/quickpbt.pptx
+++ b/quickpbt.pptx
@@ -5,29 +5,30 @@
     <p:sldMasterId id="2147484456" r:id="rId1"/>
   </p:sldMasterIdLst>
   <p:notesMasterIdLst>
-    <p:notesMasterId r:id="rId22"/>
+    <p:notesMasterId r:id="rId23"/>
   </p:notesMasterIdLst>
   <p:sldIdLst>
     <p:sldId id="256" r:id="rId2"/>
-    <p:sldId id="266" r:id="rId3"/>
-    <p:sldId id="267" r:id="rId4"/>
-    <p:sldId id="268" r:id="rId5"/>
-    <p:sldId id="269" r:id="rId6"/>
-    <p:sldId id="272" r:id="rId7"/>
-    <p:sldId id="273" r:id="rId8"/>
-    <p:sldId id="274" r:id="rId9"/>
-    <p:sldId id="275" r:id="rId10"/>
-    <p:sldId id="277" r:id="rId11"/>
-    <p:sldId id="278" r:id="rId12"/>
-    <p:sldId id="276" r:id="rId13"/>
-    <p:sldId id="279" r:id="rId14"/>
-    <p:sldId id="280" r:id="rId15"/>
-    <p:sldId id="282" r:id="rId16"/>
-    <p:sldId id="283" r:id="rId17"/>
-    <p:sldId id="285" r:id="rId18"/>
-    <p:sldId id="284" r:id="rId19"/>
-    <p:sldId id="281" r:id="rId20"/>
-    <p:sldId id="286" r:id="rId21"/>
+    <p:sldId id="287" r:id="rId3"/>
+    <p:sldId id="266" r:id="rId4"/>
+    <p:sldId id="267" r:id="rId5"/>
+    <p:sldId id="268" r:id="rId6"/>
+    <p:sldId id="269" r:id="rId7"/>
+    <p:sldId id="272" r:id="rId8"/>
+    <p:sldId id="273" r:id="rId9"/>
+    <p:sldId id="274" r:id="rId10"/>
+    <p:sldId id="275" r:id="rId11"/>
+    <p:sldId id="277" r:id="rId12"/>
+    <p:sldId id="278" r:id="rId13"/>
+    <p:sldId id="276" r:id="rId14"/>
+    <p:sldId id="279" r:id="rId15"/>
+    <p:sldId id="280" r:id="rId16"/>
+    <p:sldId id="282" r:id="rId17"/>
+    <p:sldId id="283" r:id="rId18"/>
+    <p:sldId id="285" r:id="rId19"/>
+    <p:sldId id="284" r:id="rId20"/>
+    <p:sldId id="281" r:id="rId21"/>
+    <p:sldId id="286" r:id="rId22"/>
   </p:sldIdLst>
   <p:sldSz cx="12192000" cy="6858000"/>
   <p:notesSz cx="6858000" cy="9144000"/>
@@ -440,11 +441,11 @@
         </c:dLbls>
         <c:gapWidth val="80"/>
         <c:overlap val="40"/>
-        <c:axId val="1619951680"/>
-        <c:axId val="1619960512"/>
+        <c:axId val="-513565536"/>
+        <c:axId val="-513560880"/>
       </c:barChart>
       <c:catAx>
-        <c:axId val="1619951680"/>
+        <c:axId val="-513565536"/>
         <c:scaling>
           <c:orientation val="minMax"/>
         </c:scaling>
@@ -484,7 +485,7 @@
             <a:endParaRPr lang="en-US"/>
           </a:p>
         </c:txPr>
-        <c:crossAx val="1619960512"/>
+        <c:crossAx val="-513560880"/>
         <c:crosses val="autoZero"/>
         <c:auto val="0"/>
         <c:lblAlgn val="ctr"/>
@@ -494,7 +495,7 @@
         <c:noMultiLvlLbl val="0"/>
       </c:catAx>
       <c:valAx>
-        <c:axId val="1619960512"/>
+        <c:axId val="-513560880"/>
         <c:scaling>
           <c:orientation val="minMax"/>
           <c:max val="17.0"/>
@@ -539,7 +540,7 @@
             <a:endParaRPr lang="en-US"/>
           </a:p>
         </c:txPr>
-        <c:crossAx val="1619951680"/>
+        <c:crossAx val="-513565536"/>
         <c:crosses val="autoZero"/>
         <c:crossBetween val="between"/>
         <c:majorUnit val="1.0"/>
@@ -3302,7 +3303,7 @@
           <a:p>
             <a:fld id="{272805AC-A164-B740-BF40-9850B58E0EF2}" type="datetimeFigureOut">
               <a:rPr lang="en-US" smtClean="0"/>
-              <a:t>4/1/17</a:t>
+              <a:t>4/6/17</a:t>
             </a:fld>
             <a:endParaRPr lang="en-US"/>
           </a:p>
@@ -3723,84 +3724,13 @@
             </a:pPr>
             <a:r>
               <a:rPr lang="en-US" sz="1200" dirty="0" smtClean="0"/>
-              <a:t>Microsoft MVP 2014, 2015, 2016</a:t>
-            </a:r>
-          </a:p>
-          <a:p>
-            <a:endParaRPr lang="en-US" dirty="0" smtClean="0"/>
-          </a:p>
-          <a:p>
-            <a:r>
-              <a:rPr lang="en-US" dirty="0" smtClean="0"/>
-              <a:t>Agenda:</a:t>
-            </a:r>
-          </a:p>
-          <a:p>
-            <a:pPr marL="171450" indent="-171450">
-              <a:buFont typeface="Arial" charset="0"/>
-              <a:buChar char="•"/>
-            </a:pPr>
-            <a:r>
-              <a:rPr lang="en-US" dirty="0" smtClean="0"/>
-              <a:t>Intro</a:t>
-            </a:r>
-          </a:p>
-          <a:p>
-            <a:pPr marL="171450" indent="-171450">
-              <a:buFont typeface="Arial" charset="0"/>
-              <a:buChar char="•"/>
-            </a:pPr>
-            <a:r>
-              <a:rPr lang="en-US" dirty="0" smtClean="0"/>
-              <a:t>Common props</a:t>
-            </a:r>
-          </a:p>
-          <a:p>
-            <a:pPr marL="171450" indent="-171450">
-              <a:buFont typeface="Arial" charset="0"/>
-              <a:buChar char="•"/>
-            </a:pPr>
-            <a:r>
-              <a:rPr lang="en-US" dirty="0" smtClean="0"/>
-              <a:t>Diagnostic tools</a:t>
-            </a:r>
-          </a:p>
-          <a:p>
-            <a:pPr marL="171450" indent="-171450">
-              <a:buFont typeface="Arial" charset="0"/>
-              <a:buChar char="•"/>
-            </a:pPr>
-            <a:r>
-              <a:rPr lang="en-US" dirty="0" smtClean="0"/>
-              <a:t>Input control</a:t>
-            </a:r>
-          </a:p>
-          <a:p>
-            <a:pPr marL="171450" indent="-171450">
-              <a:buFont typeface="Arial" charset="0"/>
-              <a:buChar char="•"/>
-            </a:pPr>
-            <a:r>
-              <a:rPr lang="en-US" dirty="0" smtClean="0"/>
-              <a:t>Data generation</a:t>
-            </a:r>
-          </a:p>
-          <a:p>
-            <a:pPr marL="171450" indent="-171450">
-              <a:buFont typeface="Arial" charset="0"/>
-              <a:buChar char="•"/>
-            </a:pPr>
-            <a:r>
-              <a:rPr lang="en-US" smtClean="0"/>
-              <a:t>Recap</a:t>
-            </a:r>
-          </a:p>
-          <a:p>
-            <a:pPr marL="171450" indent="-171450">
-              <a:buFont typeface="Arial" charset="0"/>
-              <a:buChar char="•"/>
-            </a:pPr>
-            <a:endParaRPr lang="en-US" dirty="0" smtClean="0"/>
+              <a:t>Microsoft MVP 2014, 2015, </a:t>
+            </a:r>
+            <a:r>
+              <a:rPr lang="en-US" sz="1200" dirty="0" smtClean="0"/>
+              <a:t>2016</a:t>
+            </a:r>
+            <a:endParaRPr lang="en-US" sz="1200" dirty="0" smtClean="0"/>
           </a:p>
         </p:txBody>
       </p:sp>
@@ -3940,7 +3870,7 @@
           <a:p>
             <a:fld id="{E0590029-26D5-8741-8876-DBB6560F6382}" type="slidenum">
               <a:rPr lang="en-US" smtClean="0"/>
-              <a:t>10</a:t>
+              <a:t>11</a:t>
             </a:fld>
             <a:endParaRPr lang="en-US"/>
           </a:p>
@@ -4051,7 +3981,7 @@
           <a:p>
             <a:fld id="{E0590029-26D5-8741-8876-DBB6560F6382}" type="slidenum">
               <a:rPr lang="en-US" smtClean="0"/>
-              <a:t>11</a:t>
+              <a:t>12</a:t>
             </a:fld>
             <a:endParaRPr lang="en-US"/>
           </a:p>
@@ -4158,7 +4088,7 @@
           <a:p>
             <a:fld id="{E0590029-26D5-8741-8876-DBB6560F6382}" type="slidenum">
               <a:rPr lang="en-US" smtClean="0"/>
-              <a:t>12</a:t>
+              <a:t>13</a:t>
             </a:fld>
             <a:endParaRPr lang="en-US"/>
           </a:p>
@@ -4242,7 +4172,7 @@
           <a:p>
             <a:fld id="{E0590029-26D5-8741-8876-DBB6560F6382}" type="slidenum">
               <a:rPr lang="en-US" smtClean="0"/>
-              <a:t>13</a:t>
+              <a:t>14</a:t>
             </a:fld>
             <a:endParaRPr lang="en-US"/>
           </a:p>
@@ -4381,7 +4311,7 @@
           <a:p>
             <a:fld id="{E0590029-26D5-8741-8876-DBB6560F6382}" type="slidenum">
               <a:rPr lang="en-US" smtClean="0"/>
-              <a:t>14</a:t>
+              <a:t>15</a:t>
             </a:fld>
             <a:endParaRPr lang="en-US"/>
           </a:p>
@@ -4594,7 +4524,7 @@
           <a:p>
             <a:fld id="{E0590029-26D5-8741-8876-DBB6560F6382}" type="slidenum">
               <a:rPr lang="en-US" smtClean="0"/>
-              <a:t>15</a:t>
+              <a:t>16</a:t>
             </a:fld>
             <a:endParaRPr lang="en-US"/>
           </a:p>
@@ -4723,7 +4653,7 @@
           <a:p>
             <a:fld id="{E0590029-26D5-8741-8876-DBB6560F6382}" type="slidenum">
               <a:rPr lang="en-US" smtClean="0"/>
-              <a:t>16</a:t>
+              <a:t>17</a:t>
             </a:fld>
             <a:endParaRPr lang="en-US"/>
           </a:p>
@@ -4831,7 +4761,7 @@
           <a:p>
             <a:fld id="{E0590029-26D5-8741-8876-DBB6560F6382}" type="slidenum">
               <a:rPr lang="en-US" smtClean="0"/>
-              <a:t>17</a:t>
+              <a:t>18</a:t>
             </a:fld>
             <a:endParaRPr lang="en-US"/>
           </a:p>
@@ -5007,7 +4937,7 @@
           <a:p>
             <a:fld id="{E0590029-26D5-8741-8876-DBB6560F6382}" type="slidenum">
               <a:rPr lang="en-US" smtClean="0"/>
-              <a:t>18</a:t>
+              <a:t>19</a:t>
             </a:fld>
             <a:endParaRPr lang="en-US"/>
           </a:p>
@@ -5156,7 +5086,7 @@
           <a:p>
             <a:fld id="{E0590029-26D5-8741-8876-DBB6560F6382}" type="slidenum">
               <a:rPr lang="en-US" smtClean="0"/>
-              <a:t>19</a:t>
+              <a:t>20</a:t>
             </a:fld>
             <a:endParaRPr lang="en-US"/>
           </a:p>
@@ -5405,7 +5335,7 @@
           <a:p>
             <a:fld id="{E0590029-26D5-8741-8876-DBB6560F6382}" type="slidenum">
               <a:rPr lang="en-US" smtClean="0"/>
-              <a:t>2</a:t>
+              <a:t>3</a:t>
             </a:fld>
             <a:endParaRPr lang="en-US"/>
           </a:p>
@@ -5674,7 +5604,7 @@
           <a:p>
             <a:fld id="{E0590029-26D5-8741-8876-DBB6560F6382}" type="slidenum">
               <a:rPr lang="en-US" smtClean="0"/>
-              <a:t>20</a:t>
+              <a:t>21</a:t>
             </a:fld>
             <a:endParaRPr lang="en-US"/>
           </a:p>
@@ -5999,7 +5929,7 @@
           <a:p>
             <a:fld id="{E0590029-26D5-8741-8876-DBB6560F6382}" type="slidenum">
               <a:rPr lang="en-US" smtClean="0"/>
-              <a:t>3</a:t>
+              <a:t>4</a:t>
             </a:fld>
             <a:endParaRPr lang="en-US"/>
           </a:p>
@@ -6111,7 +6041,7 @@
           <a:p>
             <a:fld id="{E0590029-26D5-8741-8876-DBB6560F6382}" type="slidenum">
               <a:rPr lang="en-US" smtClean="0"/>
-              <a:t>4</a:t>
+              <a:t>5</a:t>
             </a:fld>
             <a:endParaRPr lang="en-US"/>
           </a:p>
@@ -6241,7 +6171,7 @@
           <a:p>
             <a:fld id="{E0590029-26D5-8741-8876-DBB6560F6382}" type="slidenum">
               <a:rPr lang="en-US" smtClean="0"/>
-              <a:t>5</a:t>
+              <a:t>6</a:t>
             </a:fld>
             <a:endParaRPr lang="en-US"/>
           </a:p>
@@ -6412,7 +6342,7 @@
           <a:p>
             <a:fld id="{E0590029-26D5-8741-8876-DBB6560F6382}" type="slidenum">
               <a:rPr lang="en-US" smtClean="0"/>
-              <a:t>6</a:t>
+              <a:t>7</a:t>
             </a:fld>
             <a:endParaRPr lang="en-US"/>
           </a:p>
@@ -6547,7 +6477,7 @@
           <a:p>
             <a:fld id="{E0590029-26D5-8741-8876-DBB6560F6382}" type="slidenum">
               <a:rPr lang="en-US" smtClean="0"/>
-              <a:t>7</a:t>
+              <a:t>8</a:t>
             </a:fld>
             <a:endParaRPr lang="en-US"/>
           </a:p>
@@ -6641,7 +6571,7 @@
           <a:p>
             <a:fld id="{E0590029-26D5-8741-8876-DBB6560F6382}" type="slidenum">
               <a:rPr lang="en-US" smtClean="0"/>
-              <a:t>8</a:t>
+              <a:t>9</a:t>
             </a:fld>
             <a:endParaRPr lang="en-US"/>
           </a:p>
@@ -6893,7 +6823,7 @@
           <a:p>
             <a:fld id="{E0590029-26D5-8741-8876-DBB6560F6382}" type="slidenum">
               <a:rPr lang="en-US" smtClean="0"/>
-              <a:t>9</a:t>
+              <a:t>10</a:t>
             </a:fld>
             <a:endParaRPr lang="en-US"/>
           </a:p>
@@ -11582,7 +11512,15 @@
                   <a:srgbClr val="008000"/>
                 </a:solidFill>
               </a:rPr>
-              <a:t>(* </a:t>
+              <a:t>(* a </a:t>
+            </a:r>
+            <a:r>
+              <a:rPr lang="en-US" sz="1400" dirty="0" err="1">
+                <a:solidFill>
+                  <a:srgbClr val="008000"/>
+                </a:solidFill>
+              </a:rPr>
+              <a:t>trival</a:t>
             </a:r>
             <a:r>
               <a:rPr lang="en-US" sz="1400" dirty="0">
@@ -11590,7 +11528,7 @@
                   <a:srgbClr val="008000"/>
                 </a:solidFill>
               </a:rPr>
-              <a:t>a classification </a:t>
+              <a:t> observation </a:t>
             </a:r>
             <a:r>
               <a:rPr lang="en-US" sz="1400" dirty="0" smtClean="0">
@@ -11598,7 +11536,7 @@
                   <a:srgbClr val="008000"/>
                 </a:solidFill>
               </a:rPr>
-              <a:t>splits data </a:t>
+              <a:t>puts </a:t>
             </a:r>
             <a:r>
               <a:rPr lang="en-US" sz="1400" dirty="0">
@@ -11606,7 +11544,7 @@
                   <a:srgbClr val="008000"/>
                 </a:solidFill>
               </a:rPr>
-              <a:t>into </a:t>
+              <a:t>data into </a:t>
             </a:r>
             <a:r>
               <a:rPr lang="en-US" sz="1400" dirty="0" smtClean="0">
@@ -11614,7 +11552,69 @@
                   <a:srgbClr val="008000"/>
                 </a:solidFill>
               </a:rPr>
-              <a:t>N named buckets *)</a:t>
+              <a:t>two buckets *)</a:t>
+            </a:r>
+            <a:endParaRPr lang="en-US" sz="1400" dirty="0">
+              <a:solidFill>
+                <a:srgbClr val="008000"/>
+              </a:solidFill>
+            </a:endParaRPr>
+          </a:p>
+          <a:p>
+            <a:pPr marL="0" indent="0">
+              <a:buNone/>
+            </a:pPr>
+            <a:r>
+              <a:rPr lang="en-US" sz="1400" dirty="0">
+                <a:solidFill>
+                  <a:srgbClr val="0000FF"/>
+                </a:solidFill>
+              </a:rPr>
+              <a:t>let </a:t>
+            </a:r>
+            <a:r>
+              <a:rPr lang="en-US" sz="1400" dirty="0" smtClean="0"/>
+              <a:t>``</a:t>
+            </a:r>
+            <a:r>
+              <a:rPr lang="en-US" sz="1400" dirty="0" err="1" smtClean="0"/>
+              <a:t>timezone</a:t>
+            </a:r>
+            <a:r>
+              <a:rPr lang="en-US" sz="1400" dirty="0" smtClean="0"/>
+              <a:t> supports DST``</a:t>
+            </a:r>
+            <a:r>
+              <a:rPr lang="en-US" sz="1400" dirty="0">
+                <a:solidFill>
+                  <a:srgbClr val="000000"/>
+                </a:solidFill>
+              </a:rPr>
+              <a:t> </a:t>
+            </a:r>
+            <a:r>
+              <a:rPr lang="en-US" sz="1400" dirty="0" smtClean="0">
+                <a:solidFill>
+                  <a:srgbClr val="000000"/>
+                </a:solidFill>
+              </a:rPr>
+              <a:t>(</a:t>
+            </a:r>
+            <a:r>
+              <a:rPr lang="en-US" sz="1400" dirty="0">
+                <a:solidFill>
+                  <a:srgbClr val="000000"/>
+                </a:solidFill>
+              </a:rPr>
+              <a:t>civil :</a:t>
+            </a:r>
+            <a:r>
+              <a:rPr lang="en-US" sz="1400" dirty="0">
+                <a:solidFill>
+                  <a:srgbClr val="2B91AF"/>
+                </a:solidFill>
+              </a:rPr>
+              <a:t>date)</a:t>
             </a:r>
             <a:endParaRPr lang="en-US" sz="1400" dirty="0">
               <a:solidFill>
@@ -11627,142 +11627,104 @@
               <a:buNone/>
             </a:pPr>
             <a:r>
+              <a:rPr lang="en-US" sz="1400" dirty="0">
+                <a:solidFill>
+                  <a:srgbClr val="000000"/>
+                </a:solidFill>
+              </a:rPr>
+              <a:t>                              </a:t>
+            </a:r>
+            <a:r>
               <a:rPr lang="en-US" sz="1400" dirty="0" smtClean="0">
                 <a:solidFill>
+                  <a:srgbClr val="000000"/>
+                </a:solidFill>
+              </a:rPr>
+              <a:t>(</a:t>
+            </a:r>
+            <a:r>
+              <a:rPr lang="en-US" sz="1400" dirty="0">
+                <a:solidFill>
+                  <a:srgbClr val="000000"/>
+                </a:solidFill>
+              </a:rPr>
+              <a:t>target </a:t>
+            </a:r>
+            <a:r>
+              <a:rPr lang="en-US" sz="1400" dirty="0">
+                <a:solidFill>
                   <a:srgbClr val="0000FF"/>
                 </a:solidFill>
               </a:rPr>
-              <a:t>let </a:t>
-            </a:r>
-            <a:r>
-              <a:rPr lang="en-US" sz="1400" dirty="0" smtClean="0"/>
-              <a:t>``relation to Greenwich``</a:t>
-            </a:r>
-            <a:r>
-              <a:rPr lang="en-US" sz="1400" dirty="0" smtClean="0">
+              <a:t>:</a:t>
+            </a:r>
+            <a:r>
+              <a:rPr lang="en-US" sz="1400" dirty="0">
+                <a:solidFill>
+                  <a:srgbClr val="2B91AF"/>
+                </a:solidFill>
+              </a:rPr>
+              <a:t>zone</a:t>
+            </a:r>
+            <a:r>
+              <a:rPr lang="en-US" sz="1400" dirty="0">
                 <a:solidFill>
                   <a:srgbClr val="000000"/>
                 </a:solidFill>
               </a:rPr>
-              <a:t> (</a:t>
-            </a:r>
-            <a:r>
-              <a:rPr lang="en-US" sz="1400" dirty="0">
-                <a:solidFill>
-                  <a:srgbClr val="000000"/>
-                </a:solidFill>
-              </a:rPr>
-              <a:t>civil </a:t>
-            </a:r>
-            <a:r>
-              <a:rPr lang="en-US" sz="1400" dirty="0" smtClean="0">
-                <a:solidFill>
-                  <a:srgbClr val="000000"/>
-                </a:solidFill>
-              </a:rPr>
-              <a:t>:</a:t>
-            </a:r>
-            <a:r>
-              <a:rPr lang="en-US" sz="1400" dirty="0" smtClean="0">
-                <a:solidFill>
-                  <a:srgbClr val="2B91AF"/>
-                </a:solidFill>
-              </a:rPr>
-              <a:t>date)</a:t>
-            </a:r>
-            <a:endParaRPr lang="en-US" sz="1400" dirty="0">
-              <a:solidFill>
-                <a:srgbClr val="000000"/>
-              </a:solidFill>
-            </a:endParaRPr>
+              <a:t>)</a:t>
+            </a:r>
           </a:p>
           <a:p>
             <a:pPr marL="0" indent="0">
               <a:buNone/>
             </a:pPr>
             <a:r>
+              <a:rPr lang="en-US" sz="1400" dirty="0">
+                <a:solidFill>
+                  <a:srgbClr val="000000"/>
+                </a:solidFill>
+              </a:rPr>
+              <a:t>                              </a:t>
+            </a:r>
+            <a:r>
               <a:rPr lang="en-US" sz="1400" dirty="0" smtClean="0">
                 <a:solidFill>
                   <a:srgbClr val="000000"/>
                 </a:solidFill>
               </a:rPr>
-              <a:t>                              (target </a:t>
+              <a:t>(</a:t>
+            </a:r>
+            <a:r>
+              <a:rPr lang="en-US" sz="1400" dirty="0" err="1">
+                <a:solidFill>
+                  <a:srgbClr val="2B91AF"/>
+                </a:solidFill>
+              </a:rPr>
+              <a:t>NonNegativeInt</a:t>
             </a:r>
             <a:r>
               <a:rPr lang="en-US" sz="1400" dirty="0">
                 <a:solidFill>
-                  <a:srgbClr val="0000FF"/>
-                </a:solidFill>
-              </a:rPr>
-              <a:t>:</a:t>
-            </a:r>
-            <a:r>
-              <a:rPr lang="en-US" sz="1400" dirty="0" smtClean="0">
-                <a:solidFill>
                   <a:srgbClr val="2B91AF"/>
                 </a:solidFill>
               </a:rPr>
-              <a:t>zone</a:t>
-            </a:r>
-            <a:r>
-              <a:rPr lang="en-US" sz="1400" dirty="0" smtClean="0">
+              <a:t> </a:t>
+            </a:r>
+            <a:r>
+              <a:rPr lang="en-US" sz="1400" dirty="0"/>
+              <a:t>total</a:t>
+            </a:r>
+            <a:r>
+              <a:rPr lang="en-US" sz="1400" dirty="0">
                 <a:solidFill>
                   <a:srgbClr val="000000"/>
                 </a:solidFill>
               </a:rPr>
-              <a:t>)</a:t>
-            </a:r>
-          </a:p>
-          <a:p>
-            <a:pPr marL="0" indent="0">
-              <a:buNone/>
-            </a:pPr>
+              <a:t>) </a:t>
+            </a:r>
             <a:r>
               <a:rPr lang="en-US" sz="1400" dirty="0">
-                <a:solidFill>
-                  <a:srgbClr val="000000"/>
-                </a:solidFill>
-              </a:rPr>
-              <a:t> </a:t>
-            </a:r>
-            <a:r>
-              <a:rPr lang="en-US" sz="1400" dirty="0" smtClean="0">
-                <a:solidFill>
-                  <a:srgbClr val="000000"/>
-                </a:solidFill>
-              </a:rPr>
-              <a:t>                             (</a:t>
-            </a:r>
-            <a:r>
-              <a:rPr lang="en-US" sz="1400" dirty="0" err="1" smtClean="0">
-                <a:solidFill>
-                  <a:srgbClr val="2B91AF"/>
-                </a:solidFill>
-              </a:rPr>
-              <a:t>NonNegativeInt</a:t>
-            </a:r>
-            <a:r>
-              <a:rPr lang="en-US" sz="1400" dirty="0" smtClean="0">
-                <a:solidFill>
-                  <a:srgbClr val="2B91AF"/>
-                </a:solidFill>
-              </a:rPr>
-              <a:t> </a:t>
-            </a:r>
-            <a:r>
-              <a:rPr lang="en-US" sz="1400" dirty="0" smtClean="0"/>
-              <a:t>total</a:t>
-            </a:r>
-            <a:r>
-              <a:rPr lang="en-US" sz="1400" dirty="0" smtClean="0">
-                <a:solidFill>
-                  <a:srgbClr val="000000"/>
-                </a:solidFill>
-              </a:rPr>
-              <a:t>) </a:t>
-            </a:r>
-            <a:r>
-              <a:rPr lang="en-US" sz="1400" dirty="0" smtClean="0">
                 <a:solidFill>
                   <a:srgbClr val="0000FF"/>
                 </a:solidFill>
@@ -11778,7 +11740,7 @@
               <a:buNone/>
             </a:pPr>
             <a:r>
-              <a:rPr lang="en-US" sz="1400" dirty="0" smtClean="0">
+              <a:rPr lang="en-US" sz="1400" dirty="0">
                 <a:solidFill>
                   <a:srgbClr val="0000FF"/>
                 </a:solidFill>
@@ -11786,12 +11748,8 @@
               <a:t>  let</a:t>
             </a:r>
             <a:r>
-              <a:rPr lang="en-US" sz="1400" dirty="0" smtClean="0"/>
-              <a:t> </a:t>
-            </a:r>
-            <a:r>
               <a:rPr lang="en-US" sz="1400" dirty="0"/>
-              <a:t>days = </a:t>
+              <a:t> days = </a:t>
             </a:r>
             <a:r>
               <a:rPr lang="en-US" sz="1400" dirty="0" err="1" smtClean="0">
@@ -11835,16 +11793,12 @@
               <a:t> </a:t>
             </a:r>
             <a:r>
-              <a:rPr lang="en-US" sz="1400" dirty="0" err="1" smtClean="0"/>
+              <a:rPr lang="en-US" sz="1400" dirty="0" err="1"/>
               <a:t>addShift</a:t>
             </a:r>
             <a:r>
-              <a:rPr lang="en-US" sz="1400" dirty="0" smtClean="0"/>
-              <a:t> </a:t>
-            </a:r>
-            <a:r>
               <a:rPr lang="en-US" sz="1400" dirty="0"/>
-              <a:t>= </a:t>
+              <a:t> = </a:t>
             </a:r>
             <a:r>
               <a:rPr lang="en-US" sz="1400" dirty="0" err="1" smtClean="0">
@@ -11867,7 +11821,7 @@
               <a:t>+ days, </a:t>
             </a:r>
             <a:r>
-              <a:rPr lang="en-US" sz="1400" dirty="0" smtClean="0">
+              <a:rPr lang="en-US" sz="1400" dirty="0">
                 <a:solidFill>
                   <a:srgbClr val="7F0000"/>
                 </a:solidFill>
@@ -11875,10 +11829,9 @@
               <a:t>target</a:t>
             </a:r>
             <a:r>
-              <a:rPr lang="en-US" sz="1400" dirty="0" smtClean="0"/>
+              <a:rPr lang="en-US" sz="1400" dirty="0"/>
               <a:t>)</a:t>
             </a:r>
-            <a:endParaRPr lang="en-US" sz="1400" dirty="0"/>
           </a:p>
           <a:p>
             <a:pPr marL="0" indent="0">
@@ -11904,16 +11857,12 @@
               <a:t> </a:t>
             </a:r>
             <a:r>
-              <a:rPr lang="en-US" sz="1400" dirty="0" err="1" smtClean="0"/>
+              <a:rPr lang="en-US" sz="1400" dirty="0" err="1"/>
               <a:t>shiftAdd</a:t>
             </a:r>
             <a:r>
-              <a:rPr lang="en-US" sz="1400" dirty="0" smtClean="0"/>
-              <a:t> </a:t>
-            </a:r>
-            <a:r>
               <a:rPr lang="en-US" sz="1400" dirty="0"/>
-              <a:t>= </a:t>
+              <a:t> = </a:t>
             </a:r>
             <a:r>
               <a:rPr lang="en-US" sz="1400" dirty="0" err="1" smtClean="0">
@@ -11936,7 +11885,7 @@
               <a:t>, </a:t>
             </a:r>
             <a:r>
-              <a:rPr lang="en-US" sz="1400" dirty="0" smtClean="0">
+              <a:rPr lang="en-US" sz="1400" dirty="0">
                 <a:solidFill>
                   <a:srgbClr val="7F0000"/>
                 </a:solidFill>
@@ -11944,12 +11893,8 @@
               <a:t>target</a:t>
             </a:r>
             <a:r>
-              <a:rPr lang="en-US" sz="1400" dirty="0" smtClean="0"/>
-              <a:t>) </a:t>
-            </a:r>
-            <a:r>
               <a:rPr lang="en-US" sz="1400" dirty="0"/>
-              <a:t>+ days</a:t>
+              <a:t>) + days</a:t>
             </a:r>
           </a:p>
           <a:p>
@@ -11963,7 +11908,6 @@
               <a:rPr lang="en-US" sz="1400" dirty="0"/>
               <a:t>  </a:t>
             </a:r>
-            <a:endParaRPr lang="en-US" sz="1400" dirty="0" smtClean="0"/>
           </a:p>
           <a:p>
             <a:pPr marL="0" indent="0">
@@ -11974,23 +11918,15 @@
             </a:pPr>
             <a:r>
               <a:rPr lang="en-US" sz="1400" dirty="0"/>
-              <a:t> </a:t>
-            </a:r>
-            <a:r>
-              <a:rPr lang="en-US" sz="1400" dirty="0" smtClean="0"/>
-              <a:t> </a:t>
-            </a:r>
-            <a:r>
-              <a:rPr lang="en-US" sz="1400" dirty="0" err="1" smtClean="0"/>
+              <a:t>  </a:t>
+            </a:r>
+            <a:r>
+              <a:rPr lang="en-US" sz="1400" dirty="0" err="1"/>
               <a:t>addShift</a:t>
             </a:r>
             <a:r>
-              <a:rPr lang="en-US" sz="1400" dirty="0" smtClean="0"/>
-              <a:t> </a:t>
-            </a:r>
-            <a:r>
               <a:rPr lang="en-US" sz="1400" dirty="0"/>
-              <a:t>= </a:t>
+              <a:t> = </a:t>
             </a:r>
             <a:r>
               <a:rPr lang="en-US" sz="1400" dirty="0" err="1" smtClean="0"/>
@@ -12006,80 +11942,8 @@
               <a:buNone/>
             </a:pPr>
             <a:r>
-              <a:rPr lang="en-US" sz="1400" dirty="0" smtClean="0"/>
-              <a:t>  |&gt; </a:t>
-            </a:r>
-            <a:r>
-              <a:rPr lang="en-US" sz="1400" dirty="0" err="1" smtClean="0">
-                <a:solidFill>
-                  <a:srgbClr val="2B91AF"/>
-                </a:solidFill>
-              </a:rPr>
-              <a:t>Prop</a:t>
-            </a:r>
-            <a:r>
-              <a:rPr lang="en-US" sz="1400" dirty="0" err="1" smtClean="0"/>
-              <a:t>.classify</a:t>
-            </a:r>
-            <a:r>
-              <a:rPr lang="en-US" sz="1400" dirty="0" smtClean="0"/>
-              <a:t> (</a:t>
-            </a:r>
-            <a:r>
-              <a:rPr lang="en-US" sz="1400" dirty="0" err="1" smtClean="0"/>
-              <a:t>civil.Offset</a:t>
-            </a:r>
-            <a:r>
-              <a:rPr lang="en-US" sz="1400" dirty="0" smtClean="0"/>
-              <a:t> &lt; </a:t>
-            </a:r>
-            <a:r>
-              <a:rPr lang="en-US" sz="1400" dirty="0" err="1" smtClean="0">
-                <a:solidFill>
-                  <a:srgbClr val="2B91AF"/>
-                </a:solidFill>
-              </a:rPr>
-              <a:t>time</a:t>
-            </a:r>
-            <a:r>
-              <a:rPr lang="en-US" sz="1400" dirty="0" err="1" smtClean="0"/>
-              <a:t>.Zero</a:t>
-            </a:r>
-            <a:r>
-              <a:rPr lang="en-US" sz="1400" dirty="0" smtClean="0"/>
-              <a:t>) </a:t>
-            </a:r>
-            <a:r>
-              <a:rPr lang="en-US" sz="1400" dirty="0" smtClean="0">
-                <a:solidFill>
-                  <a:srgbClr val="7F0000"/>
-                </a:solidFill>
-              </a:rPr>
-              <a:t>“&lt;&lt; GMT”</a:t>
-            </a:r>
-          </a:p>
-          <a:p>
-            <a:pPr marL="0" indent="0">
-              <a:lnSpc>
-                <a:spcPct val="100000"/>
-              </a:lnSpc>
-              <a:buNone/>
-            </a:pPr>
-            <a:r>
-              <a:rPr lang="en-US" sz="1400" dirty="0" smtClean="0"/>
-              <a:t>  |&gt; </a:t>
-            </a:r>
-            <a:r>
-              <a:rPr lang="en-US" sz="1400" dirty="0" err="1" smtClean="0">
-                <a:solidFill>
-                  <a:srgbClr val="2B91AF"/>
-                </a:solidFill>
-              </a:rPr>
-              <a:t>Prop</a:t>
-            </a:r>
-            <a:r>
-              <a:rPr lang="en-US" sz="1400" dirty="0" err="1" smtClean="0"/>
-              <a:t>.classify</a:t>
+              <a:rPr lang="en-US" sz="1400" dirty="0"/>
+              <a:t> </a:t>
             </a:r>
             <a:r>
               <a:rPr lang="en-US" sz="1400" dirty="0" smtClean="0"/>
@@ -12087,112 +11951,29 @@
             </a:r>
             <a:r>
               <a:rPr lang="en-US" sz="1400" dirty="0"/>
-              <a:t>(</a:t>
+              <a:t>|&gt; </a:t>
+            </a:r>
+            <a:r>
+              <a:rPr lang="en-US" sz="1400" dirty="0" err="1">
+                <a:solidFill>
+                  <a:srgbClr val="2B91AF"/>
+                </a:solidFill>
+              </a:rPr>
+              <a:t>Prop</a:t>
             </a:r>
             <a:r>
               <a:rPr lang="en-US" sz="1400" dirty="0" err="1"/>
-              <a:t>civil.Offset</a:t>
+              <a:t>.trivial</a:t>
             </a:r>
             <a:r>
               <a:rPr lang="en-US" sz="1400" dirty="0"/>
               <a:t> </a:t>
             </a:r>
             <a:r>
-              <a:rPr lang="en-US" sz="1400" dirty="0" smtClean="0"/>
-              <a:t>= </a:t>
-            </a:r>
-            <a:r>
-              <a:rPr lang="en-US" sz="1400" dirty="0" err="1">
-                <a:solidFill>
-                  <a:srgbClr val="2B91AF"/>
-                </a:solidFill>
-              </a:rPr>
-              <a:t>time</a:t>
-            </a:r>
-            <a:r>
-              <a:rPr lang="en-US" sz="1400" dirty="0" err="1"/>
-              <a:t>.Zero</a:t>
-            </a:r>
-            <a:r>
-              <a:rPr lang="en-US" sz="1400" dirty="0"/>
-              <a:t>) </a:t>
-            </a:r>
-            <a:r>
-              <a:rPr lang="en-US" sz="1400" dirty="0" smtClean="0">
-                <a:solidFill>
-                  <a:srgbClr val="7F0000"/>
-                </a:solidFill>
-              </a:rPr>
-              <a:t>“== GMT”</a:t>
-            </a:r>
-          </a:p>
-          <a:p>
-            <a:pPr marL="0" indent="0">
-              <a:lnSpc>
-                <a:spcPct val="100000"/>
-              </a:lnSpc>
-              <a:buNone/>
-            </a:pPr>
-            <a:r>
-              <a:rPr lang="en-US" sz="1400" dirty="0" smtClean="0"/>
-              <a:t>  </a:t>
-            </a:r>
-            <a:r>
-              <a:rPr lang="en-US" sz="1400" dirty="0"/>
-              <a:t>|&gt; </a:t>
-            </a:r>
-            <a:r>
-              <a:rPr lang="en-US" sz="1400" dirty="0" err="1">
-                <a:solidFill>
-                  <a:srgbClr val="2B91AF"/>
-                </a:solidFill>
-              </a:rPr>
-              <a:t>Prop</a:t>
-            </a:r>
-            <a:r>
-              <a:rPr lang="en-US" sz="1400" dirty="0" err="1"/>
-              <a:t>.classify</a:t>
-            </a:r>
-            <a:r>
-              <a:rPr lang="en-US" sz="1400" dirty="0"/>
-              <a:t> (</a:t>
-            </a:r>
-            <a:r>
-              <a:rPr lang="en-US" sz="1400" dirty="0" err="1"/>
-              <a:t>civil.Offset</a:t>
-            </a:r>
-            <a:r>
-              <a:rPr lang="en-US" sz="1400" dirty="0"/>
-              <a:t> </a:t>
-            </a:r>
-            <a:r>
-              <a:rPr lang="en-US" sz="1400" dirty="0" smtClean="0"/>
-              <a:t>&gt; </a:t>
-            </a:r>
-            <a:r>
-              <a:rPr lang="en-US" sz="1400" dirty="0" err="1">
-                <a:solidFill>
-                  <a:srgbClr val="2B91AF"/>
-                </a:solidFill>
-              </a:rPr>
-              <a:t>time</a:t>
-            </a:r>
-            <a:r>
-              <a:rPr lang="en-US" sz="1400" dirty="0" err="1"/>
-              <a:t>.Zero</a:t>
-            </a:r>
-            <a:r>
-              <a:rPr lang="en-US" sz="1400" dirty="0"/>
-              <a:t>) </a:t>
-            </a:r>
-            <a:r>
-              <a:rPr lang="en-US" sz="1400" dirty="0" smtClean="0">
-                <a:solidFill>
-                  <a:srgbClr val="7F0000"/>
-                </a:solidFill>
-              </a:rPr>
-              <a:t>“GMT &gt;&gt;”</a:t>
-            </a:r>
+              <a:rPr lang="en-US" sz="1400" dirty="0" err="1" smtClean="0"/>
+              <a:t>target.SupportsDaylightSavingsTime</a:t>
+            </a:r>
+            <a:endParaRPr lang="en-US" sz="1400" dirty="0"/>
           </a:p>
           <a:p>
             <a:pPr marL="0" indent="0">
@@ -12296,18 +12077,21 @@
               <a:t>✔ </a:t>
             </a:r>
             <a:r>
-              <a:rPr lang="en-US" sz="1400" b="1" dirty="0" smtClean="0">
+              <a:rPr lang="en-US" sz="1400" b="1" dirty="0" err="1">
                 <a:solidFill>
                   <a:srgbClr val="006700"/>
                 </a:solidFill>
               </a:rPr>
-              <a:t>relation to Greenwich</a:t>
-            </a:r>
-            <a:endParaRPr lang="en-US" sz="1400" b="1" dirty="0">
-              <a:solidFill>
-                <a:srgbClr val="006700"/>
-              </a:solidFill>
-            </a:endParaRPr>
+              <a:t>timezone</a:t>
+            </a:r>
+            <a:r>
+              <a:rPr lang="en-US" sz="1400" b="1" dirty="0">
+                <a:solidFill>
+                  <a:srgbClr val="006700"/>
+                </a:solidFill>
+              </a:rPr>
+              <a:t> supports DST</a:t>
+            </a:r>
           </a:p>
           <a:p>
             <a:r>
@@ -12344,6 +12128,16 @@
           </a:p>
           <a:p>
             <a:r>
+              <a:rPr lang="en-US" sz="1400" dirty="0" smtClean="0">
+                <a:solidFill>
+                  <a:schemeClr val="tx1"/>
+                </a:solidFill>
+              </a:rPr>
+              <a:t>    53% Odd</a:t>
+            </a:r>
+          </a:p>
+          <a:p>
+            <a:r>
               <a:rPr lang="en-US" sz="1400" dirty="0">
                 <a:solidFill>
                   <a:schemeClr val="tx1"/>
@@ -12357,7 +12151,7 @@
                   <a:schemeClr val="tx1"/>
                 </a:solidFill>
               </a:rPr>
-              <a:t>   55% GMT &gt;&gt;</a:t>
+              <a:t>   47% Even</a:t>
             </a:r>
             <a:endParaRPr lang="en-US" sz="1400" dirty="0">
               <a:solidFill>
@@ -12365,57 +12159,11 @@
               </a:solidFill>
             </a:endParaRPr>
           </a:p>
-          <a:p>
-            <a:r>
-              <a:rPr lang="en-US" sz="1400" dirty="0">
-                <a:solidFill>
-                  <a:schemeClr val="tx1"/>
-                </a:solidFill>
-              </a:rPr>
-              <a:t>    </a:t>
-            </a:r>
-            <a:r>
-              <a:rPr lang="en-US" sz="1400" dirty="0" smtClean="0">
-                <a:solidFill>
-                  <a:schemeClr val="tx1"/>
-                </a:solidFill>
-              </a:rPr>
-              <a:t>43% &lt;&lt; GMT</a:t>
-            </a:r>
-            <a:endParaRPr lang="en-US" sz="1400" dirty="0">
-              <a:solidFill>
-                <a:schemeClr val="tx1"/>
-              </a:solidFill>
-            </a:endParaRPr>
-          </a:p>
-          <a:p>
-            <a:r>
-              <a:rPr lang="en-US" sz="1400" dirty="0">
-                <a:solidFill>
-                  <a:schemeClr val="tx1"/>
-                </a:solidFill>
-              </a:rPr>
-              <a:t>    </a:t>
-            </a:r>
-            <a:r>
-              <a:rPr lang="en-US" sz="1400" dirty="0" smtClean="0">
-                <a:solidFill>
-                  <a:schemeClr val="tx1"/>
-                </a:solidFill>
-              </a:rPr>
-              <a:t>  2% == GMT</a:t>
-            </a:r>
-            <a:endParaRPr lang="en-US" sz="1400" dirty="0">
-              <a:solidFill>
-                <a:schemeClr val="tx1"/>
-              </a:solidFill>
-            </a:endParaRPr>
-          </a:p>
         </p:txBody>
       </p:sp>
       <p:sp>
         <p:nvSpPr>
-          <p:cNvPr id="4" name="Slide Number Placeholder 3"/>
+          <p:cNvPr id="6" name="Slide Number Placeholder 5"/>
           <p:cNvSpPr>
             <a:spLocks noGrp="1"/>
           </p:cNvSpPr>
@@ -12439,7 +12187,7 @@
     </p:spTree>
     <p:extLst>
       <p:ext uri="{BB962C8B-B14F-4D97-AF65-F5344CB8AC3E}">
-        <p14:creationId xmlns:p14="http://schemas.microsoft.com/office/powerpoint/2010/main" val="1607403573"/>
+        <p14:creationId xmlns:p14="http://schemas.microsoft.com/office/powerpoint/2010/main" val="1638553231"/>
       </p:ext>
     </p:extLst>
   </p:cSld>
@@ -12583,23 +12331,31 @@
                   <a:srgbClr val="008000"/>
                 </a:solidFill>
               </a:rPr>
-              <a:t>(* not just </a:t>
-            </a:r>
-            <a:r>
-              <a:rPr lang="en-US" sz="1400" dirty="0" err="1" smtClean="0">
+              <a:t>(* </a:t>
+            </a:r>
+            <a:r>
+              <a:rPr lang="en-US" sz="1400" dirty="0">
                 <a:solidFill>
                   <a:srgbClr val="008000"/>
                 </a:solidFill>
               </a:rPr>
-              <a:t>booleans</a:t>
-            </a:r>
-            <a:r>
-              <a:rPr lang="is-IS" sz="1400" dirty="0" smtClean="0">
+              <a:t>a classification </a:t>
+            </a:r>
+            <a:r>
+              <a:rPr lang="en-US" sz="1400" dirty="0" smtClean="0">
                 <a:solidFill>
                   <a:srgbClr val="008000"/>
                 </a:solidFill>
               </a:rPr>
-              <a:t>…</a:t>
+              <a:t>splits data </a:t>
+            </a:r>
+            <a:r>
+              <a:rPr lang="en-US" sz="1400" dirty="0">
+                <a:solidFill>
+                  <a:srgbClr val="008000"/>
+                </a:solidFill>
+              </a:rPr>
+              <a:t>into </a:t>
             </a:r>
             <a:r>
               <a:rPr lang="en-US" sz="1400" dirty="0" smtClean="0">
@@ -12607,23 +12363,7 @@
                   <a:srgbClr val="008000"/>
                 </a:solidFill>
               </a:rPr>
-              <a:t> </a:t>
-            </a:r>
-            <a:r>
-              <a:rPr lang="en-US" sz="1400" dirty="0">
-                <a:solidFill>
-                  <a:srgbClr val="008000"/>
-                </a:solidFill>
-              </a:rPr>
-              <a:t>collect reports any value</a:t>
-            </a:r>
-            <a:r>
-              <a:rPr lang="en-US" sz="1400" dirty="0" smtClean="0">
-                <a:solidFill>
-                  <a:srgbClr val="008000"/>
-                </a:solidFill>
-              </a:rPr>
-              <a:t> *)</a:t>
+              <a:t>N named buckets *)</a:t>
             </a:r>
             <a:endParaRPr lang="en-US" sz="1400" dirty="0">
               <a:solidFill>
@@ -12645,7 +12385,7 @@
             </a:r>
             <a:r>
               <a:rPr lang="en-US" sz="1400" dirty="0" smtClean="0"/>
-              <a:t>``day of the week``</a:t>
+              <a:t>``relation to Greenwich``</a:t>
             </a:r>
             <a:r>
               <a:rPr lang="en-US" sz="1400" dirty="0" smtClean="0">
@@ -12695,7 +12435,7 @@
                   <a:srgbClr val="000000"/>
                 </a:solidFill>
               </a:rPr>
-              <a:t>                        (target </a:t>
+              <a:t>                              (target </a:t>
             </a:r>
             <a:r>
               <a:rPr lang="en-US" sz="1400" dirty="0">
@@ -12740,7 +12480,7 @@
                   <a:srgbClr val="000000"/>
                 </a:solidFill>
               </a:rPr>
-              <a:t>                       (</a:t>
+              <a:t>                             (</a:t>
             </a:r>
             <a:r>
               <a:rPr lang="en-US" sz="1400" dirty="0" err="1" smtClean="0">
@@ -13028,7 +12768,7 @@
             </a:r>
             <a:r>
               <a:rPr lang="en-US" sz="1400" dirty="0" err="1" smtClean="0"/>
-              <a:t>.collect</a:t>
+              <a:t>.classify</a:t>
             </a:r>
             <a:r>
               <a:rPr lang="en-US" sz="1400" dirty="0" smtClean="0"/>
@@ -13036,11 +12776,35 @@
             </a:r>
             <a:r>
               <a:rPr lang="en-US" sz="1400" dirty="0" err="1" smtClean="0"/>
-              <a:t>weekdayName</a:t>
+              <a:t>civil.Offset</a:t>
             </a:r>
             <a:r>
               <a:rPr lang="en-US" sz="1400" dirty="0" smtClean="0"/>
-              <a:t> civil)</a:t>
+              <a:t> &lt; </a:t>
+            </a:r>
+            <a:r>
+              <a:rPr lang="en-US" sz="1400" dirty="0" err="1" smtClean="0">
+                <a:solidFill>
+                  <a:srgbClr val="2B91AF"/>
+                </a:solidFill>
+              </a:rPr>
+              <a:t>time</a:t>
+            </a:r>
+            <a:r>
+              <a:rPr lang="en-US" sz="1400" dirty="0" err="1" smtClean="0"/>
+              <a:t>.Zero</a:t>
+            </a:r>
+            <a:r>
+              <a:rPr lang="en-US" sz="1400" dirty="0" smtClean="0"/>
+              <a:t>) </a:t>
+            </a:r>
+            <a:r>
+              <a:rPr lang="en-US" sz="1400" dirty="0" smtClean="0">
+                <a:solidFill>
+                  <a:srgbClr val="7F0000"/>
+                </a:solidFill>
+              </a:rPr>
+              <a:t>“&lt;&lt; GMT”</a:t>
             </a:r>
           </a:p>
           <a:p>
@@ -13048,6 +12812,139 @@
               <a:lnSpc>
                 <a:spcPct val="100000"/>
               </a:lnSpc>
+              <a:buNone/>
+            </a:pPr>
+            <a:r>
+              <a:rPr lang="en-US" sz="1400" dirty="0" smtClean="0"/>
+              <a:t>  |&gt; </a:t>
+            </a:r>
+            <a:r>
+              <a:rPr lang="en-US" sz="1400" dirty="0" err="1" smtClean="0">
+                <a:solidFill>
+                  <a:srgbClr val="2B91AF"/>
+                </a:solidFill>
+              </a:rPr>
+              <a:t>Prop</a:t>
+            </a:r>
+            <a:r>
+              <a:rPr lang="en-US" sz="1400" dirty="0" err="1" smtClean="0"/>
+              <a:t>.classify</a:t>
+            </a:r>
+            <a:r>
+              <a:rPr lang="en-US" sz="1400" dirty="0" smtClean="0"/>
+              <a:t> </a:t>
+            </a:r>
+            <a:r>
+              <a:rPr lang="en-US" sz="1400" dirty="0"/>
+              <a:t>(</a:t>
+            </a:r>
+            <a:r>
+              <a:rPr lang="en-US" sz="1400" dirty="0" err="1"/>
+              <a:t>civil.Offset</a:t>
+            </a:r>
+            <a:r>
+              <a:rPr lang="en-US" sz="1400" dirty="0"/>
+              <a:t> </a:t>
+            </a:r>
+            <a:r>
+              <a:rPr lang="en-US" sz="1400" dirty="0" smtClean="0"/>
+              <a:t>= </a:t>
+            </a:r>
+            <a:r>
+              <a:rPr lang="en-US" sz="1400" dirty="0" err="1">
+                <a:solidFill>
+                  <a:srgbClr val="2B91AF"/>
+                </a:solidFill>
+              </a:rPr>
+              <a:t>time</a:t>
+            </a:r>
+            <a:r>
+              <a:rPr lang="en-US" sz="1400" dirty="0" err="1"/>
+              <a:t>.Zero</a:t>
+            </a:r>
+            <a:r>
+              <a:rPr lang="en-US" sz="1400" dirty="0"/>
+              <a:t>) </a:t>
+            </a:r>
+            <a:r>
+              <a:rPr lang="en-US" sz="1400" dirty="0" smtClean="0">
+                <a:solidFill>
+                  <a:srgbClr val="7F0000"/>
+                </a:solidFill>
+              </a:rPr>
+              <a:t>“== GMT”</a:t>
+            </a:r>
+          </a:p>
+          <a:p>
+            <a:pPr marL="0" indent="0">
+              <a:lnSpc>
+                <a:spcPct val="100000"/>
+              </a:lnSpc>
+              <a:buNone/>
+            </a:pPr>
+            <a:r>
+              <a:rPr lang="en-US" sz="1400" dirty="0" smtClean="0"/>
+              <a:t>  </a:t>
+            </a:r>
+            <a:r>
+              <a:rPr lang="en-US" sz="1400" dirty="0"/>
+              <a:t>|&gt; </a:t>
+            </a:r>
+            <a:r>
+              <a:rPr lang="en-US" sz="1400" dirty="0" err="1">
+                <a:solidFill>
+                  <a:srgbClr val="2B91AF"/>
+                </a:solidFill>
+              </a:rPr>
+              <a:t>Prop</a:t>
+            </a:r>
+            <a:r>
+              <a:rPr lang="en-US" sz="1400" dirty="0" err="1"/>
+              <a:t>.classify</a:t>
+            </a:r>
+            <a:r>
+              <a:rPr lang="en-US" sz="1400" dirty="0"/>
+              <a:t> (</a:t>
+            </a:r>
+            <a:r>
+              <a:rPr lang="en-US" sz="1400" dirty="0" err="1"/>
+              <a:t>civil.Offset</a:t>
+            </a:r>
+            <a:r>
+              <a:rPr lang="en-US" sz="1400" dirty="0"/>
+              <a:t> </a:t>
+            </a:r>
+            <a:r>
+              <a:rPr lang="en-US" sz="1400" dirty="0" smtClean="0"/>
+              <a:t>&gt; </a:t>
+            </a:r>
+            <a:r>
+              <a:rPr lang="en-US" sz="1400" dirty="0" err="1">
+                <a:solidFill>
+                  <a:srgbClr val="2B91AF"/>
+                </a:solidFill>
+              </a:rPr>
+              <a:t>time</a:t>
+            </a:r>
+            <a:r>
+              <a:rPr lang="en-US" sz="1400" dirty="0" err="1"/>
+              <a:t>.Zero</a:t>
+            </a:r>
+            <a:r>
+              <a:rPr lang="en-US" sz="1400" dirty="0"/>
+              <a:t>) </a:t>
+            </a:r>
+            <a:r>
+              <a:rPr lang="en-US" sz="1400" dirty="0" smtClean="0">
+                <a:solidFill>
+                  <a:srgbClr val="7F0000"/>
+                </a:solidFill>
+              </a:rPr>
+              <a:t>“GMT &gt;&gt;”</a:t>
+            </a:r>
+          </a:p>
+          <a:p>
+            <a:pPr marL="0" indent="0">
               <a:buNone/>
             </a:pPr>
             <a:endParaRPr lang="en-US" sz="1400" dirty="0">
@@ -13153,7 +13050,7 @@
                   <a:srgbClr val="006700"/>
                 </a:solidFill>
               </a:rPr>
-              <a:t>day of the week</a:t>
+              <a:t>relation to Greenwich</a:t>
             </a:r>
             <a:endParaRPr lang="en-US" sz="1400" b="1" dirty="0">
               <a:solidFill>
@@ -13209,153 +13106,9 @@
                   <a:schemeClr val="tx1"/>
                 </a:solidFill>
               </a:rPr>
-              <a:t>    20</a:t>
-            </a:r>
-            <a:r>
-              <a:rPr lang="en-US" sz="1400" dirty="0">
-                <a:solidFill>
-                  <a:schemeClr val="tx1"/>
-                </a:solidFill>
-              </a:rPr>
-              <a:t>% </a:t>
-            </a:r>
-            <a:r>
-              <a:rPr lang="en-US" sz="1400" dirty="0" smtClean="0">
-                <a:solidFill>
-                  <a:schemeClr val="tx1"/>
-                </a:solidFill>
-              </a:rPr>
-              <a:t>Monday</a:t>
-            </a:r>
-          </a:p>
-          <a:p>
-            <a:r>
-              <a:rPr lang="en-US" sz="1400" dirty="0">
-                <a:solidFill>
-                  <a:schemeClr val="tx1"/>
-                </a:solidFill>
-              </a:rPr>
-              <a:t> </a:t>
-            </a:r>
-            <a:r>
-              <a:rPr lang="en-US" sz="1400" dirty="0" smtClean="0">
-                <a:solidFill>
-                  <a:schemeClr val="tx1"/>
-                </a:solidFill>
-              </a:rPr>
-              <a:t>    19</a:t>
-            </a:r>
-            <a:r>
-              <a:rPr lang="en-US" sz="1400" dirty="0">
-                <a:solidFill>
-                  <a:schemeClr val="tx1"/>
-                </a:solidFill>
-              </a:rPr>
-              <a:t>% </a:t>
-            </a:r>
-            <a:r>
-              <a:rPr lang="en-US" sz="1400" dirty="0" smtClean="0">
-                <a:solidFill>
-                  <a:schemeClr val="tx1"/>
-                </a:solidFill>
-              </a:rPr>
-              <a:t>Saturday</a:t>
-            </a:r>
-          </a:p>
-          <a:p>
-            <a:r>
-              <a:rPr lang="en-US" sz="1400" dirty="0">
-                <a:solidFill>
-                  <a:schemeClr val="tx1"/>
-                </a:solidFill>
-              </a:rPr>
-              <a:t> </a:t>
-            </a:r>
-            <a:r>
-              <a:rPr lang="en-US" sz="1400" dirty="0" smtClean="0">
-                <a:solidFill>
-                  <a:schemeClr val="tx1"/>
-                </a:solidFill>
-              </a:rPr>
-              <a:t>    17</a:t>
-            </a:r>
-            <a:r>
-              <a:rPr lang="en-US" sz="1400" dirty="0">
-                <a:solidFill>
-                  <a:schemeClr val="tx1"/>
-                </a:solidFill>
-              </a:rPr>
-              <a:t>% </a:t>
-            </a:r>
-            <a:r>
-              <a:rPr lang="en-US" sz="1400" dirty="0" smtClean="0">
-                <a:solidFill>
-                  <a:schemeClr val="tx1"/>
-                </a:solidFill>
-              </a:rPr>
-              <a:t>Sunday</a:t>
-            </a:r>
-          </a:p>
-          <a:p>
-            <a:r>
-              <a:rPr lang="en-US" sz="1400" dirty="0">
-                <a:solidFill>
-                  <a:schemeClr val="tx1"/>
-                </a:solidFill>
-              </a:rPr>
-              <a:t> </a:t>
-            </a:r>
-            <a:r>
-              <a:rPr lang="en-US" sz="1400" dirty="0" smtClean="0">
-                <a:solidFill>
-                  <a:schemeClr val="tx1"/>
-                </a:solidFill>
-              </a:rPr>
-              <a:t>    14</a:t>
-            </a:r>
-            <a:r>
-              <a:rPr lang="en-US" sz="1400" dirty="0">
-                <a:solidFill>
-                  <a:schemeClr val="tx1"/>
-                </a:solidFill>
-              </a:rPr>
-              <a:t>% </a:t>
-            </a:r>
-            <a:r>
-              <a:rPr lang="en-US" sz="1400" dirty="0" smtClean="0">
-                <a:solidFill>
-                  <a:schemeClr val="tx1"/>
-                </a:solidFill>
-              </a:rPr>
-              <a:t>Tuesday</a:t>
-            </a:r>
-          </a:p>
-          <a:p>
-            <a:r>
-              <a:rPr lang="en-US" sz="1400" dirty="0">
-                <a:solidFill>
-                  <a:schemeClr val="tx1"/>
-                </a:solidFill>
-              </a:rPr>
-              <a:t> </a:t>
-            </a:r>
-            <a:r>
-              <a:rPr lang="en-US" sz="1400" dirty="0" smtClean="0">
-                <a:solidFill>
-                  <a:schemeClr val="tx1"/>
-                </a:solidFill>
-              </a:rPr>
-              <a:t>    13</a:t>
-            </a:r>
-            <a:r>
-              <a:rPr lang="en-US" sz="1400" dirty="0">
-                <a:solidFill>
-                  <a:schemeClr val="tx1"/>
-                </a:solidFill>
-              </a:rPr>
-              <a:t>% Thursday </a:t>
-            </a:r>
-            <a:endParaRPr lang="en-US" sz="1400" dirty="0" smtClean="0">
+              <a:t>   55% GMT &gt;&gt;</a:t>
+            </a:r>
+            <a:endParaRPr lang="en-US" sz="1400" dirty="0">
               <a:solidFill>
                 <a:schemeClr val="tx1"/>
               </a:solidFill>
@@ -13368,7 +13121,7 @@
                   <a:schemeClr val="tx1"/>
                 </a:solidFill>
               </a:rPr>
-              <a:t> </a:t>
+              <a:t>    </a:t>
             </a:r>
             <a:r>
               <a:rPr lang="en-US" sz="1400" dirty="0" smtClean="0">
@@ -13376,17 +13129,9 @@
                   <a:schemeClr val="tx1"/>
                 </a:solidFill>
               </a:rPr>
-              <a:t>      9</a:t>
-            </a:r>
-            <a:r>
-              <a:rPr lang="en-US" sz="1400" dirty="0">
-                <a:solidFill>
-                  <a:schemeClr val="tx1"/>
-                </a:solidFill>
-              </a:rPr>
-              <a:t>% Friday </a:t>
-            </a:r>
-            <a:endParaRPr lang="en-US" sz="1400" dirty="0" smtClean="0">
+              <a:t>43% &lt;&lt; GMT</a:t>
+            </a:r>
+            <a:endParaRPr lang="en-US" sz="1400" dirty="0">
               <a:solidFill>
                 <a:schemeClr val="tx1"/>
               </a:solidFill>
@@ -13399,7 +13144,7 @@
                   <a:schemeClr val="tx1"/>
                 </a:solidFill>
               </a:rPr>
-              <a:t> </a:t>
+              <a:t>    </a:t>
             </a:r>
             <a:r>
               <a:rPr lang="en-US" sz="1400" dirty="0" smtClean="0">
@@ -13407,16 +13152,13 @@
                   <a:schemeClr val="tx1"/>
                 </a:solidFill>
               </a:rPr>
-              <a:t>      8</a:t>
-            </a:r>
-            <a:r>
-              <a:rPr lang="en-US" sz="1400" dirty="0">
-                <a:solidFill>
-                  <a:schemeClr val="tx1"/>
-                </a:solidFill>
-              </a:rPr>
-              <a:t>% Wednesday</a:t>
-            </a:r>
+              <a:t>  2% == GMT</a:t>
+            </a:r>
+            <a:endParaRPr lang="en-US" sz="1400" dirty="0">
+              <a:solidFill>
+                <a:schemeClr val="tx1"/>
+              </a:solidFill>
+            </a:endParaRPr>
           </a:p>
         </p:txBody>
       </p:sp>
@@ -13446,7 +13188,7 @@
     </p:spTree>
     <p:extLst>
       <p:ext uri="{BB962C8B-B14F-4D97-AF65-F5344CB8AC3E}">
-        <p14:creationId xmlns:p14="http://schemas.microsoft.com/office/powerpoint/2010/main" val="1386936107"/>
+        <p14:creationId xmlns:p14="http://schemas.microsoft.com/office/powerpoint/2010/main" val="1607403573"/>
       </p:ext>
     </p:extLst>
   </p:cSld>
@@ -13590,7 +13332,31 @@
                   <a:srgbClr val="008000"/>
                 </a:solidFill>
               </a:rPr>
-              <a:t>(* observations </a:t>
+              <a:t>(* not just </a:t>
+            </a:r>
+            <a:r>
+              <a:rPr lang="en-US" sz="1400" dirty="0" err="1" smtClean="0">
+                <a:solidFill>
+                  <a:srgbClr val="008000"/>
+                </a:solidFill>
+              </a:rPr>
+              <a:t>booleans</a:t>
+            </a:r>
+            <a:r>
+              <a:rPr lang="is-IS" sz="1400" dirty="0" smtClean="0">
+                <a:solidFill>
+                  <a:srgbClr val="008000"/>
+                </a:solidFill>
+              </a:rPr>
+              <a:t>…</a:t>
+            </a:r>
+            <a:r>
+              <a:rPr lang="en-US" sz="1400" dirty="0" smtClean="0">
+                <a:solidFill>
+                  <a:srgbClr val="008000"/>
+                </a:solidFill>
+              </a:rPr>
+              <a:t> </a:t>
             </a:r>
             <a:r>
               <a:rPr lang="en-US" sz="1400" dirty="0">
@@ -13598,7 +13364,7 @@
                   <a:srgbClr val="008000"/>
                 </a:solidFill>
               </a:rPr>
-              <a:t>may be combined as mush as is </a:t>
+              <a:t>collect reports any value</a:t>
             </a:r>
             <a:r>
               <a:rPr lang="en-US" sz="1400" dirty="0" smtClean="0">
@@ -13606,7 +13372,7 @@
                   <a:srgbClr val="008000"/>
                 </a:solidFill>
               </a:rPr>
-              <a:t>desired *)</a:t>
+              <a:t> *)</a:t>
             </a:r>
             <a:endParaRPr lang="en-US" sz="1400" dirty="0">
               <a:solidFill>
@@ -13628,7 +13394,7 @@
             </a:r>
             <a:r>
               <a:rPr lang="en-US" sz="1400" dirty="0" smtClean="0"/>
-              <a:t>``combined observations``</a:t>
+              <a:t>``day of the week``</a:t>
             </a:r>
             <a:r>
               <a:rPr lang="en-US" sz="1400" dirty="0" smtClean="0">
@@ -13678,7 +13444,7 @@
                   <a:srgbClr val="000000"/>
                 </a:solidFill>
               </a:rPr>
-              <a:t>                              (target </a:t>
+              <a:t>                        (target </a:t>
             </a:r>
             <a:r>
               <a:rPr lang="en-US" sz="1400" dirty="0">
@@ -13723,7 +13489,7 @@
                   <a:srgbClr val="000000"/>
                 </a:solidFill>
               </a:rPr>
-              <a:t>                             (</a:t>
+              <a:t>                       (</a:t>
             </a:r>
             <a:r>
               <a:rPr lang="en-US" sz="1400" dirty="0" err="1" smtClean="0">
@@ -13852,11 +13618,11 @@
             </a:r>
             <a:r>
               <a:rPr lang="en-US" sz="1400" dirty="0" smtClean="0"/>
-              <a:t> (</a:t>
+              <a:t>(civil </a:t>
             </a:r>
             <a:r>
               <a:rPr lang="en-US" sz="1400" dirty="0"/>
-              <a:t>civil + days, </a:t>
+              <a:t>+ days, </a:t>
             </a:r>
             <a:r>
               <a:rPr lang="en-US" sz="1400" dirty="0" smtClean="0">
@@ -13921,11 +13687,11 @@
             </a:r>
             <a:r>
               <a:rPr lang="en-US" sz="1400" dirty="0" smtClean="0"/>
-              <a:t> (</a:t>
+              <a:t>(civil</a:t>
             </a:r>
             <a:r>
               <a:rPr lang="en-US" sz="1400" dirty="0"/>
-              <a:t>civil, </a:t>
+              <a:t>, </a:t>
             </a:r>
             <a:r>
               <a:rPr lang="en-US" sz="1400" dirty="0" smtClean="0">
@@ -13998,12 +13764,8 @@
               <a:buNone/>
             </a:pPr>
             <a:r>
-              <a:rPr lang="en-US" sz="1400" dirty="0"/>
-              <a:t> </a:t>
-            </a:r>
-            <a:r>
               <a:rPr lang="en-US" sz="1400" dirty="0" smtClean="0"/>
-              <a:t> |&gt; </a:t>
+              <a:t>  |&gt; </a:t>
             </a:r>
             <a:r>
               <a:rPr lang="en-US" sz="1400" dirty="0" err="1" smtClean="0">
@@ -14015,261 +13777,26 @@
             </a:r>
             <a:r>
               <a:rPr lang="en-US" sz="1400" dirty="0" err="1" smtClean="0"/>
-              <a:t>.trivial</a:t>
+              <a:t>.collect</a:t>
             </a:r>
             <a:r>
               <a:rPr lang="en-US" sz="1400" dirty="0" smtClean="0"/>
-              <a:t>  </a:t>
+              <a:t> (</a:t>
             </a:r>
             <a:r>
               <a:rPr lang="en-US" sz="1400" dirty="0" err="1" smtClean="0"/>
-              <a:t>target.SupportsDaylightSavingsTime</a:t>
-            </a:r>
-            <a:endParaRPr lang="en-US" sz="1400" dirty="0" smtClean="0"/>
+              <a:t>weekdayName</a:t>
+            </a:r>
+            <a:r>
+              <a:rPr lang="en-US" sz="1400" dirty="0" smtClean="0"/>
+              <a:t> civil)</a:t>
+            </a:r>
           </a:p>
           <a:p>
             <a:pPr marL="0" indent="0">
               <a:lnSpc>
                 <a:spcPct val="100000"/>
               </a:lnSpc>
-              <a:buNone/>
-            </a:pPr>
-            <a:r>
-              <a:rPr lang="en-US" sz="1400" dirty="0"/>
-              <a:t> </a:t>
-            </a:r>
-            <a:r>
-              <a:rPr lang="en-US" sz="1400" dirty="0" smtClean="0"/>
-              <a:t> |&gt; </a:t>
-            </a:r>
-            <a:r>
-              <a:rPr lang="en-US" sz="1400" dirty="0" err="1" smtClean="0">
-                <a:solidFill>
-                  <a:srgbClr val="2B91AF"/>
-                </a:solidFill>
-              </a:rPr>
-              <a:t>Prop</a:t>
-            </a:r>
-            <a:r>
-              <a:rPr lang="en-US" sz="1400" dirty="0" err="1" smtClean="0"/>
-              <a:t>.classify</a:t>
-            </a:r>
-            <a:r>
-              <a:rPr lang="en-US" sz="1400" dirty="0" smtClean="0"/>
-              <a:t> (</a:t>
-            </a:r>
-            <a:r>
-              <a:rPr lang="en-US" sz="1400" dirty="0" err="1" smtClean="0"/>
-              <a:t>civil.Offset</a:t>
-            </a:r>
-            <a:r>
-              <a:rPr lang="en-US" sz="1400" dirty="0" smtClean="0"/>
-              <a:t> &lt; </a:t>
-            </a:r>
-            <a:r>
-              <a:rPr lang="en-US" sz="1400" dirty="0" err="1" smtClean="0">
-                <a:solidFill>
-                  <a:srgbClr val="2B91AF"/>
-                </a:solidFill>
-              </a:rPr>
-              <a:t>time</a:t>
-            </a:r>
-            <a:r>
-              <a:rPr lang="en-US" sz="1400" dirty="0" err="1" smtClean="0"/>
-              <a:t>.Zero</a:t>
-            </a:r>
-            <a:r>
-              <a:rPr lang="en-US" sz="1400" dirty="0" smtClean="0"/>
-              <a:t>) </a:t>
-            </a:r>
-            <a:r>
-              <a:rPr lang="en-US" sz="1400" dirty="0" smtClean="0">
-                <a:solidFill>
-                  <a:srgbClr val="7F0000"/>
-                </a:solidFill>
-              </a:rPr>
-              <a:t>“&lt;&lt; GMT”</a:t>
-            </a:r>
-          </a:p>
-          <a:p>
-            <a:pPr marL="0" indent="0">
-              <a:lnSpc>
-                <a:spcPct val="100000"/>
-              </a:lnSpc>
-              <a:buNone/>
-            </a:pPr>
-            <a:r>
-              <a:rPr lang="en-US" sz="1400" dirty="0" smtClean="0"/>
-              <a:t>  |&gt; </a:t>
-            </a:r>
-            <a:r>
-              <a:rPr lang="en-US" sz="1400" dirty="0" err="1" smtClean="0">
-                <a:solidFill>
-                  <a:srgbClr val="2B91AF"/>
-                </a:solidFill>
-              </a:rPr>
-              <a:t>Prop</a:t>
-            </a:r>
-            <a:r>
-              <a:rPr lang="en-US" sz="1400" dirty="0" err="1" smtClean="0"/>
-              <a:t>.classify</a:t>
-            </a:r>
-            <a:r>
-              <a:rPr lang="en-US" sz="1400" dirty="0" smtClean="0"/>
-              <a:t> </a:t>
-            </a:r>
-            <a:r>
-              <a:rPr lang="en-US" sz="1400" dirty="0"/>
-              <a:t>(</a:t>
-            </a:r>
-            <a:r>
-              <a:rPr lang="en-US" sz="1400" dirty="0" err="1"/>
-              <a:t>civil.Offset</a:t>
-            </a:r>
-            <a:r>
-              <a:rPr lang="en-US" sz="1400" dirty="0"/>
-              <a:t> </a:t>
-            </a:r>
-            <a:r>
-              <a:rPr lang="en-US" sz="1400" dirty="0" smtClean="0"/>
-              <a:t>= </a:t>
-            </a:r>
-            <a:r>
-              <a:rPr lang="en-US" sz="1400" dirty="0" err="1">
-                <a:solidFill>
-                  <a:srgbClr val="2B91AF"/>
-                </a:solidFill>
-              </a:rPr>
-              <a:t>time</a:t>
-            </a:r>
-            <a:r>
-              <a:rPr lang="en-US" sz="1400" dirty="0" err="1"/>
-              <a:t>.Zero</a:t>
-            </a:r>
-            <a:r>
-              <a:rPr lang="en-US" sz="1400" dirty="0"/>
-              <a:t>) </a:t>
-            </a:r>
-            <a:r>
-              <a:rPr lang="en-US" sz="1400" dirty="0" smtClean="0">
-                <a:solidFill>
-                  <a:srgbClr val="7F0000"/>
-                </a:solidFill>
-              </a:rPr>
-              <a:t>“= GMT =”</a:t>
-            </a:r>
-          </a:p>
-          <a:p>
-            <a:pPr marL="0" indent="0">
-              <a:lnSpc>
-                <a:spcPct val="100000"/>
-              </a:lnSpc>
-              <a:buNone/>
-            </a:pPr>
-            <a:r>
-              <a:rPr lang="en-US" sz="1400" dirty="0" smtClean="0"/>
-              <a:t>  </a:t>
-            </a:r>
-            <a:r>
-              <a:rPr lang="en-US" sz="1400" dirty="0"/>
-              <a:t>|&gt; </a:t>
-            </a:r>
-            <a:r>
-              <a:rPr lang="en-US" sz="1400" dirty="0" err="1">
-                <a:solidFill>
-                  <a:srgbClr val="2B91AF"/>
-                </a:solidFill>
-              </a:rPr>
-              <a:t>Prop</a:t>
-            </a:r>
-            <a:r>
-              <a:rPr lang="en-US" sz="1400" dirty="0" err="1"/>
-              <a:t>.classify</a:t>
-            </a:r>
-            <a:r>
-              <a:rPr lang="en-US" sz="1400" dirty="0"/>
-              <a:t> (</a:t>
-            </a:r>
-            <a:r>
-              <a:rPr lang="en-US" sz="1400" dirty="0" err="1"/>
-              <a:t>civil.Offset</a:t>
-            </a:r>
-            <a:r>
-              <a:rPr lang="en-US" sz="1400" dirty="0"/>
-              <a:t> </a:t>
-            </a:r>
-            <a:r>
-              <a:rPr lang="en-US" sz="1400" dirty="0" smtClean="0"/>
-              <a:t>&gt; </a:t>
-            </a:r>
-            <a:r>
-              <a:rPr lang="en-US" sz="1400" dirty="0" err="1">
-                <a:solidFill>
-                  <a:srgbClr val="2B91AF"/>
-                </a:solidFill>
-              </a:rPr>
-              <a:t>time</a:t>
-            </a:r>
-            <a:r>
-              <a:rPr lang="en-US" sz="1400" dirty="0" err="1"/>
-              <a:t>.Zero</a:t>
-            </a:r>
-            <a:r>
-              <a:rPr lang="en-US" sz="1400" dirty="0"/>
-              <a:t>) </a:t>
-            </a:r>
-            <a:r>
-              <a:rPr lang="en-US" sz="1400" dirty="0" smtClean="0">
-                <a:solidFill>
-                  <a:srgbClr val="7F0000"/>
-                </a:solidFill>
-              </a:rPr>
-              <a:t>“GMT &gt;&gt;”</a:t>
-            </a:r>
-          </a:p>
-          <a:p>
-            <a:pPr marL="0" indent="0">
-              <a:lnSpc>
-                <a:spcPct val="100000"/>
-              </a:lnSpc>
-              <a:buNone/>
-            </a:pPr>
-            <a:r>
-              <a:rPr lang="en-US" sz="1400" dirty="0" smtClean="0"/>
-              <a:t>  |&gt; </a:t>
-            </a:r>
-            <a:r>
-              <a:rPr lang="en-US" sz="1400" dirty="0" err="1" smtClean="0">
-                <a:solidFill>
-                  <a:srgbClr val="2B91AF"/>
-                </a:solidFill>
-              </a:rPr>
-              <a:t>Prop</a:t>
-            </a:r>
-            <a:r>
-              <a:rPr lang="en-US" sz="1400" dirty="0" err="1" smtClean="0"/>
-              <a:t>.collect</a:t>
-            </a:r>
-            <a:r>
-              <a:rPr lang="en-US" sz="1400" dirty="0" smtClean="0"/>
-              <a:t>  (</a:t>
-            </a:r>
-            <a:r>
-              <a:rPr lang="en-US" sz="1400" dirty="0" err="1"/>
-              <a:t>weekdayName</a:t>
-            </a:r>
-            <a:r>
-              <a:rPr lang="en-US" sz="1400" dirty="0"/>
-              <a:t> </a:t>
-            </a:r>
-            <a:r>
-              <a:rPr lang="en-US" sz="1400" dirty="0" smtClean="0"/>
-              <a:t>civil)</a:t>
-            </a:r>
-            <a:endParaRPr lang="en-US" sz="1400" dirty="0"/>
-          </a:p>
-          <a:p>
-            <a:pPr marL="0" indent="0">
               <a:buNone/>
             </a:pPr>
             <a:endParaRPr lang="en-US" sz="1400" dirty="0">
@@ -14375,7 +13902,7 @@
                   <a:srgbClr val="006700"/>
                 </a:solidFill>
               </a:rPr>
-              <a:t>combined observations</a:t>
+              <a:t>day of the week</a:t>
             </a:r>
             <a:endParaRPr lang="en-US" sz="1400" b="1" dirty="0">
               <a:solidFill>
@@ -14431,7 +13958,7 @@
                   <a:schemeClr val="tx1"/>
                 </a:solidFill>
               </a:rPr>
-              <a:t>    8</a:t>
+              <a:t>    20</a:t>
             </a:r>
             <a:r>
               <a:rPr lang="en-US" sz="1400" dirty="0">
@@ -14439,7 +13966,7 @@
                   <a:schemeClr val="tx1"/>
                 </a:solidFill>
               </a:rPr>
-              <a:t>% Saturday, </a:t>
+              <a:t>% </a:t>
             </a:r>
             <a:r>
               <a:rPr lang="en-US" sz="1400" dirty="0" smtClean="0">
@@ -14447,15 +13974,17 @@
                   <a:schemeClr val="tx1"/>
                 </a:solidFill>
               </a:rPr>
-              <a:t>     GMT </a:t>
-            </a:r>
+              <a:t>Monday</a:t>
+            </a:r>
+          </a:p>
+          <a:p>
             <a:r>
               <a:rPr lang="en-US" sz="1400" dirty="0">
                 <a:solidFill>
                   <a:schemeClr val="tx1"/>
                 </a:solidFill>
               </a:rPr>
-              <a:t>&gt;&gt;, </a:t>
+              <a:t> </a:t>
             </a:r>
             <a:r>
               <a:rPr lang="en-US" sz="1400" dirty="0" smtClean="0">
@@ -14463,16 +13992,32 @@
                   <a:schemeClr val="tx1"/>
                 </a:solidFill>
               </a:rPr>
-              <a:t>trivial</a:t>
-            </a:r>
-          </a:p>
-          <a:p>
+              <a:t>    19</a:t>
+            </a:r>
             <a:r>
               <a:rPr lang="en-US" sz="1400" dirty="0">
                 <a:solidFill>
                   <a:schemeClr val="tx1"/>
                 </a:solidFill>
               </a:rPr>
+              <a:t>% </a:t>
+            </a:r>
+            <a:r>
+              <a:rPr lang="en-US" sz="1400" dirty="0" smtClean="0">
+                <a:solidFill>
+                  <a:schemeClr val="tx1"/>
+                </a:solidFill>
+              </a:rPr>
+              <a:t>Saturday</a:t>
+            </a:r>
+          </a:p>
+          <a:p>
+            <a:r>
+              <a:rPr lang="en-US" sz="1400" dirty="0">
+                <a:solidFill>
+                  <a:schemeClr val="tx1"/>
+                </a:solidFill>
+              </a:rPr>
               <a:t> </a:t>
             </a:r>
             <a:r>
@@ -14481,7 +14026,7 @@
                   <a:schemeClr val="tx1"/>
                 </a:solidFill>
               </a:rPr>
-              <a:t>    8</a:t>
+              <a:t>    17</a:t>
             </a:r>
             <a:r>
               <a:rPr lang="en-US" sz="1400" dirty="0">
@@ -14489,7 +14034,7 @@
                   <a:schemeClr val="tx1"/>
                 </a:solidFill>
               </a:rPr>
-              <a:t>% Monday,    </a:t>
+              <a:t>% </a:t>
             </a:r>
             <a:r>
               <a:rPr lang="en-US" sz="1400" dirty="0" smtClean="0">
@@ -14497,7 +14042,7 @@
                   <a:schemeClr val="tx1"/>
                 </a:solidFill>
               </a:rPr>
-              <a:t>   &lt;&lt; GMT</a:t>
+              <a:t>Sunday</a:t>
             </a:r>
           </a:p>
           <a:p>
@@ -14515,7 +14060,7 @@
                   <a:schemeClr val="tx1"/>
                 </a:solidFill>
               </a:rPr>
-              <a:t>    7</a:t>
+              <a:t>    14</a:t>
             </a:r>
             <a:r>
               <a:rPr lang="en-US" sz="1400" dirty="0">
@@ -14523,7 +14068,7 @@
                   <a:schemeClr val="tx1"/>
                 </a:solidFill>
               </a:rPr>
-              <a:t>% Sunday,    </a:t>
+              <a:t>% </a:t>
             </a:r>
             <a:r>
               <a:rPr lang="en-US" sz="1400" dirty="0" smtClean="0">
@@ -14531,15 +14076,17 @@
                   <a:schemeClr val="tx1"/>
                 </a:solidFill>
               </a:rPr>
-              <a:t>     GMT </a:t>
-            </a:r>
+              <a:t>Tuesday</a:t>
+            </a:r>
+          </a:p>
+          <a:p>
             <a:r>
               <a:rPr lang="en-US" sz="1400" dirty="0">
                 <a:solidFill>
                   <a:schemeClr val="tx1"/>
                 </a:solidFill>
               </a:rPr>
-              <a:t>&gt;&gt;, </a:t>
+              <a:t> </a:t>
             </a:r>
             <a:r>
               <a:rPr lang="en-US" sz="1400" dirty="0" smtClean="0">
@@ -14547,241 +14094,78 @@
                   <a:schemeClr val="tx1"/>
                 </a:solidFill>
               </a:rPr>
-              <a:t>trivial</a:t>
-            </a:r>
-          </a:p>
-          <a:p>
+              <a:t>    13</a:t>
+            </a:r>
             <a:r>
               <a:rPr lang="en-US" sz="1400" dirty="0">
                 <a:solidFill>
                   <a:schemeClr val="tx1"/>
                 </a:solidFill>
               </a:rPr>
-              <a:t> </a:t>
-            </a:r>
-            <a:r>
-              <a:rPr lang="en-US" sz="1400" dirty="0" smtClean="0">
-                <a:solidFill>
-                  <a:schemeClr val="tx1"/>
-                </a:solidFill>
-              </a:rPr>
-              <a:t>    5</a:t>
-            </a:r>
-            <a:r>
-              <a:rPr lang="en-US" sz="1400" dirty="0">
-                <a:solidFill>
-                  <a:schemeClr val="tx1"/>
-                </a:solidFill>
-              </a:rPr>
-              <a:t>% Friday,    </a:t>
-            </a:r>
-            <a:r>
-              <a:rPr lang="en-US" sz="1400" dirty="0" smtClean="0">
-                <a:solidFill>
-                  <a:schemeClr val="tx1"/>
-                </a:solidFill>
-              </a:rPr>
-              <a:t>       &lt;&lt; </a:t>
-            </a:r>
-            <a:r>
-              <a:rPr lang="en-US" sz="1400" dirty="0">
-                <a:solidFill>
-                  <a:schemeClr val="tx1"/>
-                </a:solidFill>
-              </a:rPr>
-              <a:t>GMT, </a:t>
-            </a:r>
-            <a:r>
-              <a:rPr lang="en-US" sz="1400" dirty="0" smtClean="0">
-                <a:solidFill>
-                  <a:schemeClr val="tx1"/>
-                </a:solidFill>
-              </a:rPr>
-              <a:t>trivial</a:t>
-            </a:r>
-          </a:p>
-          <a:p>
-            <a:r>
-              <a:rPr lang="en-US" sz="1400" dirty="0">
-                <a:solidFill>
-                  <a:schemeClr val="tx1"/>
-                </a:solidFill>
-              </a:rPr>
-              <a:t> </a:t>
-            </a:r>
-            <a:r>
-              <a:rPr lang="en-US" sz="1400" dirty="0" smtClean="0">
-                <a:solidFill>
-                  <a:schemeClr val="tx1"/>
-                </a:solidFill>
-              </a:rPr>
-              <a:t>    5</a:t>
-            </a:r>
-            <a:r>
-              <a:rPr lang="en-US" sz="1400" dirty="0">
-                <a:solidFill>
-                  <a:schemeClr val="tx1"/>
-                </a:solidFill>
-              </a:rPr>
-              <a:t>% Wednesday, GMT </a:t>
-            </a:r>
-            <a:r>
-              <a:rPr lang="en-US" sz="1400" dirty="0" smtClean="0">
-                <a:solidFill>
-                  <a:schemeClr val="tx1"/>
-                </a:solidFill>
-              </a:rPr>
-              <a:t>&gt;&gt;</a:t>
-            </a:r>
-          </a:p>
-          <a:p>
-            <a:r>
-              <a:rPr lang="en-US" sz="1400" dirty="0">
-                <a:solidFill>
-                  <a:schemeClr val="tx1"/>
-                </a:solidFill>
-              </a:rPr>
-              <a:t> </a:t>
-            </a:r>
-            <a:r>
-              <a:rPr lang="en-US" sz="1400" dirty="0" smtClean="0">
-                <a:solidFill>
-                  <a:schemeClr val="tx1"/>
-                </a:solidFill>
-              </a:rPr>
-              <a:t>    5</a:t>
-            </a:r>
-            <a:r>
-              <a:rPr lang="en-US" sz="1400" dirty="0">
-                <a:solidFill>
-                  <a:schemeClr val="tx1"/>
-                </a:solidFill>
-              </a:rPr>
-              <a:t>% Tuesday,   </a:t>
-            </a:r>
-            <a:r>
-              <a:rPr lang="en-US" sz="1400" dirty="0" smtClean="0">
-                <a:solidFill>
-                  <a:schemeClr val="tx1"/>
-                </a:solidFill>
-              </a:rPr>
-              <a:t>     &lt;&lt; GMT</a:t>
-            </a:r>
-          </a:p>
-          <a:p>
-            <a:r>
-              <a:rPr lang="en-US" sz="1400" dirty="0" smtClean="0">
-                <a:solidFill>
-                  <a:schemeClr val="tx1"/>
-                </a:solidFill>
-              </a:rPr>
-              <a:t>     2</a:t>
-            </a:r>
-            <a:r>
-              <a:rPr lang="en-US" sz="1400" dirty="0">
-                <a:solidFill>
-                  <a:schemeClr val="tx1"/>
-                </a:solidFill>
-              </a:rPr>
-              <a:t>% Thursday, </a:t>
-            </a:r>
-            <a:r>
-              <a:rPr lang="en-US" sz="1400" dirty="0" smtClean="0">
-                <a:solidFill>
-                  <a:schemeClr val="tx1"/>
-                </a:solidFill>
-              </a:rPr>
-              <a:t>     &lt;&lt; GMT</a:t>
-            </a:r>
-          </a:p>
-          <a:p>
-            <a:r>
-              <a:rPr lang="en-US" sz="1400" dirty="0">
-                <a:solidFill>
-                  <a:schemeClr val="tx1"/>
-                </a:solidFill>
-              </a:rPr>
-              <a:t> </a:t>
-            </a:r>
-            <a:r>
-              <a:rPr lang="en-US" sz="1400" dirty="0" smtClean="0">
-                <a:solidFill>
-                  <a:schemeClr val="tx1"/>
-                </a:solidFill>
-              </a:rPr>
-              <a:t>    1</a:t>
-            </a:r>
-            <a:r>
-              <a:rPr lang="en-US" sz="1400" dirty="0">
-                <a:solidFill>
-                  <a:schemeClr val="tx1"/>
-                </a:solidFill>
-              </a:rPr>
-              <a:t>% Monday,    </a:t>
-            </a:r>
-            <a:r>
-              <a:rPr lang="en-US" sz="1400" dirty="0" smtClean="0">
-                <a:solidFill>
-                  <a:schemeClr val="tx1"/>
-                </a:solidFill>
-              </a:rPr>
-              <a:t>   == </a:t>
-            </a:r>
-            <a:r>
-              <a:rPr lang="en-US" sz="1400" dirty="0">
-                <a:solidFill>
-                  <a:schemeClr val="tx1"/>
-                </a:solidFill>
-              </a:rPr>
-              <a:t>GMT, </a:t>
-            </a:r>
-            <a:r>
-              <a:rPr lang="en-US" sz="1400" dirty="0" smtClean="0">
-                <a:solidFill>
-                  <a:schemeClr val="tx1"/>
-                </a:solidFill>
-              </a:rPr>
-              <a:t>trivial</a:t>
-            </a:r>
-          </a:p>
-          <a:p>
-            <a:r>
-              <a:rPr lang="en-US" sz="1400" dirty="0">
-                <a:solidFill>
-                  <a:schemeClr val="tx1"/>
-                </a:solidFill>
-              </a:rPr>
-              <a:t> </a:t>
-            </a:r>
-            <a:r>
-              <a:rPr lang="en-US" sz="1400" dirty="0" smtClean="0">
-                <a:solidFill>
-                  <a:schemeClr val="tx1"/>
-                </a:solidFill>
-              </a:rPr>
-              <a:t>    </a:t>
-            </a:r>
-            <a:r>
-              <a:rPr lang="is-IS" sz="1400" dirty="0" smtClean="0">
-                <a:solidFill>
-                  <a:schemeClr val="tx1"/>
-                </a:solidFill>
-              </a:rPr>
-              <a:t>…</a:t>
-            </a:r>
-            <a:r>
-              <a:rPr lang="en-US" sz="1400" dirty="0">
-                <a:solidFill>
-                  <a:schemeClr val="tx1"/>
-                </a:solidFill>
-              </a:rPr>
-              <a:t> </a:t>
-            </a:r>
-            <a:endParaRPr lang="is-IS" sz="1400" dirty="0" smtClean="0">
+              <a:t>% Thursday </a:t>
+            </a:r>
+            <a:endParaRPr lang="en-US" sz="1400" dirty="0" smtClean="0">
               <a:solidFill>
                 <a:schemeClr val="tx1"/>
               </a:solidFill>
             </a:endParaRPr>
+          </a:p>
+          <a:p>
+            <a:r>
+              <a:rPr lang="en-US" sz="1400" dirty="0">
+                <a:solidFill>
+                  <a:schemeClr val="tx1"/>
+                </a:solidFill>
+              </a:rPr>
+              <a:t> </a:t>
+            </a:r>
+            <a:r>
+              <a:rPr lang="en-US" sz="1400" dirty="0" smtClean="0">
+                <a:solidFill>
+                  <a:schemeClr val="tx1"/>
+                </a:solidFill>
+              </a:rPr>
+              <a:t>      9</a:t>
+            </a:r>
+            <a:r>
+              <a:rPr lang="en-US" sz="1400" dirty="0">
+                <a:solidFill>
+                  <a:schemeClr val="tx1"/>
+                </a:solidFill>
+              </a:rPr>
+              <a:t>% Friday </a:t>
+            </a:r>
+            <a:endParaRPr lang="en-US" sz="1400" dirty="0" smtClean="0">
+              <a:solidFill>
+                <a:schemeClr val="tx1"/>
+              </a:solidFill>
+            </a:endParaRPr>
+          </a:p>
+          <a:p>
+            <a:r>
+              <a:rPr lang="en-US" sz="1400" dirty="0">
+                <a:solidFill>
+                  <a:schemeClr val="tx1"/>
+                </a:solidFill>
+              </a:rPr>
+              <a:t> </a:t>
+            </a:r>
+            <a:r>
+              <a:rPr lang="en-US" sz="1400" dirty="0" smtClean="0">
+                <a:solidFill>
+                  <a:schemeClr val="tx1"/>
+                </a:solidFill>
+              </a:rPr>
+              <a:t>      8</a:t>
+            </a:r>
+            <a:r>
+              <a:rPr lang="en-US" sz="1400" dirty="0">
+                <a:solidFill>
+                  <a:schemeClr val="tx1"/>
+                </a:solidFill>
+              </a:rPr>
+              <a:t>% Wednesday</a:t>
+            </a:r>
           </a:p>
         </p:txBody>
       </p:sp>
@@ -14811,7 +14195,7 @@
     </p:spTree>
     <p:extLst>
       <p:ext uri="{BB962C8B-B14F-4D97-AF65-F5344CB8AC3E}">
-        <p14:creationId xmlns:p14="http://schemas.microsoft.com/office/powerpoint/2010/main" val="1251787255"/>
+        <p14:creationId xmlns:p14="http://schemas.microsoft.com/office/powerpoint/2010/main" val="1386936107"/>
       </p:ext>
     </p:extLst>
   </p:cSld>
@@ -14867,6 +14251,1371 @@
             <p:ph type="title"/>
           </p:nvPr>
         </p:nvSpPr>
+        <p:spPr/>
+        <p:txBody>
+          <a:bodyPr anchor="b">
+            <a:normAutofit/>
+          </a:bodyPr>
+          <a:lstStyle/>
+          <a:p>
+            <a:pPr>
+              <a:lnSpc>
+                <a:spcPct val="150000"/>
+              </a:lnSpc>
+            </a:pPr>
+            <a:r>
+              <a:rPr lang="en-US" sz="2000" b="1" dirty="0" smtClean="0">
+                <a:solidFill>
+                  <a:schemeClr val="tx2"/>
+                </a:solidFill>
+              </a:rPr>
+              <a:t>DIAGNOSTICS: </a:t>
+            </a:r>
+            <a:br>
+              <a:rPr lang="en-US" sz="2000" b="1" dirty="0" smtClean="0">
+                <a:solidFill>
+                  <a:schemeClr val="tx2"/>
+                </a:solidFill>
+              </a:rPr>
+            </a:br>
+            <a:r>
+              <a:rPr lang="en-US" sz="2000" b="1" i="1" dirty="0" smtClean="0">
+                <a:solidFill>
+                  <a:schemeClr val="accent1">
+                    <a:lumMod val="50000"/>
+                  </a:schemeClr>
+                </a:solidFill>
+              </a:rPr>
+              <a:t>Gathering Observations</a:t>
+            </a:r>
+            <a:endParaRPr lang="en-US" sz="2000" b="1" i="1" dirty="0">
+              <a:solidFill>
+                <a:schemeClr val="tx2"/>
+              </a:solidFill>
+            </a:endParaRPr>
+          </a:p>
+        </p:txBody>
+      </p:sp>
+      <p:sp>
+        <p:nvSpPr>
+          <p:cNvPr id="3" name="Content Placeholder 2"/>
+          <p:cNvSpPr>
+            <a:spLocks noGrp="1"/>
+          </p:cNvSpPr>
+          <p:nvPr>
+            <p:ph idx="1"/>
+          </p:nvPr>
+        </p:nvSpPr>
+        <p:spPr>
+          <a:xfrm>
+            <a:off x="5183188" y="987425"/>
+            <a:ext cx="6172200" cy="5368925"/>
+          </a:xfrm>
+          <a:solidFill>
+            <a:schemeClr val="bg1"/>
+          </a:solidFill>
+          <a:ln>
+            <a:solidFill>
+              <a:schemeClr val="accent6">
+                <a:lumMod val="60000"/>
+                <a:lumOff val="40000"/>
+              </a:schemeClr>
+            </a:solidFill>
+          </a:ln>
+          <a:effectLst/>
+        </p:spPr>
+        <p:txBody>
+          <a:bodyPr tIns="91440" bIns="91440">
+            <a:noAutofit/>
+          </a:bodyPr>
+          <a:lstStyle/>
+          <a:p>
+            <a:pPr marL="0" indent="0">
+              <a:buNone/>
+            </a:pPr>
+            <a:r>
+              <a:rPr lang="en-US" sz="1400" dirty="0" smtClean="0">
+                <a:solidFill>
+                  <a:srgbClr val="008000"/>
+                </a:solidFill>
+              </a:rPr>
+              <a:t>(* observations </a:t>
+            </a:r>
+            <a:r>
+              <a:rPr lang="en-US" sz="1400" dirty="0">
+                <a:solidFill>
+                  <a:srgbClr val="008000"/>
+                </a:solidFill>
+              </a:rPr>
+              <a:t>may be combined as mush as is </a:t>
+            </a:r>
+            <a:r>
+              <a:rPr lang="en-US" sz="1400" dirty="0" smtClean="0">
+                <a:solidFill>
+                  <a:srgbClr val="008000"/>
+                </a:solidFill>
+              </a:rPr>
+              <a:t>desired *)</a:t>
+            </a:r>
+            <a:endParaRPr lang="en-US" sz="1400" dirty="0">
+              <a:solidFill>
+                <a:srgbClr val="000000"/>
+              </a:solidFill>
+            </a:endParaRPr>
+          </a:p>
+          <a:p>
+            <a:pPr marL="0" indent="0">
+              <a:buNone/>
+            </a:pPr>
+            <a:r>
+              <a:rPr lang="en-US" sz="1400" dirty="0" smtClean="0">
+                <a:solidFill>
+                  <a:srgbClr val="0000FF"/>
+                </a:solidFill>
+              </a:rPr>
+              <a:t>let </a:t>
+            </a:r>
+            <a:r>
+              <a:rPr lang="en-US" sz="1400" dirty="0" smtClean="0"/>
+              <a:t>``combined observations``</a:t>
+            </a:r>
+            <a:r>
+              <a:rPr lang="en-US" sz="1400" dirty="0" smtClean="0">
+                <a:solidFill>
+                  <a:srgbClr val="000000"/>
+                </a:solidFill>
+              </a:rPr>
+              <a:t> (</a:t>
+            </a:r>
+            <a:r>
+              <a:rPr lang="en-US" sz="1400" dirty="0">
+                <a:solidFill>
+                  <a:srgbClr val="000000"/>
+                </a:solidFill>
+              </a:rPr>
+              <a:t>civil </a:t>
+            </a:r>
+            <a:r>
+              <a:rPr lang="en-US" sz="1400" dirty="0" smtClean="0">
+                <a:solidFill>
+                  <a:srgbClr val="000000"/>
+                </a:solidFill>
+              </a:rPr>
+              <a:t>:</a:t>
+            </a:r>
+            <a:r>
+              <a:rPr lang="en-US" sz="1400" dirty="0" smtClean="0">
+                <a:solidFill>
+                  <a:srgbClr val="2B91AF"/>
+                </a:solidFill>
+              </a:rPr>
+              <a:t>date)</a:t>
+            </a:r>
+            <a:endParaRPr lang="en-US" sz="1400" dirty="0">
+              <a:solidFill>
+                <a:srgbClr val="000000"/>
+              </a:solidFill>
+            </a:endParaRPr>
+          </a:p>
+          <a:p>
+            <a:pPr marL="0" indent="0">
+              <a:buNone/>
+            </a:pPr>
+            <a:r>
+              <a:rPr lang="en-US" sz="1400" dirty="0" smtClean="0">
+                <a:solidFill>
+                  <a:srgbClr val="000000"/>
+                </a:solidFill>
+              </a:rPr>
+              <a:t>                              (target </a:t>
+            </a:r>
+            <a:r>
+              <a:rPr lang="en-US" sz="1400" dirty="0">
+                <a:solidFill>
+                  <a:srgbClr val="0000FF"/>
+                </a:solidFill>
+              </a:rPr>
+              <a:t>:</a:t>
+            </a:r>
+            <a:r>
+              <a:rPr lang="en-US" sz="1400" dirty="0" smtClean="0">
+                <a:solidFill>
+                  <a:srgbClr val="2B91AF"/>
+                </a:solidFill>
+              </a:rPr>
+              <a:t>zone</a:t>
+            </a:r>
+            <a:r>
+              <a:rPr lang="en-US" sz="1400" dirty="0" smtClean="0">
+                <a:solidFill>
+                  <a:srgbClr val="000000"/>
+                </a:solidFill>
+              </a:rPr>
+              <a:t>)</a:t>
+            </a:r>
+          </a:p>
+          <a:p>
+            <a:pPr marL="0" indent="0">
+              <a:buNone/>
+            </a:pPr>
+            <a:r>
+              <a:rPr lang="en-US" sz="1400" dirty="0">
+                <a:solidFill>
+                  <a:srgbClr val="000000"/>
+                </a:solidFill>
+              </a:rPr>
+              <a:t> </a:t>
+            </a:r>
+            <a:r>
+              <a:rPr lang="en-US" sz="1400" dirty="0" smtClean="0">
+                <a:solidFill>
+                  <a:srgbClr val="000000"/>
+                </a:solidFill>
+              </a:rPr>
+              <a:t>                             (</a:t>
+            </a:r>
+            <a:r>
+              <a:rPr lang="en-US" sz="1400" dirty="0" err="1" smtClean="0">
+                <a:solidFill>
+                  <a:srgbClr val="2B91AF"/>
+                </a:solidFill>
+              </a:rPr>
+              <a:t>NonNegativeInt</a:t>
+            </a:r>
+            <a:r>
+              <a:rPr lang="en-US" sz="1400" dirty="0" smtClean="0">
+                <a:solidFill>
+                  <a:srgbClr val="2B91AF"/>
+                </a:solidFill>
+              </a:rPr>
+              <a:t> </a:t>
+            </a:r>
+            <a:r>
+              <a:rPr lang="en-US" sz="1400" dirty="0" smtClean="0"/>
+              <a:t>total</a:t>
+            </a:r>
+            <a:r>
+              <a:rPr lang="en-US" sz="1400" dirty="0" smtClean="0">
+                <a:solidFill>
+                  <a:srgbClr val="000000"/>
+                </a:solidFill>
+              </a:rPr>
+              <a:t>) </a:t>
+            </a:r>
+            <a:r>
+              <a:rPr lang="en-US" sz="1400" dirty="0" smtClean="0">
+                <a:solidFill>
+                  <a:srgbClr val="0000FF"/>
+                </a:solidFill>
+              </a:rPr>
+              <a:t>=</a:t>
+            </a:r>
+          </a:p>
+          <a:p>
+            <a:pPr marL="0" indent="0">
+              <a:lnSpc>
+                <a:spcPct val="100000"/>
+              </a:lnSpc>
+              <a:buNone/>
+            </a:pPr>
+            <a:r>
+              <a:rPr lang="en-US" sz="1400" dirty="0" smtClean="0">
+                <a:solidFill>
+                  <a:srgbClr val="0000FF"/>
+                </a:solidFill>
+              </a:rPr>
+              <a:t>  let</a:t>
+            </a:r>
+            <a:r>
+              <a:rPr lang="en-US" sz="1400" dirty="0" smtClean="0"/>
+              <a:t> </a:t>
+            </a:r>
+            <a:r>
+              <a:rPr lang="en-US" sz="1400" dirty="0"/>
+              <a:t>days = </a:t>
+            </a:r>
+            <a:r>
+              <a:rPr lang="en-US" sz="1400" dirty="0" err="1" smtClean="0">
+                <a:solidFill>
+                  <a:srgbClr val="2B91AF"/>
+                </a:solidFill>
+              </a:rPr>
+              <a:t>time</a:t>
+            </a:r>
+            <a:r>
+              <a:rPr lang="en-US" sz="1400" dirty="0" err="1" smtClean="0"/>
+              <a:t>.FromDays</a:t>
+            </a:r>
+            <a:r>
+              <a:rPr lang="en-US" sz="1400" dirty="0" smtClean="0"/>
+              <a:t>(total)</a:t>
+            </a:r>
+            <a:endParaRPr lang="en-US" sz="1400" dirty="0"/>
+          </a:p>
+          <a:p>
+            <a:pPr marL="0" indent="0">
+              <a:lnSpc>
+                <a:spcPct val="100000"/>
+              </a:lnSpc>
+              <a:buNone/>
+            </a:pPr>
+            <a:r>
+              <a:rPr lang="en-US" sz="1400" dirty="0"/>
+              <a:t>  </a:t>
+            </a:r>
+            <a:r>
+              <a:rPr lang="en-US" sz="1400" dirty="0">
+                <a:solidFill>
+                  <a:srgbClr val="0000FF"/>
+                </a:solidFill>
+              </a:rPr>
+              <a:t>let</a:t>
+            </a:r>
+            <a:r>
+              <a:rPr lang="en-US" sz="1400" dirty="0"/>
+              <a:t> </a:t>
+            </a:r>
+            <a:r>
+              <a:rPr lang="en-US" sz="1400" dirty="0" err="1" smtClean="0"/>
+              <a:t>addShift</a:t>
+            </a:r>
+            <a:r>
+              <a:rPr lang="en-US" sz="1400" dirty="0" smtClean="0"/>
+              <a:t> </a:t>
+            </a:r>
+            <a:r>
+              <a:rPr lang="en-US" sz="1400" dirty="0"/>
+              <a:t>= </a:t>
+            </a:r>
+            <a:r>
+              <a:rPr lang="en-US" sz="1400" dirty="0" err="1" smtClean="0">
+                <a:solidFill>
+                  <a:srgbClr val="2B91AF"/>
+                </a:solidFill>
+              </a:rPr>
+              <a:t>zone</a:t>
+            </a:r>
+            <a:r>
+              <a:rPr lang="en-US" sz="1400" dirty="0" err="1" smtClean="0"/>
+              <a:t>.ConvertTime</a:t>
+            </a:r>
+            <a:r>
+              <a:rPr lang="en-US" sz="1400" dirty="0" smtClean="0"/>
+              <a:t> (</a:t>
+            </a:r>
+            <a:r>
+              <a:rPr lang="en-US" sz="1400" dirty="0"/>
+              <a:t>civil + days, </a:t>
+            </a:r>
+            <a:r>
+              <a:rPr lang="en-US" sz="1400" dirty="0" smtClean="0">
+                <a:solidFill>
+                  <a:srgbClr val="7F0000"/>
+                </a:solidFill>
+              </a:rPr>
+              <a:t>target</a:t>
+            </a:r>
+            <a:r>
+              <a:rPr lang="en-US" sz="1400" dirty="0" smtClean="0"/>
+              <a:t>)</a:t>
+            </a:r>
+            <a:endParaRPr lang="en-US" sz="1400" dirty="0"/>
+          </a:p>
+          <a:p>
+            <a:pPr marL="0" indent="0">
+              <a:lnSpc>
+                <a:spcPct val="100000"/>
+              </a:lnSpc>
+              <a:buNone/>
+            </a:pPr>
+            <a:r>
+              <a:rPr lang="en-US" sz="1400" dirty="0"/>
+              <a:t>  </a:t>
+            </a:r>
+            <a:r>
+              <a:rPr lang="en-US" sz="1400" dirty="0">
+                <a:solidFill>
+                  <a:srgbClr val="0000FF"/>
+                </a:solidFill>
+              </a:rPr>
+              <a:t>let</a:t>
+            </a:r>
+            <a:r>
+              <a:rPr lang="en-US" sz="1400" dirty="0"/>
+              <a:t> </a:t>
+            </a:r>
+            <a:r>
+              <a:rPr lang="en-US" sz="1400" dirty="0" err="1" smtClean="0"/>
+              <a:t>shiftAdd</a:t>
+            </a:r>
+            <a:r>
+              <a:rPr lang="en-US" sz="1400" dirty="0" smtClean="0"/>
+              <a:t> </a:t>
+            </a:r>
+            <a:r>
+              <a:rPr lang="en-US" sz="1400" dirty="0"/>
+              <a:t>= </a:t>
+            </a:r>
+            <a:r>
+              <a:rPr lang="en-US" sz="1400" dirty="0" err="1" smtClean="0">
+                <a:solidFill>
+                  <a:srgbClr val="2B91AF"/>
+                </a:solidFill>
+              </a:rPr>
+              <a:t>zone</a:t>
+            </a:r>
+            <a:r>
+              <a:rPr lang="en-US" sz="1400" dirty="0" err="1" smtClean="0"/>
+              <a:t>.ConvertTime</a:t>
+            </a:r>
+            <a:r>
+              <a:rPr lang="en-US" sz="1400" dirty="0" smtClean="0"/>
+              <a:t> (</a:t>
+            </a:r>
+            <a:r>
+              <a:rPr lang="en-US" sz="1400" dirty="0"/>
+              <a:t>civil, </a:t>
+            </a:r>
+            <a:r>
+              <a:rPr lang="en-US" sz="1400" dirty="0" smtClean="0">
+                <a:solidFill>
+                  <a:srgbClr val="7F0000"/>
+                </a:solidFill>
+              </a:rPr>
+              <a:t>target</a:t>
+            </a:r>
+            <a:r>
+              <a:rPr lang="en-US" sz="1400" dirty="0" smtClean="0"/>
+              <a:t>) </a:t>
+            </a:r>
+            <a:r>
+              <a:rPr lang="en-US" sz="1400" dirty="0"/>
+              <a:t>+ days</a:t>
+            </a:r>
+          </a:p>
+          <a:p>
+            <a:pPr marL="0" indent="0">
+              <a:lnSpc>
+                <a:spcPct val="100000"/>
+              </a:lnSpc>
+              <a:buNone/>
+            </a:pPr>
+            <a:r>
+              <a:rPr lang="en-US" sz="1400" dirty="0"/>
+              <a:t>  </a:t>
+            </a:r>
+            <a:endParaRPr lang="en-US" sz="1400" dirty="0" smtClean="0"/>
+          </a:p>
+          <a:p>
+            <a:pPr marL="0" indent="0">
+              <a:lnSpc>
+                <a:spcPct val="100000"/>
+              </a:lnSpc>
+              <a:buNone/>
+            </a:pPr>
+            <a:r>
+              <a:rPr lang="en-US" sz="1400" dirty="0"/>
+              <a:t> </a:t>
+            </a:r>
+            <a:r>
+              <a:rPr lang="en-US" sz="1400" dirty="0" smtClean="0"/>
+              <a:t> </a:t>
+            </a:r>
+            <a:r>
+              <a:rPr lang="en-US" sz="1400" dirty="0" err="1" smtClean="0"/>
+              <a:t>addShift</a:t>
+            </a:r>
+            <a:r>
+              <a:rPr lang="en-US" sz="1400" dirty="0" smtClean="0"/>
+              <a:t> </a:t>
+            </a:r>
+            <a:r>
+              <a:rPr lang="en-US" sz="1400" dirty="0"/>
+              <a:t>= </a:t>
+            </a:r>
+            <a:r>
+              <a:rPr lang="en-US" sz="1400" dirty="0" err="1" smtClean="0"/>
+              <a:t>shiftAdd</a:t>
+            </a:r>
+            <a:endParaRPr lang="en-US" sz="1400" dirty="0" smtClean="0"/>
+          </a:p>
+          <a:p>
+            <a:pPr marL="0" indent="0">
+              <a:lnSpc>
+                <a:spcPct val="100000"/>
+              </a:lnSpc>
+              <a:buNone/>
+            </a:pPr>
+            <a:r>
+              <a:rPr lang="en-US" sz="1400" dirty="0"/>
+              <a:t> </a:t>
+            </a:r>
+            <a:r>
+              <a:rPr lang="en-US" sz="1400" dirty="0" smtClean="0"/>
+              <a:t> |&gt; </a:t>
+            </a:r>
+            <a:r>
+              <a:rPr lang="en-US" sz="1400" dirty="0" err="1" smtClean="0">
+                <a:solidFill>
+                  <a:srgbClr val="2B91AF"/>
+                </a:solidFill>
+              </a:rPr>
+              <a:t>Prop</a:t>
+            </a:r>
+            <a:r>
+              <a:rPr lang="en-US" sz="1400" dirty="0" err="1" smtClean="0"/>
+              <a:t>.trivial</a:t>
+            </a:r>
+            <a:r>
+              <a:rPr lang="en-US" sz="1400" dirty="0" smtClean="0"/>
+              <a:t>  </a:t>
+            </a:r>
+            <a:r>
+              <a:rPr lang="en-US" sz="1400" dirty="0" err="1" smtClean="0"/>
+              <a:t>target.SupportsDaylightSavingsTime</a:t>
+            </a:r>
+            <a:endParaRPr lang="en-US" sz="1400" dirty="0" smtClean="0"/>
+          </a:p>
+          <a:p>
+            <a:pPr marL="0" indent="0">
+              <a:lnSpc>
+                <a:spcPct val="100000"/>
+              </a:lnSpc>
+              <a:buNone/>
+            </a:pPr>
+            <a:r>
+              <a:rPr lang="en-US" sz="1400" dirty="0"/>
+              <a:t> </a:t>
+            </a:r>
+            <a:r>
+              <a:rPr lang="en-US" sz="1400" dirty="0" smtClean="0"/>
+              <a:t> |&gt; </a:t>
+            </a:r>
+            <a:r>
+              <a:rPr lang="en-US" sz="1400" dirty="0" err="1" smtClean="0">
+                <a:solidFill>
+                  <a:srgbClr val="2B91AF"/>
+                </a:solidFill>
+              </a:rPr>
+              <a:t>Prop</a:t>
+            </a:r>
+            <a:r>
+              <a:rPr lang="en-US" sz="1400" dirty="0" err="1" smtClean="0"/>
+              <a:t>.classify</a:t>
+            </a:r>
+            <a:r>
+              <a:rPr lang="en-US" sz="1400" dirty="0" smtClean="0"/>
+              <a:t> (</a:t>
+            </a:r>
+            <a:r>
+              <a:rPr lang="en-US" sz="1400" dirty="0" err="1" smtClean="0"/>
+              <a:t>civil.Offset</a:t>
+            </a:r>
+            <a:r>
+              <a:rPr lang="en-US" sz="1400" dirty="0" smtClean="0"/>
+              <a:t> &lt; </a:t>
+            </a:r>
+            <a:r>
+              <a:rPr lang="en-US" sz="1400" dirty="0" err="1" smtClean="0">
+                <a:solidFill>
+                  <a:srgbClr val="2B91AF"/>
+                </a:solidFill>
+              </a:rPr>
+              <a:t>time</a:t>
+            </a:r>
+            <a:r>
+              <a:rPr lang="en-US" sz="1400" dirty="0" err="1" smtClean="0"/>
+              <a:t>.Zero</a:t>
+            </a:r>
+            <a:r>
+              <a:rPr lang="en-US" sz="1400" dirty="0" smtClean="0"/>
+              <a:t>) </a:t>
+            </a:r>
+            <a:r>
+              <a:rPr lang="en-US" sz="1400" dirty="0" smtClean="0">
+                <a:solidFill>
+                  <a:srgbClr val="7F0000"/>
+                </a:solidFill>
+              </a:rPr>
+              <a:t>“&lt;&lt; GMT”</a:t>
+            </a:r>
+          </a:p>
+          <a:p>
+            <a:pPr marL="0" indent="0">
+              <a:lnSpc>
+                <a:spcPct val="100000"/>
+              </a:lnSpc>
+              <a:buNone/>
+            </a:pPr>
+            <a:r>
+              <a:rPr lang="en-US" sz="1400" dirty="0" smtClean="0"/>
+              <a:t>  |&gt; </a:t>
+            </a:r>
+            <a:r>
+              <a:rPr lang="en-US" sz="1400" dirty="0" err="1" smtClean="0">
+                <a:solidFill>
+                  <a:srgbClr val="2B91AF"/>
+                </a:solidFill>
+              </a:rPr>
+              <a:t>Prop</a:t>
+            </a:r>
+            <a:r>
+              <a:rPr lang="en-US" sz="1400" dirty="0" err="1" smtClean="0"/>
+              <a:t>.classify</a:t>
+            </a:r>
+            <a:r>
+              <a:rPr lang="en-US" sz="1400" dirty="0" smtClean="0"/>
+              <a:t> </a:t>
+            </a:r>
+            <a:r>
+              <a:rPr lang="en-US" sz="1400" dirty="0"/>
+              <a:t>(</a:t>
+            </a:r>
+            <a:r>
+              <a:rPr lang="en-US" sz="1400" dirty="0" err="1"/>
+              <a:t>civil.Offset</a:t>
+            </a:r>
+            <a:r>
+              <a:rPr lang="en-US" sz="1400" dirty="0"/>
+              <a:t> </a:t>
+            </a:r>
+            <a:r>
+              <a:rPr lang="en-US" sz="1400" dirty="0" smtClean="0"/>
+              <a:t>= </a:t>
+            </a:r>
+            <a:r>
+              <a:rPr lang="en-US" sz="1400" dirty="0" err="1">
+                <a:solidFill>
+                  <a:srgbClr val="2B91AF"/>
+                </a:solidFill>
+              </a:rPr>
+              <a:t>time</a:t>
+            </a:r>
+            <a:r>
+              <a:rPr lang="en-US" sz="1400" dirty="0" err="1"/>
+              <a:t>.Zero</a:t>
+            </a:r>
+            <a:r>
+              <a:rPr lang="en-US" sz="1400" dirty="0"/>
+              <a:t>) </a:t>
+            </a:r>
+            <a:r>
+              <a:rPr lang="en-US" sz="1400" dirty="0" smtClean="0">
+                <a:solidFill>
+                  <a:srgbClr val="7F0000"/>
+                </a:solidFill>
+              </a:rPr>
+              <a:t>“= GMT =”</a:t>
+            </a:r>
+          </a:p>
+          <a:p>
+            <a:pPr marL="0" indent="0">
+              <a:lnSpc>
+                <a:spcPct val="100000"/>
+              </a:lnSpc>
+              <a:buNone/>
+            </a:pPr>
+            <a:r>
+              <a:rPr lang="en-US" sz="1400" dirty="0" smtClean="0"/>
+              <a:t>  </a:t>
+            </a:r>
+            <a:r>
+              <a:rPr lang="en-US" sz="1400" dirty="0"/>
+              <a:t>|&gt; </a:t>
+            </a:r>
+            <a:r>
+              <a:rPr lang="en-US" sz="1400" dirty="0" err="1">
+                <a:solidFill>
+                  <a:srgbClr val="2B91AF"/>
+                </a:solidFill>
+              </a:rPr>
+              <a:t>Prop</a:t>
+            </a:r>
+            <a:r>
+              <a:rPr lang="en-US" sz="1400" dirty="0" err="1"/>
+              <a:t>.classify</a:t>
+            </a:r>
+            <a:r>
+              <a:rPr lang="en-US" sz="1400" dirty="0"/>
+              <a:t> (</a:t>
+            </a:r>
+            <a:r>
+              <a:rPr lang="en-US" sz="1400" dirty="0" err="1"/>
+              <a:t>civil.Offset</a:t>
+            </a:r>
+            <a:r>
+              <a:rPr lang="en-US" sz="1400" dirty="0"/>
+              <a:t> </a:t>
+            </a:r>
+            <a:r>
+              <a:rPr lang="en-US" sz="1400" dirty="0" smtClean="0"/>
+              <a:t>&gt; </a:t>
+            </a:r>
+            <a:r>
+              <a:rPr lang="en-US" sz="1400" dirty="0" err="1">
+                <a:solidFill>
+                  <a:srgbClr val="2B91AF"/>
+                </a:solidFill>
+              </a:rPr>
+              <a:t>time</a:t>
+            </a:r>
+            <a:r>
+              <a:rPr lang="en-US" sz="1400" dirty="0" err="1"/>
+              <a:t>.Zero</a:t>
+            </a:r>
+            <a:r>
+              <a:rPr lang="en-US" sz="1400" dirty="0"/>
+              <a:t>) </a:t>
+            </a:r>
+            <a:r>
+              <a:rPr lang="en-US" sz="1400" dirty="0" smtClean="0">
+                <a:solidFill>
+                  <a:srgbClr val="7F0000"/>
+                </a:solidFill>
+              </a:rPr>
+              <a:t>“GMT &gt;&gt;”</a:t>
+            </a:r>
+          </a:p>
+          <a:p>
+            <a:pPr marL="0" indent="0">
+              <a:lnSpc>
+                <a:spcPct val="100000"/>
+              </a:lnSpc>
+              <a:buNone/>
+            </a:pPr>
+            <a:r>
+              <a:rPr lang="en-US" sz="1400" dirty="0" smtClean="0"/>
+              <a:t>  |&gt; </a:t>
+            </a:r>
+            <a:r>
+              <a:rPr lang="en-US" sz="1400" dirty="0" err="1" smtClean="0">
+                <a:solidFill>
+                  <a:srgbClr val="2B91AF"/>
+                </a:solidFill>
+              </a:rPr>
+              <a:t>Prop</a:t>
+            </a:r>
+            <a:r>
+              <a:rPr lang="en-US" sz="1400" dirty="0" err="1" smtClean="0"/>
+              <a:t>.collect</a:t>
+            </a:r>
+            <a:r>
+              <a:rPr lang="en-US" sz="1400" dirty="0" smtClean="0"/>
+              <a:t>  (</a:t>
+            </a:r>
+            <a:r>
+              <a:rPr lang="en-US" sz="1400" dirty="0" err="1"/>
+              <a:t>weekdayName</a:t>
+            </a:r>
+            <a:r>
+              <a:rPr lang="en-US" sz="1400" dirty="0"/>
+              <a:t> </a:t>
+            </a:r>
+            <a:r>
+              <a:rPr lang="en-US" sz="1400" dirty="0" smtClean="0"/>
+              <a:t>civil)</a:t>
+            </a:r>
+            <a:endParaRPr lang="en-US" sz="1400" dirty="0"/>
+          </a:p>
+          <a:p>
+            <a:pPr marL="0" indent="0">
+              <a:buNone/>
+            </a:pPr>
+            <a:endParaRPr lang="en-US" sz="1400" dirty="0">
+              <a:solidFill>
+                <a:srgbClr val="000000"/>
+              </a:solidFill>
+            </a:endParaRPr>
+          </a:p>
+        </p:txBody>
+      </p:sp>
+      <p:sp>
+        <p:nvSpPr>
+          <p:cNvPr id="8" name="Rounded Rectangle 7"/>
+          <p:cNvSpPr/>
+          <p:nvPr/>
+        </p:nvSpPr>
+        <p:spPr>
+          <a:xfrm>
+            <a:off x="839788" y="2245489"/>
+            <a:ext cx="3932237" cy="4110861"/>
+          </a:xfrm>
+          <a:prstGeom prst="roundRect">
+            <a:avLst/>
+          </a:prstGeom>
+          <a:solidFill>
+            <a:schemeClr val="accent4">
+              <a:lumMod val="20000"/>
+              <a:lumOff val="80000"/>
+            </a:schemeClr>
+          </a:solidFill>
+          <a:ln>
+            <a:solidFill>
+              <a:schemeClr val="accent6"/>
+            </a:solidFill>
+          </a:ln>
+          <a:effectLst/>
+        </p:spPr>
+        <p:style>
+          <a:lnRef idx="2">
+            <a:schemeClr val="accent1">
+              <a:shade val="50000"/>
+            </a:schemeClr>
+          </a:lnRef>
+          <a:fillRef idx="1">
+            <a:schemeClr val="accent1"/>
+          </a:fillRef>
+          <a:effectRef idx="0">
+            <a:schemeClr val="accent1"/>
+          </a:effectRef>
+          <a:fontRef idx="minor">
+            <a:schemeClr val="lt1"/>
+          </a:fontRef>
+        </p:style>
+        <p:txBody>
+          <a:bodyPr tIns="91440" bIns="91440" rtlCol="0" anchor="t" anchorCtr="0"/>
+          <a:lstStyle/>
+          <a:p>
+            <a:r>
+              <a:rPr lang="en-US" sz="1400" b="1" dirty="0">
+                <a:solidFill>
+                  <a:schemeClr val="accent6"/>
+                </a:solidFill>
+              </a:rPr>
+              <a:t>TEST EXECUTION SUMMARY</a:t>
+            </a:r>
+          </a:p>
+          <a:p>
+            <a:endParaRPr lang="en-US" sz="1400" dirty="0">
+              <a:solidFill>
+                <a:schemeClr val="tx1"/>
+              </a:solidFill>
+            </a:endParaRPr>
+          </a:p>
+          <a:p>
+            <a:r>
+              <a:rPr lang="en-US" sz="1400" dirty="0">
+                <a:solidFill>
+                  <a:schemeClr val="tx1"/>
+                </a:solidFill>
+              </a:rPr>
+              <a:t>Tests run: 1, Errors: 0, Failed: 0, Ignored: 0</a:t>
+            </a:r>
+          </a:p>
+          <a:p>
+            <a:endParaRPr lang="en-US" sz="1400" dirty="0">
+              <a:solidFill>
+                <a:schemeClr val="tx1"/>
+              </a:solidFill>
+            </a:endParaRPr>
+          </a:p>
+          <a:p>
+            <a:r>
+              <a:rPr lang="en-US" sz="1400" dirty="0">
+                <a:solidFill>
+                  <a:srgbClr val="006700"/>
+                </a:solidFill>
+              </a:rPr>
+              <a:t>✔ </a:t>
+            </a:r>
+            <a:r>
+              <a:rPr lang="en-US" sz="1400" b="1" dirty="0" smtClean="0">
+                <a:solidFill>
+                  <a:srgbClr val="006700"/>
+                </a:solidFill>
+              </a:rPr>
+              <a:t>combined observations</a:t>
+            </a:r>
+            <a:endParaRPr lang="en-US" sz="1400" b="1" dirty="0">
+              <a:solidFill>
+                <a:srgbClr val="006700"/>
+              </a:solidFill>
+            </a:endParaRPr>
+          </a:p>
+          <a:p>
+            <a:r>
+              <a:rPr lang="en-US" sz="1400" b="1" i="1" dirty="0">
+                <a:solidFill>
+                  <a:schemeClr val="tx1"/>
+                </a:solidFill>
+              </a:rPr>
+              <a:t>     </a:t>
+            </a:r>
+            <a:r>
+              <a:rPr lang="en-US" sz="1400" i="1" dirty="0">
+                <a:solidFill>
+                  <a:schemeClr val="tx1"/>
+                </a:solidFill>
+              </a:rPr>
+              <a:t>OK, Passed 100 </a:t>
+            </a:r>
+            <a:r>
+              <a:rPr lang="en-US" sz="1400" i="1" dirty="0" smtClean="0">
+                <a:solidFill>
+                  <a:schemeClr val="tx1"/>
+                </a:solidFill>
+              </a:rPr>
+              <a:t>tests</a:t>
+            </a:r>
+          </a:p>
+          <a:p>
+            <a:endParaRPr lang="en-US" sz="1400" dirty="0">
+              <a:solidFill>
+                <a:schemeClr val="tx1"/>
+              </a:solidFill>
+            </a:endParaRPr>
+          </a:p>
+          <a:p>
+            <a:r>
+              <a:rPr lang="en-US" sz="1400" dirty="0">
+                <a:solidFill>
+                  <a:schemeClr val="tx1"/>
+                </a:solidFill>
+              </a:rPr>
+              <a:t> </a:t>
+            </a:r>
+            <a:r>
+              <a:rPr lang="en-US" sz="1400" dirty="0" smtClean="0">
+                <a:solidFill>
+                  <a:schemeClr val="tx1"/>
+                </a:solidFill>
+              </a:rPr>
+              <a:t>    8</a:t>
+            </a:r>
+            <a:r>
+              <a:rPr lang="en-US" sz="1400" dirty="0">
+                <a:solidFill>
+                  <a:schemeClr val="tx1"/>
+                </a:solidFill>
+              </a:rPr>
+              <a:t>% Saturday, </a:t>
+            </a:r>
+            <a:r>
+              <a:rPr lang="en-US" sz="1400" dirty="0" smtClean="0">
+                <a:solidFill>
+                  <a:schemeClr val="tx1"/>
+                </a:solidFill>
+              </a:rPr>
+              <a:t>     GMT </a:t>
+            </a:r>
+            <a:r>
+              <a:rPr lang="en-US" sz="1400" dirty="0">
+                <a:solidFill>
+                  <a:schemeClr val="tx1"/>
+                </a:solidFill>
+              </a:rPr>
+              <a:t>&gt;&gt;, </a:t>
+            </a:r>
+            <a:r>
+              <a:rPr lang="en-US" sz="1400" dirty="0" smtClean="0">
+                <a:solidFill>
+                  <a:schemeClr val="tx1"/>
+                </a:solidFill>
+              </a:rPr>
+              <a:t>trivial</a:t>
+            </a:r>
+          </a:p>
+          <a:p>
+            <a:r>
+              <a:rPr lang="en-US" sz="1400" dirty="0">
+                <a:solidFill>
+                  <a:schemeClr val="tx1"/>
+                </a:solidFill>
+              </a:rPr>
+              <a:t> </a:t>
+            </a:r>
+            <a:r>
+              <a:rPr lang="en-US" sz="1400" dirty="0" smtClean="0">
+                <a:solidFill>
+                  <a:schemeClr val="tx1"/>
+                </a:solidFill>
+              </a:rPr>
+              <a:t>    8</a:t>
+            </a:r>
+            <a:r>
+              <a:rPr lang="en-US" sz="1400" dirty="0">
+                <a:solidFill>
+                  <a:schemeClr val="tx1"/>
+                </a:solidFill>
+              </a:rPr>
+              <a:t>% Monday,    </a:t>
+            </a:r>
+            <a:r>
+              <a:rPr lang="en-US" sz="1400" dirty="0" smtClean="0">
+                <a:solidFill>
+                  <a:schemeClr val="tx1"/>
+                </a:solidFill>
+              </a:rPr>
+              <a:t>   &lt;&lt; GMT</a:t>
+            </a:r>
+          </a:p>
+          <a:p>
+            <a:r>
+              <a:rPr lang="en-US" sz="1400" dirty="0">
+                <a:solidFill>
+                  <a:schemeClr val="tx1"/>
+                </a:solidFill>
+              </a:rPr>
+              <a:t> </a:t>
+            </a:r>
+            <a:r>
+              <a:rPr lang="en-US" sz="1400" dirty="0" smtClean="0">
+                <a:solidFill>
+                  <a:schemeClr val="tx1"/>
+                </a:solidFill>
+              </a:rPr>
+              <a:t>    7</a:t>
+            </a:r>
+            <a:r>
+              <a:rPr lang="en-US" sz="1400" dirty="0">
+                <a:solidFill>
+                  <a:schemeClr val="tx1"/>
+                </a:solidFill>
+              </a:rPr>
+              <a:t>% Sunday,    </a:t>
+            </a:r>
+            <a:r>
+              <a:rPr lang="en-US" sz="1400" dirty="0" smtClean="0">
+                <a:solidFill>
+                  <a:schemeClr val="tx1"/>
+                </a:solidFill>
+              </a:rPr>
+              <a:t>     GMT </a:t>
+            </a:r>
+            <a:r>
+              <a:rPr lang="en-US" sz="1400" dirty="0">
+                <a:solidFill>
+                  <a:schemeClr val="tx1"/>
+                </a:solidFill>
+              </a:rPr>
+              <a:t>&gt;&gt;, </a:t>
+            </a:r>
+            <a:r>
+              <a:rPr lang="en-US" sz="1400" dirty="0" smtClean="0">
+                <a:solidFill>
+                  <a:schemeClr val="tx1"/>
+                </a:solidFill>
+              </a:rPr>
+              <a:t>trivial</a:t>
+            </a:r>
+          </a:p>
+          <a:p>
+            <a:r>
+              <a:rPr lang="en-US" sz="1400" dirty="0">
+                <a:solidFill>
+                  <a:schemeClr val="tx1"/>
+                </a:solidFill>
+              </a:rPr>
+              <a:t> </a:t>
+            </a:r>
+            <a:r>
+              <a:rPr lang="en-US" sz="1400" dirty="0" smtClean="0">
+                <a:solidFill>
+                  <a:schemeClr val="tx1"/>
+                </a:solidFill>
+              </a:rPr>
+              <a:t>    5</a:t>
+            </a:r>
+            <a:r>
+              <a:rPr lang="en-US" sz="1400" dirty="0">
+                <a:solidFill>
+                  <a:schemeClr val="tx1"/>
+                </a:solidFill>
+              </a:rPr>
+              <a:t>% Friday,    </a:t>
+            </a:r>
+            <a:r>
+              <a:rPr lang="en-US" sz="1400" dirty="0" smtClean="0">
+                <a:solidFill>
+                  <a:schemeClr val="tx1"/>
+                </a:solidFill>
+              </a:rPr>
+              <a:t>       &lt;&lt; </a:t>
+            </a:r>
+            <a:r>
+              <a:rPr lang="en-US" sz="1400" dirty="0">
+                <a:solidFill>
+                  <a:schemeClr val="tx1"/>
+                </a:solidFill>
+              </a:rPr>
+              <a:t>GMT, </a:t>
+            </a:r>
+            <a:r>
+              <a:rPr lang="en-US" sz="1400" dirty="0" smtClean="0">
+                <a:solidFill>
+                  <a:schemeClr val="tx1"/>
+                </a:solidFill>
+              </a:rPr>
+              <a:t>trivial</a:t>
+            </a:r>
+          </a:p>
+          <a:p>
+            <a:r>
+              <a:rPr lang="en-US" sz="1400" dirty="0">
+                <a:solidFill>
+                  <a:schemeClr val="tx1"/>
+                </a:solidFill>
+              </a:rPr>
+              <a:t> </a:t>
+            </a:r>
+            <a:r>
+              <a:rPr lang="en-US" sz="1400" dirty="0" smtClean="0">
+                <a:solidFill>
+                  <a:schemeClr val="tx1"/>
+                </a:solidFill>
+              </a:rPr>
+              <a:t>    5</a:t>
+            </a:r>
+            <a:r>
+              <a:rPr lang="en-US" sz="1400" dirty="0">
+                <a:solidFill>
+                  <a:schemeClr val="tx1"/>
+                </a:solidFill>
+              </a:rPr>
+              <a:t>% Wednesday, GMT </a:t>
+            </a:r>
+            <a:r>
+              <a:rPr lang="en-US" sz="1400" dirty="0" smtClean="0">
+                <a:solidFill>
+                  <a:schemeClr val="tx1"/>
+                </a:solidFill>
+              </a:rPr>
+              <a:t>&gt;&gt;</a:t>
+            </a:r>
+          </a:p>
+          <a:p>
+            <a:r>
+              <a:rPr lang="en-US" sz="1400" dirty="0">
+                <a:solidFill>
+                  <a:schemeClr val="tx1"/>
+                </a:solidFill>
+              </a:rPr>
+              <a:t> </a:t>
+            </a:r>
+            <a:r>
+              <a:rPr lang="en-US" sz="1400" dirty="0" smtClean="0">
+                <a:solidFill>
+                  <a:schemeClr val="tx1"/>
+                </a:solidFill>
+              </a:rPr>
+              <a:t>    5</a:t>
+            </a:r>
+            <a:r>
+              <a:rPr lang="en-US" sz="1400" dirty="0">
+                <a:solidFill>
+                  <a:schemeClr val="tx1"/>
+                </a:solidFill>
+              </a:rPr>
+              <a:t>% Tuesday,   </a:t>
+            </a:r>
+            <a:r>
+              <a:rPr lang="en-US" sz="1400" dirty="0" smtClean="0">
+                <a:solidFill>
+                  <a:schemeClr val="tx1"/>
+                </a:solidFill>
+              </a:rPr>
+              <a:t>     &lt;&lt; GMT</a:t>
+            </a:r>
+          </a:p>
+          <a:p>
+            <a:r>
+              <a:rPr lang="en-US" sz="1400" dirty="0" smtClean="0">
+                <a:solidFill>
+                  <a:schemeClr val="tx1"/>
+                </a:solidFill>
+              </a:rPr>
+              <a:t>     2</a:t>
+            </a:r>
+            <a:r>
+              <a:rPr lang="en-US" sz="1400" dirty="0">
+                <a:solidFill>
+                  <a:schemeClr val="tx1"/>
+                </a:solidFill>
+              </a:rPr>
+              <a:t>% Thursday, </a:t>
+            </a:r>
+            <a:r>
+              <a:rPr lang="en-US" sz="1400" dirty="0" smtClean="0">
+                <a:solidFill>
+                  <a:schemeClr val="tx1"/>
+                </a:solidFill>
+              </a:rPr>
+              <a:t>     &lt;&lt; GMT</a:t>
+            </a:r>
+          </a:p>
+          <a:p>
+            <a:r>
+              <a:rPr lang="en-US" sz="1400" dirty="0">
+                <a:solidFill>
+                  <a:schemeClr val="tx1"/>
+                </a:solidFill>
+              </a:rPr>
+              <a:t> </a:t>
+            </a:r>
+            <a:r>
+              <a:rPr lang="en-US" sz="1400" dirty="0" smtClean="0">
+                <a:solidFill>
+                  <a:schemeClr val="tx1"/>
+                </a:solidFill>
+              </a:rPr>
+              <a:t>    1</a:t>
+            </a:r>
+            <a:r>
+              <a:rPr lang="en-US" sz="1400" dirty="0">
+                <a:solidFill>
+                  <a:schemeClr val="tx1"/>
+                </a:solidFill>
+              </a:rPr>
+              <a:t>% Monday,    </a:t>
+            </a:r>
+            <a:r>
+              <a:rPr lang="en-US" sz="1400" dirty="0" smtClean="0">
+                <a:solidFill>
+                  <a:schemeClr val="tx1"/>
+                </a:solidFill>
+              </a:rPr>
+              <a:t>   == </a:t>
+            </a:r>
+            <a:r>
+              <a:rPr lang="en-US" sz="1400" dirty="0">
+                <a:solidFill>
+                  <a:schemeClr val="tx1"/>
+                </a:solidFill>
+              </a:rPr>
+              <a:t>GMT, </a:t>
+            </a:r>
+            <a:r>
+              <a:rPr lang="en-US" sz="1400" dirty="0" smtClean="0">
+                <a:solidFill>
+                  <a:schemeClr val="tx1"/>
+                </a:solidFill>
+              </a:rPr>
+              <a:t>trivial</a:t>
+            </a:r>
+          </a:p>
+          <a:p>
+            <a:r>
+              <a:rPr lang="en-US" sz="1400" dirty="0">
+                <a:solidFill>
+                  <a:schemeClr val="tx1"/>
+                </a:solidFill>
+              </a:rPr>
+              <a:t> </a:t>
+            </a:r>
+            <a:r>
+              <a:rPr lang="en-US" sz="1400" dirty="0" smtClean="0">
+                <a:solidFill>
+                  <a:schemeClr val="tx1"/>
+                </a:solidFill>
+              </a:rPr>
+              <a:t>    </a:t>
+            </a:r>
+            <a:r>
+              <a:rPr lang="is-IS" sz="1400" dirty="0" smtClean="0">
+                <a:solidFill>
+                  <a:schemeClr val="tx1"/>
+                </a:solidFill>
+              </a:rPr>
+              <a:t>…</a:t>
+            </a:r>
+            <a:r>
+              <a:rPr lang="en-US" sz="1400" dirty="0">
+                <a:solidFill>
+                  <a:schemeClr val="tx1"/>
+                </a:solidFill>
+              </a:rPr>
+              <a:t> </a:t>
+            </a:r>
+            <a:endParaRPr lang="is-IS" sz="1400" dirty="0" smtClean="0">
+              <a:solidFill>
+                <a:schemeClr val="tx1"/>
+              </a:solidFill>
+            </a:endParaRPr>
+          </a:p>
+        </p:txBody>
+      </p:sp>
+      <p:sp>
+        <p:nvSpPr>
+          <p:cNvPr id="4" name="Slide Number Placeholder 3"/>
+          <p:cNvSpPr>
+            <a:spLocks noGrp="1"/>
+          </p:cNvSpPr>
+          <p:nvPr>
+            <p:ph type="sldNum" sz="quarter" idx="12"/>
+          </p:nvPr>
+        </p:nvSpPr>
+        <p:spPr/>
+        <p:txBody>
+          <a:bodyPr/>
+          <a:lstStyle/>
+          <a:p>
+            <a:fld id="{3245CBE3-AA2B-404B-ADB8-3AD937BF2B49}" type="slidenum">
+              <a:rPr lang="en-US" smtClean="0"/>
+              <a:t>13</a:t>
+            </a:fld>
+            <a:endParaRPr lang="en-US"/>
+          </a:p>
+        </p:txBody>
+      </p:sp>
+    </p:spTree>
+    <p:extLst>
+      <p:ext uri="{BB962C8B-B14F-4D97-AF65-F5344CB8AC3E}">
+        <p14:creationId xmlns:p14="http://schemas.microsoft.com/office/powerpoint/2010/main" val="1251787255"/>
+      </p:ext>
+    </p:extLst>
+  </p:cSld>
+  <p:clrMapOvr>
+    <a:masterClrMapping/>
+  </p:clrMapOvr>
+  <mc:AlternateContent xmlns:mc="http://schemas.openxmlformats.org/markup-compatibility/2006" xmlns:p14="http://schemas.microsoft.com/office/powerpoint/2010/main">
+    <mc:Choice Requires="p14">
+      <p:transition spd="med" p14:dur="700">
+        <p:fade/>
+      </p:transition>
+    </mc:Choice>
+    <mc:Fallback xmlns="">
+      <p:transition spd="med">
+        <p:fade/>
+      </p:transition>
+    </mc:Fallback>
+  </mc:AlternateContent>
+  <p:timing>
+    <p:tnLst>
+      <p:par>
+        <p:cTn id="1" dur="indefinite" restart="never" nodeType="tmRoot"/>
+      </p:par>
+    </p:tnLst>
+  </p:timing>
+</p:sld>
+</file>
+
+<file path=ppt/slides/slide14.xml><?xml version="1.0" encoding="utf-8"?>
+<p:sld xmlns:a="http://schemas.openxmlformats.org/drawingml/2006/main" xmlns:r="http://schemas.openxmlformats.org/officeDocument/2006/relationships" xmlns:p="http://schemas.openxmlformats.org/presentationml/2006/main">
+  <p:cSld>
+    <p:spTree>
+      <p:nvGrpSpPr>
+        <p:cNvPr id="1" name=""/>
+        <p:cNvGrpSpPr/>
+        <p:nvPr/>
+      </p:nvGrpSpPr>
+      <p:grpSpPr>
+        <a:xfrm>
+          <a:off x="0" y="0"/>
+          <a:ext cx="0" cy="0"/>
+          <a:chOff x="0" y="0"/>
+          <a:chExt cx="0" cy="0"/>
+        </a:xfrm>
+      </p:grpSpPr>
+      <p:sp>
+        <p:nvSpPr>
+          <p:cNvPr id="2" name="Title 1"/>
+          <p:cNvSpPr>
+            <a:spLocks noGrp="1"/>
+          </p:cNvSpPr>
+          <p:nvPr>
+            <p:ph type="title"/>
+          </p:nvPr>
+        </p:nvSpPr>
         <p:spPr>
           <a:xfrm>
             <a:off x="830238" y="473074"/>
@@ -15358,7 +16107,7 @@
           <a:p>
             <a:fld id="{3245CBE3-AA2B-404B-ADB8-3AD937BF2B49}" type="slidenum">
               <a:rPr lang="en-US" smtClean="0"/>
-              <a:t>13</a:t>
+              <a:t>14</a:t>
             </a:fld>
             <a:endParaRPr lang="en-US"/>
           </a:p>
@@ -15513,7 +16262,7 @@
 </p:sld>
 </file>
 
-<file path=ppt/slides/slide14.xml><?xml version="1.0" encoding="utf-8"?>
+<file path=ppt/slides/slide15.xml><?xml version="1.0" encoding="utf-8"?>
 <p:sld xmlns:a="http://schemas.openxmlformats.org/drawingml/2006/main" xmlns:r="http://schemas.openxmlformats.org/officeDocument/2006/relationships" xmlns:p="http://schemas.openxmlformats.org/presentationml/2006/main">
   <p:cSld>
     <p:spTree>
@@ -16052,7 +16801,7 @@
           <a:p>
             <a:fld id="{3245CBE3-AA2B-404B-ADB8-3AD937BF2B49}" type="slidenum">
               <a:rPr lang="en-US" smtClean="0"/>
-              <a:t>14</a:t>
+              <a:t>15</a:t>
             </a:fld>
             <a:endParaRPr lang="en-US"/>
           </a:p>
@@ -16400,7 +17149,7 @@
 </p:sld>
 </file>
 
-<file path=ppt/slides/slide15.xml><?xml version="1.0" encoding="utf-8"?>
+<file path=ppt/slides/slide16.xml><?xml version="1.0" encoding="utf-8"?>
 <p:sld xmlns:a="http://schemas.openxmlformats.org/drawingml/2006/main" xmlns:r="http://schemas.openxmlformats.org/officeDocument/2006/relationships" xmlns:p="http://schemas.openxmlformats.org/presentationml/2006/main">
   <p:cSld>
     <p:spTree>
@@ -16495,7 +17244,7 @@
           <a:p>
             <a:fld id="{3245CBE3-AA2B-404B-ADB8-3AD937BF2B49}" type="slidenum">
               <a:rPr lang="en-US" smtClean="0"/>
-              <a:t>15</a:t>
+              <a:t>16</a:t>
             </a:fld>
             <a:endParaRPr lang="en-US"/>
           </a:p>
@@ -17006,7 +17755,7 @@
 </p:sld>
 </file>
 
-<file path=ppt/slides/slide16.xml><?xml version="1.0" encoding="utf-8"?>
+<file path=ppt/slides/slide17.xml><?xml version="1.0" encoding="utf-8"?>
 <p:sld xmlns:a="http://schemas.openxmlformats.org/drawingml/2006/main" xmlns:r="http://schemas.openxmlformats.org/officeDocument/2006/relationships" xmlns:p="http://schemas.openxmlformats.org/presentationml/2006/main">
   <p:cSld>
     <p:spTree>
@@ -19805,7 +20554,7 @@
           <a:p>
             <a:fld id="{3245CBE3-AA2B-404B-ADB8-3AD937BF2B49}" type="slidenum">
               <a:rPr lang="en-US" smtClean="0"/>
-              <a:t>16</a:t>
+              <a:t>17</a:t>
             </a:fld>
             <a:endParaRPr lang="en-US"/>
           </a:p>
@@ -20358,7 +21107,7 @@
 </p:sld>
 </file>
 
-<file path=ppt/slides/slide17.xml><?xml version="1.0" encoding="utf-8"?>
+<file path=ppt/slides/slide18.xml><?xml version="1.0" encoding="utf-8"?>
 <p:sld xmlns:a="http://schemas.openxmlformats.org/drawingml/2006/main" xmlns:r="http://schemas.openxmlformats.org/officeDocument/2006/relationships" xmlns:p="http://schemas.openxmlformats.org/presentationml/2006/main">
   <p:cSld>
     <p:spTree>
@@ -20959,7 +21708,7 @@
           <a:p>
             <a:fld id="{3245CBE3-AA2B-404B-ADB8-3AD937BF2B49}" type="slidenum">
               <a:rPr lang="en-US" smtClean="0"/>
-              <a:t>17</a:t>
+              <a:t>18</a:t>
             </a:fld>
             <a:endParaRPr lang="en-US"/>
           </a:p>
@@ -21210,7 +21959,7 @@
 </p:sld>
 </file>
 
-<file path=ppt/slides/slide18.xml><?xml version="1.0" encoding="utf-8"?>
+<file path=ppt/slides/slide19.xml><?xml version="1.0" encoding="utf-8"?>
 <p:sld xmlns:a="http://schemas.openxmlformats.org/drawingml/2006/main" xmlns:r="http://schemas.openxmlformats.org/officeDocument/2006/relationships" xmlns:p="http://schemas.openxmlformats.org/presentationml/2006/main">
   <p:cSld>
     <p:spTree>
@@ -22060,7 +22809,7 @@
           <a:p>
             <a:fld id="{3245CBE3-AA2B-404B-ADB8-3AD937BF2B49}" type="slidenum">
               <a:rPr lang="en-US" smtClean="0"/>
-              <a:t>18</a:t>
+              <a:t>19</a:t>
             </a:fld>
             <a:endParaRPr lang="en-US"/>
           </a:p>
@@ -22070,275 +22819,6 @@
     <p:extLst>
       <p:ext uri="{BB962C8B-B14F-4D97-AF65-F5344CB8AC3E}">
         <p14:creationId xmlns:p14="http://schemas.microsoft.com/office/powerpoint/2010/main" val="20859498"/>
-      </p:ext>
-    </p:extLst>
-  </p:cSld>
-  <p:clrMapOvr>
-    <a:masterClrMapping/>
-  </p:clrMapOvr>
-  <mc:AlternateContent xmlns:mc="http://schemas.openxmlformats.org/markup-compatibility/2006" xmlns:p14="http://schemas.microsoft.com/office/powerpoint/2010/main">
-    <mc:Choice Requires="p14">
-      <p:transition spd="med" p14:dur="700">
-        <p:fade/>
-      </p:transition>
-    </mc:Choice>
-    <mc:Fallback xmlns="">
-      <p:transition spd="med">
-        <p:fade/>
-      </p:transition>
-    </mc:Fallback>
-  </mc:AlternateContent>
-  <p:timing>
-    <p:tnLst>
-      <p:par>
-        <p:cTn id="1" dur="indefinite" restart="never" nodeType="tmRoot"/>
-      </p:par>
-    </p:tnLst>
-  </p:timing>
-</p:sld>
-</file>
-
-<file path=ppt/slides/slide19.xml><?xml version="1.0" encoding="utf-8"?>
-<p:sld xmlns:a="http://schemas.openxmlformats.org/drawingml/2006/main" xmlns:r="http://schemas.openxmlformats.org/officeDocument/2006/relationships" xmlns:p="http://schemas.openxmlformats.org/presentationml/2006/main">
-  <p:cSld>
-    <p:spTree>
-      <p:nvGrpSpPr>
-        <p:cNvPr id="1" name=""/>
-        <p:cNvGrpSpPr/>
-        <p:nvPr/>
-      </p:nvGrpSpPr>
-      <p:grpSpPr>
-        <a:xfrm>
-          <a:off x="0" y="0"/>
-          <a:ext cx="0" cy="0"/>
-          <a:chOff x="0" y="0"/>
-          <a:chExt cx="0" cy="0"/>
-        </a:xfrm>
-      </p:grpSpPr>
-      <p:sp>
-        <p:nvSpPr>
-          <p:cNvPr id="5" name="Title 4"/>
-          <p:cNvSpPr>
-            <a:spLocks noGrp="1"/>
-          </p:cNvSpPr>
-          <p:nvPr>
-            <p:ph type="title"/>
-          </p:nvPr>
-        </p:nvSpPr>
-        <p:spPr/>
-        <p:txBody>
-          <a:bodyPr anchor="ctr">
-            <a:noAutofit/>
-          </a:bodyPr>
-          <a:lstStyle/>
-          <a:p>
-            <a:pPr>
-              <a:lnSpc>
-                <a:spcPct val="100000"/>
-              </a:lnSpc>
-            </a:pPr>
-            <a:r>
-              <a:rPr lang="en-US" sz="2400" b="1" dirty="0">
-                <a:solidFill>
-                  <a:schemeClr val="tx2"/>
-                </a:solidFill>
-              </a:rPr>
-              <a:t>RANDOM </a:t>
-            </a:r>
-            <a:r>
-              <a:rPr lang="en-US" sz="2400" b="1" dirty="0" smtClean="0">
-                <a:solidFill>
-                  <a:schemeClr val="tx2"/>
-                </a:solidFill>
-              </a:rPr>
-              <a:t>TESTING</a:t>
-            </a:r>
-            <a:r>
-              <a:rPr lang="en-US" sz="2400" b="1" dirty="0" smtClean="0">
-                <a:solidFill>
-                  <a:schemeClr val="accent1"/>
-                </a:solidFill>
-              </a:rPr>
-              <a:t/>
-            </a:r>
-            <a:br>
-              <a:rPr lang="en-US" sz="2400" b="1" dirty="0" smtClean="0">
-                <a:solidFill>
-                  <a:schemeClr val="accent1"/>
-                </a:solidFill>
-              </a:rPr>
-            </a:br>
-            <a:r>
-              <a:rPr lang="en-US" sz="2400" b="1" dirty="0">
-                <a:solidFill>
-                  <a:schemeClr val="accent1"/>
-                </a:solidFill>
-              </a:rPr>
-              <a:t/>
-            </a:r>
-            <a:br>
-              <a:rPr lang="en-US" sz="2400" b="1" dirty="0">
-                <a:solidFill>
-                  <a:schemeClr val="accent1"/>
-                </a:solidFill>
-              </a:rPr>
-            </a:br>
-            <a:r>
-              <a:rPr lang="en-US" sz="2400" dirty="0">
-                <a:solidFill>
-                  <a:schemeClr val="accent6"/>
-                </a:solidFill>
-              </a:rPr>
-              <a:t>“One of the major </a:t>
-            </a:r>
-            <a:r>
-              <a:rPr lang="en-US" sz="2400" dirty="0" smtClean="0">
-                <a:solidFill>
-                  <a:schemeClr val="accent6"/>
-                </a:solidFill>
-              </a:rPr>
-              <a:t>advantages… is </a:t>
-            </a:r>
-            <a:r>
-              <a:rPr lang="en-US" sz="2400" dirty="0">
-                <a:solidFill>
-                  <a:schemeClr val="accent6"/>
-                </a:solidFill>
-              </a:rPr>
-              <a:t>that it </a:t>
-            </a:r>
-            <a:r>
-              <a:rPr lang="en-US" sz="2400" dirty="0"/>
-              <a:t>encourages</a:t>
-            </a:r>
-            <a:r>
-              <a:rPr lang="en-US" sz="2400" dirty="0">
-                <a:solidFill>
-                  <a:schemeClr val="accent6"/>
-                </a:solidFill>
-              </a:rPr>
-              <a:t> us to formulate </a:t>
-            </a:r>
-            <a:r>
-              <a:rPr lang="en-US" sz="2400" dirty="0"/>
-              <a:t>formal specifications</a:t>
-            </a:r>
-            <a:r>
-              <a:rPr lang="en-US" sz="2400" dirty="0">
-                <a:solidFill>
-                  <a:schemeClr val="accent6"/>
-                </a:solidFill>
-              </a:rPr>
-              <a:t>, </a:t>
-            </a:r>
-            <a:r>
-              <a:rPr lang="en-US" sz="2400" dirty="0"/>
-              <a:t>thus improving</a:t>
-            </a:r>
-            <a:r>
-              <a:rPr lang="en-US" sz="2400" dirty="0">
-                <a:solidFill>
-                  <a:schemeClr val="accent6"/>
-                </a:solidFill>
-              </a:rPr>
-              <a:t> our </a:t>
-            </a:r>
-            <a:r>
-              <a:rPr lang="en-US" sz="2400" dirty="0"/>
-              <a:t>understanding</a:t>
-            </a:r>
-            <a:r>
-              <a:rPr lang="en-US" sz="2400" dirty="0">
-                <a:solidFill>
-                  <a:schemeClr val="accent6"/>
-                </a:solidFill>
-              </a:rPr>
-              <a:t>…”</a:t>
-            </a:r>
-          </a:p>
-        </p:txBody>
-      </p:sp>
-      <p:sp>
-        <p:nvSpPr>
-          <p:cNvPr id="6" name="Text Placeholder 5"/>
-          <p:cNvSpPr>
-            <a:spLocks noGrp="1"/>
-          </p:cNvSpPr>
-          <p:nvPr>
-            <p:ph type="body" idx="1"/>
-          </p:nvPr>
-        </p:nvSpPr>
-        <p:spPr/>
-        <p:txBody>
-          <a:bodyPr/>
-          <a:lstStyle/>
-          <a:p>
-            <a:pPr algn="r"/>
-            <a:r>
-              <a:rPr lang="en-US" i="1" dirty="0">
-                <a:solidFill>
-                  <a:schemeClr val="accent6"/>
-                </a:solidFill>
-              </a:rPr>
-              <a:t>from </a:t>
-            </a:r>
-            <a:r>
-              <a:rPr lang="en-US" i="1" dirty="0">
-                <a:solidFill>
-                  <a:schemeClr val="accent1">
-                    <a:lumMod val="50000"/>
-                  </a:schemeClr>
-                </a:solidFill>
-              </a:rPr>
-              <a:t>ICFP’00 – Claessen, </a:t>
-            </a:r>
-            <a:r>
-              <a:rPr lang="en-US" i="1" dirty="0" smtClean="0">
-                <a:solidFill>
-                  <a:schemeClr val="accent1">
-                    <a:lumMod val="50000"/>
-                  </a:schemeClr>
-                </a:solidFill>
-              </a:rPr>
-              <a:t>Hughes</a:t>
-            </a:r>
-            <a:endParaRPr lang="en-US" i="1" dirty="0">
-              <a:solidFill>
-                <a:schemeClr val="accent1">
-                  <a:lumMod val="50000"/>
-                </a:schemeClr>
-              </a:solidFill>
-            </a:endParaRPr>
-          </a:p>
-        </p:txBody>
-      </p:sp>
-      <p:sp>
-        <p:nvSpPr>
-          <p:cNvPr id="2" name="Slide Number Placeholder 1"/>
-          <p:cNvSpPr>
-            <a:spLocks noGrp="1"/>
-          </p:cNvSpPr>
-          <p:nvPr>
-            <p:ph type="sldNum" sz="quarter" idx="12"/>
-          </p:nvPr>
-        </p:nvSpPr>
-        <p:spPr/>
-        <p:txBody>
-          <a:bodyPr/>
-          <a:lstStyle/>
-          <a:p>
-            <a:fld id="{3245CBE3-AA2B-404B-ADB8-3AD937BF2B49}" type="slidenum">
-              <a:rPr lang="en-US" smtClean="0"/>
-              <a:t>19</a:t>
-            </a:fld>
-            <a:endParaRPr lang="en-US"/>
-          </a:p>
-        </p:txBody>
-      </p:sp>
-    </p:spTree>
-    <p:extLst>
-      <p:ext uri="{BB962C8B-B14F-4D97-AF65-F5344CB8AC3E}">
-        <p14:creationId xmlns:p14="http://schemas.microsoft.com/office/powerpoint/2010/main" val="1325816545"/>
       </p:ext>
     </p:extLst>
   </p:cSld>
@@ -22386,7 +22866,7 @@
       </p:grpSpPr>
       <p:sp>
         <p:nvSpPr>
-          <p:cNvPr id="5" name="Title 4"/>
+          <p:cNvPr id="2" name="Title 1"/>
           <p:cNvSpPr>
             <a:spLocks noGrp="1"/>
           </p:cNvSpPr>
@@ -22394,196 +22874,29 @@
             <p:ph type="title"/>
           </p:nvPr>
         </p:nvSpPr>
-        <p:spPr/>
+        <p:spPr>
+          <a:xfrm>
+            <a:off x="838200" y="365125"/>
+            <a:ext cx="10515600" cy="1325563"/>
+          </a:xfrm>
+        </p:spPr>
         <p:txBody>
-          <a:bodyPr anchor="ctr">
-            <a:noAutofit/>
+          <a:bodyPr>
+            <a:normAutofit/>
           </a:bodyPr>
           <a:lstStyle/>
           <a:p>
-            <a:pPr>
-              <a:lnSpc>
-                <a:spcPct val="100000"/>
-              </a:lnSpc>
-            </a:pPr>
-            <a:r>
-              <a:rPr lang="en-US" sz="2400" b="1" dirty="0">
-                <a:solidFill>
-                  <a:schemeClr val="tx2"/>
-                </a:solidFill>
-              </a:rPr>
-              <a:t>RANDOM </a:t>
-            </a:r>
-            <a:r>
-              <a:rPr lang="en-US" sz="2400" b="1" dirty="0" smtClean="0">
-                <a:solidFill>
-                  <a:schemeClr val="tx2"/>
-                </a:solidFill>
-              </a:rPr>
-              <a:t>TESTING</a:t>
-            </a:r>
-            <a:r>
-              <a:rPr lang="en-US" sz="2400" b="1" dirty="0" smtClean="0">
-                <a:solidFill>
-                  <a:schemeClr val="accent1"/>
-                </a:solidFill>
-              </a:rPr>
-              <a:t/>
-            </a:r>
-            <a:br>
-              <a:rPr lang="en-US" sz="2400" b="1" dirty="0" smtClean="0">
-                <a:solidFill>
-                  <a:schemeClr val="accent1"/>
-                </a:solidFill>
-              </a:rPr>
-            </a:br>
-            <a:r>
-              <a:rPr lang="en-US" sz="2400" b="1" dirty="0">
-                <a:solidFill>
-                  <a:schemeClr val="accent1"/>
-                </a:solidFill>
-              </a:rPr>
-              <a:t/>
-            </a:r>
-            <a:br>
-              <a:rPr lang="en-US" sz="2400" b="1" dirty="0">
-                <a:solidFill>
-                  <a:schemeClr val="accent1"/>
-                </a:solidFill>
-              </a:rPr>
-            </a:br>
-            <a:r>
-              <a:rPr lang="en-US" sz="2400" dirty="0" smtClean="0">
-                <a:solidFill>
-                  <a:schemeClr val="accent6"/>
-                </a:solidFill>
-              </a:rPr>
-              <a:t>“</a:t>
-            </a:r>
-            <a:r>
-              <a:rPr lang="en-US" sz="2400" dirty="0" smtClean="0"/>
-              <a:t>Properties</a:t>
-            </a:r>
-            <a:r>
-              <a:rPr lang="en-US" sz="2400" dirty="0" smtClean="0">
-                <a:solidFill>
-                  <a:schemeClr val="accent6"/>
-                </a:solidFill>
-              </a:rPr>
-              <a:t> </a:t>
-            </a:r>
-            <a:r>
-              <a:rPr lang="en-US" sz="2400" dirty="0">
-                <a:solidFill>
-                  <a:schemeClr val="accent6"/>
-                </a:solidFill>
-              </a:rPr>
-              <a:t>are </a:t>
-            </a:r>
-            <a:r>
-              <a:rPr lang="en-US" sz="2400" dirty="0"/>
-              <a:t>described as </a:t>
-            </a:r>
-            <a:r>
-              <a:rPr lang="en-US" sz="2400" dirty="0">
-                <a:solidFill>
-                  <a:schemeClr val="accent6"/>
-                </a:solidFill>
-              </a:rPr>
-              <a:t>…</a:t>
-            </a:r>
-            <a:r>
-              <a:rPr lang="en-US" sz="2400" dirty="0"/>
-              <a:t> functions, </a:t>
-            </a:r>
-            <a:r>
-              <a:rPr lang="en-US" sz="2400" dirty="0">
-                <a:solidFill>
-                  <a:schemeClr val="accent6"/>
-                </a:solidFill>
-              </a:rPr>
-              <a:t>and can be</a:t>
-            </a:r>
-            <a:r>
-              <a:rPr lang="en-US" sz="2400" dirty="0"/>
-              <a:t> automatically tested on random </a:t>
-            </a:r>
-            <a:r>
-              <a:rPr lang="en-US" sz="2400" dirty="0" smtClean="0"/>
-              <a:t>input</a:t>
-            </a:r>
-            <a:r>
-              <a:rPr lang="is-IS" sz="2400" dirty="0" smtClean="0">
-                <a:solidFill>
-                  <a:schemeClr val="accent6"/>
-                </a:solidFill>
-              </a:rPr>
-              <a:t>… </a:t>
-            </a:r>
-            <a:r>
-              <a:rPr lang="en-US" sz="2400" dirty="0" smtClean="0">
-                <a:solidFill>
-                  <a:schemeClr val="accent6"/>
-                </a:solidFill>
-              </a:rPr>
-              <a:t> </a:t>
-            </a:r>
-            <a:r>
-              <a:rPr lang="en-US" sz="2400" dirty="0">
-                <a:solidFill>
-                  <a:schemeClr val="accent6"/>
-                </a:solidFill>
-              </a:rPr>
-              <a:t>[or] custom test data generators.”</a:t>
-            </a:r>
-          </a:p>
-        </p:txBody>
-      </p:sp>
-      <p:sp>
-        <p:nvSpPr>
-          <p:cNvPr id="6" name="Text Placeholder 5"/>
-          <p:cNvSpPr>
-            <a:spLocks noGrp="1"/>
-          </p:cNvSpPr>
-          <p:nvPr>
-            <p:ph type="body" idx="1"/>
-          </p:nvPr>
-        </p:nvSpPr>
-        <p:spPr/>
-        <p:txBody>
-          <a:bodyPr/>
-          <a:lstStyle/>
-          <a:p>
-            <a:pPr algn="r"/>
-            <a:r>
-              <a:rPr lang="en-US" i="1" dirty="0">
-                <a:solidFill>
-                  <a:schemeClr val="accent6"/>
-                </a:solidFill>
-              </a:rPr>
-              <a:t>from </a:t>
-            </a:r>
-            <a:r>
-              <a:rPr lang="en-US" i="1" dirty="0">
+            <a:r>
+              <a:rPr lang="en-US" sz="2800" b="1" dirty="0" smtClean="0">
                 <a:solidFill>
                   <a:schemeClr val="accent1">
                     <a:lumMod val="50000"/>
                   </a:schemeClr>
                 </a:solidFill>
               </a:rPr>
-              <a:t>ICFP’00 – Claessen, </a:t>
-            </a:r>
-            <a:r>
-              <a:rPr lang="en-US" i="1" dirty="0" smtClean="0">
-                <a:solidFill>
-                  <a:schemeClr val="accent1">
-                    <a:lumMod val="50000"/>
-                  </a:schemeClr>
-                </a:solidFill>
-              </a:rPr>
-              <a:t>Hughes</a:t>
-            </a:r>
-            <a:endParaRPr lang="en-US" i="1" dirty="0">
+              <a:t>TODAY'S AGENDA</a:t>
+            </a:r>
+            <a:endParaRPr lang="en-US" sz="2800" b="1" dirty="0">
               <a:solidFill>
                 <a:schemeClr val="accent1">
                   <a:lumMod val="50000"/>
@@ -22595,7 +22908,123 @@
       </p:sp>
       <p:sp>
         <p:nvSpPr>
-          <p:cNvPr id="2" name="Slide Number Placeholder 1"/>
+          <p:cNvPr id="3" name="Content Placeholder 2"/>
+          <p:cNvSpPr>
+            <a:spLocks noGrp="1"/>
+          </p:cNvSpPr>
+          <p:nvPr>
+            <p:ph idx="1"/>
+          </p:nvPr>
+        </p:nvSpPr>
+        <p:spPr>
+          <a:xfrm>
+            <a:off x="838200" y="1825625"/>
+            <a:ext cx="10515600" cy="4351338"/>
+          </a:xfrm>
+        </p:spPr>
+        <p:txBody>
+          <a:bodyPr/>
+          <a:lstStyle/>
+          <a:p>
+            <a:r>
+              <a:rPr lang="en-US" dirty="0" smtClean="0">
+                <a:solidFill>
+                  <a:schemeClr val="accent6"/>
+                </a:solidFill>
+              </a:rPr>
+              <a:t> Introduction</a:t>
+            </a:r>
+          </a:p>
+          <a:p>
+            <a:r>
+              <a:rPr lang="en-US" dirty="0">
+                <a:solidFill>
+                  <a:schemeClr val="accent6"/>
+                </a:solidFill>
+              </a:rPr>
+              <a:t> </a:t>
+            </a:r>
+            <a:r>
+              <a:rPr lang="en-US" dirty="0" smtClean="0"/>
+              <a:t>Common Properties</a:t>
+            </a:r>
+          </a:p>
+          <a:p>
+            <a:r>
+              <a:rPr lang="en-US" dirty="0">
+                <a:solidFill>
+                  <a:schemeClr val="accent6"/>
+                </a:solidFill>
+              </a:rPr>
+              <a:t> </a:t>
+            </a:r>
+            <a:r>
+              <a:rPr lang="en-US" dirty="0" smtClean="0"/>
+              <a:t>Diagnostics</a:t>
+            </a:r>
+          </a:p>
+          <a:p>
+            <a:r>
+              <a:rPr lang="en-US" dirty="0">
+                <a:solidFill>
+                  <a:schemeClr val="accent6"/>
+                </a:solidFill>
+              </a:rPr>
+              <a:t> </a:t>
+            </a:r>
+            <a:r>
+              <a:rPr lang="en-US" dirty="0" smtClean="0"/>
+              <a:t>Input Control</a:t>
+            </a:r>
+          </a:p>
+          <a:p>
+            <a:r>
+              <a:rPr lang="en-US" dirty="0">
+                <a:solidFill>
+                  <a:schemeClr val="accent6"/>
+                </a:solidFill>
+              </a:rPr>
+              <a:t> </a:t>
+            </a:r>
+            <a:r>
+              <a:rPr lang="en-US" b="1" i="1" dirty="0" smtClean="0">
+                <a:solidFill>
+                  <a:schemeClr val="tx2"/>
+                </a:solidFill>
+              </a:rPr>
+              <a:t>Data Generation</a:t>
+            </a:r>
+          </a:p>
+          <a:p>
+            <a:r>
+              <a:rPr lang="en-US" dirty="0">
+                <a:solidFill>
+                  <a:schemeClr val="accent6"/>
+                </a:solidFill>
+              </a:rPr>
+              <a:t> </a:t>
+            </a:r>
+            <a:r>
+              <a:rPr lang="en-US" dirty="0" smtClean="0">
+                <a:solidFill>
+                  <a:schemeClr val="accent6"/>
+                </a:solidFill>
+              </a:rPr>
+              <a:t>Conclusion</a:t>
+            </a:r>
+          </a:p>
+          <a:p>
+            <a:endParaRPr lang="en-US" dirty="0">
+              <a:solidFill>
+                <a:schemeClr val="accent6"/>
+              </a:solidFill>
+            </a:endParaRPr>
+          </a:p>
+        </p:txBody>
+      </p:sp>
+      <p:sp>
+        <p:nvSpPr>
+          <p:cNvPr id="4" name="Slide Number Placeholder 3"/>
           <p:cNvSpPr>
             <a:spLocks noGrp="1"/>
           </p:cNvSpPr>
@@ -22612,27 +23041,27 @@
               <a:rPr lang="en-US" smtClean="0"/>
               <a:t>2</a:t>
             </a:fld>
-            <a:endParaRPr lang="en-US"/>
+            <a:endParaRPr lang="en-US" dirty="0"/>
           </a:p>
         </p:txBody>
       </p:sp>
     </p:spTree>
     <p:extLst>
       <p:ext uri="{BB962C8B-B14F-4D97-AF65-F5344CB8AC3E}">
-        <p14:creationId xmlns:p14="http://schemas.microsoft.com/office/powerpoint/2010/main" val="1575209628"/>
+        <p14:creationId xmlns:p14="http://schemas.microsoft.com/office/powerpoint/2010/main" val="404889002"/>
       </p:ext>
     </p:extLst>
   </p:cSld>
   <p:clrMapOvr>
     <a:masterClrMapping/>
   </p:clrMapOvr>
-  <mc:AlternateContent xmlns:mc="http://schemas.openxmlformats.org/markup-compatibility/2006" xmlns:p14="http://schemas.microsoft.com/office/powerpoint/2010/main">
-    <mc:Choice Requires="p14">
+  <mc:AlternateContent xmlns:mc="http://schemas.openxmlformats.org/markup-compatibility/2006">
+    <mc:Choice xmlns:p14="http://schemas.microsoft.com/office/powerpoint/2010/main" Requires="p14">
       <p:transition spd="med" p14:dur="700">
         <p:fade/>
       </p:transition>
     </mc:Choice>
-    <mc:Fallback xmlns="">
+    <mc:Fallback>
       <p:transition spd="med">
         <p:fade/>
       </p:transition>
@@ -22667,6 +23096,275 @@
       </p:grpSpPr>
       <p:sp>
         <p:nvSpPr>
+          <p:cNvPr id="5" name="Title 4"/>
+          <p:cNvSpPr>
+            <a:spLocks noGrp="1"/>
+          </p:cNvSpPr>
+          <p:nvPr>
+            <p:ph type="title"/>
+          </p:nvPr>
+        </p:nvSpPr>
+        <p:spPr/>
+        <p:txBody>
+          <a:bodyPr anchor="ctr">
+            <a:noAutofit/>
+          </a:bodyPr>
+          <a:lstStyle/>
+          <a:p>
+            <a:pPr>
+              <a:lnSpc>
+                <a:spcPct val="100000"/>
+              </a:lnSpc>
+            </a:pPr>
+            <a:r>
+              <a:rPr lang="en-US" sz="2400" b="1" dirty="0">
+                <a:solidFill>
+                  <a:schemeClr val="tx2"/>
+                </a:solidFill>
+              </a:rPr>
+              <a:t>RANDOM </a:t>
+            </a:r>
+            <a:r>
+              <a:rPr lang="en-US" sz="2400" b="1" dirty="0" smtClean="0">
+                <a:solidFill>
+                  <a:schemeClr val="tx2"/>
+                </a:solidFill>
+              </a:rPr>
+              <a:t>TESTING</a:t>
+            </a:r>
+            <a:r>
+              <a:rPr lang="en-US" sz="2400" b="1" dirty="0" smtClean="0">
+                <a:solidFill>
+                  <a:schemeClr val="accent1"/>
+                </a:solidFill>
+              </a:rPr>
+              <a:t/>
+            </a:r>
+            <a:br>
+              <a:rPr lang="en-US" sz="2400" b="1" dirty="0" smtClean="0">
+                <a:solidFill>
+                  <a:schemeClr val="accent1"/>
+                </a:solidFill>
+              </a:rPr>
+            </a:br>
+            <a:r>
+              <a:rPr lang="en-US" sz="2400" b="1" dirty="0">
+                <a:solidFill>
+                  <a:schemeClr val="accent1"/>
+                </a:solidFill>
+              </a:rPr>
+              <a:t/>
+            </a:r>
+            <a:br>
+              <a:rPr lang="en-US" sz="2400" b="1" dirty="0">
+                <a:solidFill>
+                  <a:schemeClr val="accent1"/>
+                </a:solidFill>
+              </a:rPr>
+            </a:br>
+            <a:r>
+              <a:rPr lang="en-US" sz="2400" dirty="0">
+                <a:solidFill>
+                  <a:schemeClr val="accent6"/>
+                </a:solidFill>
+              </a:rPr>
+              <a:t>“One of the major </a:t>
+            </a:r>
+            <a:r>
+              <a:rPr lang="en-US" sz="2400" dirty="0" smtClean="0">
+                <a:solidFill>
+                  <a:schemeClr val="accent6"/>
+                </a:solidFill>
+              </a:rPr>
+              <a:t>advantages… is </a:t>
+            </a:r>
+            <a:r>
+              <a:rPr lang="en-US" sz="2400" dirty="0">
+                <a:solidFill>
+                  <a:schemeClr val="accent6"/>
+                </a:solidFill>
+              </a:rPr>
+              <a:t>that it </a:t>
+            </a:r>
+            <a:r>
+              <a:rPr lang="en-US" sz="2400" dirty="0"/>
+              <a:t>encourages</a:t>
+            </a:r>
+            <a:r>
+              <a:rPr lang="en-US" sz="2400" dirty="0">
+                <a:solidFill>
+                  <a:schemeClr val="accent6"/>
+                </a:solidFill>
+              </a:rPr>
+              <a:t> us to formulate </a:t>
+            </a:r>
+            <a:r>
+              <a:rPr lang="en-US" sz="2400" dirty="0"/>
+              <a:t>formal specifications</a:t>
+            </a:r>
+            <a:r>
+              <a:rPr lang="en-US" sz="2400" dirty="0">
+                <a:solidFill>
+                  <a:schemeClr val="accent6"/>
+                </a:solidFill>
+              </a:rPr>
+              <a:t>, </a:t>
+            </a:r>
+            <a:r>
+              <a:rPr lang="en-US" sz="2400" dirty="0"/>
+              <a:t>thus improving</a:t>
+            </a:r>
+            <a:r>
+              <a:rPr lang="en-US" sz="2400" dirty="0">
+                <a:solidFill>
+                  <a:schemeClr val="accent6"/>
+                </a:solidFill>
+              </a:rPr>
+              <a:t> our </a:t>
+            </a:r>
+            <a:r>
+              <a:rPr lang="en-US" sz="2400" dirty="0"/>
+              <a:t>understanding</a:t>
+            </a:r>
+            <a:r>
+              <a:rPr lang="en-US" sz="2400" dirty="0">
+                <a:solidFill>
+                  <a:schemeClr val="accent6"/>
+                </a:solidFill>
+              </a:rPr>
+              <a:t>…”</a:t>
+            </a:r>
+          </a:p>
+        </p:txBody>
+      </p:sp>
+      <p:sp>
+        <p:nvSpPr>
+          <p:cNvPr id="6" name="Text Placeholder 5"/>
+          <p:cNvSpPr>
+            <a:spLocks noGrp="1"/>
+          </p:cNvSpPr>
+          <p:nvPr>
+            <p:ph type="body" idx="1"/>
+          </p:nvPr>
+        </p:nvSpPr>
+        <p:spPr/>
+        <p:txBody>
+          <a:bodyPr/>
+          <a:lstStyle/>
+          <a:p>
+            <a:pPr algn="r"/>
+            <a:r>
+              <a:rPr lang="en-US" i="1" dirty="0">
+                <a:solidFill>
+                  <a:schemeClr val="accent6"/>
+                </a:solidFill>
+              </a:rPr>
+              <a:t>from </a:t>
+            </a:r>
+            <a:r>
+              <a:rPr lang="en-US" i="1" dirty="0">
+                <a:solidFill>
+                  <a:schemeClr val="accent1">
+                    <a:lumMod val="50000"/>
+                  </a:schemeClr>
+                </a:solidFill>
+              </a:rPr>
+              <a:t>ICFP’00 – Claessen, </a:t>
+            </a:r>
+            <a:r>
+              <a:rPr lang="en-US" i="1" dirty="0" smtClean="0">
+                <a:solidFill>
+                  <a:schemeClr val="accent1">
+                    <a:lumMod val="50000"/>
+                  </a:schemeClr>
+                </a:solidFill>
+              </a:rPr>
+              <a:t>Hughes</a:t>
+            </a:r>
+            <a:endParaRPr lang="en-US" i="1" dirty="0">
+              <a:solidFill>
+                <a:schemeClr val="accent1">
+                  <a:lumMod val="50000"/>
+                </a:schemeClr>
+              </a:solidFill>
+            </a:endParaRPr>
+          </a:p>
+        </p:txBody>
+      </p:sp>
+      <p:sp>
+        <p:nvSpPr>
+          <p:cNvPr id="2" name="Slide Number Placeholder 1"/>
+          <p:cNvSpPr>
+            <a:spLocks noGrp="1"/>
+          </p:cNvSpPr>
+          <p:nvPr>
+            <p:ph type="sldNum" sz="quarter" idx="12"/>
+          </p:nvPr>
+        </p:nvSpPr>
+        <p:spPr/>
+        <p:txBody>
+          <a:bodyPr/>
+          <a:lstStyle/>
+          <a:p>
+            <a:fld id="{3245CBE3-AA2B-404B-ADB8-3AD937BF2B49}" type="slidenum">
+              <a:rPr lang="en-US" smtClean="0"/>
+              <a:t>20</a:t>
+            </a:fld>
+            <a:endParaRPr lang="en-US"/>
+          </a:p>
+        </p:txBody>
+      </p:sp>
+    </p:spTree>
+    <p:extLst>
+      <p:ext uri="{BB962C8B-B14F-4D97-AF65-F5344CB8AC3E}">
+        <p14:creationId xmlns:p14="http://schemas.microsoft.com/office/powerpoint/2010/main" val="1325816545"/>
+      </p:ext>
+    </p:extLst>
+  </p:cSld>
+  <p:clrMapOvr>
+    <a:masterClrMapping/>
+  </p:clrMapOvr>
+  <mc:AlternateContent xmlns:mc="http://schemas.openxmlformats.org/markup-compatibility/2006" xmlns:p14="http://schemas.microsoft.com/office/powerpoint/2010/main">
+    <mc:Choice Requires="p14">
+      <p:transition spd="med" p14:dur="700">
+        <p:fade/>
+      </p:transition>
+    </mc:Choice>
+    <mc:Fallback xmlns="">
+      <p:transition spd="med">
+        <p:fade/>
+      </p:transition>
+    </mc:Fallback>
+  </mc:AlternateContent>
+  <p:timing>
+    <p:tnLst>
+      <p:par>
+        <p:cTn id="1" dur="indefinite" restart="never" nodeType="tmRoot"/>
+      </p:par>
+    </p:tnLst>
+  </p:timing>
+</p:sld>
+</file>
+
+<file path=ppt/slides/slide21.xml><?xml version="1.0" encoding="utf-8"?>
+<p:sld xmlns:a="http://schemas.openxmlformats.org/drawingml/2006/main" xmlns:r="http://schemas.openxmlformats.org/officeDocument/2006/relationships" xmlns:p="http://schemas.openxmlformats.org/presentationml/2006/main">
+  <p:cSld>
+    <p:spTree>
+      <p:nvGrpSpPr>
+        <p:cNvPr id="1" name=""/>
+        <p:cNvGrpSpPr/>
+        <p:nvPr/>
+      </p:nvGrpSpPr>
+      <p:grpSpPr>
+        <a:xfrm>
+          <a:off x="0" y="0"/>
+          <a:ext cx="0" cy="0"/>
+          <a:chOff x="0" y="0"/>
+          <a:chExt cx="0" cy="0"/>
+        </a:xfrm>
+      </p:grpSpPr>
+      <p:sp>
+        <p:nvSpPr>
           <p:cNvPr id="2" name="Title 1"/>
           <p:cNvSpPr>
             <a:spLocks noGrp="1"/>
@@ -23222,7 +23920,7 @@
           <a:p>
             <a:fld id="{3245CBE3-AA2B-404B-ADB8-3AD937BF2B49}" type="slidenum">
               <a:rPr lang="en-US" smtClean="0"/>
-              <a:t>20</a:t>
+              <a:t>21</a:t>
             </a:fld>
             <a:endParaRPr lang="en-US"/>
           </a:p>
@@ -23261,6 +23959,287 @@
 </file>
 
 <file path=ppt/slides/slide3.xml><?xml version="1.0" encoding="utf-8"?>
+<p:sld xmlns:a="http://schemas.openxmlformats.org/drawingml/2006/main" xmlns:r="http://schemas.openxmlformats.org/officeDocument/2006/relationships" xmlns:p="http://schemas.openxmlformats.org/presentationml/2006/main">
+  <p:cSld>
+    <p:spTree>
+      <p:nvGrpSpPr>
+        <p:cNvPr id="1" name=""/>
+        <p:cNvGrpSpPr/>
+        <p:nvPr/>
+      </p:nvGrpSpPr>
+      <p:grpSpPr>
+        <a:xfrm>
+          <a:off x="0" y="0"/>
+          <a:ext cx="0" cy="0"/>
+          <a:chOff x="0" y="0"/>
+          <a:chExt cx="0" cy="0"/>
+        </a:xfrm>
+      </p:grpSpPr>
+      <p:sp>
+        <p:nvSpPr>
+          <p:cNvPr id="5" name="Title 4"/>
+          <p:cNvSpPr>
+            <a:spLocks noGrp="1"/>
+          </p:cNvSpPr>
+          <p:nvPr>
+            <p:ph type="title"/>
+          </p:nvPr>
+        </p:nvSpPr>
+        <p:spPr/>
+        <p:txBody>
+          <a:bodyPr anchor="ctr">
+            <a:noAutofit/>
+          </a:bodyPr>
+          <a:lstStyle/>
+          <a:p>
+            <a:pPr>
+              <a:lnSpc>
+                <a:spcPct val="100000"/>
+              </a:lnSpc>
+            </a:pPr>
+            <a:r>
+              <a:rPr lang="en-US" sz="2400" b="1" dirty="0">
+                <a:solidFill>
+                  <a:schemeClr val="tx2"/>
+                </a:solidFill>
+              </a:rPr>
+              <a:t>RANDOM </a:t>
+            </a:r>
+            <a:r>
+              <a:rPr lang="en-US" sz="2400" b="1" dirty="0" smtClean="0">
+                <a:solidFill>
+                  <a:schemeClr val="tx2"/>
+                </a:solidFill>
+              </a:rPr>
+              <a:t>TESTING</a:t>
+            </a:r>
+            <a:r>
+              <a:rPr lang="en-US" sz="2400" b="1" dirty="0" smtClean="0">
+                <a:solidFill>
+                  <a:schemeClr val="accent1"/>
+                </a:solidFill>
+              </a:rPr>
+              <a:t/>
+            </a:r>
+            <a:br>
+              <a:rPr lang="en-US" sz="2400" b="1" dirty="0" smtClean="0">
+                <a:solidFill>
+                  <a:schemeClr val="accent1"/>
+                </a:solidFill>
+              </a:rPr>
+            </a:br>
+            <a:r>
+              <a:rPr lang="en-US" sz="2400" b="1" dirty="0">
+                <a:solidFill>
+                  <a:schemeClr val="accent1"/>
+                </a:solidFill>
+              </a:rPr>
+              <a:t/>
+            </a:r>
+            <a:br>
+              <a:rPr lang="en-US" sz="2400" b="1" dirty="0">
+                <a:solidFill>
+                  <a:schemeClr val="accent1"/>
+                </a:solidFill>
+              </a:rPr>
+            </a:br>
+            <a:r>
+              <a:rPr lang="en-US" sz="2400" dirty="0" smtClean="0">
+                <a:solidFill>
+                  <a:schemeClr val="accent6"/>
+                </a:solidFill>
+              </a:rPr>
+              <a:t>“</a:t>
+            </a:r>
+            <a:r>
+              <a:rPr lang="en-US" sz="2400" dirty="0" smtClean="0"/>
+              <a:t>Properties</a:t>
+            </a:r>
+            <a:r>
+              <a:rPr lang="en-US" sz="2400" dirty="0" smtClean="0">
+                <a:solidFill>
+                  <a:schemeClr val="accent6"/>
+                </a:solidFill>
+              </a:rPr>
+              <a:t> </a:t>
+            </a:r>
+            <a:r>
+              <a:rPr lang="en-US" sz="2400" dirty="0">
+                <a:solidFill>
+                  <a:schemeClr val="accent6"/>
+                </a:solidFill>
+              </a:rPr>
+              <a:t>are </a:t>
+            </a:r>
+            <a:r>
+              <a:rPr lang="en-US" sz="2400" dirty="0"/>
+              <a:t>described as </a:t>
+            </a:r>
+            <a:r>
+              <a:rPr lang="en-US" sz="2400" dirty="0">
+                <a:solidFill>
+                  <a:schemeClr val="accent6"/>
+                </a:solidFill>
+              </a:rPr>
+              <a:t>…</a:t>
+            </a:r>
+            <a:r>
+              <a:rPr lang="en-US" sz="2400" dirty="0"/>
+              <a:t> functions, </a:t>
+            </a:r>
+            <a:r>
+              <a:rPr lang="en-US" sz="2400" dirty="0">
+                <a:solidFill>
+                  <a:schemeClr val="accent6"/>
+                </a:solidFill>
+              </a:rPr>
+              <a:t>and can be</a:t>
+            </a:r>
+            <a:r>
+              <a:rPr lang="en-US" sz="2400" dirty="0"/>
+              <a:t> automatically tested on random </a:t>
+            </a:r>
+            <a:r>
+              <a:rPr lang="en-US" sz="2400" dirty="0" smtClean="0"/>
+              <a:t>input</a:t>
+            </a:r>
+            <a:r>
+              <a:rPr lang="is-IS" sz="2400" dirty="0" smtClean="0">
+                <a:solidFill>
+                  <a:schemeClr val="accent6"/>
+                </a:solidFill>
+              </a:rPr>
+              <a:t>… </a:t>
+            </a:r>
+            <a:r>
+              <a:rPr lang="en-US" sz="2400" dirty="0" smtClean="0">
+                <a:solidFill>
+                  <a:schemeClr val="accent6"/>
+                </a:solidFill>
+              </a:rPr>
+              <a:t> </a:t>
+            </a:r>
+            <a:r>
+              <a:rPr lang="en-US" sz="2400" dirty="0">
+                <a:solidFill>
+                  <a:schemeClr val="accent6"/>
+                </a:solidFill>
+              </a:rPr>
+              <a:t>[or] custom test data generators.”</a:t>
+            </a:r>
+          </a:p>
+        </p:txBody>
+      </p:sp>
+      <p:sp>
+        <p:nvSpPr>
+          <p:cNvPr id="6" name="Text Placeholder 5"/>
+          <p:cNvSpPr>
+            <a:spLocks noGrp="1"/>
+          </p:cNvSpPr>
+          <p:nvPr>
+            <p:ph type="body" idx="1"/>
+          </p:nvPr>
+        </p:nvSpPr>
+        <p:spPr/>
+        <p:txBody>
+          <a:bodyPr/>
+          <a:lstStyle/>
+          <a:p>
+            <a:pPr algn="r"/>
+            <a:r>
+              <a:rPr lang="en-US" i="1" dirty="0">
+                <a:solidFill>
+                  <a:schemeClr val="accent6"/>
+                </a:solidFill>
+              </a:rPr>
+              <a:t>from </a:t>
+            </a:r>
+            <a:r>
+              <a:rPr lang="en-US" i="1" dirty="0">
+                <a:solidFill>
+                  <a:schemeClr val="accent1">
+                    <a:lumMod val="50000"/>
+                  </a:schemeClr>
+                </a:solidFill>
+              </a:rPr>
+              <a:t>ICFP’00 – Claessen, </a:t>
+            </a:r>
+            <a:r>
+              <a:rPr lang="en-US" i="1" dirty="0" smtClean="0">
+                <a:solidFill>
+                  <a:schemeClr val="accent1">
+                    <a:lumMod val="50000"/>
+                  </a:schemeClr>
+                </a:solidFill>
+              </a:rPr>
+              <a:t>Hughes</a:t>
+            </a:r>
+            <a:endParaRPr lang="en-US" i="1" dirty="0">
+              <a:solidFill>
+                <a:schemeClr val="accent1">
+                  <a:lumMod val="50000"/>
+                </a:schemeClr>
+              </a:solidFill>
+            </a:endParaRPr>
+          </a:p>
+        </p:txBody>
+      </p:sp>
+      <p:sp>
+        <p:nvSpPr>
+          <p:cNvPr id="2" name="Slide Number Placeholder 1"/>
+          <p:cNvSpPr>
+            <a:spLocks noGrp="1"/>
+          </p:cNvSpPr>
+          <p:nvPr>
+            <p:ph type="sldNum" sz="quarter" idx="12"/>
+          </p:nvPr>
+        </p:nvSpPr>
+        <p:spPr/>
+        <p:txBody>
+          <a:bodyPr/>
+          <a:lstStyle/>
+          <a:p>
+            <a:fld id="{3245CBE3-AA2B-404B-ADB8-3AD937BF2B49}" type="slidenum">
+              <a:rPr lang="en-US" smtClean="0"/>
+              <a:t>3</a:t>
+            </a:fld>
+            <a:endParaRPr lang="en-US"/>
+          </a:p>
+        </p:txBody>
+      </p:sp>
+    </p:spTree>
+    <p:extLst>
+      <p:ext uri="{BB962C8B-B14F-4D97-AF65-F5344CB8AC3E}">
+        <p14:creationId xmlns:p14="http://schemas.microsoft.com/office/powerpoint/2010/main" val="1575209628"/>
+      </p:ext>
+    </p:extLst>
+  </p:cSld>
+  <p:clrMapOvr>
+    <a:masterClrMapping/>
+  </p:clrMapOvr>
+  <mc:AlternateContent xmlns:mc="http://schemas.openxmlformats.org/markup-compatibility/2006" xmlns:p14="http://schemas.microsoft.com/office/powerpoint/2010/main">
+    <mc:Choice Requires="p14">
+      <p:transition spd="med" p14:dur="700">
+        <p:fade/>
+      </p:transition>
+    </mc:Choice>
+    <mc:Fallback xmlns="">
+      <p:transition spd="med">
+        <p:fade/>
+      </p:transition>
+    </mc:Fallback>
+  </mc:AlternateContent>
+  <p:timing>
+    <p:tnLst>
+      <p:par>
+        <p:cTn id="1" dur="indefinite" restart="never" nodeType="tmRoot"/>
+      </p:par>
+    </p:tnLst>
+  </p:timing>
+</p:sld>
+</file>
+
+<file path=ppt/slides/slide4.xml><?xml version="1.0" encoding="utf-8"?>
 <p:sld xmlns:a="http://schemas.openxmlformats.org/drawingml/2006/main" xmlns:r="http://schemas.openxmlformats.org/officeDocument/2006/relationships" xmlns:p="http://schemas.openxmlformats.org/presentationml/2006/main">
   <p:cSld>
     <p:spTree>
@@ -24303,7 +25282,7 @@
           <a:p>
             <a:fld id="{3245CBE3-AA2B-404B-ADB8-3AD937BF2B49}" type="slidenum">
               <a:rPr lang="en-US" smtClean="0"/>
-              <a:t>3</a:t>
+              <a:t>4</a:t>
             </a:fld>
             <a:endParaRPr lang="en-US"/>
           </a:p>
@@ -24796,486 +25775,6 @@
 </p:sld>
 </file>
 
-<file path=ppt/slides/slide4.xml><?xml version="1.0" encoding="utf-8"?>
-<p:sld xmlns:a="http://schemas.openxmlformats.org/drawingml/2006/main" xmlns:r="http://schemas.openxmlformats.org/officeDocument/2006/relationships" xmlns:p="http://schemas.openxmlformats.org/presentationml/2006/main">
-  <p:cSld>
-    <p:spTree>
-      <p:nvGrpSpPr>
-        <p:cNvPr id="1" name=""/>
-        <p:cNvGrpSpPr/>
-        <p:nvPr/>
-      </p:nvGrpSpPr>
-      <p:grpSpPr>
-        <a:xfrm>
-          <a:off x="0" y="0"/>
-          <a:ext cx="0" cy="0"/>
-          <a:chOff x="0" y="0"/>
-          <a:chExt cx="0" cy="0"/>
-        </a:xfrm>
-      </p:grpSpPr>
-      <p:sp>
-        <p:nvSpPr>
-          <p:cNvPr id="2" name="Title 1"/>
-          <p:cNvSpPr>
-            <a:spLocks noGrp="1"/>
-          </p:cNvSpPr>
-          <p:nvPr>
-            <p:ph type="title"/>
-          </p:nvPr>
-        </p:nvSpPr>
-        <p:spPr>
-          <a:xfrm>
-            <a:off x="830238" y="473074"/>
-            <a:ext cx="10523561" cy="932316"/>
-          </a:xfrm>
-        </p:spPr>
-        <p:txBody>
-          <a:bodyPr/>
-          <a:lstStyle/>
-          <a:p>
-            <a:r>
-              <a:rPr lang="en-US" sz="2800" b="1" dirty="0">
-                <a:solidFill>
-                  <a:schemeClr val="tx2"/>
-                </a:solidFill>
-              </a:rPr>
-              <a:t>PATTERNS: </a:t>
-            </a:r>
-            <a:r>
-              <a:rPr lang="en-US" sz="2800" b="1" i="1" dirty="0">
-                <a:solidFill>
-                  <a:schemeClr val="accent1">
-                    <a:lumMod val="50000"/>
-                  </a:schemeClr>
-                </a:solidFill>
-              </a:rPr>
-              <a:t>Inversion &amp; </a:t>
-            </a:r>
-            <a:r>
-              <a:rPr lang="en-US" sz="2800" b="1" i="1" dirty="0" err="1">
-                <a:solidFill>
-                  <a:schemeClr val="accent1">
-                    <a:lumMod val="50000"/>
-                  </a:schemeClr>
-                </a:solidFill>
-              </a:rPr>
-              <a:t>Idempotence</a:t>
-            </a:r>
-            <a:endParaRPr lang="en-US" sz="2800" b="1" i="1" dirty="0">
-              <a:solidFill>
-                <a:schemeClr val="tx2"/>
-              </a:solidFill>
-            </a:endParaRPr>
-          </a:p>
-        </p:txBody>
-      </p:sp>
-      <p:sp>
-        <p:nvSpPr>
-          <p:cNvPr id="3" name="Content Placeholder 2"/>
-          <p:cNvSpPr>
-            <a:spLocks noGrp="1"/>
-          </p:cNvSpPr>
-          <p:nvPr>
-            <p:ph sz="half" idx="1"/>
-          </p:nvPr>
-        </p:nvSpPr>
-        <p:spPr>
-          <a:xfrm>
-            <a:off x="830239" y="1405390"/>
-            <a:ext cx="10523560" cy="4713705"/>
-          </a:xfrm>
-          <a:solidFill>
-            <a:schemeClr val="bg1"/>
-          </a:solidFill>
-          <a:ln>
-            <a:solidFill>
-              <a:schemeClr val="accent6">
-                <a:lumMod val="60000"/>
-                <a:lumOff val="40000"/>
-              </a:schemeClr>
-            </a:solidFill>
-          </a:ln>
-          <a:effectLst/>
-        </p:spPr>
-        <p:txBody>
-          <a:bodyPr tIns="91440" bIns="91440">
-            <a:noAutofit/>
-          </a:bodyPr>
-          <a:lstStyle/>
-          <a:p>
-            <a:pPr marL="0" indent="0">
-              <a:lnSpc>
-                <a:spcPct val="100000"/>
-              </a:lnSpc>
-              <a:buNone/>
-            </a:pPr>
-            <a:r>
-              <a:rPr lang="en-US" sz="1400" dirty="0" smtClean="0">
-                <a:solidFill>
-                  <a:srgbClr val="007F00"/>
-                </a:solidFill>
-              </a:rPr>
-              <a:t>(* </a:t>
-            </a:r>
-            <a:r>
-              <a:rPr lang="en-US" sz="1400" dirty="0">
-                <a:solidFill>
-                  <a:srgbClr val="007F00"/>
-                </a:solidFill>
-              </a:rPr>
-              <a:t>inversion </a:t>
-            </a:r>
-            <a:r>
-              <a:rPr lang="is-IS" sz="1400" dirty="0">
-                <a:solidFill>
-                  <a:srgbClr val="007F00"/>
-                </a:solidFill>
-              </a:rPr>
-              <a:t>… one action “undoes” the work of another </a:t>
-            </a:r>
-            <a:r>
-              <a:rPr lang="is-IS" sz="1400" dirty="0" smtClean="0">
-                <a:solidFill>
-                  <a:srgbClr val="007F00"/>
-                </a:solidFill>
-              </a:rPr>
-              <a:t>action *)</a:t>
-            </a:r>
-            <a:endParaRPr lang="en-US" sz="1400" dirty="0" smtClean="0"/>
-          </a:p>
-          <a:p>
-            <a:pPr marL="0" indent="0">
-              <a:lnSpc>
-                <a:spcPct val="100000"/>
-              </a:lnSpc>
-              <a:buNone/>
-            </a:pPr>
-            <a:r>
-              <a:rPr lang="en-US" sz="1400" dirty="0" smtClean="0">
-                <a:solidFill>
-                  <a:srgbClr val="0000FF"/>
-                </a:solidFill>
-              </a:rPr>
-              <a:t>let</a:t>
-            </a:r>
-            <a:r>
-              <a:rPr lang="en-US" sz="1400" dirty="0" smtClean="0"/>
-              <a:t> ``adding and subtracting are inverses`` (civil :</a:t>
-            </a:r>
-            <a:r>
-              <a:rPr lang="en-US" sz="1400" dirty="0" smtClean="0">
-                <a:solidFill>
-                  <a:srgbClr val="2B91AF"/>
-                </a:solidFill>
-              </a:rPr>
-              <a:t>date</a:t>
-            </a:r>
-            <a:r>
-              <a:rPr lang="en-US" sz="1400" dirty="0" smtClean="0"/>
-              <a:t>) (</a:t>
-            </a:r>
-            <a:r>
-              <a:rPr lang="en-US" sz="1400" dirty="0" err="1" smtClean="0">
-                <a:solidFill>
-                  <a:srgbClr val="2B91AF"/>
-                </a:solidFill>
-              </a:rPr>
-              <a:t>PositiveInt</a:t>
-            </a:r>
-            <a:r>
-              <a:rPr lang="en-US" sz="1400" dirty="0" smtClean="0">
-                <a:solidFill>
-                  <a:srgbClr val="2B91AF"/>
-                </a:solidFill>
-              </a:rPr>
-              <a:t> </a:t>
-            </a:r>
-            <a:r>
-              <a:rPr lang="en-US" sz="1400" dirty="0" smtClean="0"/>
-              <a:t>total) =</a:t>
-            </a:r>
-          </a:p>
-          <a:p>
-            <a:pPr marL="0" indent="0">
-              <a:lnSpc>
-                <a:spcPct val="100000"/>
-              </a:lnSpc>
-              <a:buNone/>
-            </a:pPr>
-            <a:r>
-              <a:rPr lang="en-US" sz="1400" dirty="0" smtClean="0"/>
-              <a:t>  </a:t>
-            </a:r>
-            <a:r>
-              <a:rPr lang="en-US" sz="1400" dirty="0" smtClean="0">
-                <a:solidFill>
-                  <a:srgbClr val="0000FF"/>
-                </a:solidFill>
-              </a:rPr>
-              <a:t>let</a:t>
-            </a:r>
-            <a:r>
-              <a:rPr lang="en-US" sz="1400" dirty="0" smtClean="0"/>
-              <a:t> days = </a:t>
-            </a:r>
-            <a:r>
-              <a:rPr lang="en-US" sz="1400" dirty="0" err="1" smtClean="0">
-                <a:solidFill>
-                  <a:srgbClr val="2B91AF"/>
-                </a:solidFill>
-              </a:rPr>
-              <a:t>time</a:t>
-            </a:r>
-            <a:r>
-              <a:rPr lang="en-US" sz="1400" dirty="0" err="1" smtClean="0"/>
-              <a:t>.FromDays</a:t>
-            </a:r>
-            <a:r>
-              <a:rPr lang="en-US" sz="1400" dirty="0" smtClean="0"/>
-              <a:t>(total)</a:t>
-            </a:r>
-          </a:p>
-          <a:p>
-            <a:pPr marL="0" indent="0">
-              <a:lnSpc>
-                <a:spcPct val="100000"/>
-              </a:lnSpc>
-              <a:buNone/>
-            </a:pPr>
-            <a:r>
-              <a:rPr lang="en-US" sz="1400" dirty="0"/>
-              <a:t> </a:t>
-            </a:r>
-            <a:r>
-              <a:rPr lang="en-US" sz="1400" dirty="0" smtClean="0"/>
-              <a:t> (civil + days) - days = civil</a:t>
-            </a:r>
-          </a:p>
-          <a:p>
-            <a:pPr marL="0" indent="0">
-              <a:lnSpc>
-                <a:spcPct val="100000"/>
-              </a:lnSpc>
-              <a:buNone/>
-            </a:pPr>
-            <a:endParaRPr lang="en-US" sz="1400" dirty="0"/>
-          </a:p>
-          <a:p>
-            <a:pPr marL="0" indent="0">
-              <a:lnSpc>
-                <a:spcPct val="100000"/>
-              </a:lnSpc>
-              <a:buNone/>
-            </a:pPr>
-            <a:r>
-              <a:rPr lang="en-US" sz="1400" dirty="0" smtClean="0">
-                <a:solidFill>
-                  <a:srgbClr val="007F00"/>
-                </a:solidFill>
-              </a:rPr>
-              <a:t>(* </a:t>
-            </a:r>
-            <a:r>
-              <a:rPr lang="en-US" sz="1400" dirty="0" err="1">
-                <a:solidFill>
-                  <a:srgbClr val="007F00"/>
-                </a:solidFill>
-              </a:rPr>
-              <a:t>idempotence</a:t>
-            </a:r>
-            <a:r>
-              <a:rPr lang="en-US" sz="1400" dirty="0">
-                <a:solidFill>
-                  <a:srgbClr val="007F00"/>
-                </a:solidFill>
-              </a:rPr>
-              <a:t> </a:t>
-            </a:r>
-            <a:r>
-              <a:rPr lang="is-IS" sz="1400" dirty="0">
-                <a:solidFill>
-                  <a:srgbClr val="007F00"/>
-                </a:solidFill>
-              </a:rPr>
-              <a:t>… an action has a singular effect </a:t>
-            </a:r>
-            <a:r>
-              <a:rPr lang="is-IS" sz="1400" dirty="0" smtClean="0">
-                <a:solidFill>
-                  <a:srgbClr val="007F00"/>
-                </a:solidFill>
-              </a:rPr>
-              <a:t>despite being invoked repeatedly *)</a:t>
-            </a:r>
-          </a:p>
-          <a:p>
-            <a:pPr marL="0" indent="0">
-              <a:lnSpc>
-                <a:spcPct val="100000"/>
-              </a:lnSpc>
-              <a:buNone/>
-            </a:pPr>
-            <a:r>
-              <a:rPr lang="en-US" sz="1400" dirty="0" smtClean="0">
-                <a:solidFill>
-                  <a:srgbClr val="0000FF"/>
-                </a:solidFill>
-              </a:rPr>
-              <a:t>let</a:t>
-            </a:r>
-            <a:r>
-              <a:rPr lang="en-US" sz="1400" dirty="0" smtClean="0"/>
-              <a:t> ``taking a time duration is idempotent`` (value :</a:t>
-            </a:r>
-            <a:r>
-              <a:rPr lang="en-US" sz="1400" dirty="0" smtClean="0">
-                <a:solidFill>
-                  <a:srgbClr val="2B91AF"/>
-                </a:solidFill>
-              </a:rPr>
-              <a:t>time</a:t>
-            </a:r>
-            <a:r>
-              <a:rPr lang="en-US" sz="1400" dirty="0" smtClean="0"/>
-              <a:t>) =</a:t>
-            </a:r>
-            <a:endParaRPr lang="en-US" sz="1400" dirty="0"/>
-          </a:p>
-          <a:p>
-            <a:pPr marL="0" indent="0">
-              <a:lnSpc>
-                <a:spcPct val="100000"/>
-              </a:lnSpc>
-              <a:buNone/>
-            </a:pPr>
-            <a:r>
-              <a:rPr lang="en-US" sz="1400" dirty="0" smtClean="0"/>
-              <a:t>  </a:t>
-            </a:r>
-            <a:r>
-              <a:rPr lang="en-US" sz="1400" dirty="0" smtClean="0">
-                <a:solidFill>
-                  <a:srgbClr val="0000FF"/>
-                </a:solidFill>
-              </a:rPr>
-              <a:t>let</a:t>
-            </a:r>
-            <a:r>
-              <a:rPr lang="en-US" sz="1400" dirty="0" smtClean="0"/>
-              <a:t> once = </a:t>
-            </a:r>
-            <a:r>
-              <a:rPr lang="en-US" sz="1400" dirty="0" err="1" smtClean="0"/>
-              <a:t>value.Duration</a:t>
-            </a:r>
-            <a:r>
-              <a:rPr lang="en-US" sz="1400" dirty="0" smtClean="0"/>
-              <a:t>()</a:t>
-            </a:r>
-          </a:p>
-          <a:p>
-            <a:pPr marL="0" indent="0">
-              <a:lnSpc>
-                <a:spcPct val="100000"/>
-              </a:lnSpc>
-              <a:buNone/>
-            </a:pPr>
-            <a:r>
-              <a:rPr lang="en-US" sz="1400" dirty="0" smtClean="0"/>
-              <a:t>  </a:t>
-            </a:r>
-            <a:r>
-              <a:rPr lang="en-US" sz="1400" dirty="0">
-                <a:solidFill>
-                  <a:srgbClr val="0000FF"/>
-                </a:solidFill>
-              </a:rPr>
-              <a:t>let</a:t>
-            </a:r>
-            <a:r>
-              <a:rPr lang="en-US" sz="1400" dirty="0"/>
-              <a:t> once = </a:t>
-            </a:r>
-            <a:r>
-              <a:rPr lang="en-US" sz="1400" dirty="0" err="1"/>
-              <a:t>value.Duration</a:t>
-            </a:r>
-            <a:r>
-              <a:rPr lang="en-US" sz="1400" dirty="0" smtClean="0"/>
-              <a:t>().Duration()</a:t>
-            </a:r>
-            <a:endParaRPr lang="en-US" sz="1400" dirty="0"/>
-          </a:p>
-          <a:p>
-            <a:pPr marL="0" indent="0">
-              <a:lnSpc>
-                <a:spcPct val="100000"/>
-              </a:lnSpc>
-              <a:buNone/>
-            </a:pPr>
-            <a:r>
-              <a:rPr lang="en-US" sz="1400" dirty="0" smtClean="0"/>
-              <a:t>  once = twice</a:t>
-            </a:r>
-            <a:endParaRPr lang="en-US" sz="1400" dirty="0"/>
-          </a:p>
-        </p:txBody>
-      </p:sp>
-      <p:sp>
-        <p:nvSpPr>
-          <p:cNvPr id="8" name="Slide Number Placeholder 7"/>
-          <p:cNvSpPr>
-            <a:spLocks noGrp="1"/>
-          </p:cNvSpPr>
-          <p:nvPr>
-            <p:ph type="sldNum" sz="quarter" idx="12"/>
-          </p:nvPr>
-        </p:nvSpPr>
-        <p:spPr/>
-        <p:txBody>
-          <a:bodyPr/>
-          <a:lstStyle/>
-          <a:p>
-            <a:fld id="{3245CBE3-AA2B-404B-ADB8-3AD937BF2B49}" type="slidenum">
-              <a:rPr lang="en-US" smtClean="0"/>
-              <a:t>4</a:t>
-            </a:fld>
-            <a:endParaRPr lang="en-US"/>
-          </a:p>
-        </p:txBody>
-      </p:sp>
-    </p:spTree>
-    <p:extLst>
-      <p:ext uri="{BB962C8B-B14F-4D97-AF65-F5344CB8AC3E}">
-        <p14:creationId xmlns:p14="http://schemas.microsoft.com/office/powerpoint/2010/main" val="380640552"/>
-      </p:ext>
-    </p:extLst>
-  </p:cSld>
-  <p:clrMapOvr>
-    <a:masterClrMapping/>
-  </p:clrMapOvr>
-  <mc:AlternateContent xmlns:mc="http://schemas.openxmlformats.org/markup-compatibility/2006" xmlns:p14="http://schemas.microsoft.com/office/powerpoint/2010/main">
-    <mc:Choice Requires="p14">
-      <p:transition spd="med" p14:dur="700">
-        <p:fade/>
-      </p:transition>
-    </mc:Choice>
-    <mc:Fallback xmlns="">
-      <p:transition spd="med">
-        <p:fade/>
-      </p:transition>
-    </mc:Fallback>
-  </mc:AlternateContent>
-  <p:timing>
-    <p:tnLst>
-      <p:par>
-        <p:cTn id="1" dur="indefinite" restart="never" nodeType="tmRoot"/>
-      </p:par>
-    </p:tnLst>
-  </p:timing>
-</p:sld>
-</file>
-
 <file path=ppt/slides/slide5.xml><?xml version="1.0" encoding="utf-8"?>
 <p:sld xmlns:a="http://schemas.openxmlformats.org/drawingml/2006/main" xmlns:r="http://schemas.openxmlformats.org/officeDocument/2006/relationships" xmlns:p="http://schemas.openxmlformats.org/presentationml/2006/main">
   <p:cSld>
@@ -25322,14 +25821,24 @@
               <a:t>PATTERNS: </a:t>
             </a:r>
             <a:r>
-              <a:rPr lang="en-US" sz="2800" b="1" i="1" dirty="0" smtClean="0">
+              <a:rPr lang="en-US" sz="2800" b="1" i="1" dirty="0">
                 <a:solidFill>
                   <a:schemeClr val="accent1">
                     <a:lumMod val="50000"/>
                   </a:schemeClr>
                 </a:solidFill>
               </a:rPr>
-              <a:t>Interchange &amp; Invariance</a:t>
+              <a:t>Inversion &amp; </a:t>
+            </a:r>
+            <a:r>
+              <a:rPr lang="en-US" sz="2800" b="1" i="1" dirty="0" err="1">
+                <a:solidFill>
+                  <a:schemeClr val="accent1">
+                    <a:lumMod val="50000"/>
+                  </a:schemeClr>
+                </a:solidFill>
+              </a:rPr>
+              <a:t>Idempotence</a:t>
             </a:r>
             <a:endParaRPr lang="en-US" sz="2800" b="1" i="1" dirty="0">
               <a:solidFill>
@@ -25385,7 +25894,15 @@
                   <a:srgbClr val="007F00"/>
                 </a:solidFill>
               </a:rPr>
-              <a:t>(* interchange </a:t>
+              <a:t>(* </a:t>
+            </a:r>
+            <a:r>
+              <a:rPr lang="en-US" sz="1400" dirty="0">
+                <a:solidFill>
+                  <a:srgbClr val="007F00"/>
+                </a:solidFill>
+              </a:rPr>
+              <a:t>inversion </a:t>
             </a:r>
             <a:r>
               <a:rPr lang="is-IS" sz="1400" dirty="0">
@@ -25393,7 +25910,7 @@
                   <a:srgbClr val="007F00"/>
                 </a:solidFill>
               </a:rPr>
-              <a:t>… the order of two or more actions does not alter the </a:t>
+              <a:t>… one action “undoes” the work of another </a:t>
             </a:r>
             <a:r>
               <a:rPr lang="is-IS" sz="1400" dirty="0" smtClean="0">
@@ -25401,7 +25918,7 @@
                   <a:srgbClr val="007F00"/>
                 </a:solidFill>
               </a:rPr>
-              <a:t>outcome *)</a:t>
+              <a:t>action *)</a:t>
             </a:r>
             <a:endParaRPr lang="en-US" sz="1400" dirty="0" smtClean="0"/>
           </a:p>
@@ -25422,14 +25939,10 @@
             </a:r>
             <a:r>
               <a:rPr lang="en-US" sz="1400" dirty="0" smtClean="0"/>
-              <a:t> ``adding &amp; changing zone can be </a:t>
-            </a:r>
-            <a:r>
-              <a:rPr lang="en-US" sz="1400" dirty="0"/>
-              <a:t>reordered`` (civil :</a:t>
-            </a:r>
-            <a:r>
-              <a:rPr lang="en-US" sz="1400" dirty="0">
+              <a:t> ``adding and subtracting are inverses`` (civil :</a:t>
+            </a:r>
+            <a:r>
+              <a:rPr lang="en-US" sz="1400" dirty="0" smtClean="0">
                 <a:solidFill>
                   <a:srgbClr val="2B91AF"/>
                 </a:solidFill>
@@ -25437,11 +25950,11 @@
               <a:t>date</a:t>
             </a:r>
             <a:r>
-              <a:rPr lang="en-US" sz="1400" dirty="0"/>
+              <a:rPr lang="en-US" sz="1400" dirty="0" smtClean="0"/>
               <a:t>) (</a:t>
             </a:r>
             <a:r>
-              <a:rPr lang="en-US" sz="1400" dirty="0" err="1">
+              <a:rPr lang="en-US" sz="1400" dirty="0" err="1" smtClean="0">
                 <a:solidFill>
                   <a:srgbClr val="2B91AF"/>
                 </a:solidFill>
@@ -25449,7 +25962,7 @@
               <a:t>PositiveInt</a:t>
             </a:r>
             <a:r>
-              <a:rPr lang="en-US" sz="1400" dirty="0">
+              <a:rPr lang="en-US" sz="1400" dirty="0" smtClean="0">
                 <a:solidFill>
                   <a:srgbClr val="2B91AF"/>
                 </a:solidFill>
@@ -25457,7 +25970,7 @@
               <a:t> </a:t>
             </a:r>
             <a:r>
-              <a:rPr lang="en-US" sz="1400" dirty="0"/>
+              <a:rPr lang="en-US" sz="1400" dirty="0" smtClean="0"/>
               <a:t>total) =</a:t>
             </a:r>
           </a:p>
@@ -25514,158 +26027,8 @@
             </a:r>
             <a:r>
               <a:rPr lang="en-US" sz="1400" dirty="0" smtClean="0"/>
-              <a:t> </a:t>
-            </a:r>
-            <a:r>
-              <a:rPr lang="en-US" sz="1400" dirty="0" smtClean="0">
-                <a:solidFill>
-                  <a:srgbClr val="0000FF"/>
-                </a:solidFill>
-              </a:rPr>
-              <a:t>let</a:t>
-            </a:r>
-            <a:r>
-              <a:rPr lang="en-US" sz="1400" dirty="0" smtClean="0"/>
-              <a:t> </a:t>
-            </a:r>
-            <a:r>
-              <a:rPr lang="en-US" sz="1400" dirty="0" err="1" smtClean="0"/>
-              <a:t>addThenShift</a:t>
-            </a:r>
-            <a:r>
-              <a:rPr lang="en-US" sz="1400" dirty="0" smtClean="0"/>
-              <a:t> = </a:t>
-            </a:r>
-            <a:r>
-              <a:rPr lang="en-US" sz="1400" dirty="0" err="1" smtClean="0">
-                <a:solidFill>
-                  <a:srgbClr val="2B91AF"/>
-                </a:solidFill>
-              </a:rPr>
-              <a:t>zone</a:t>
-            </a:r>
-            <a:r>
-              <a:rPr lang="en-US" sz="1400" dirty="0" err="1" smtClean="0"/>
-              <a:t>.ConvertTimeBySystemTimeZoneId</a:t>
-            </a:r>
-            <a:r>
-              <a:rPr lang="en-US" sz="1400" dirty="0" smtClean="0"/>
-              <a:t>(civil + days</a:t>
-            </a:r>
-            <a:r>
-              <a:rPr lang="en-US" sz="1400" dirty="0"/>
-              <a:t>, </a:t>
-            </a:r>
-            <a:r>
-              <a:rPr lang="en-US" sz="1400" dirty="0">
-                <a:solidFill>
-                  <a:srgbClr val="7F0000"/>
-                </a:solidFill>
-              </a:rPr>
-              <a:t>“Pacific Standard Time”</a:t>
-            </a:r>
-            <a:r>
-              <a:rPr lang="en-US" sz="1400" dirty="0"/>
-              <a:t>)</a:t>
-            </a:r>
-            <a:endParaRPr lang="en-US" sz="1400" dirty="0" smtClean="0"/>
-          </a:p>
-          <a:p>
-            <a:pPr marL="0" indent="0">
-              <a:lnSpc>
-                <a:spcPct val="100000"/>
-              </a:lnSpc>
-              <a:buNone/>
-            </a:pPr>
-            <a:r>
-              <a:rPr lang="en-US" sz="1400" dirty="0"/>
-              <a:t> </a:t>
-            </a:r>
-            <a:r>
-              <a:rPr lang="en-US" sz="1400" dirty="0" smtClean="0"/>
-              <a:t> </a:t>
-            </a:r>
-            <a:r>
-              <a:rPr lang="en-US" sz="1400" dirty="0" smtClean="0">
-                <a:solidFill>
-                  <a:srgbClr val="0000FF"/>
-                </a:solidFill>
-              </a:rPr>
-              <a:t>let</a:t>
-            </a:r>
-            <a:r>
-              <a:rPr lang="en-US" sz="1400" dirty="0" smtClean="0"/>
-              <a:t> </a:t>
-            </a:r>
-            <a:r>
-              <a:rPr lang="en-US" sz="1400" dirty="0" err="1" smtClean="0"/>
-              <a:t>shiftThenAdd</a:t>
-            </a:r>
-            <a:r>
-              <a:rPr lang="en-US" sz="1400" dirty="0" smtClean="0"/>
-              <a:t> </a:t>
-            </a:r>
-            <a:r>
-              <a:rPr lang="en-US" sz="1400" dirty="0"/>
-              <a:t>= </a:t>
-            </a:r>
-            <a:r>
-              <a:rPr lang="en-US" sz="1400" dirty="0" err="1" smtClean="0">
-                <a:solidFill>
-                  <a:srgbClr val="2B91AF"/>
-                </a:solidFill>
-              </a:rPr>
-              <a:t>zone</a:t>
-            </a:r>
-            <a:r>
-              <a:rPr lang="en-US" sz="1400" dirty="0" err="1" smtClean="0"/>
-              <a:t>.ConvertTimeBySystemTimeZoneId</a:t>
-            </a:r>
-            <a:r>
-              <a:rPr lang="en-US" sz="1400" dirty="0" smtClean="0"/>
-              <a:t>(civil, </a:t>
-            </a:r>
-            <a:r>
-              <a:rPr lang="en-US" sz="1400" dirty="0">
-                <a:solidFill>
-                  <a:srgbClr val="7F0000"/>
-                </a:solidFill>
-              </a:rPr>
-              <a:t>“Pacific Standard Time”</a:t>
-            </a:r>
-            <a:r>
-              <a:rPr lang="en-US" sz="1400" dirty="0" smtClean="0"/>
-              <a:t>) + days</a:t>
-            </a:r>
-          </a:p>
-          <a:p>
-            <a:pPr marL="0" indent="0">
-              <a:lnSpc>
-                <a:spcPct val="100000"/>
-              </a:lnSpc>
-              <a:buNone/>
-            </a:pPr>
-            <a:r>
-              <a:rPr lang="en-US" sz="1400" dirty="0"/>
-              <a:t> </a:t>
-            </a:r>
-            <a:r>
-              <a:rPr lang="en-US" sz="1400" dirty="0" smtClean="0"/>
-              <a:t> </a:t>
-            </a:r>
-            <a:r>
-              <a:rPr lang="en-US" sz="1400" dirty="0" err="1" smtClean="0"/>
-              <a:t>addThenShift</a:t>
-            </a:r>
-            <a:r>
-              <a:rPr lang="en-US" sz="1400" dirty="0" smtClean="0"/>
-              <a:t> = </a:t>
-            </a:r>
-            <a:r>
-              <a:rPr lang="en-US" sz="1400" dirty="0" err="1" smtClean="0"/>
-              <a:t>shiftThenAdd</a:t>
-            </a:r>
-            <a:endParaRPr lang="en-US" sz="1400" dirty="0" smtClean="0"/>
+              <a:t> (civil + days) - days = civil</a:t>
+            </a:r>
           </a:p>
           <a:p>
             <a:pPr marL="0" indent="0">
@@ -25689,7 +26052,23 @@
                   <a:srgbClr val="007F00"/>
                 </a:solidFill>
               </a:rPr>
-              <a:t>(* invariance </a:t>
+              <a:t>(* </a:t>
+            </a:r>
+            <a:r>
+              <a:rPr lang="en-US" sz="1400" dirty="0" err="1">
+                <a:solidFill>
+                  <a:srgbClr val="007F00"/>
+                </a:solidFill>
+              </a:rPr>
+              <a:t>idempotence</a:t>
+            </a:r>
+            <a:r>
+              <a:rPr lang="en-US" sz="1400" dirty="0">
+                <a:solidFill>
+                  <a:srgbClr val="007F00"/>
+                </a:solidFill>
+              </a:rPr>
+              <a:t> </a:t>
             </a:r>
             <a:r>
               <a:rPr lang="is-IS" sz="1400" dirty="0">
@@ -25697,7 +26076,7 @@
                   <a:srgbClr val="007F00"/>
                 </a:solidFill>
               </a:rPr>
-              <a:t>… someting remains constant, despite actions being </a:t>
+              <a:t>… an action has a singular effect </a:t>
             </a:r>
             <a:r>
               <a:rPr lang="is-IS" sz="1400" dirty="0" smtClean="0">
@@ -25705,9 +26084,8 @@
                   <a:srgbClr val="007F00"/>
                 </a:solidFill>
               </a:rPr>
-              <a:t>taken *)</a:t>
-            </a:r>
-            <a:endParaRPr lang="en-US" sz="1400" dirty="0"/>
+              <a:t>despite being invoked repeatedly *)</a:t>
+            </a:r>
           </a:p>
           <a:p>
             <a:pPr marL="0" indent="0">
@@ -25717,7 +26095,7 @@
               <a:buNone/>
             </a:pPr>
             <a:r>
-              <a:rPr lang="en-US" sz="1400" dirty="0">
+              <a:rPr lang="en-US" sz="1400" dirty="0" smtClean="0">
                 <a:solidFill>
                   <a:srgbClr val="0000FF"/>
                 </a:solidFill>
@@ -25725,53 +26103,22 @@
               <a:t>let</a:t>
             </a:r>
             <a:r>
-              <a:rPr lang="en-US" sz="1400" dirty="0"/>
-              <a:t> ``adding </a:t>
-            </a:r>
-            <a:r>
               <a:rPr lang="en-US" sz="1400" dirty="0" smtClean="0"/>
-              <a:t>does not change date offset`` </a:t>
-            </a:r>
-            <a:r>
-              <a:rPr lang="en-US" sz="1400" dirty="0"/>
-              <a:t>(civil :</a:t>
-            </a:r>
-            <a:r>
-              <a:rPr lang="en-US" sz="1400" dirty="0">
+              <a:t> ``taking a time duration is idempotent`` (value :</a:t>
+            </a:r>
+            <a:r>
+              <a:rPr lang="en-US" sz="1400" dirty="0" smtClean="0">
                 <a:solidFill>
                   <a:srgbClr val="2B91AF"/>
                 </a:solidFill>
               </a:rPr>
-              <a:t>date</a:t>
-            </a:r>
-            <a:r>
-              <a:rPr lang="en-US" sz="1400" dirty="0"/>
-              <a:t>) (</a:t>
-            </a:r>
-            <a:r>
-              <a:rPr lang="en-US" sz="1400" dirty="0" err="1">
-                <a:solidFill>
-                  <a:srgbClr val="2B91AF"/>
-                </a:solidFill>
-              </a:rPr>
-              <a:t>PositiveInt</a:t>
-            </a:r>
-            <a:r>
-              <a:rPr lang="en-US" sz="1400" dirty="0">
-                <a:solidFill>
-                  <a:srgbClr val="2B91AF"/>
-                </a:solidFill>
-              </a:rPr>
-              <a:t> </a:t>
+              <a:t>time</a:t>
             </a:r>
             <a:r>
               <a:rPr lang="en-US" sz="1400" dirty="0" smtClean="0"/>
-              <a:t>months) </a:t>
-            </a:r>
-            <a:r>
-              <a:rPr lang="en-US" sz="1400" dirty="0"/>
-              <a:t>=</a:t>
-            </a:r>
+              <a:t>) =</a:t>
+            </a:r>
+            <a:endParaRPr lang="en-US" sz="1400" dirty="0"/>
           </a:p>
           <a:p>
             <a:pPr marL="0" indent="0">
@@ -25781,11 +26128,11 @@
               <a:buNone/>
             </a:pPr>
             <a:r>
-              <a:rPr lang="en-US" sz="1400" dirty="0"/>
+              <a:rPr lang="en-US" sz="1400" dirty="0" smtClean="0"/>
               <a:t>  </a:t>
             </a:r>
             <a:r>
-              <a:rPr lang="en-US" sz="1400" dirty="0">
+              <a:rPr lang="en-US" sz="1400" dirty="0" smtClean="0">
                 <a:solidFill>
                   <a:srgbClr val="0000FF"/>
                 </a:solidFill>
@@ -25793,18 +26140,17 @@
               <a:t>let</a:t>
             </a:r>
             <a:r>
-              <a:rPr lang="en-US" sz="1400" dirty="0"/>
-              <a:t> </a:t>
-            </a:r>
-            <a:r>
               <a:rPr lang="en-US" sz="1400" dirty="0" smtClean="0"/>
-              <a:t>offset = </a:t>
+              <a:t> once = </a:t>
             </a:r>
             <a:r>
               <a:rPr lang="en-US" sz="1400" dirty="0" err="1" smtClean="0"/>
-              <a:t>civil.Offset</a:t>
-            </a:r>
-            <a:endParaRPr lang="en-US" sz="1400" dirty="0"/>
+              <a:t>value.Duration</a:t>
+            </a:r>
+            <a:r>
+              <a:rPr lang="en-US" sz="1400" dirty="0" smtClean="0"/>
+              <a:t>()</a:t>
+            </a:r>
           </a:p>
           <a:p>
             <a:pPr marL="0" indent="0">
@@ -25814,20 +26160,41 @@
               <a:buNone/>
             </a:pPr>
             <a:r>
+              <a:rPr lang="en-US" sz="1400" dirty="0" smtClean="0"/>
+              <a:t>  </a:t>
+            </a:r>
+            <a:r>
+              <a:rPr lang="en-US" sz="1400" dirty="0">
+                <a:solidFill>
+                  <a:srgbClr val="0000FF"/>
+                </a:solidFill>
+              </a:rPr>
+              <a:t>let</a:t>
+            </a:r>
+            <a:r>
               <a:rPr lang="en-US" sz="1400" dirty="0"/>
-              <a:t>  </a:t>
-            </a:r>
-            <a:r>
-              <a:rPr lang="en-US" sz="1400" dirty="0" err="1" smtClean="0"/>
-              <a:t>civil.AddMonths</a:t>
-            </a:r>
-            <a:r>
-              <a:rPr lang="en-US" sz="1400" dirty="0"/>
-              <a:t>(</a:t>
+              <a:t> once = </a:t>
+            </a:r>
+            <a:r>
+              <a:rPr lang="en-US" sz="1400" dirty="0" err="1"/>
+              <a:t>value.Duration</a:t>
             </a:r>
             <a:r>
               <a:rPr lang="en-US" sz="1400" dirty="0" smtClean="0"/>
-              <a:t>months) = offset</a:t>
+              <a:t>().Duration()</a:t>
+            </a:r>
+            <a:endParaRPr lang="en-US" sz="1400" dirty="0"/>
+          </a:p>
+          <a:p>
+            <a:pPr marL="0" indent="0">
+              <a:lnSpc>
+                <a:spcPct val="100000"/>
+              </a:lnSpc>
+              <a:buNone/>
+            </a:pPr>
+            <a:r>
+              <a:rPr lang="en-US" sz="1400" dirty="0" smtClean="0"/>
+              <a:t>  once = twice</a:t>
             </a:r>
             <a:endParaRPr lang="en-US" sz="1400" dirty="0"/>
           </a:p>
@@ -25835,7 +26202,7 @@
       </p:sp>
       <p:sp>
         <p:nvSpPr>
-          <p:cNvPr id="4" name="Slide Number Placeholder 3"/>
+          <p:cNvPr id="8" name="Slide Number Placeholder 7"/>
           <p:cNvSpPr>
             <a:spLocks noGrp="1"/>
           </p:cNvSpPr>
@@ -25859,7 +26226,7 @@
     </p:spTree>
     <p:extLst>
       <p:ext uri="{BB962C8B-B14F-4D97-AF65-F5344CB8AC3E}">
-        <p14:creationId xmlns:p14="http://schemas.microsoft.com/office/powerpoint/2010/main" val="1551055316"/>
+        <p14:creationId xmlns:p14="http://schemas.microsoft.com/office/powerpoint/2010/main" val="380640552"/>
       </p:ext>
     </p:extLst>
   </p:cSld>
@@ -25922,6 +26289,618 @@
           </a:xfrm>
         </p:spPr>
         <p:txBody>
+          <a:bodyPr/>
+          <a:lstStyle/>
+          <a:p>
+            <a:r>
+              <a:rPr lang="en-US" sz="2800" b="1" dirty="0">
+                <a:solidFill>
+                  <a:schemeClr val="tx2"/>
+                </a:solidFill>
+              </a:rPr>
+              <a:t>PATTERNS: </a:t>
+            </a:r>
+            <a:r>
+              <a:rPr lang="en-US" sz="2800" b="1" i="1" dirty="0" smtClean="0">
+                <a:solidFill>
+                  <a:schemeClr val="accent1">
+                    <a:lumMod val="50000"/>
+                  </a:schemeClr>
+                </a:solidFill>
+              </a:rPr>
+              <a:t>Interchange &amp; Invariance</a:t>
+            </a:r>
+            <a:endParaRPr lang="en-US" sz="2800" b="1" i="1" dirty="0">
+              <a:solidFill>
+                <a:schemeClr val="tx2"/>
+              </a:solidFill>
+            </a:endParaRPr>
+          </a:p>
+        </p:txBody>
+      </p:sp>
+      <p:sp>
+        <p:nvSpPr>
+          <p:cNvPr id="3" name="Content Placeholder 2"/>
+          <p:cNvSpPr>
+            <a:spLocks noGrp="1"/>
+          </p:cNvSpPr>
+          <p:nvPr>
+            <p:ph sz="half" idx="1"/>
+          </p:nvPr>
+        </p:nvSpPr>
+        <p:spPr>
+          <a:xfrm>
+            <a:off x="830239" y="1405390"/>
+            <a:ext cx="10523560" cy="4713705"/>
+          </a:xfrm>
+          <a:solidFill>
+            <a:schemeClr val="bg1"/>
+          </a:solidFill>
+          <a:ln>
+            <a:solidFill>
+              <a:schemeClr val="accent6">
+                <a:lumMod val="60000"/>
+                <a:lumOff val="40000"/>
+              </a:schemeClr>
+            </a:solidFill>
+          </a:ln>
+          <a:effectLst/>
+        </p:spPr>
+        <p:txBody>
+          <a:bodyPr tIns="91440" bIns="91440">
+            <a:noAutofit/>
+          </a:bodyPr>
+          <a:lstStyle/>
+          <a:p>
+            <a:pPr marL="0" indent="0">
+              <a:lnSpc>
+                <a:spcPct val="100000"/>
+              </a:lnSpc>
+              <a:buNone/>
+            </a:pPr>
+            <a:r>
+              <a:rPr lang="en-US" sz="1400" dirty="0" smtClean="0">
+                <a:solidFill>
+                  <a:srgbClr val="007F00"/>
+                </a:solidFill>
+              </a:rPr>
+              <a:t>(* interchange </a:t>
+            </a:r>
+            <a:r>
+              <a:rPr lang="is-IS" sz="1400" dirty="0">
+                <a:solidFill>
+                  <a:srgbClr val="007F00"/>
+                </a:solidFill>
+              </a:rPr>
+              <a:t>… the order of two or more actions does not alter the </a:t>
+            </a:r>
+            <a:r>
+              <a:rPr lang="is-IS" sz="1400" dirty="0" smtClean="0">
+                <a:solidFill>
+                  <a:srgbClr val="007F00"/>
+                </a:solidFill>
+              </a:rPr>
+              <a:t>outcome *)</a:t>
+            </a:r>
+            <a:endParaRPr lang="en-US" sz="1400" dirty="0" smtClean="0"/>
+          </a:p>
+          <a:p>
+            <a:pPr marL="0" indent="0">
+              <a:lnSpc>
+                <a:spcPct val="100000"/>
+              </a:lnSpc>
+              <a:buNone/>
+            </a:pPr>
+            <a:r>
+              <a:rPr lang="en-US" sz="1400" dirty="0" smtClean="0">
+                <a:solidFill>
+                  <a:srgbClr val="0000FF"/>
+                </a:solidFill>
+              </a:rPr>
+              <a:t>let</a:t>
+            </a:r>
+            <a:r>
+              <a:rPr lang="en-US" sz="1400" dirty="0" smtClean="0"/>
+              <a:t> ``adding &amp; changing zone can be </a:t>
+            </a:r>
+            <a:r>
+              <a:rPr lang="en-US" sz="1400" dirty="0"/>
+              <a:t>reordered`` (civil :</a:t>
+            </a:r>
+            <a:r>
+              <a:rPr lang="en-US" sz="1400" dirty="0">
+                <a:solidFill>
+                  <a:srgbClr val="2B91AF"/>
+                </a:solidFill>
+              </a:rPr>
+              <a:t>date</a:t>
+            </a:r>
+            <a:r>
+              <a:rPr lang="en-US" sz="1400" dirty="0"/>
+              <a:t>) (</a:t>
+            </a:r>
+            <a:r>
+              <a:rPr lang="en-US" sz="1400" dirty="0" err="1">
+                <a:solidFill>
+                  <a:srgbClr val="2B91AF"/>
+                </a:solidFill>
+              </a:rPr>
+              <a:t>PositiveInt</a:t>
+            </a:r>
+            <a:r>
+              <a:rPr lang="en-US" sz="1400" dirty="0">
+                <a:solidFill>
+                  <a:srgbClr val="2B91AF"/>
+                </a:solidFill>
+              </a:rPr>
+              <a:t> </a:t>
+            </a:r>
+            <a:r>
+              <a:rPr lang="en-US" sz="1400" dirty="0"/>
+              <a:t>total) =</a:t>
+            </a:r>
+          </a:p>
+          <a:p>
+            <a:pPr marL="0" indent="0">
+              <a:lnSpc>
+                <a:spcPct val="100000"/>
+              </a:lnSpc>
+              <a:buNone/>
+            </a:pPr>
+            <a:r>
+              <a:rPr lang="en-US" sz="1400" dirty="0" smtClean="0"/>
+              <a:t>  </a:t>
+            </a:r>
+            <a:r>
+              <a:rPr lang="en-US" sz="1400" dirty="0" smtClean="0">
+                <a:solidFill>
+                  <a:srgbClr val="0000FF"/>
+                </a:solidFill>
+              </a:rPr>
+              <a:t>let</a:t>
+            </a:r>
+            <a:r>
+              <a:rPr lang="en-US" sz="1400" dirty="0" smtClean="0"/>
+              <a:t> days = </a:t>
+            </a:r>
+            <a:r>
+              <a:rPr lang="en-US" sz="1400" dirty="0" err="1" smtClean="0">
+                <a:solidFill>
+                  <a:srgbClr val="2B91AF"/>
+                </a:solidFill>
+              </a:rPr>
+              <a:t>time</a:t>
+            </a:r>
+            <a:r>
+              <a:rPr lang="en-US" sz="1400" dirty="0" err="1" smtClean="0"/>
+              <a:t>.FromDays</a:t>
+            </a:r>
+            <a:r>
+              <a:rPr lang="en-US" sz="1400" dirty="0" smtClean="0"/>
+              <a:t>(total)</a:t>
+            </a:r>
+          </a:p>
+          <a:p>
+            <a:pPr marL="0" indent="0">
+              <a:lnSpc>
+                <a:spcPct val="100000"/>
+              </a:lnSpc>
+              <a:buNone/>
+            </a:pPr>
+            <a:r>
+              <a:rPr lang="en-US" sz="1400" dirty="0"/>
+              <a:t> </a:t>
+            </a:r>
+            <a:r>
+              <a:rPr lang="en-US" sz="1400" dirty="0" smtClean="0"/>
+              <a:t> </a:t>
+            </a:r>
+            <a:r>
+              <a:rPr lang="en-US" sz="1400" dirty="0" smtClean="0">
+                <a:solidFill>
+                  <a:srgbClr val="0000FF"/>
+                </a:solidFill>
+              </a:rPr>
+              <a:t>let</a:t>
+            </a:r>
+            <a:r>
+              <a:rPr lang="en-US" sz="1400" dirty="0" smtClean="0"/>
+              <a:t> </a:t>
+            </a:r>
+            <a:r>
+              <a:rPr lang="en-US" sz="1400" dirty="0" err="1" smtClean="0"/>
+              <a:t>addThenShift</a:t>
+            </a:r>
+            <a:r>
+              <a:rPr lang="en-US" sz="1400" dirty="0" smtClean="0"/>
+              <a:t> = </a:t>
+            </a:r>
+            <a:r>
+              <a:rPr lang="en-US" sz="1400" dirty="0" err="1" smtClean="0">
+                <a:solidFill>
+                  <a:srgbClr val="2B91AF"/>
+                </a:solidFill>
+              </a:rPr>
+              <a:t>zone</a:t>
+            </a:r>
+            <a:r>
+              <a:rPr lang="en-US" sz="1400" dirty="0" err="1" smtClean="0"/>
+              <a:t>.ConvertTimeBySystemTimeZoneId</a:t>
+            </a:r>
+            <a:r>
+              <a:rPr lang="en-US" sz="1400" dirty="0" smtClean="0"/>
+              <a:t>(civil + days</a:t>
+            </a:r>
+            <a:r>
+              <a:rPr lang="en-US" sz="1400" dirty="0"/>
+              <a:t>, </a:t>
+            </a:r>
+            <a:r>
+              <a:rPr lang="en-US" sz="1400" dirty="0">
+                <a:solidFill>
+                  <a:srgbClr val="7F0000"/>
+                </a:solidFill>
+              </a:rPr>
+              <a:t>“Pacific Standard Time”</a:t>
+            </a:r>
+            <a:r>
+              <a:rPr lang="en-US" sz="1400" dirty="0"/>
+              <a:t>)</a:t>
+            </a:r>
+            <a:endParaRPr lang="en-US" sz="1400" dirty="0" smtClean="0"/>
+          </a:p>
+          <a:p>
+            <a:pPr marL="0" indent="0">
+              <a:lnSpc>
+                <a:spcPct val="100000"/>
+              </a:lnSpc>
+              <a:buNone/>
+            </a:pPr>
+            <a:r>
+              <a:rPr lang="en-US" sz="1400" dirty="0"/>
+              <a:t> </a:t>
+            </a:r>
+            <a:r>
+              <a:rPr lang="en-US" sz="1400" dirty="0" smtClean="0"/>
+              <a:t> </a:t>
+            </a:r>
+            <a:r>
+              <a:rPr lang="en-US" sz="1400" dirty="0" smtClean="0">
+                <a:solidFill>
+                  <a:srgbClr val="0000FF"/>
+                </a:solidFill>
+              </a:rPr>
+              <a:t>let</a:t>
+            </a:r>
+            <a:r>
+              <a:rPr lang="en-US" sz="1400" dirty="0" smtClean="0"/>
+              <a:t> </a:t>
+            </a:r>
+            <a:r>
+              <a:rPr lang="en-US" sz="1400" dirty="0" err="1" smtClean="0"/>
+              <a:t>shiftThenAdd</a:t>
+            </a:r>
+            <a:r>
+              <a:rPr lang="en-US" sz="1400" dirty="0" smtClean="0"/>
+              <a:t> </a:t>
+            </a:r>
+            <a:r>
+              <a:rPr lang="en-US" sz="1400" dirty="0"/>
+              <a:t>= </a:t>
+            </a:r>
+            <a:r>
+              <a:rPr lang="en-US" sz="1400" dirty="0" err="1" smtClean="0">
+                <a:solidFill>
+                  <a:srgbClr val="2B91AF"/>
+                </a:solidFill>
+              </a:rPr>
+              <a:t>zone</a:t>
+            </a:r>
+            <a:r>
+              <a:rPr lang="en-US" sz="1400" dirty="0" err="1" smtClean="0"/>
+              <a:t>.ConvertTimeBySystemTimeZoneId</a:t>
+            </a:r>
+            <a:r>
+              <a:rPr lang="en-US" sz="1400" dirty="0" smtClean="0"/>
+              <a:t>(civil, </a:t>
+            </a:r>
+            <a:r>
+              <a:rPr lang="en-US" sz="1400" dirty="0">
+                <a:solidFill>
+                  <a:srgbClr val="7F0000"/>
+                </a:solidFill>
+              </a:rPr>
+              <a:t>“Pacific Standard Time”</a:t>
+            </a:r>
+            <a:r>
+              <a:rPr lang="en-US" sz="1400" dirty="0" smtClean="0"/>
+              <a:t>) + days</a:t>
+            </a:r>
+          </a:p>
+          <a:p>
+            <a:pPr marL="0" indent="0">
+              <a:lnSpc>
+                <a:spcPct val="100000"/>
+              </a:lnSpc>
+              <a:buNone/>
+            </a:pPr>
+            <a:r>
+              <a:rPr lang="en-US" sz="1400" dirty="0"/>
+              <a:t> </a:t>
+            </a:r>
+            <a:r>
+              <a:rPr lang="en-US" sz="1400" dirty="0" smtClean="0"/>
+              <a:t> </a:t>
+            </a:r>
+            <a:r>
+              <a:rPr lang="en-US" sz="1400" dirty="0" err="1" smtClean="0"/>
+              <a:t>addThenShift</a:t>
+            </a:r>
+            <a:r>
+              <a:rPr lang="en-US" sz="1400" dirty="0" smtClean="0"/>
+              <a:t> = </a:t>
+            </a:r>
+            <a:r>
+              <a:rPr lang="en-US" sz="1400" dirty="0" err="1" smtClean="0"/>
+              <a:t>shiftThenAdd</a:t>
+            </a:r>
+            <a:endParaRPr lang="en-US" sz="1400" dirty="0" smtClean="0"/>
+          </a:p>
+          <a:p>
+            <a:pPr marL="0" indent="0">
+              <a:lnSpc>
+                <a:spcPct val="100000"/>
+              </a:lnSpc>
+              <a:buNone/>
+            </a:pPr>
+            <a:endParaRPr lang="en-US" sz="1400" dirty="0"/>
+          </a:p>
+          <a:p>
+            <a:pPr marL="0" indent="0">
+              <a:lnSpc>
+                <a:spcPct val="100000"/>
+              </a:lnSpc>
+              <a:buNone/>
+            </a:pPr>
+            <a:r>
+              <a:rPr lang="en-US" sz="1400" dirty="0" smtClean="0">
+                <a:solidFill>
+                  <a:srgbClr val="007F00"/>
+                </a:solidFill>
+              </a:rPr>
+              <a:t>(* invariance </a:t>
+            </a:r>
+            <a:r>
+              <a:rPr lang="is-IS" sz="1400" dirty="0">
+                <a:solidFill>
+                  <a:srgbClr val="007F00"/>
+                </a:solidFill>
+              </a:rPr>
+              <a:t>… someting remains constant, despite actions being </a:t>
+            </a:r>
+            <a:r>
+              <a:rPr lang="is-IS" sz="1400" dirty="0" smtClean="0">
+                <a:solidFill>
+                  <a:srgbClr val="007F00"/>
+                </a:solidFill>
+              </a:rPr>
+              <a:t>taken *)</a:t>
+            </a:r>
+            <a:endParaRPr lang="en-US" sz="1400" dirty="0"/>
+          </a:p>
+          <a:p>
+            <a:pPr marL="0" indent="0">
+              <a:lnSpc>
+                <a:spcPct val="100000"/>
+              </a:lnSpc>
+              <a:buNone/>
+            </a:pPr>
+            <a:r>
+              <a:rPr lang="en-US" sz="1400" dirty="0">
+                <a:solidFill>
+                  <a:srgbClr val="0000FF"/>
+                </a:solidFill>
+              </a:rPr>
+              <a:t>let</a:t>
+            </a:r>
+            <a:r>
+              <a:rPr lang="en-US" sz="1400" dirty="0"/>
+              <a:t> ``adding </a:t>
+            </a:r>
+            <a:r>
+              <a:rPr lang="en-US" sz="1400" dirty="0" smtClean="0"/>
+              <a:t>does not change date offset`` </a:t>
+            </a:r>
+            <a:r>
+              <a:rPr lang="en-US" sz="1400" dirty="0"/>
+              <a:t>(civil :</a:t>
+            </a:r>
+            <a:r>
+              <a:rPr lang="en-US" sz="1400" dirty="0">
+                <a:solidFill>
+                  <a:srgbClr val="2B91AF"/>
+                </a:solidFill>
+              </a:rPr>
+              <a:t>date</a:t>
+            </a:r>
+            <a:r>
+              <a:rPr lang="en-US" sz="1400" dirty="0"/>
+              <a:t>) (</a:t>
+            </a:r>
+            <a:r>
+              <a:rPr lang="en-US" sz="1400" dirty="0" err="1">
+                <a:solidFill>
+                  <a:srgbClr val="2B91AF"/>
+                </a:solidFill>
+              </a:rPr>
+              <a:t>PositiveInt</a:t>
+            </a:r>
+            <a:r>
+              <a:rPr lang="en-US" sz="1400" dirty="0">
+                <a:solidFill>
+                  <a:srgbClr val="2B91AF"/>
+                </a:solidFill>
+              </a:rPr>
+              <a:t> </a:t>
+            </a:r>
+            <a:r>
+              <a:rPr lang="en-US" sz="1400" dirty="0" smtClean="0"/>
+              <a:t>months) </a:t>
+            </a:r>
+            <a:r>
+              <a:rPr lang="en-US" sz="1400" dirty="0"/>
+              <a:t>=</a:t>
+            </a:r>
+          </a:p>
+          <a:p>
+            <a:pPr marL="0" indent="0">
+              <a:lnSpc>
+                <a:spcPct val="100000"/>
+              </a:lnSpc>
+              <a:buNone/>
+            </a:pPr>
+            <a:r>
+              <a:rPr lang="en-US" sz="1400" dirty="0"/>
+              <a:t>  </a:t>
+            </a:r>
+            <a:r>
+              <a:rPr lang="en-US" sz="1400" dirty="0">
+                <a:solidFill>
+                  <a:srgbClr val="0000FF"/>
+                </a:solidFill>
+              </a:rPr>
+              <a:t>let</a:t>
+            </a:r>
+            <a:r>
+              <a:rPr lang="en-US" sz="1400" dirty="0"/>
+              <a:t> </a:t>
+            </a:r>
+            <a:r>
+              <a:rPr lang="en-US" sz="1400" dirty="0" smtClean="0"/>
+              <a:t>offset = </a:t>
+            </a:r>
+            <a:r>
+              <a:rPr lang="en-US" sz="1400" dirty="0" err="1" smtClean="0"/>
+              <a:t>civil.Offset</a:t>
+            </a:r>
+            <a:endParaRPr lang="en-US" sz="1400" dirty="0"/>
+          </a:p>
+          <a:p>
+            <a:pPr marL="0" indent="0">
+              <a:lnSpc>
+                <a:spcPct val="100000"/>
+              </a:lnSpc>
+              <a:buNone/>
+            </a:pPr>
+            <a:r>
+              <a:rPr lang="en-US" sz="1400" dirty="0"/>
+              <a:t>  </a:t>
+            </a:r>
+            <a:r>
+              <a:rPr lang="en-US" sz="1400" dirty="0" err="1" smtClean="0"/>
+              <a:t>civil.AddMonths</a:t>
+            </a:r>
+            <a:r>
+              <a:rPr lang="en-US" sz="1400" dirty="0"/>
+              <a:t>(</a:t>
+            </a:r>
+            <a:r>
+              <a:rPr lang="en-US" sz="1400" dirty="0" smtClean="0"/>
+              <a:t>months) = offset</a:t>
+            </a:r>
+            <a:endParaRPr lang="en-US" sz="1400" dirty="0"/>
+          </a:p>
+        </p:txBody>
+      </p:sp>
+      <p:sp>
+        <p:nvSpPr>
+          <p:cNvPr id="4" name="Slide Number Placeholder 3"/>
+          <p:cNvSpPr>
+            <a:spLocks noGrp="1"/>
+          </p:cNvSpPr>
+          <p:nvPr>
+            <p:ph type="sldNum" sz="quarter" idx="12"/>
+          </p:nvPr>
+        </p:nvSpPr>
+        <p:spPr/>
+        <p:txBody>
+          <a:bodyPr/>
+          <a:lstStyle/>
+          <a:p>
+            <a:fld id="{3245CBE3-AA2B-404B-ADB8-3AD937BF2B49}" type="slidenum">
+              <a:rPr lang="en-US" smtClean="0"/>
+              <a:t>6</a:t>
+            </a:fld>
+            <a:endParaRPr lang="en-US"/>
+          </a:p>
+        </p:txBody>
+      </p:sp>
+    </p:spTree>
+    <p:extLst>
+      <p:ext uri="{BB962C8B-B14F-4D97-AF65-F5344CB8AC3E}">
+        <p14:creationId xmlns:p14="http://schemas.microsoft.com/office/powerpoint/2010/main" val="1551055316"/>
+      </p:ext>
+    </p:extLst>
+  </p:cSld>
+  <p:clrMapOvr>
+    <a:masterClrMapping/>
+  </p:clrMapOvr>
+  <mc:AlternateContent xmlns:mc="http://schemas.openxmlformats.org/markup-compatibility/2006" xmlns:p14="http://schemas.microsoft.com/office/powerpoint/2010/main">
+    <mc:Choice Requires="p14">
+      <p:transition spd="med" p14:dur="700">
+        <p:fade/>
+      </p:transition>
+    </mc:Choice>
+    <mc:Fallback xmlns="">
+      <p:transition spd="med">
+        <p:fade/>
+      </p:transition>
+    </mc:Fallback>
+  </mc:AlternateContent>
+  <p:timing>
+    <p:tnLst>
+      <p:par>
+        <p:cTn id="1" dur="indefinite" restart="never" nodeType="tmRoot"/>
+      </p:par>
+    </p:tnLst>
+  </p:timing>
+</p:sld>
+</file>
+
+<file path=ppt/slides/slide7.xml><?xml version="1.0" encoding="utf-8"?>
+<p:sld xmlns:a="http://schemas.openxmlformats.org/drawingml/2006/main" xmlns:r="http://schemas.openxmlformats.org/officeDocument/2006/relationships" xmlns:p="http://schemas.openxmlformats.org/presentationml/2006/main">
+  <p:cSld>
+    <p:spTree>
+      <p:nvGrpSpPr>
+        <p:cNvPr id="1" name=""/>
+        <p:cNvGrpSpPr/>
+        <p:nvPr/>
+      </p:nvGrpSpPr>
+      <p:grpSpPr>
+        <a:xfrm>
+          <a:off x="0" y="0"/>
+          <a:ext cx="0" cy="0"/>
+          <a:chOff x="0" y="0"/>
+          <a:chExt cx="0" cy="0"/>
+        </a:xfrm>
+      </p:grpSpPr>
+      <p:sp>
+        <p:nvSpPr>
+          <p:cNvPr id="2" name="Title 1"/>
+          <p:cNvSpPr>
+            <a:spLocks noGrp="1"/>
+          </p:cNvSpPr>
+          <p:nvPr>
+            <p:ph type="title"/>
+          </p:nvPr>
+        </p:nvSpPr>
+        <p:spPr>
+          <a:xfrm>
+            <a:off x="830238" y="473074"/>
+            <a:ext cx="10523561" cy="932316"/>
+          </a:xfrm>
+        </p:spPr>
+        <p:txBody>
           <a:bodyPr>
             <a:normAutofit/>
           </a:bodyPr>
@@ -26351,7 +27330,7 @@
           <a:p>
             <a:fld id="{3245CBE3-AA2B-404B-ADB8-3AD937BF2B49}" type="slidenum">
               <a:rPr lang="en-US" smtClean="0"/>
-              <a:t>6</a:t>
+              <a:t>7</a:t>
             </a:fld>
             <a:endParaRPr lang="en-US"/>
           </a:p>
@@ -26506,7 +27485,7 @@
 </p:sld>
 </file>
 
-<file path=ppt/slides/slide7.xml><?xml version="1.0" encoding="utf-8"?>
+<file path=ppt/slides/slide8.xml><?xml version="1.0" encoding="utf-8"?>
 <p:sld xmlns:a="http://schemas.openxmlformats.org/drawingml/2006/main" xmlns:r="http://schemas.openxmlformats.org/officeDocument/2006/relationships" xmlns:p="http://schemas.openxmlformats.org/presentationml/2006/main">
   <p:cSld>
     <p:spTree>
@@ -26549,7 +27528,7 @@
                   <a:schemeClr val="tx2"/>
                 </a:solidFill>
               </a:rPr>
-              <a:t>DIAGNOSTIC: </a:t>
+              <a:t>DIAGNOSTICS: </a:t>
             </a:r>
             <a:r>
               <a:rPr lang="en-US" sz="2800" b="1" i="1" dirty="0" smtClean="0">
@@ -27168,7 +28147,7 @@
           <a:p>
             <a:fld id="{3245CBE3-AA2B-404B-ADB8-3AD937BF2B49}" type="slidenum">
               <a:rPr lang="en-US" smtClean="0"/>
-              <a:t>7</a:t>
+              <a:t>8</a:t>
             </a:fld>
             <a:endParaRPr lang="en-US"/>
           </a:p>
@@ -27513,7 +28492,7 @@
 </p:sld>
 </file>
 
-<file path=ppt/slides/slide8.xml><?xml version="1.0" encoding="utf-8"?>
+<file path=ppt/slides/slide9.xml><?xml version="1.0" encoding="utf-8"?>
 <p:sld xmlns:a="http://schemas.openxmlformats.org/drawingml/2006/main" xmlns:r="http://schemas.openxmlformats.org/officeDocument/2006/relationships" xmlns:p="http://schemas.openxmlformats.org/presentationml/2006/main">
   <p:cSld>
     <p:spTree>
@@ -27556,7 +28535,7 @@
                   <a:schemeClr val="tx2"/>
                 </a:solidFill>
               </a:rPr>
-              <a:t>DIAGNOSTIC: </a:t>
+              <a:t>DIAGNOSTICS: </a:t>
             </a:r>
             <a:r>
               <a:rPr lang="en-US" sz="2800" b="1" i="1" dirty="0" smtClean="0">
@@ -28039,7 +29018,7 @@
           <a:p>
             <a:fld id="{3245CBE3-AA2B-404B-ADB8-3AD937BF2B49}" type="slidenum">
               <a:rPr lang="en-US" smtClean="0"/>
-              <a:t>8</a:t>
+              <a:t>9</a:t>
             </a:fld>
             <a:endParaRPr lang="en-US"/>
           </a:p>
@@ -28383,825 +29362,6 @@
       <p:bldP spid="9" grpId="1" animBg="1"/>
       <p:bldP spid="9" grpId="2" animBg="1"/>
     </p:bldLst>
-  </p:timing>
-</p:sld>
-</file>
-
-<file path=ppt/slides/slide9.xml><?xml version="1.0" encoding="utf-8"?>
-<p:sld xmlns:a="http://schemas.openxmlformats.org/drawingml/2006/main" xmlns:r="http://schemas.openxmlformats.org/officeDocument/2006/relationships" xmlns:p="http://schemas.openxmlformats.org/presentationml/2006/main">
-  <p:cSld>
-    <p:spTree>
-      <p:nvGrpSpPr>
-        <p:cNvPr id="1" name=""/>
-        <p:cNvGrpSpPr/>
-        <p:nvPr/>
-      </p:nvGrpSpPr>
-      <p:grpSpPr>
-        <a:xfrm>
-          <a:off x="0" y="0"/>
-          <a:ext cx="0" cy="0"/>
-          <a:chOff x="0" y="0"/>
-          <a:chExt cx="0" cy="0"/>
-        </a:xfrm>
-      </p:grpSpPr>
-      <p:sp>
-        <p:nvSpPr>
-          <p:cNvPr id="2" name="Title 1"/>
-          <p:cNvSpPr>
-            <a:spLocks noGrp="1"/>
-          </p:cNvSpPr>
-          <p:nvPr>
-            <p:ph type="title"/>
-          </p:nvPr>
-        </p:nvSpPr>
-        <p:spPr/>
-        <p:txBody>
-          <a:bodyPr anchor="b">
-            <a:normAutofit/>
-          </a:bodyPr>
-          <a:lstStyle/>
-          <a:p>
-            <a:pPr>
-              <a:lnSpc>
-                <a:spcPct val="150000"/>
-              </a:lnSpc>
-            </a:pPr>
-            <a:r>
-              <a:rPr lang="en-US" sz="2000" b="1" dirty="0" smtClean="0">
-                <a:solidFill>
-                  <a:schemeClr val="tx2"/>
-                </a:solidFill>
-              </a:rPr>
-              <a:t>DIAGNOSTICS: </a:t>
-            </a:r>
-            <a:br>
-              <a:rPr lang="en-US" sz="2000" b="1" dirty="0" smtClean="0">
-                <a:solidFill>
-                  <a:schemeClr val="tx2"/>
-                </a:solidFill>
-              </a:rPr>
-            </a:br>
-            <a:r>
-              <a:rPr lang="en-US" sz="2000" b="1" i="1" dirty="0" smtClean="0">
-                <a:solidFill>
-                  <a:schemeClr val="accent1">
-                    <a:lumMod val="50000"/>
-                  </a:schemeClr>
-                </a:solidFill>
-              </a:rPr>
-              <a:t>Gathering Observations</a:t>
-            </a:r>
-            <a:endParaRPr lang="en-US" sz="2000" b="1" i="1" dirty="0">
-              <a:solidFill>
-                <a:schemeClr val="tx2"/>
-              </a:solidFill>
-            </a:endParaRPr>
-          </a:p>
-        </p:txBody>
-      </p:sp>
-      <p:sp>
-        <p:nvSpPr>
-          <p:cNvPr id="3" name="Content Placeholder 2"/>
-          <p:cNvSpPr>
-            <a:spLocks noGrp="1"/>
-          </p:cNvSpPr>
-          <p:nvPr>
-            <p:ph idx="1"/>
-          </p:nvPr>
-        </p:nvSpPr>
-        <p:spPr>
-          <a:xfrm>
-            <a:off x="5183188" y="987425"/>
-            <a:ext cx="6172200" cy="5368925"/>
-          </a:xfrm>
-          <a:solidFill>
-            <a:schemeClr val="bg1"/>
-          </a:solidFill>
-          <a:ln>
-            <a:solidFill>
-              <a:schemeClr val="accent6">
-                <a:lumMod val="60000"/>
-                <a:lumOff val="40000"/>
-              </a:schemeClr>
-            </a:solidFill>
-          </a:ln>
-          <a:effectLst/>
-        </p:spPr>
-        <p:txBody>
-          <a:bodyPr tIns="91440" bIns="91440">
-            <a:noAutofit/>
-          </a:bodyPr>
-          <a:lstStyle/>
-          <a:p>
-            <a:pPr marL="0" indent="0">
-              <a:buNone/>
-            </a:pPr>
-            <a:r>
-              <a:rPr lang="en-US" sz="1400" dirty="0" smtClean="0">
-                <a:solidFill>
-                  <a:srgbClr val="008000"/>
-                </a:solidFill>
-              </a:rPr>
-              <a:t>(* a </a:t>
-            </a:r>
-            <a:r>
-              <a:rPr lang="en-US" sz="1400" dirty="0" err="1">
-                <a:solidFill>
-                  <a:srgbClr val="008000"/>
-                </a:solidFill>
-              </a:rPr>
-              <a:t>trival</a:t>
-            </a:r>
-            <a:r>
-              <a:rPr lang="en-US" sz="1400" dirty="0">
-                <a:solidFill>
-                  <a:srgbClr val="008000"/>
-                </a:solidFill>
-              </a:rPr>
-              <a:t> observation </a:t>
-            </a:r>
-            <a:r>
-              <a:rPr lang="en-US" sz="1400" dirty="0" smtClean="0">
-                <a:solidFill>
-                  <a:srgbClr val="008000"/>
-                </a:solidFill>
-              </a:rPr>
-              <a:t>puts </a:t>
-            </a:r>
-            <a:r>
-              <a:rPr lang="en-US" sz="1400" dirty="0">
-                <a:solidFill>
-                  <a:srgbClr val="008000"/>
-                </a:solidFill>
-              </a:rPr>
-              <a:t>data into </a:t>
-            </a:r>
-            <a:r>
-              <a:rPr lang="en-US" sz="1400" dirty="0" smtClean="0">
-                <a:solidFill>
-                  <a:srgbClr val="008000"/>
-                </a:solidFill>
-              </a:rPr>
-              <a:t>two buckets *)</a:t>
-            </a:r>
-            <a:endParaRPr lang="en-US" sz="1400" dirty="0">
-              <a:solidFill>
-                <a:srgbClr val="008000"/>
-              </a:solidFill>
-            </a:endParaRPr>
-          </a:p>
-          <a:p>
-            <a:pPr marL="0" indent="0">
-              <a:buNone/>
-            </a:pPr>
-            <a:r>
-              <a:rPr lang="en-US" sz="1400" dirty="0">
-                <a:solidFill>
-                  <a:srgbClr val="0000FF"/>
-                </a:solidFill>
-              </a:rPr>
-              <a:t>let </a:t>
-            </a:r>
-            <a:r>
-              <a:rPr lang="en-US" sz="1400" dirty="0" smtClean="0"/>
-              <a:t>``</a:t>
-            </a:r>
-            <a:r>
-              <a:rPr lang="en-US" sz="1400" dirty="0" err="1" smtClean="0"/>
-              <a:t>timezone</a:t>
-            </a:r>
-            <a:r>
-              <a:rPr lang="en-US" sz="1400" dirty="0" smtClean="0"/>
-              <a:t> supports DST``</a:t>
-            </a:r>
-            <a:r>
-              <a:rPr lang="en-US" sz="1400" dirty="0">
-                <a:solidFill>
-                  <a:srgbClr val="000000"/>
-                </a:solidFill>
-              </a:rPr>
-              <a:t> </a:t>
-            </a:r>
-            <a:r>
-              <a:rPr lang="en-US" sz="1400" dirty="0" smtClean="0">
-                <a:solidFill>
-                  <a:srgbClr val="000000"/>
-                </a:solidFill>
-              </a:rPr>
-              <a:t>(</a:t>
-            </a:r>
-            <a:r>
-              <a:rPr lang="en-US" sz="1400" dirty="0">
-                <a:solidFill>
-                  <a:srgbClr val="000000"/>
-                </a:solidFill>
-              </a:rPr>
-              <a:t>civil :</a:t>
-            </a:r>
-            <a:r>
-              <a:rPr lang="en-US" sz="1400" dirty="0">
-                <a:solidFill>
-                  <a:srgbClr val="2B91AF"/>
-                </a:solidFill>
-              </a:rPr>
-              <a:t>date)</a:t>
-            </a:r>
-            <a:endParaRPr lang="en-US" sz="1400" dirty="0">
-              <a:solidFill>
-                <a:srgbClr val="000000"/>
-              </a:solidFill>
-            </a:endParaRPr>
-          </a:p>
-          <a:p>
-            <a:pPr marL="0" indent="0">
-              <a:buNone/>
-            </a:pPr>
-            <a:r>
-              <a:rPr lang="en-US" sz="1400" dirty="0">
-                <a:solidFill>
-                  <a:srgbClr val="000000"/>
-                </a:solidFill>
-              </a:rPr>
-              <a:t>                              </a:t>
-            </a:r>
-            <a:r>
-              <a:rPr lang="en-US" sz="1400" dirty="0" smtClean="0">
-                <a:solidFill>
-                  <a:srgbClr val="000000"/>
-                </a:solidFill>
-              </a:rPr>
-              <a:t>(</a:t>
-            </a:r>
-            <a:r>
-              <a:rPr lang="en-US" sz="1400" dirty="0">
-                <a:solidFill>
-                  <a:srgbClr val="000000"/>
-                </a:solidFill>
-              </a:rPr>
-              <a:t>target </a:t>
-            </a:r>
-            <a:r>
-              <a:rPr lang="en-US" sz="1400" dirty="0">
-                <a:solidFill>
-                  <a:srgbClr val="0000FF"/>
-                </a:solidFill>
-              </a:rPr>
-              <a:t>:</a:t>
-            </a:r>
-            <a:r>
-              <a:rPr lang="en-US" sz="1400" dirty="0">
-                <a:solidFill>
-                  <a:srgbClr val="2B91AF"/>
-                </a:solidFill>
-              </a:rPr>
-              <a:t>zone</a:t>
-            </a:r>
-            <a:r>
-              <a:rPr lang="en-US" sz="1400" dirty="0">
-                <a:solidFill>
-                  <a:srgbClr val="000000"/>
-                </a:solidFill>
-              </a:rPr>
-              <a:t>)</a:t>
-            </a:r>
-          </a:p>
-          <a:p>
-            <a:pPr marL="0" indent="0">
-              <a:buNone/>
-            </a:pPr>
-            <a:r>
-              <a:rPr lang="en-US" sz="1400" dirty="0">
-                <a:solidFill>
-                  <a:srgbClr val="000000"/>
-                </a:solidFill>
-              </a:rPr>
-              <a:t>                              </a:t>
-            </a:r>
-            <a:r>
-              <a:rPr lang="en-US" sz="1400" dirty="0" smtClean="0">
-                <a:solidFill>
-                  <a:srgbClr val="000000"/>
-                </a:solidFill>
-              </a:rPr>
-              <a:t>(</a:t>
-            </a:r>
-            <a:r>
-              <a:rPr lang="en-US" sz="1400" dirty="0" err="1">
-                <a:solidFill>
-                  <a:srgbClr val="2B91AF"/>
-                </a:solidFill>
-              </a:rPr>
-              <a:t>NonNegativeInt</a:t>
-            </a:r>
-            <a:r>
-              <a:rPr lang="en-US" sz="1400" dirty="0">
-                <a:solidFill>
-                  <a:srgbClr val="2B91AF"/>
-                </a:solidFill>
-              </a:rPr>
-              <a:t> </a:t>
-            </a:r>
-            <a:r>
-              <a:rPr lang="en-US" sz="1400" dirty="0"/>
-              <a:t>total</a:t>
-            </a:r>
-            <a:r>
-              <a:rPr lang="en-US" sz="1400" dirty="0">
-                <a:solidFill>
-                  <a:srgbClr val="000000"/>
-                </a:solidFill>
-              </a:rPr>
-              <a:t>) </a:t>
-            </a:r>
-            <a:r>
-              <a:rPr lang="en-US" sz="1400" dirty="0">
-                <a:solidFill>
-                  <a:srgbClr val="0000FF"/>
-                </a:solidFill>
-              </a:rPr>
-              <a:t>=</a:t>
-            </a:r>
-          </a:p>
-          <a:p>
-            <a:pPr marL="0" indent="0">
-              <a:lnSpc>
-                <a:spcPct val="100000"/>
-              </a:lnSpc>
-              <a:buNone/>
-            </a:pPr>
-            <a:r>
-              <a:rPr lang="en-US" sz="1400" dirty="0">
-                <a:solidFill>
-                  <a:srgbClr val="0000FF"/>
-                </a:solidFill>
-              </a:rPr>
-              <a:t>  let</a:t>
-            </a:r>
-            <a:r>
-              <a:rPr lang="en-US" sz="1400" dirty="0"/>
-              <a:t> days = </a:t>
-            </a:r>
-            <a:r>
-              <a:rPr lang="en-US" sz="1400" dirty="0" err="1" smtClean="0">
-                <a:solidFill>
-                  <a:srgbClr val="2B91AF"/>
-                </a:solidFill>
-              </a:rPr>
-              <a:t>time</a:t>
-            </a:r>
-            <a:r>
-              <a:rPr lang="en-US" sz="1400" dirty="0" err="1" smtClean="0"/>
-              <a:t>.FromDays</a:t>
-            </a:r>
-            <a:r>
-              <a:rPr lang="en-US" sz="1400" dirty="0" smtClean="0"/>
-              <a:t>(total)</a:t>
-            </a:r>
-            <a:endParaRPr lang="en-US" sz="1400" dirty="0"/>
-          </a:p>
-          <a:p>
-            <a:pPr marL="0" indent="0">
-              <a:lnSpc>
-                <a:spcPct val="100000"/>
-              </a:lnSpc>
-              <a:buNone/>
-            </a:pPr>
-            <a:r>
-              <a:rPr lang="en-US" sz="1400" dirty="0"/>
-              <a:t>  </a:t>
-            </a:r>
-            <a:r>
-              <a:rPr lang="en-US" sz="1400" dirty="0">
-                <a:solidFill>
-                  <a:srgbClr val="0000FF"/>
-                </a:solidFill>
-              </a:rPr>
-              <a:t>let</a:t>
-            </a:r>
-            <a:r>
-              <a:rPr lang="en-US" sz="1400" dirty="0"/>
-              <a:t> </a:t>
-            </a:r>
-            <a:r>
-              <a:rPr lang="en-US" sz="1400" dirty="0" err="1"/>
-              <a:t>addShift</a:t>
-            </a:r>
-            <a:r>
-              <a:rPr lang="en-US" sz="1400" dirty="0"/>
-              <a:t> = </a:t>
-            </a:r>
-            <a:r>
-              <a:rPr lang="en-US" sz="1400" dirty="0" err="1" smtClean="0">
-                <a:solidFill>
-                  <a:srgbClr val="2B91AF"/>
-                </a:solidFill>
-              </a:rPr>
-              <a:t>zone</a:t>
-            </a:r>
-            <a:r>
-              <a:rPr lang="en-US" sz="1400" dirty="0" err="1" smtClean="0"/>
-              <a:t>.ConvertTime</a:t>
-            </a:r>
-            <a:r>
-              <a:rPr lang="en-US" sz="1400" dirty="0" smtClean="0"/>
-              <a:t>(civil </a:t>
-            </a:r>
-            <a:r>
-              <a:rPr lang="en-US" sz="1400" dirty="0"/>
-              <a:t>+ days, </a:t>
-            </a:r>
-            <a:r>
-              <a:rPr lang="en-US" sz="1400" dirty="0">
-                <a:solidFill>
-                  <a:srgbClr val="7F0000"/>
-                </a:solidFill>
-              </a:rPr>
-              <a:t>target</a:t>
-            </a:r>
-            <a:r>
-              <a:rPr lang="en-US" sz="1400" dirty="0"/>
-              <a:t>)</a:t>
-            </a:r>
-          </a:p>
-          <a:p>
-            <a:pPr marL="0" indent="0">
-              <a:lnSpc>
-                <a:spcPct val="100000"/>
-              </a:lnSpc>
-              <a:buNone/>
-            </a:pPr>
-            <a:r>
-              <a:rPr lang="en-US" sz="1400" dirty="0"/>
-              <a:t>  </a:t>
-            </a:r>
-            <a:r>
-              <a:rPr lang="en-US" sz="1400" dirty="0">
-                <a:solidFill>
-                  <a:srgbClr val="0000FF"/>
-                </a:solidFill>
-              </a:rPr>
-              <a:t>let</a:t>
-            </a:r>
-            <a:r>
-              <a:rPr lang="en-US" sz="1400" dirty="0"/>
-              <a:t> </a:t>
-            </a:r>
-            <a:r>
-              <a:rPr lang="en-US" sz="1400" dirty="0" err="1"/>
-              <a:t>shiftAdd</a:t>
-            </a:r>
-            <a:r>
-              <a:rPr lang="en-US" sz="1400" dirty="0"/>
-              <a:t> = </a:t>
-            </a:r>
-            <a:r>
-              <a:rPr lang="en-US" sz="1400" dirty="0" err="1" smtClean="0">
-                <a:solidFill>
-                  <a:srgbClr val="2B91AF"/>
-                </a:solidFill>
-              </a:rPr>
-              <a:t>zone</a:t>
-            </a:r>
-            <a:r>
-              <a:rPr lang="en-US" sz="1400" dirty="0" err="1" smtClean="0"/>
-              <a:t>.ConvertTime</a:t>
-            </a:r>
-            <a:r>
-              <a:rPr lang="en-US" sz="1400" dirty="0" smtClean="0"/>
-              <a:t>(civil</a:t>
-            </a:r>
-            <a:r>
-              <a:rPr lang="en-US" sz="1400" dirty="0"/>
-              <a:t>, </a:t>
-            </a:r>
-            <a:r>
-              <a:rPr lang="en-US" sz="1400" dirty="0">
-                <a:solidFill>
-                  <a:srgbClr val="7F0000"/>
-                </a:solidFill>
-              </a:rPr>
-              <a:t>target</a:t>
-            </a:r>
-            <a:r>
-              <a:rPr lang="en-US" sz="1400" dirty="0"/>
-              <a:t>) + days</a:t>
-            </a:r>
-          </a:p>
-          <a:p>
-            <a:pPr marL="0" indent="0">
-              <a:lnSpc>
-                <a:spcPct val="100000"/>
-              </a:lnSpc>
-              <a:buNone/>
-            </a:pPr>
-            <a:r>
-              <a:rPr lang="en-US" sz="1400" dirty="0"/>
-              <a:t>  </a:t>
-            </a:r>
-          </a:p>
-          <a:p>
-            <a:pPr marL="0" indent="0">
-              <a:lnSpc>
-                <a:spcPct val="100000"/>
-              </a:lnSpc>
-              <a:buNone/>
-            </a:pPr>
-            <a:r>
-              <a:rPr lang="en-US" sz="1400" dirty="0"/>
-              <a:t>  </a:t>
-            </a:r>
-            <a:r>
-              <a:rPr lang="en-US" sz="1400" dirty="0" err="1"/>
-              <a:t>addShift</a:t>
-            </a:r>
-            <a:r>
-              <a:rPr lang="en-US" sz="1400" dirty="0"/>
-              <a:t> = </a:t>
-            </a:r>
-            <a:r>
-              <a:rPr lang="en-US" sz="1400" dirty="0" err="1" smtClean="0"/>
-              <a:t>shiftAdd</a:t>
-            </a:r>
-            <a:endParaRPr lang="en-US" sz="1400" dirty="0" smtClean="0"/>
-          </a:p>
-          <a:p>
-            <a:pPr marL="0" indent="0">
-              <a:lnSpc>
-                <a:spcPct val="100000"/>
-              </a:lnSpc>
-              <a:buNone/>
-            </a:pPr>
-            <a:r>
-              <a:rPr lang="en-US" sz="1400" dirty="0"/>
-              <a:t> </a:t>
-            </a:r>
-            <a:r>
-              <a:rPr lang="en-US" sz="1400" dirty="0" smtClean="0"/>
-              <a:t> </a:t>
-            </a:r>
-            <a:r>
-              <a:rPr lang="en-US" sz="1400" dirty="0"/>
-              <a:t>|&gt; </a:t>
-            </a:r>
-            <a:r>
-              <a:rPr lang="en-US" sz="1400" dirty="0" err="1">
-                <a:solidFill>
-                  <a:srgbClr val="2B91AF"/>
-                </a:solidFill>
-              </a:rPr>
-              <a:t>Prop</a:t>
-            </a:r>
-            <a:r>
-              <a:rPr lang="en-US" sz="1400" dirty="0" err="1"/>
-              <a:t>.trivial</a:t>
-            </a:r>
-            <a:r>
-              <a:rPr lang="en-US" sz="1400" dirty="0"/>
-              <a:t> </a:t>
-            </a:r>
-            <a:r>
-              <a:rPr lang="en-US" sz="1400" dirty="0" err="1" smtClean="0"/>
-              <a:t>target.SupportsDaylightSavingsTime</a:t>
-            </a:r>
-            <a:endParaRPr lang="en-US" sz="1400" dirty="0"/>
-          </a:p>
-          <a:p>
-            <a:pPr marL="0" indent="0">
-              <a:buNone/>
-            </a:pPr>
-            <a:endParaRPr lang="en-US" sz="1400" dirty="0">
-              <a:solidFill>
-                <a:srgbClr val="000000"/>
-              </a:solidFill>
-            </a:endParaRPr>
-          </a:p>
-        </p:txBody>
-      </p:sp>
-      <p:sp>
-        <p:nvSpPr>
-          <p:cNvPr id="8" name="Rounded Rectangle 7"/>
-          <p:cNvSpPr/>
-          <p:nvPr/>
-        </p:nvSpPr>
-        <p:spPr>
-          <a:xfrm>
-            <a:off x="839788" y="2245489"/>
-            <a:ext cx="3932237" cy="4110861"/>
-          </a:xfrm>
-          <a:prstGeom prst="roundRect">
-            <a:avLst/>
-          </a:prstGeom>
-          <a:solidFill>
-            <a:schemeClr val="accent4">
-              <a:lumMod val="20000"/>
-              <a:lumOff val="80000"/>
-            </a:schemeClr>
-          </a:solidFill>
-          <a:ln>
-            <a:solidFill>
-              <a:schemeClr val="accent6"/>
-            </a:solidFill>
-          </a:ln>
-          <a:effectLst/>
-        </p:spPr>
-        <p:style>
-          <a:lnRef idx="2">
-            <a:schemeClr val="accent1">
-              <a:shade val="50000"/>
-            </a:schemeClr>
-          </a:lnRef>
-          <a:fillRef idx="1">
-            <a:schemeClr val="accent1"/>
-          </a:fillRef>
-          <a:effectRef idx="0">
-            <a:schemeClr val="accent1"/>
-          </a:effectRef>
-          <a:fontRef idx="minor">
-            <a:schemeClr val="lt1"/>
-          </a:fontRef>
-        </p:style>
-        <p:txBody>
-          <a:bodyPr tIns="91440" bIns="91440" rtlCol="0" anchor="t" anchorCtr="0"/>
-          <a:lstStyle/>
-          <a:p>
-            <a:r>
-              <a:rPr lang="en-US" sz="1400" b="1" dirty="0">
-                <a:solidFill>
-                  <a:schemeClr val="accent6"/>
-                </a:solidFill>
-              </a:rPr>
-              <a:t>TEST EXECUTION SUMMARY</a:t>
-            </a:r>
-          </a:p>
-          <a:p>
-            <a:endParaRPr lang="en-US" sz="1400" dirty="0">
-              <a:solidFill>
-                <a:schemeClr val="tx1"/>
-              </a:solidFill>
-            </a:endParaRPr>
-          </a:p>
-          <a:p>
-            <a:r>
-              <a:rPr lang="en-US" sz="1400" dirty="0">
-                <a:solidFill>
-                  <a:schemeClr val="tx1"/>
-                </a:solidFill>
-              </a:rPr>
-              <a:t>Tests run: 1, Errors: 0, Failed: 0, Ignored: 0</a:t>
-            </a:r>
-          </a:p>
-          <a:p>
-            <a:endParaRPr lang="en-US" sz="1400" dirty="0">
-              <a:solidFill>
-                <a:schemeClr val="tx1"/>
-              </a:solidFill>
-            </a:endParaRPr>
-          </a:p>
-          <a:p>
-            <a:r>
-              <a:rPr lang="en-US" sz="1400" dirty="0">
-                <a:solidFill>
-                  <a:srgbClr val="006700"/>
-                </a:solidFill>
-              </a:rPr>
-              <a:t>✔ </a:t>
-            </a:r>
-            <a:r>
-              <a:rPr lang="en-US" sz="1400" b="1" dirty="0" err="1">
-                <a:solidFill>
-                  <a:srgbClr val="006700"/>
-                </a:solidFill>
-              </a:rPr>
-              <a:t>timezone</a:t>
-            </a:r>
-            <a:r>
-              <a:rPr lang="en-US" sz="1400" b="1" dirty="0">
-                <a:solidFill>
-                  <a:srgbClr val="006700"/>
-                </a:solidFill>
-              </a:rPr>
-              <a:t> supports DST</a:t>
-            </a:r>
-          </a:p>
-          <a:p>
-            <a:r>
-              <a:rPr lang="en-US" sz="1400" b="1" i="1" dirty="0">
-                <a:solidFill>
-                  <a:schemeClr val="tx1"/>
-                </a:solidFill>
-              </a:rPr>
-              <a:t>     </a:t>
-            </a:r>
-            <a:r>
-              <a:rPr lang="en-US" sz="1400" i="1" dirty="0">
-                <a:solidFill>
-                  <a:schemeClr val="tx1"/>
-                </a:solidFill>
-              </a:rPr>
-              <a:t>OK, Passed 100 </a:t>
-            </a:r>
-            <a:r>
-              <a:rPr lang="en-US" sz="1400" i="1" dirty="0" smtClean="0">
-                <a:solidFill>
-                  <a:schemeClr val="tx1"/>
-                </a:solidFill>
-              </a:rPr>
-              <a:t>tests</a:t>
-            </a:r>
-          </a:p>
-          <a:p>
-            <a:endParaRPr lang="en-US" sz="1400" dirty="0">
-              <a:solidFill>
-                <a:schemeClr val="tx1"/>
-              </a:solidFill>
-            </a:endParaRPr>
-          </a:p>
-          <a:p>
-            <a:r>
-              <a:rPr lang="en-US" sz="1400" dirty="0" smtClean="0">
-                <a:solidFill>
-                  <a:schemeClr val="tx1"/>
-                </a:solidFill>
-              </a:rPr>
-              <a:t>    53% Odd</a:t>
-            </a:r>
-          </a:p>
-          <a:p>
-            <a:r>
-              <a:rPr lang="en-US" sz="1400" dirty="0">
-                <a:solidFill>
-                  <a:schemeClr val="tx1"/>
-                </a:solidFill>
-              </a:rPr>
-              <a:t> </a:t>
-            </a:r>
-            <a:r>
-              <a:rPr lang="en-US" sz="1400" dirty="0" smtClean="0">
-                <a:solidFill>
-                  <a:schemeClr val="tx1"/>
-                </a:solidFill>
-              </a:rPr>
-              <a:t>   47% Even</a:t>
-            </a:r>
-            <a:endParaRPr lang="en-US" sz="1400" dirty="0">
-              <a:solidFill>
-                <a:schemeClr val="tx1"/>
-              </a:solidFill>
-            </a:endParaRPr>
-          </a:p>
-        </p:txBody>
-      </p:sp>
-      <p:sp>
-        <p:nvSpPr>
-          <p:cNvPr id="6" name="Slide Number Placeholder 5"/>
-          <p:cNvSpPr>
-            <a:spLocks noGrp="1"/>
-          </p:cNvSpPr>
-          <p:nvPr>
-            <p:ph type="sldNum" sz="quarter" idx="12"/>
-          </p:nvPr>
-        </p:nvSpPr>
-        <p:spPr/>
-        <p:txBody>
-          <a:bodyPr/>
-          <a:lstStyle/>
-          <a:p>
-            <a:fld id="{3245CBE3-AA2B-404B-ADB8-3AD937BF2B49}" type="slidenum">
-              <a:rPr lang="en-US" smtClean="0"/>
-              <a:t>9</a:t>
-            </a:fld>
-            <a:endParaRPr lang="en-US"/>
-          </a:p>
-        </p:txBody>
-      </p:sp>
-    </p:spTree>
-    <p:extLst>
-      <p:ext uri="{BB962C8B-B14F-4D97-AF65-F5344CB8AC3E}">
-        <p14:creationId xmlns:p14="http://schemas.microsoft.com/office/powerpoint/2010/main" val="1638553231"/>
-      </p:ext>
-    </p:extLst>
-  </p:cSld>
-  <p:clrMapOvr>
-    <a:masterClrMapping/>
-  </p:clrMapOvr>
-  <mc:AlternateContent xmlns:mc="http://schemas.openxmlformats.org/markup-compatibility/2006" xmlns:p14="http://schemas.microsoft.com/office/powerpoint/2010/main">
-    <mc:Choice Requires="p14">
-      <p:transition spd="med" p14:dur="700">
-        <p:fade/>
-      </p:transition>
-    </mc:Choice>
-    <mc:Fallback xmlns="">
-      <p:transition spd="med">
-        <p:fade/>
-      </p:transition>
-    </mc:Fallback>
-  </mc:AlternateContent>
-  <p:timing>
-    <p:tnLst>
-      <p:par>
-        <p:cTn id="1" dur="indefinite" restart="never" nodeType="tmRoot"/>
-      </p:par>
-    </p:tnLst>
   </p:timing>
 </p:sld>
 </file>

--- a/quickpbt.pptx
+++ b/quickpbt.pptx
@@ -5,7 +5,7 @@
     <p:sldMasterId id="2147484456" r:id="rId1"/>
   </p:sldMasterIdLst>
   <p:notesMasterIdLst>
-    <p:notesMasterId r:id="rId23"/>
+    <p:notesMasterId r:id="rId24"/>
   </p:notesMasterIdLst>
   <p:sldIdLst>
     <p:sldId id="256" r:id="rId2"/>
@@ -26,9 +26,10 @@
     <p:sldId id="282" r:id="rId17"/>
     <p:sldId id="283" r:id="rId18"/>
     <p:sldId id="285" r:id="rId19"/>
-    <p:sldId id="284" r:id="rId20"/>
-    <p:sldId id="281" r:id="rId21"/>
-    <p:sldId id="286" r:id="rId22"/>
+    <p:sldId id="288" r:id="rId20"/>
+    <p:sldId id="284" r:id="rId21"/>
+    <p:sldId id="281" r:id="rId22"/>
+    <p:sldId id="286" r:id="rId23"/>
   </p:sldIdLst>
   <p:sldSz cx="12192000" cy="6858000"/>
   <p:notesSz cx="6858000" cy="9144000"/>
@@ -441,11 +442,11 @@
         </c:dLbls>
         <c:gapWidth val="80"/>
         <c:overlap val="40"/>
-        <c:axId val="-513565536"/>
-        <c:axId val="-513560880"/>
+        <c:axId val="783772704"/>
+        <c:axId val="795876992"/>
       </c:barChart>
       <c:catAx>
-        <c:axId val="-513565536"/>
+        <c:axId val="783772704"/>
         <c:scaling>
           <c:orientation val="minMax"/>
         </c:scaling>
@@ -485,7 +486,7 @@
             <a:endParaRPr lang="en-US"/>
           </a:p>
         </c:txPr>
-        <c:crossAx val="-513560880"/>
+        <c:crossAx val="795876992"/>
         <c:crosses val="autoZero"/>
         <c:auto val="0"/>
         <c:lblAlgn val="ctr"/>
@@ -495,7 +496,7 @@
         <c:noMultiLvlLbl val="0"/>
       </c:catAx>
       <c:valAx>
-        <c:axId val="-513560880"/>
+        <c:axId val="795876992"/>
         <c:scaling>
           <c:orientation val="minMax"/>
           <c:max val="17.0"/>
@@ -540,7 +541,463 @@
             <a:endParaRPr lang="en-US"/>
           </a:p>
         </c:txPr>
-        <c:crossAx val="-513565536"/>
+        <c:crossAx val="783772704"/>
+        <c:crosses val="autoZero"/>
+        <c:crossBetween val="between"/>
+        <c:majorUnit val="1.0"/>
+      </c:valAx>
+      <c:spPr>
+        <a:solidFill>
+          <a:schemeClr val="bg1"/>
+        </a:solidFill>
+        <a:ln>
+          <a:solidFill>
+            <a:schemeClr val="bg1">
+              <a:lumMod val="85000"/>
+            </a:schemeClr>
+          </a:solidFill>
+        </a:ln>
+        <a:effectLst/>
+      </c:spPr>
+    </c:plotArea>
+    <c:plotVisOnly val="1"/>
+    <c:dispBlanksAs val="gap"/>
+    <c:showDLblsOverMax val="0"/>
+  </c:chart>
+  <c:spPr>
+    <a:solidFill>
+      <a:schemeClr val="accent4">
+        <a:lumMod val="20000"/>
+        <a:lumOff val="80000"/>
+      </a:schemeClr>
+    </a:solidFill>
+    <a:ln w="12700" cap="flat" cmpd="sng" algn="ctr">
+      <a:solidFill>
+        <a:schemeClr val="accent6"/>
+      </a:solidFill>
+      <a:prstDash val="solid"/>
+      <a:miter lim="800000"/>
+    </a:ln>
+    <a:effectLst/>
+  </c:spPr>
+  <c:txPr>
+    <a:bodyPr/>
+    <a:lstStyle/>
+    <a:p>
+      <a:pPr>
+        <a:defRPr>
+          <a:solidFill>
+            <a:schemeClr val="accent6"/>
+          </a:solidFill>
+          <a:latin typeface="+mn-lt"/>
+          <a:ea typeface="+mn-ea"/>
+          <a:cs typeface="+mn-cs"/>
+        </a:defRPr>
+      </a:pPr>
+      <a:endParaRPr lang="en-US"/>
+    </a:p>
+  </c:txPr>
+  <c:externalData r:id="rId1">
+    <c:autoUpdate val="0"/>
+  </c:externalData>
+</c:chartSpace>
+</file>
+
+<file path=ppt/charts/chart2.xml><?xml version="1.0" encoding="utf-8"?>
+<c:chartSpace xmlns:c="http://schemas.openxmlformats.org/drawingml/2006/chart" xmlns:a="http://schemas.openxmlformats.org/drawingml/2006/main" xmlns:r="http://schemas.openxmlformats.org/officeDocument/2006/relationships">
+  <c:date1904 val="0"/>
+  <c:lang val="en-US"/>
+  <c:roundedCorners val="0"/>
+  <mc:AlternateContent xmlns:mc="http://schemas.openxmlformats.org/markup-compatibility/2006">
+    <mc:Choice xmlns:c14="http://schemas.microsoft.com/office/drawing/2007/8/2/chart" Requires="c14">
+      <c14:style val="103"/>
+    </mc:Choice>
+    <mc:Fallback>
+      <c:style val="3"/>
+    </mc:Fallback>
+  </mc:AlternateContent>
+  <c:chart>
+    <c:title>
+      <c:tx>
+        <c:rich>
+          <a:bodyPr rot="0" spcFirstLastPara="1" vertOverflow="ellipsis" vert="horz" wrap="square" anchor="ctr" anchorCtr="1"/>
+          <a:lstStyle/>
+          <a:p>
+            <a:pPr>
+              <a:defRPr sz="1400" b="1" i="0" u="none" strike="noStrike" kern="1200" spc="0" baseline="0">
+                <a:solidFill>
+                  <a:schemeClr val="accent6"/>
+                </a:solidFill>
+                <a:latin typeface="+mn-lt"/>
+                <a:ea typeface="+mn-ea"/>
+                <a:cs typeface="+mn-cs"/>
+              </a:defRPr>
+            </a:pPr>
+            <a:r>
+              <a:rPr lang="en-US" sz="1400" b="1" smtClean="0">
+                <a:solidFill>
+                  <a:schemeClr val="accent6"/>
+                </a:solidFill>
+              </a:rPr>
+              <a:t>SPREAD OF</a:t>
+            </a:r>
+            <a:r>
+              <a:rPr lang="en-US" sz="1400" b="1" baseline="0" smtClean="0">
+                <a:solidFill>
+                  <a:schemeClr val="accent6"/>
+                </a:solidFill>
+              </a:rPr>
+              <a:t> 100 INSTANCES</a:t>
+            </a:r>
+            <a:endParaRPr lang="en-US" sz="1400" b="1" dirty="0">
+              <a:solidFill>
+                <a:schemeClr val="accent6"/>
+              </a:solidFill>
+            </a:endParaRPr>
+          </a:p>
+        </c:rich>
+      </c:tx>
+      <c:layout/>
+      <c:overlay val="0"/>
+      <c:spPr>
+        <a:noFill/>
+        <a:ln>
+          <a:noFill/>
+        </a:ln>
+        <a:effectLst/>
+      </c:spPr>
+    </c:title>
+    <c:autoTitleDeleted val="0"/>
+    <c:plotArea>
+      <c:layout/>
+      <c:barChart>
+        <c:barDir val="bar"/>
+        <c:grouping val="clustered"/>
+        <c:varyColors val="0"/>
+        <c:ser>
+          <c:idx val="0"/>
+          <c:order val="0"/>
+          <c:tx>
+            <c:strRef>
+              <c:f>Sheet1!$B$1</c:f>
+              <c:strCache>
+                <c:ptCount val="1"/>
+                <c:pt idx="0">
+                  <c:v>Count</c:v>
+                </c:pt>
+              </c:strCache>
+            </c:strRef>
+          </c:tx>
+          <c:spPr>
+            <a:gradFill>
+              <a:gsLst>
+                <a:gs pos="100000">
+                  <a:schemeClr val="accent1"/>
+                </a:gs>
+                <a:gs pos="50000">
+                  <a:schemeClr val="accent1">
+                    <a:lumMod val="20000"/>
+                    <a:lumOff val="80000"/>
+                  </a:schemeClr>
+                </a:gs>
+                <a:gs pos="0">
+                  <a:schemeClr val="bg1">
+                    <a:shade val="100000"/>
+                    <a:satMod val="115000"/>
+                  </a:schemeClr>
+                </a:gs>
+              </a:gsLst>
+              <a:lin ang="10800000" scaled="1"/>
+            </a:gradFill>
+            <a:ln>
+              <a:solidFill>
+                <a:schemeClr val="accent1"/>
+              </a:solidFill>
+            </a:ln>
+            <a:effectLst/>
+          </c:spPr>
+          <c:invertIfNegative val="0"/>
+          <c:dLbls>
+            <c:spPr>
+              <a:noFill/>
+              <a:ln>
+                <a:noFill/>
+              </a:ln>
+              <a:effectLst/>
+            </c:spPr>
+            <c:txPr>
+              <a:bodyPr rot="0" spcFirstLastPara="1" vertOverflow="ellipsis" vert="horz" wrap="square" lIns="38100" tIns="0" rIns="38100" bIns="0" anchor="ctr" anchorCtr="0">
+                <a:spAutoFit/>
+              </a:bodyPr>
+              <a:lstStyle/>
+              <a:p>
+                <a:pPr>
+                  <a:defRPr sz="1197" b="0" i="0" u="none" strike="noStrike" kern="1200" baseline="0">
+                    <a:solidFill>
+                      <a:schemeClr val="accent1">
+                        <a:lumMod val="50000"/>
+                      </a:schemeClr>
+                    </a:solidFill>
+                    <a:latin typeface="+mn-lt"/>
+                    <a:ea typeface="+mn-ea"/>
+                    <a:cs typeface="+mn-cs"/>
+                  </a:defRPr>
+                </a:pPr>
+                <a:endParaRPr lang="en-US"/>
+              </a:p>
+            </c:txPr>
+            <c:dLblPos val="outEnd"/>
+            <c:showLegendKey val="0"/>
+            <c:showVal val="1"/>
+            <c:showCatName val="0"/>
+            <c:showSerName val="0"/>
+            <c:showPercent val="0"/>
+            <c:showBubbleSize val="0"/>
+            <c:showLeaderLines val="0"/>
+            <c:extLst>
+              <c:ext xmlns:c15="http://schemas.microsoft.com/office/drawing/2012/chart" uri="{CE6537A1-D6FC-4f65-9D91-7224C49458BB}">
+                <c15:spPr xmlns:c15="http://schemas.microsoft.com/office/drawing/2012/chart">
+                  <a:prstGeom prst="rect">
+                    <a:avLst/>
+                  </a:prstGeom>
+                </c15:spPr>
+                <c15:layout/>
+                <c15:showLeaderLines val="1"/>
+                <c15:leaderLines>
+                  <c:spPr>
+                    <a:ln w="9525" cap="flat" cmpd="sng" algn="ctr">
+                      <a:solidFill>
+                        <a:schemeClr val="tx1">
+                          <a:lumMod val="35000"/>
+                          <a:lumOff val="65000"/>
+                        </a:schemeClr>
+                      </a:solidFill>
+                      <a:round/>
+                    </a:ln>
+                    <a:effectLst/>
+                  </c:spPr>
+                </c15:leaderLines>
+              </c:ext>
+            </c:extLst>
+          </c:dLbls>
+          <c:cat>
+            <c:numRef>
+              <c:f>Sheet1!$A$2:$A$15</c:f>
+              <c:numCache>
+                <c:formatCode>hh:mm:ss</c:formatCode>
+                <c:ptCount val="14"/>
+                <c:pt idx="0">
+                  <c:v>0.619699074074074</c:v>
+                </c:pt>
+                <c:pt idx="1">
+                  <c:v>0.893090277777778</c:v>
+                </c:pt>
+                <c:pt idx="2">
+                  <c:v>0.12755787037037</c:v>
+                </c:pt>
+                <c:pt idx="3">
+                  <c:v>0.596030092592593</c:v>
+                </c:pt>
+                <c:pt idx="4">
+                  <c:v>0.105659722222222</c:v>
+                </c:pt>
+                <c:pt idx="5">
+                  <c:v>0.104409722222222</c:v>
+                </c:pt>
+                <c:pt idx="6">
+                  <c:v>0.986875</c:v>
+                </c:pt>
+                <c:pt idx="7">
+                  <c:v>0.0788194444444444</c:v>
+                </c:pt>
+                <c:pt idx="8">
+                  <c:v>0.892395833333333</c:v>
+                </c:pt>
+                <c:pt idx="9">
+                  <c:v>0.153159722222222</c:v>
+                </c:pt>
+                <c:pt idx="10">
+                  <c:v>0.281851851851852</c:v>
+                </c:pt>
+                <c:pt idx="11">
+                  <c:v>0.021724537037037</c:v>
+                </c:pt>
+                <c:pt idx="12">
+                  <c:v>0.778159722222222</c:v>
+                </c:pt>
+                <c:pt idx="13">
+                  <c:v>0.575127314814815</c:v>
+                </c:pt>
+              </c:numCache>
+            </c:numRef>
+          </c:cat>
+          <c:val>
+            <c:numRef>
+              <c:f>Sheet1!$B$2:$B$15</c:f>
+              <c:numCache>
+                <c:formatCode>General</c:formatCode>
+                <c:ptCount val="14"/>
+                <c:pt idx="0">
+                  <c:v>15.0</c:v>
+                </c:pt>
+                <c:pt idx="1">
+                  <c:v>1.0</c:v>
+                </c:pt>
+                <c:pt idx="2">
+                  <c:v>2.0</c:v>
+                </c:pt>
+                <c:pt idx="3">
+                  <c:v>11.0</c:v>
+                </c:pt>
+                <c:pt idx="4">
+                  <c:v>3.0</c:v>
+                </c:pt>
+                <c:pt idx="5">
+                  <c:v>7.0</c:v>
+                </c:pt>
+                <c:pt idx="6">
+                  <c:v>4.0</c:v>
+                </c:pt>
+                <c:pt idx="7">
+                  <c:v>5.0</c:v>
+                </c:pt>
+                <c:pt idx="8">
+                  <c:v>9.0</c:v>
+                </c:pt>
+                <c:pt idx="9">
+                  <c:v>5.0</c:v>
+                </c:pt>
+                <c:pt idx="10">
+                  <c:v>14.0</c:v>
+                </c:pt>
+                <c:pt idx="11">
+                  <c:v>6.0</c:v>
+                </c:pt>
+                <c:pt idx="12">
+                  <c:v>8.0</c:v>
+                </c:pt>
+                <c:pt idx="13">
+                  <c:v>10.0</c:v>
+                </c:pt>
+              </c:numCache>
+            </c:numRef>
+          </c:val>
+          <c:extLst xmlns:c16r2="http://schemas.microsoft.com/office/drawing/2015/06/chart">
+            <c:ext xmlns:c16="http://schemas.microsoft.com/office/drawing/2014/chart" uri="{C3380CC4-5D6E-409C-BE32-E72D297353CC}">
+              <c16:uniqueId val="{00000000-7123-4AEA-B8A4-014F76F2AD6E}"/>
+            </c:ext>
+          </c:extLst>
+        </c:ser>
+        <c:dLbls>
+          <c:showLegendKey val="0"/>
+          <c:showVal val="0"/>
+          <c:showCatName val="0"/>
+          <c:showSerName val="0"/>
+          <c:showPercent val="0"/>
+          <c:showBubbleSize val="0"/>
+        </c:dLbls>
+        <c:gapWidth val="80"/>
+        <c:overlap val="40"/>
+        <c:axId val="788112160"/>
+        <c:axId val="788116800"/>
+      </c:barChart>
+      <c:catAx>
+        <c:axId val="788112160"/>
+        <c:scaling>
+          <c:orientation val="minMax"/>
+        </c:scaling>
+        <c:delete val="0"/>
+        <c:axPos val="l"/>
+        <c:numFmt formatCode="hh:mm:ss" sourceLinked="1"/>
+        <c:majorTickMark val="cross"/>
+        <c:minorTickMark val="none"/>
+        <c:tickLblPos val="nextTo"/>
+        <c:spPr>
+          <a:noFill/>
+          <a:ln w="9525" cap="flat" cmpd="sng" algn="ctr">
+            <a:solidFill>
+              <a:schemeClr val="tx1">
+                <a:lumMod val="15000"/>
+                <a:lumOff val="85000"/>
+              </a:schemeClr>
+            </a:solidFill>
+            <a:round/>
+          </a:ln>
+          <a:effectLst/>
+        </c:spPr>
+        <c:txPr>
+          <a:bodyPr rot="0" spcFirstLastPara="1" vertOverflow="ellipsis" wrap="square" anchor="ctr" anchorCtr="1"/>
+          <a:lstStyle/>
+          <a:p>
+            <a:pPr>
+              <a:defRPr sz="1197" b="0" i="0" u="none" strike="noStrike" kern="1200" baseline="0">
+                <a:solidFill>
+                  <a:schemeClr val="accent6"/>
+                </a:solidFill>
+                <a:latin typeface="+mn-lt"/>
+                <a:ea typeface="+mn-ea"/>
+                <a:cs typeface="+mn-cs"/>
+              </a:defRPr>
+            </a:pPr>
+            <a:endParaRPr lang="en-US"/>
+          </a:p>
+        </c:txPr>
+        <c:crossAx val="788116800"/>
+        <c:crosses val="autoZero"/>
+        <c:auto val="0"/>
+        <c:lblAlgn val="ctr"/>
+        <c:lblOffset val="10"/>
+        <c:tickLblSkip val="1"/>
+        <c:tickMarkSkip val="1"/>
+        <c:noMultiLvlLbl val="0"/>
+      </c:catAx>
+      <c:valAx>
+        <c:axId val="788116800"/>
+        <c:scaling>
+          <c:orientation val="minMax"/>
+          <c:max val="17.0"/>
+          <c:min val="0.0"/>
+        </c:scaling>
+        <c:delete val="0"/>
+        <c:axPos val="b"/>
+        <c:majorGridlines>
+          <c:spPr>
+            <a:ln w="9525" cap="flat" cmpd="sng" algn="ctr">
+              <a:noFill/>
+              <a:round/>
+            </a:ln>
+            <a:effectLst/>
+          </c:spPr>
+        </c:majorGridlines>
+        <c:numFmt formatCode="#,##0.00_);\(#,##0.00\)" sourceLinked="0"/>
+        <c:majorTickMark val="none"/>
+        <c:minorTickMark val="none"/>
+        <c:tickLblPos val="none"/>
+        <c:spPr>
+          <a:noFill/>
+          <a:ln>
+            <a:noFill/>
+          </a:ln>
+          <a:effectLst/>
+        </c:spPr>
+        <c:txPr>
+          <a:bodyPr rot="-60000000" spcFirstLastPara="1" vertOverflow="ellipsis" vert="horz" wrap="square" anchor="ctr" anchorCtr="1"/>
+          <a:lstStyle/>
+          <a:p>
+            <a:pPr>
+              <a:defRPr sz="1197" b="0" i="0" u="none" strike="noStrike" kern="1200" baseline="0">
+                <a:solidFill>
+                  <a:schemeClr val="accent6"/>
+                </a:solidFill>
+                <a:latin typeface="+mn-lt"/>
+                <a:ea typeface="+mn-ea"/>
+                <a:cs typeface="+mn-cs"/>
+              </a:defRPr>
+            </a:pPr>
+            <a:endParaRPr lang="en-US"/>
+          </a:p>
+        </c:txPr>
+        <c:crossAx val="788112160"/>
         <c:crosses val="autoZero"/>
         <c:crossBetween val="between"/>
         <c:majorUnit val="1.0"/>
@@ -3724,13 +4181,8 @@
             </a:pPr>
             <a:r>
               <a:rPr lang="en-US" sz="1200" dirty="0" smtClean="0"/>
-              <a:t>Microsoft MVP 2014, 2015, </a:t>
-            </a:r>
-            <a:r>
-              <a:rPr lang="en-US" sz="1200" dirty="0" smtClean="0"/>
-              <a:t>2016</a:t>
-            </a:r>
-            <a:endParaRPr lang="en-US" sz="1200" dirty="0" smtClean="0"/>
+              <a:t>Microsoft MVP 2014, 2015, 2016</a:t>
+            </a:r>
           </a:p>
         </p:txBody>
       </p:sp>
@@ -4946,7 +5398,7 @@
     </p:spTree>
     <p:extLst>
       <p:ext uri="{BB962C8B-B14F-4D97-AF65-F5344CB8AC3E}">
-        <p14:creationId xmlns:p14="http://schemas.microsoft.com/office/powerpoint/2010/main" val="545748425"/>
+        <p14:creationId xmlns:p14="http://schemas.microsoft.com/office/powerpoint/2010/main" val="1843792269"/>
       </p:ext>
     </p:extLst>
   </p:cSld>
@@ -5000,72 +5452,99 @@
           <a:bodyPr/>
           <a:lstStyle/>
           <a:p>
-            <a:r>
-              <a:rPr lang="en-US" sz="1200" dirty="0" smtClean="0"/>
-              <a:t>Not covered:</a:t>
-            </a:r>
-          </a:p>
-          <a:p>
-            <a:pPr marL="171450" lvl="0" indent="-171450">
-              <a:buFont typeface="Arial"/>
-              <a:buChar char="•"/>
+            <a:pPr marL="0" marR="0" lvl="0" indent="0" algn="l" defTabSz="914400" rtl="0" eaLnBrk="1" fontAlgn="auto" latinLnBrk="0" hangingPunct="1">
+              <a:lnSpc>
+                <a:spcPct val="100000"/>
+              </a:lnSpc>
+              <a:spcBef>
+                <a:spcPts val="0"/>
+              </a:spcBef>
+              <a:spcAft>
+                <a:spcPts val="0"/>
+              </a:spcAft>
+              <a:buClrTx/>
+              <a:buSzTx/>
+              <a:buFontTx/>
+              <a:buNone/>
+              <a:tabLst/>
+              <a:defRPr/>
             </a:pPr>
             <a:r>
-              <a:rPr lang="en-US" sz="1200" dirty="0" smtClean="0"/>
-              <a:t>Expecting exceptions – INCLUDED</a:t>
-            </a:r>
-            <a:r>
-              <a:rPr lang="en-US" sz="1200" baseline="0" dirty="0" smtClean="0"/>
-              <a:t> IN SAMPLES (F# only!)</a:t>
-            </a:r>
-            <a:endParaRPr lang="en-US" sz="1200" dirty="0" smtClean="0"/>
-          </a:p>
-          <a:p>
-            <a:pPr marL="171450" lvl="0" indent="-171450">
-              <a:buFont typeface="Arial"/>
-              <a:buChar char="•"/>
+              <a:rPr lang="en-US" baseline="0" dirty="0" smtClean="0"/>
+              <a:t>Random data generation often identifies previously unknown edge cases; also helpful in guiding exploration of an existing codebase</a:t>
+            </a:r>
+          </a:p>
+          <a:p>
+            <a:endParaRPr lang="en-US" dirty="0" smtClean="0"/>
+          </a:p>
+          <a:p>
+            <a:pPr marL="0" marR="0" lvl="0" indent="0" algn="l" defTabSz="914400" rtl="0" eaLnBrk="1" fontAlgn="auto" latinLnBrk="0" hangingPunct="1">
+              <a:lnSpc>
+                <a:spcPct val="100000"/>
+              </a:lnSpc>
+              <a:spcBef>
+                <a:spcPts val="0"/>
+              </a:spcBef>
+              <a:spcAft>
+                <a:spcPts val="0"/>
+              </a:spcAft>
+              <a:buClrTx/>
+              <a:buSzTx/>
+              <a:buFontTx/>
+              <a:buNone/>
+              <a:tabLst/>
+              <a:defRPr/>
             </a:pPr>
             <a:r>
-              <a:rPr lang="en-US" sz="1200" dirty="0" smtClean="0"/>
-              <a:t>Time-dependent properties (F# only!)</a:t>
-            </a:r>
-          </a:p>
-          <a:p>
-            <a:pPr marL="171450" lvl="0" indent="-171450">
-              <a:buFont typeface="Arial"/>
-              <a:buChar char="•"/>
+              <a:rPr lang="en-US" baseline="0" dirty="0" smtClean="0"/>
+              <a:t>Could’ve used a conditional property, but custom arbitrary is more efficient and better captures (otherwise implicit) business constraint</a:t>
+            </a:r>
+          </a:p>
+          <a:p>
+            <a:pPr marL="0" marR="0" lvl="0" indent="0" algn="l" defTabSz="914400" rtl="0" eaLnBrk="1" fontAlgn="auto" latinLnBrk="0" hangingPunct="1">
+              <a:lnSpc>
+                <a:spcPct val="100000"/>
+              </a:lnSpc>
+              <a:spcBef>
+                <a:spcPts val="0"/>
+              </a:spcBef>
+              <a:spcAft>
+                <a:spcPts val="0"/>
+              </a:spcAft>
+              <a:buClrTx/>
+              <a:buSzTx/>
+              <a:buFontTx/>
+              <a:buNone/>
+              <a:tabLst/>
+              <a:defRPr/>
             </a:pPr>
-            <a:r>
-              <a:rPr lang="en-US" sz="1200" dirty="0" smtClean="0"/>
-              <a:t>Model-based testing</a:t>
-            </a:r>
-          </a:p>
-          <a:p>
-            <a:pPr marL="171450" lvl="0" indent="-171450">
-              <a:buFont typeface="Arial"/>
-              <a:buChar char="•"/>
+            <a:endParaRPr lang="en-US" baseline="0" dirty="0" smtClean="0"/>
+          </a:p>
+          <a:p>
+            <a:pPr marL="0" marR="0" lvl="0" indent="0" algn="l" defTabSz="914400" rtl="0" eaLnBrk="1" fontAlgn="auto" latinLnBrk="0" hangingPunct="1">
+              <a:lnSpc>
+                <a:spcPct val="100000"/>
+              </a:lnSpc>
+              <a:spcBef>
+                <a:spcPts val="0"/>
+              </a:spcBef>
+              <a:spcAft>
+                <a:spcPts val="0"/>
+              </a:spcAft>
+              <a:buClrTx/>
+              <a:buSzTx/>
+              <a:buFontTx/>
+              <a:buNone/>
+              <a:tabLst/>
+              <a:defRPr/>
             </a:pPr>
             <a:r>
-              <a:rPr lang="en-US" sz="1200" dirty="0" smtClean="0"/>
-              <a:t>Fine-tuning output</a:t>
-            </a:r>
-          </a:p>
-          <a:p>
-            <a:pPr marL="171450" lvl="0" indent="-171450">
-              <a:buFont typeface="Arial"/>
-              <a:buChar char="•"/>
-            </a:pPr>
-            <a:r>
-              <a:rPr lang="en-US" sz="1200" dirty="0" smtClean="0"/>
-              <a:t>Still more property patterns</a:t>
-            </a:r>
-          </a:p>
-          <a:p>
-            <a:pPr marL="0" lvl="0" indent="0">
-              <a:buFont typeface="Arial"/>
-              <a:buNone/>
-            </a:pPr>
-            <a:endParaRPr lang="en-US" sz="1200" dirty="0" smtClean="0"/>
+              <a:rPr lang="en-US" baseline="0" dirty="0" smtClean="0"/>
+              <a:t>!!! Complex conditional generator (i.e. co-recursive types) can be convoluted !!!</a:t>
+            </a:r>
+          </a:p>
+          <a:p>
+            <a:endParaRPr lang="en-US" dirty="0"/>
           </a:p>
         </p:txBody>
       </p:sp>
@@ -5095,7 +5574,7 @@
     </p:spTree>
     <p:extLst>
       <p:ext uri="{BB962C8B-B14F-4D97-AF65-F5344CB8AC3E}">
-        <p14:creationId xmlns:p14="http://schemas.microsoft.com/office/powerpoint/2010/main" val="708350543"/>
+        <p14:creationId xmlns:p14="http://schemas.microsoft.com/office/powerpoint/2010/main" val="545748425"/>
       </p:ext>
     </p:extLst>
   </p:cSld>
@@ -5398,6 +5877,155 @@
           <a:bodyPr/>
           <a:lstStyle/>
           <a:p>
+            <a:r>
+              <a:rPr lang="en-US" sz="1200" dirty="0" smtClean="0"/>
+              <a:t>Not covered:</a:t>
+            </a:r>
+          </a:p>
+          <a:p>
+            <a:pPr marL="171450" lvl="0" indent="-171450">
+              <a:buFont typeface="Arial"/>
+              <a:buChar char="•"/>
+            </a:pPr>
+            <a:r>
+              <a:rPr lang="en-US" sz="1200" dirty="0" smtClean="0"/>
+              <a:t>Expecting exceptions – INCLUDED</a:t>
+            </a:r>
+            <a:r>
+              <a:rPr lang="en-US" sz="1200" baseline="0" dirty="0" smtClean="0"/>
+              <a:t> IN SAMPLES (F# only!)</a:t>
+            </a:r>
+            <a:endParaRPr lang="en-US" sz="1200" dirty="0" smtClean="0"/>
+          </a:p>
+          <a:p>
+            <a:pPr marL="171450" lvl="0" indent="-171450">
+              <a:buFont typeface="Arial"/>
+              <a:buChar char="•"/>
+            </a:pPr>
+            <a:r>
+              <a:rPr lang="en-US" sz="1200" dirty="0" smtClean="0"/>
+              <a:t>Time-dependent properties (F# only!)</a:t>
+            </a:r>
+          </a:p>
+          <a:p>
+            <a:pPr marL="171450" lvl="0" indent="-171450">
+              <a:buFont typeface="Arial"/>
+              <a:buChar char="•"/>
+            </a:pPr>
+            <a:r>
+              <a:rPr lang="en-US" sz="1200" dirty="0" smtClean="0"/>
+              <a:t>Model-based testing</a:t>
+            </a:r>
+          </a:p>
+          <a:p>
+            <a:pPr marL="171450" lvl="0" indent="-171450">
+              <a:buFont typeface="Arial"/>
+              <a:buChar char="•"/>
+            </a:pPr>
+            <a:r>
+              <a:rPr lang="en-US" sz="1200" dirty="0" smtClean="0"/>
+              <a:t>Fine-tuning output</a:t>
+            </a:r>
+          </a:p>
+          <a:p>
+            <a:pPr marL="171450" lvl="0" indent="-171450">
+              <a:buFont typeface="Arial"/>
+              <a:buChar char="•"/>
+            </a:pPr>
+            <a:r>
+              <a:rPr lang="en-US" sz="1200" dirty="0" smtClean="0"/>
+              <a:t>Still more property patterns</a:t>
+            </a:r>
+          </a:p>
+          <a:p>
+            <a:pPr marL="0" lvl="0" indent="0">
+              <a:buFont typeface="Arial"/>
+              <a:buNone/>
+            </a:pPr>
+            <a:endParaRPr lang="en-US" sz="1200" dirty="0" smtClean="0"/>
+          </a:p>
+        </p:txBody>
+      </p:sp>
+      <p:sp>
+        <p:nvSpPr>
+          <p:cNvPr id="4" name="Slide Number Placeholder 3"/>
+          <p:cNvSpPr>
+            <a:spLocks noGrp="1"/>
+          </p:cNvSpPr>
+          <p:nvPr>
+            <p:ph type="sldNum" sz="quarter" idx="10"/>
+          </p:nvPr>
+        </p:nvSpPr>
+        <p:spPr/>
+        <p:txBody>
+          <a:bodyPr/>
+          <a:lstStyle/>
+          <a:p>
+            <a:fld id="{E0590029-26D5-8741-8876-DBB6560F6382}" type="slidenum">
+              <a:rPr lang="en-US" smtClean="0"/>
+              <a:t>21</a:t>
+            </a:fld>
+            <a:endParaRPr lang="en-US"/>
+          </a:p>
+        </p:txBody>
+      </p:sp>
+    </p:spTree>
+    <p:extLst>
+      <p:ext uri="{BB962C8B-B14F-4D97-AF65-F5344CB8AC3E}">
+        <p14:creationId xmlns:p14="http://schemas.microsoft.com/office/powerpoint/2010/main" val="708350543"/>
+      </p:ext>
+    </p:extLst>
+  </p:cSld>
+  <p:clrMapOvr>
+    <a:masterClrMapping/>
+  </p:clrMapOvr>
+</p:notes>
+</file>
+
+<file path=ppt/notesSlides/notesSlide21.xml><?xml version="1.0" encoding="utf-8"?>
+<p:notes xmlns:a="http://schemas.openxmlformats.org/drawingml/2006/main" xmlns:r="http://schemas.openxmlformats.org/officeDocument/2006/relationships" xmlns:p="http://schemas.openxmlformats.org/presentationml/2006/main">
+  <p:cSld>
+    <p:spTree>
+      <p:nvGrpSpPr>
+        <p:cNvPr id="1" name=""/>
+        <p:cNvGrpSpPr/>
+        <p:nvPr/>
+      </p:nvGrpSpPr>
+      <p:grpSpPr>
+        <a:xfrm>
+          <a:off x="0" y="0"/>
+          <a:ext cx="0" cy="0"/>
+          <a:chOff x="0" y="0"/>
+          <a:chExt cx="0" cy="0"/>
+        </a:xfrm>
+      </p:grpSpPr>
+      <p:sp>
+        <p:nvSpPr>
+          <p:cNvPr id="2" name="Slide Image Placeholder 1"/>
+          <p:cNvSpPr>
+            <a:spLocks noGrp="1" noRot="1" noChangeAspect="1"/>
+          </p:cNvSpPr>
+          <p:nvPr>
+            <p:ph type="sldImg"/>
+          </p:nvPr>
+        </p:nvSpPr>
+        <p:spPr/>
+      </p:sp>
+      <p:sp>
+        <p:nvSpPr>
+          <p:cNvPr id="3" name="Notes Placeholder 2"/>
+          <p:cNvSpPr>
+            <a:spLocks noGrp="1"/>
+          </p:cNvSpPr>
+          <p:nvPr>
+            <p:ph type="body" idx="1"/>
+          </p:nvPr>
+        </p:nvSpPr>
+        <p:spPr/>
+        <p:txBody>
+          <a:bodyPr/>
+          <a:lstStyle/>
+          <a:p>
             <a:pPr marL="0" marR="0" indent="0" algn="l" defTabSz="457200" rtl="0" eaLnBrk="1" fontAlgn="auto" latinLnBrk="0" hangingPunct="1">
               <a:lnSpc>
                 <a:spcPct val="100000"/>
@@ -5604,7 +6232,7 @@
           <a:p>
             <a:fld id="{E0590029-26D5-8741-8876-DBB6560F6382}" type="slidenum">
               <a:rPr lang="en-US" smtClean="0"/>
-              <a:t>21</a:t>
+              <a:t>22</a:t>
             </a:fld>
             <a:endParaRPr lang="en-US"/>
           </a:p>
@@ -12133,8 +12761,21 @@
                   <a:schemeClr val="tx1"/>
                 </a:solidFill>
               </a:rPr>
-              <a:t>    53% Odd</a:t>
-            </a:r>
+              <a:t>    53% </a:t>
+            </a:r>
+            <a:r>
+              <a:rPr lang="en-US" sz="1400" dirty="0" smtClean="0">
+                <a:solidFill>
+                  <a:schemeClr val="tx1"/>
+                </a:solidFill>
+              </a:rPr>
+              <a:t>true</a:t>
+            </a:r>
+            <a:endParaRPr lang="en-US" sz="1400" dirty="0" smtClean="0">
+              <a:solidFill>
+                <a:schemeClr val="tx1"/>
+              </a:solidFill>
+            </a:endParaRPr>
           </a:p>
           <a:p>
             <a:r>
@@ -12151,7 +12792,15 @@
                   <a:schemeClr val="tx1"/>
                 </a:solidFill>
               </a:rPr>
-              <a:t>   47% Even</a:t>
+              <a:t>   47% </a:t>
+            </a:r>
+            <a:r>
+              <a:rPr lang="en-US" sz="1400" dirty="0" smtClean="0">
+                <a:solidFill>
+                  <a:schemeClr val="tx1"/>
+                </a:solidFill>
+              </a:rPr>
+              <a:t>false</a:t>
             </a:r>
             <a:endParaRPr lang="en-US" sz="1400" dirty="0">
               <a:solidFill>
@@ -22757,7 +23406,7 @@
               <a:t> </a:t>
             </a:r>
             <a:r>
-              <a:rPr lang="en-US" sz="1400" dirty="0" err="1"/>
+              <a:rPr lang="en-US" sz="1400" dirty="0" err="1" smtClean="0"/>
               <a:t>positiveTime</a:t>
             </a:r>
             <a:r>
@@ -22818,7 +23467,7 @@
     </p:spTree>
     <p:extLst>
       <p:ext uri="{BB962C8B-B14F-4D97-AF65-F5344CB8AC3E}">
-        <p14:creationId xmlns:p14="http://schemas.microsoft.com/office/powerpoint/2010/main" val="20859498"/>
+        <p14:creationId xmlns:p14="http://schemas.microsoft.com/office/powerpoint/2010/main" val="1983404829"/>
       </p:ext>
     </p:extLst>
   </p:cSld>
@@ -23055,13 +23704,13 @@
   <p:clrMapOvr>
     <a:masterClrMapping/>
   </p:clrMapOvr>
-  <mc:AlternateContent xmlns:mc="http://schemas.openxmlformats.org/markup-compatibility/2006">
-    <mc:Choice xmlns:p14="http://schemas.microsoft.com/office/powerpoint/2010/main" Requires="p14">
+  <mc:AlternateContent xmlns:mc="http://schemas.openxmlformats.org/markup-compatibility/2006" xmlns:p14="http://schemas.microsoft.com/office/powerpoint/2010/main">
+    <mc:Choice Requires="p14">
       <p:transition spd="med" p14:dur="700">
         <p:fade/>
       </p:transition>
     </mc:Choice>
-    <mc:Fallback>
+    <mc:Fallback xmlns="">
       <p:transition spd="med">
         <p:fade/>
       </p:transition>
@@ -23096,7 +23745,7 @@
       </p:grpSpPr>
       <p:sp>
         <p:nvSpPr>
-          <p:cNvPr id="5" name="Title 4"/>
+          <p:cNvPr id="2" name="Title 1"/>
           <p:cNvSpPr>
             <a:spLocks noGrp="1"/>
           </p:cNvSpPr>
@@ -23106,194 +23755,637 @@
         </p:nvSpPr>
         <p:spPr/>
         <p:txBody>
-          <a:bodyPr anchor="ctr">
-            <a:noAutofit/>
+          <a:bodyPr anchor="b">
+            <a:normAutofit/>
           </a:bodyPr>
           <a:lstStyle/>
           <a:p>
             <a:pPr>
               <a:lnSpc>
-                <a:spcPct val="100000"/>
+                <a:spcPct val="150000"/>
               </a:lnSpc>
             </a:pPr>
             <a:r>
-              <a:rPr lang="en-US" sz="2400" b="1" dirty="0">
+              <a:rPr lang="en-US" sz="2000" b="1" dirty="0" smtClean="0">
                 <a:solidFill>
                   <a:schemeClr val="tx2"/>
                 </a:solidFill>
               </a:rPr>
-              <a:t>RANDOM </a:t>
-            </a:r>
-            <a:r>
-              <a:rPr lang="en-US" sz="2400" b="1" dirty="0" smtClean="0">
+              <a:t>DATA GENERATION: </a:t>
+            </a:r>
+            <a:br>
+              <a:rPr lang="en-US" sz="2000" b="1" dirty="0" smtClean="0">
                 <a:solidFill>
                   <a:schemeClr val="tx2"/>
                 </a:solidFill>
               </a:rPr>
-              <a:t>TESTING</a:t>
-            </a:r>
-            <a:r>
-              <a:rPr lang="en-US" sz="2400" b="1" dirty="0" smtClean="0">
-                <a:solidFill>
-                  <a:schemeClr val="accent1"/>
-                </a:solidFill>
-              </a:rPr>
-              <a:t/>
-            </a:r>
-            <a:br>
-              <a:rPr lang="en-US" sz="2400" b="1" dirty="0" smtClean="0">
-                <a:solidFill>
-                  <a:schemeClr val="accent1"/>
-                </a:solidFill>
-              </a:rPr>
             </a:br>
             <a:r>
-              <a:rPr lang="en-US" sz="2400" b="1" dirty="0">
-                <a:solidFill>
-                  <a:schemeClr val="accent1"/>
-                </a:solidFill>
-              </a:rPr>
-              <a:t/>
-            </a:r>
-            <a:br>
-              <a:rPr lang="en-US" sz="2400" b="1" dirty="0">
-                <a:solidFill>
-                  <a:schemeClr val="accent1"/>
-                </a:solidFill>
-              </a:rPr>
-            </a:br>
-            <a:r>
-              <a:rPr lang="en-US" sz="2400" dirty="0">
-                <a:solidFill>
-                  <a:schemeClr val="accent6"/>
-                </a:solidFill>
-              </a:rPr>
-              <a:t>“One of the major </a:t>
-            </a:r>
-            <a:r>
-              <a:rPr lang="en-US" sz="2400" dirty="0" smtClean="0">
-                <a:solidFill>
-                  <a:schemeClr val="accent6"/>
-                </a:solidFill>
-              </a:rPr>
-              <a:t>advantages… is </a:t>
-            </a:r>
-            <a:r>
-              <a:rPr lang="en-US" sz="2400" dirty="0">
-                <a:solidFill>
-                  <a:schemeClr val="accent6"/>
-                </a:solidFill>
-              </a:rPr>
-              <a:t>that it </a:t>
-            </a:r>
-            <a:r>
-              <a:rPr lang="en-US" sz="2400" dirty="0"/>
-              <a:t>encourages</a:t>
-            </a:r>
-            <a:r>
-              <a:rPr lang="en-US" sz="2400" dirty="0">
-                <a:solidFill>
-                  <a:schemeClr val="accent6"/>
-                </a:solidFill>
-              </a:rPr>
-              <a:t> us to formulate </a:t>
-            </a:r>
-            <a:r>
-              <a:rPr lang="en-US" sz="2400" dirty="0"/>
-              <a:t>formal specifications</a:t>
-            </a:r>
-            <a:r>
-              <a:rPr lang="en-US" sz="2400" dirty="0">
-                <a:solidFill>
-                  <a:schemeClr val="accent6"/>
-                </a:solidFill>
-              </a:rPr>
-              <a:t>, </a:t>
-            </a:r>
-            <a:r>
-              <a:rPr lang="en-US" sz="2400" dirty="0"/>
-              <a:t>thus improving</a:t>
-            </a:r>
-            <a:r>
-              <a:rPr lang="en-US" sz="2400" dirty="0">
-                <a:solidFill>
-                  <a:schemeClr val="accent6"/>
-                </a:solidFill>
-              </a:rPr>
-              <a:t> our </a:t>
-            </a:r>
-            <a:r>
-              <a:rPr lang="en-US" sz="2400" dirty="0"/>
-              <a:t>understanding</a:t>
-            </a:r>
-            <a:r>
-              <a:rPr lang="en-US" sz="2400" dirty="0">
-                <a:solidFill>
-                  <a:schemeClr val="accent6"/>
-                </a:solidFill>
-              </a:rPr>
-              <a:t>…”</a:t>
-            </a:r>
+              <a:rPr lang="en-US" sz="2000" b="1" i="1" dirty="0" smtClean="0">
+                <a:solidFill>
+                  <a:schemeClr val="accent1">
+                    <a:lumMod val="50000"/>
+                  </a:schemeClr>
+                </a:solidFill>
+              </a:rPr>
+              <a:t>Arb with Gen &amp; </a:t>
+            </a:r>
+            <a:r>
+              <a:rPr lang="en-US" sz="2000" b="1" i="1" dirty="0" err="1" smtClean="0">
+                <a:solidFill>
+                  <a:schemeClr val="accent1">
+                    <a:lumMod val="50000"/>
+                  </a:schemeClr>
+                </a:solidFill>
+              </a:rPr>
+              <a:t>Shrinker</a:t>
+            </a:r>
+            <a:endParaRPr lang="en-US" sz="2000" b="1" i="1" dirty="0">
+              <a:solidFill>
+                <a:schemeClr val="tx2"/>
+              </a:solidFill>
+            </a:endParaRPr>
           </a:p>
         </p:txBody>
       </p:sp>
       <p:sp>
         <p:nvSpPr>
-          <p:cNvPr id="6" name="Text Placeholder 5"/>
+          <p:cNvPr id="3" name="Content Placeholder 2"/>
           <p:cNvSpPr>
             <a:spLocks noGrp="1"/>
           </p:cNvSpPr>
           <p:nvPr>
-            <p:ph type="body" idx="1"/>
+            <p:ph idx="1"/>
           </p:nvPr>
         </p:nvSpPr>
-        <p:spPr/>
+        <p:spPr>
+          <a:xfrm>
+            <a:off x="5183188" y="987425"/>
+            <a:ext cx="6172200" cy="5368925"/>
+          </a:xfrm>
+          <a:solidFill>
+            <a:schemeClr val="bg1"/>
+          </a:solidFill>
+          <a:ln>
+            <a:solidFill>
+              <a:schemeClr val="accent6">
+                <a:lumMod val="60000"/>
+                <a:lumOff val="40000"/>
+              </a:schemeClr>
+            </a:solidFill>
+          </a:ln>
+          <a:effectLst/>
+        </p:spPr>
         <p:txBody>
-          <a:bodyPr/>
+          <a:bodyPr tIns="91440" bIns="91440">
+            <a:noAutofit/>
+          </a:bodyPr>
           <a:lstStyle/>
           <a:p>
-            <a:pPr algn="r"/>
-            <a:r>
-              <a:rPr lang="en-US" i="1" dirty="0">
-                <a:solidFill>
-                  <a:schemeClr val="accent6"/>
-                </a:solidFill>
-              </a:rPr>
-              <a:t>from </a:t>
-            </a:r>
-            <a:r>
-              <a:rPr lang="en-US" i="1" dirty="0">
-                <a:solidFill>
-                  <a:schemeClr val="accent1">
-                    <a:lumMod val="50000"/>
-                  </a:schemeClr>
-                </a:solidFill>
-              </a:rPr>
-              <a:t>ICFP’00 – Claessen, </a:t>
-            </a:r>
-            <a:r>
-              <a:rPr lang="en-US" i="1" dirty="0" smtClean="0">
-                <a:solidFill>
-                  <a:schemeClr val="accent1">
-                    <a:lumMod val="50000"/>
-                  </a:schemeClr>
-                </a:solidFill>
-              </a:rPr>
-              <a:t>Hughes</a:t>
-            </a:r>
-            <a:endParaRPr lang="en-US" i="1" dirty="0">
+            <a:pPr marL="0" indent="0">
+              <a:lnSpc>
+                <a:spcPct val="100000"/>
+              </a:lnSpc>
+              <a:buNone/>
+            </a:pPr>
+            <a:r>
+              <a:rPr lang="en-US" sz="1400" dirty="0">
+                <a:solidFill>
+                  <a:srgbClr val="007F00"/>
+                </a:solidFill>
+              </a:rPr>
+              <a:t>/// represent a time value which is always greater 0</a:t>
+            </a:r>
+            <a:endParaRPr lang="en-US" sz="1400" dirty="0" smtClean="0">
               <a:solidFill>
-                <a:schemeClr val="accent1">
-                  <a:lumMod val="50000"/>
-                </a:schemeClr>
+                <a:srgbClr val="007F00"/>
               </a:solidFill>
             </a:endParaRPr>
           </a:p>
+          <a:p>
+            <a:pPr marL="0" indent="0">
+              <a:lnSpc>
+                <a:spcPct val="100000"/>
+              </a:lnSpc>
+              <a:buNone/>
+            </a:pPr>
+            <a:r>
+              <a:rPr lang="en-US" sz="1400" dirty="0" smtClean="0">
+                <a:solidFill>
+                  <a:srgbClr val="007F00"/>
+                </a:solidFill>
+              </a:rPr>
+              <a:t>/// </a:t>
+            </a:r>
+            <a:r>
+              <a:rPr lang="en-US" sz="1400" dirty="0">
+                <a:solidFill>
+                  <a:srgbClr val="007F00"/>
+                </a:solidFill>
+              </a:rPr>
+              <a:t>(note: only meant for use with </a:t>
+            </a:r>
+            <a:r>
+              <a:rPr lang="en-US" sz="1400" dirty="0" err="1">
+                <a:solidFill>
+                  <a:srgbClr val="007F00"/>
+                </a:solidFill>
+              </a:rPr>
+              <a:t>FsCheck's</a:t>
+            </a:r>
+            <a:r>
+              <a:rPr lang="en-US" sz="1400" dirty="0">
+                <a:solidFill>
+                  <a:srgbClr val="007F00"/>
+                </a:solidFill>
+              </a:rPr>
+              <a:t> </a:t>
+            </a:r>
+            <a:r>
+              <a:rPr lang="en-US" sz="1400" dirty="0" smtClean="0">
+                <a:solidFill>
+                  <a:srgbClr val="007F00"/>
+                </a:solidFill>
+              </a:rPr>
+              <a:t>Gen&lt;_&gt;)</a:t>
+            </a:r>
+          </a:p>
+          <a:p>
+            <a:pPr marL="0" indent="0">
+              <a:lnSpc>
+                <a:spcPct val="100000"/>
+              </a:lnSpc>
+              <a:buNone/>
+            </a:pPr>
+            <a:r>
+              <a:rPr lang="en-US" sz="1400" dirty="0" smtClean="0">
+                <a:solidFill>
+                  <a:srgbClr val="0000FF"/>
+                </a:solidFill>
+              </a:rPr>
+              <a:t>type</a:t>
+            </a:r>
+            <a:r>
+              <a:rPr lang="en-US" sz="1400" dirty="0" smtClean="0"/>
+              <a:t> </a:t>
+            </a:r>
+            <a:r>
+              <a:rPr lang="en-US" sz="1400" dirty="0" err="1">
+                <a:solidFill>
+                  <a:srgbClr val="2B91AF"/>
+                </a:solidFill>
+              </a:rPr>
+              <a:t>PositiveTime</a:t>
+            </a:r>
+            <a:r>
+              <a:rPr lang="en-US" sz="1400" dirty="0">
+                <a:solidFill>
+                  <a:srgbClr val="2B91AF"/>
+                </a:solidFill>
+              </a:rPr>
+              <a:t> </a:t>
+            </a:r>
+            <a:r>
+              <a:rPr lang="en-US" sz="1400" dirty="0"/>
+              <a:t>= </a:t>
+            </a:r>
+            <a:endParaRPr lang="en-US" sz="1400" dirty="0" smtClean="0"/>
+          </a:p>
+          <a:p>
+            <a:pPr marL="0" indent="0">
+              <a:lnSpc>
+                <a:spcPct val="100000"/>
+              </a:lnSpc>
+              <a:buNone/>
+            </a:pPr>
+            <a:r>
+              <a:rPr lang="en-US" sz="1400" dirty="0"/>
+              <a:t> </a:t>
+            </a:r>
+            <a:r>
+              <a:rPr lang="en-US" sz="1400" dirty="0" smtClean="0"/>
+              <a:t> </a:t>
+            </a:r>
+            <a:r>
+              <a:rPr lang="en-US" sz="1400" dirty="0" smtClean="0">
+                <a:solidFill>
+                  <a:srgbClr val="0000FF"/>
+                </a:solidFill>
+              </a:rPr>
+              <a:t>private</a:t>
+            </a:r>
+            <a:r>
+              <a:rPr lang="en-US" sz="1400" dirty="0" smtClean="0"/>
+              <a:t> Value </a:t>
+            </a:r>
+            <a:r>
+              <a:rPr lang="en-US" sz="1400" dirty="0" smtClean="0">
+                <a:solidFill>
+                  <a:srgbClr val="0000FF"/>
+                </a:solidFill>
+              </a:rPr>
+              <a:t>of</a:t>
+            </a:r>
+            <a:r>
+              <a:rPr lang="en-US" sz="1400" dirty="0" smtClean="0"/>
+              <a:t> </a:t>
+            </a:r>
+            <a:r>
+              <a:rPr lang="en-US" sz="1400" dirty="0" err="1" smtClean="0">
+                <a:solidFill>
+                  <a:srgbClr val="2B91AF"/>
+                </a:solidFill>
+              </a:rPr>
+              <a:t>TimeSpan</a:t>
+            </a:r>
+            <a:endParaRPr lang="en-US" sz="1400" dirty="0" smtClean="0">
+              <a:solidFill>
+                <a:srgbClr val="2B91AF"/>
+              </a:solidFill>
+            </a:endParaRPr>
+          </a:p>
+          <a:p>
+            <a:pPr marL="0" indent="0">
+              <a:lnSpc>
+                <a:spcPct val="100000"/>
+              </a:lnSpc>
+              <a:buNone/>
+            </a:pPr>
+            <a:endParaRPr lang="en-US" sz="1400" dirty="0" smtClean="0"/>
+          </a:p>
+          <a:p>
+            <a:pPr marL="0" indent="0">
+              <a:lnSpc>
+                <a:spcPct val="100000"/>
+              </a:lnSpc>
+              <a:buNone/>
+            </a:pPr>
+            <a:r>
+              <a:rPr lang="en-US" sz="1400" dirty="0">
+                <a:solidFill>
+                  <a:srgbClr val="007F00"/>
+                </a:solidFill>
+              </a:rPr>
+              <a:t>/// extract the </a:t>
+            </a:r>
+            <a:r>
+              <a:rPr lang="en-US" sz="1400" dirty="0" err="1">
+                <a:solidFill>
+                  <a:srgbClr val="007F00"/>
+                </a:solidFill>
+              </a:rPr>
+              <a:t>TimeSpan</a:t>
+            </a:r>
+            <a:r>
+              <a:rPr lang="en-US" sz="1400" dirty="0">
+                <a:solidFill>
+                  <a:srgbClr val="007F00"/>
+                </a:solidFill>
+              </a:rPr>
+              <a:t> from a </a:t>
+            </a:r>
+            <a:r>
+              <a:rPr lang="en-US" sz="1400" dirty="0" err="1">
+                <a:solidFill>
+                  <a:srgbClr val="007F00"/>
+                </a:solidFill>
+              </a:rPr>
+              <a:t>PositiveTime</a:t>
+            </a:r>
+            <a:r>
+              <a:rPr lang="en-US" sz="1400" dirty="0">
+                <a:solidFill>
+                  <a:srgbClr val="007F00"/>
+                </a:solidFill>
+              </a:rPr>
+              <a:t> instance  </a:t>
+            </a:r>
+            <a:r>
+              <a:rPr lang="en-US" sz="1400" dirty="0">
+                <a:solidFill>
+                  <a:srgbClr val="0000FF"/>
+                </a:solidFill>
+              </a:rPr>
+              <a:t>let</a:t>
+            </a:r>
+            <a:r>
+              <a:rPr lang="en-US" sz="1400" dirty="0"/>
+              <a:t> (|</a:t>
+            </a:r>
+            <a:r>
+              <a:rPr lang="en-US" sz="1400" dirty="0" err="1"/>
+              <a:t>PositiveTime</a:t>
+            </a:r>
+            <a:r>
+              <a:rPr lang="en-US" sz="1400" dirty="0"/>
+              <a:t>|) </a:t>
+            </a:r>
+            <a:r>
+              <a:rPr lang="en-US" sz="1400" dirty="0" smtClean="0"/>
+              <a:t>(</a:t>
+            </a:r>
+            <a:r>
+              <a:rPr lang="en-US" sz="1400" dirty="0" err="1" smtClean="0">
+                <a:solidFill>
+                  <a:srgbClr val="2B91AF"/>
+                </a:solidFill>
+              </a:rPr>
+              <a:t>PositiveTime</a:t>
+            </a:r>
+            <a:r>
+              <a:rPr lang="en-US" sz="1400" dirty="0" err="1" smtClean="0"/>
+              <a:t>.Value</a:t>
+            </a:r>
+            <a:r>
+              <a:rPr lang="en-US" sz="1400" dirty="0" smtClean="0">
+                <a:solidFill>
+                  <a:srgbClr val="2B91AF"/>
+                </a:solidFill>
+              </a:rPr>
+              <a:t> </a:t>
+            </a:r>
+            <a:r>
+              <a:rPr lang="en-US" sz="1400" dirty="0" smtClean="0"/>
+              <a:t>value</a:t>
+            </a:r>
+            <a:r>
+              <a:rPr lang="en-US" sz="1400" dirty="0"/>
+              <a:t>) = </a:t>
+            </a:r>
+            <a:r>
+              <a:rPr lang="en-US" sz="1400" dirty="0" smtClean="0"/>
+              <a:t>value</a:t>
+            </a:r>
+          </a:p>
+          <a:p>
+            <a:pPr marL="0" indent="0">
+              <a:lnSpc>
+                <a:spcPct val="100000"/>
+              </a:lnSpc>
+              <a:buNone/>
+            </a:pPr>
+            <a:endParaRPr lang="en-US" sz="1400" dirty="0" smtClean="0"/>
+          </a:p>
+          <a:p>
+            <a:pPr marL="0" indent="0">
+              <a:lnSpc>
+                <a:spcPct val="100000"/>
+              </a:lnSpc>
+              <a:buNone/>
+            </a:pPr>
+            <a:r>
+              <a:rPr lang="en-US" sz="1400" dirty="0" smtClean="0">
+                <a:solidFill>
+                  <a:srgbClr val="007F00"/>
+                </a:solidFill>
+              </a:rPr>
+              <a:t>/// </a:t>
+            </a:r>
+            <a:r>
+              <a:rPr lang="en-US" sz="1400" dirty="0">
+                <a:solidFill>
+                  <a:srgbClr val="007F00"/>
+                </a:solidFill>
+              </a:rPr>
+              <a:t>constructs a new </a:t>
+            </a:r>
+            <a:r>
+              <a:rPr lang="en-US" sz="1400" dirty="0" err="1">
+                <a:solidFill>
+                  <a:srgbClr val="007F00"/>
+                </a:solidFill>
+              </a:rPr>
+              <a:t>PositiveTime</a:t>
+            </a:r>
+            <a:r>
+              <a:rPr lang="en-US" sz="1400" dirty="0">
+                <a:solidFill>
+                  <a:srgbClr val="007F00"/>
+                </a:solidFill>
+              </a:rPr>
+              <a:t> </a:t>
+            </a:r>
+            <a:r>
+              <a:rPr lang="en-US" sz="1400" dirty="0" smtClean="0">
+                <a:solidFill>
+                  <a:srgbClr val="007F00"/>
+                </a:solidFill>
+              </a:rPr>
+              <a:t>instance</a:t>
+            </a:r>
+          </a:p>
+          <a:p>
+            <a:pPr marL="0" indent="0">
+              <a:lnSpc>
+                <a:spcPct val="100000"/>
+              </a:lnSpc>
+              <a:buNone/>
+            </a:pPr>
+            <a:r>
+              <a:rPr lang="en-US" sz="1400" dirty="0" smtClean="0">
+                <a:solidFill>
+                  <a:srgbClr val="0000FF"/>
+                </a:solidFill>
+              </a:rPr>
+              <a:t>let</a:t>
+            </a:r>
+            <a:r>
+              <a:rPr lang="en-US" sz="1400" dirty="0" smtClean="0"/>
+              <a:t> </a:t>
+            </a:r>
+            <a:r>
+              <a:rPr lang="en-US" sz="1400" dirty="0" err="1"/>
+              <a:t>positiveTime</a:t>
+            </a:r>
+            <a:r>
+              <a:rPr lang="en-US" sz="1400" dirty="0"/>
+              <a:t> value </a:t>
+            </a:r>
+            <a:r>
+              <a:rPr lang="en-US" sz="1400" dirty="0" smtClean="0"/>
+              <a:t>=</a:t>
+            </a:r>
+          </a:p>
+          <a:p>
+            <a:pPr marL="0" indent="0">
+              <a:lnSpc>
+                <a:spcPct val="100000"/>
+              </a:lnSpc>
+              <a:buNone/>
+            </a:pPr>
+            <a:r>
+              <a:rPr lang="en-US" sz="1400" dirty="0"/>
+              <a:t> </a:t>
+            </a:r>
+            <a:r>
+              <a:rPr lang="en-US" sz="1400" dirty="0" smtClean="0"/>
+              <a:t> </a:t>
+            </a:r>
+            <a:r>
+              <a:rPr lang="en-US" sz="1400" dirty="0" smtClean="0">
+                <a:solidFill>
+                  <a:srgbClr val="0000FF"/>
+                </a:solidFill>
+              </a:rPr>
+              <a:t>if</a:t>
+            </a:r>
+            <a:r>
+              <a:rPr lang="en-US" sz="1400" dirty="0" smtClean="0"/>
+              <a:t> </a:t>
+            </a:r>
+            <a:r>
+              <a:rPr lang="en-US" sz="1400" dirty="0"/>
+              <a:t>value &lt;= </a:t>
+            </a:r>
+            <a:r>
+              <a:rPr lang="en-US" sz="1400" dirty="0" err="1">
+                <a:solidFill>
+                  <a:srgbClr val="2B91AF"/>
+                </a:solidFill>
+              </a:rPr>
+              <a:t>time</a:t>
+            </a:r>
+            <a:r>
+              <a:rPr lang="en-US" sz="1400" dirty="0" err="1"/>
+              <a:t>.Zero</a:t>
+            </a:r>
+            <a:r>
+              <a:rPr lang="en-US" sz="1400" dirty="0"/>
+              <a:t> </a:t>
+            </a:r>
+            <a:r>
+              <a:rPr lang="en-US" sz="1400" dirty="0" smtClean="0">
+                <a:solidFill>
+                  <a:srgbClr val="0000FF"/>
+                </a:solidFill>
+              </a:rPr>
+              <a:t>then</a:t>
+            </a:r>
+          </a:p>
+          <a:p>
+            <a:pPr marL="0" indent="0">
+              <a:lnSpc>
+                <a:spcPct val="100000"/>
+              </a:lnSpc>
+              <a:buNone/>
+            </a:pPr>
+            <a:r>
+              <a:rPr lang="en-US" sz="1400" dirty="0"/>
+              <a:t> </a:t>
+            </a:r>
+            <a:r>
+              <a:rPr lang="en-US" sz="1400" dirty="0" smtClean="0"/>
+              <a:t>   </a:t>
+            </a:r>
+            <a:r>
+              <a:rPr lang="en-US" sz="1400" dirty="0" err="1" smtClean="0"/>
+              <a:t>invalidArg</a:t>
+            </a:r>
+            <a:r>
+              <a:rPr lang="en-US" sz="1400" dirty="0" smtClean="0"/>
+              <a:t> </a:t>
+            </a:r>
+            <a:r>
+              <a:rPr lang="en-US" sz="1400" dirty="0">
+                <a:solidFill>
+                  <a:srgbClr val="7F0000"/>
+                </a:solidFill>
+              </a:rPr>
+              <a:t>"value" "value must be greater than 0</a:t>
+            </a:r>
+            <a:r>
+              <a:rPr lang="en-US" sz="1400" dirty="0" smtClean="0">
+                <a:solidFill>
+                  <a:srgbClr val="7F0000"/>
+                </a:solidFill>
+              </a:rPr>
+              <a:t>"</a:t>
+            </a:r>
+            <a:endParaRPr lang="en-US" sz="1400" dirty="0" smtClean="0"/>
+          </a:p>
+          <a:p>
+            <a:pPr marL="0" indent="0">
+              <a:lnSpc>
+                <a:spcPct val="100000"/>
+              </a:lnSpc>
+              <a:buNone/>
+            </a:pPr>
+            <a:r>
+              <a:rPr lang="en-US" sz="1400" dirty="0">
+                <a:solidFill>
+                  <a:srgbClr val="2B91AF"/>
+                </a:solidFill>
+              </a:rPr>
+              <a:t> </a:t>
+            </a:r>
+            <a:r>
+              <a:rPr lang="en-US" sz="1400" dirty="0" smtClean="0">
+                <a:solidFill>
+                  <a:srgbClr val="2B91AF"/>
+                </a:solidFill>
+              </a:rPr>
+              <a:t> </a:t>
+            </a:r>
+            <a:r>
+              <a:rPr lang="en-US" sz="1400" dirty="0" err="1" smtClean="0">
+                <a:solidFill>
+                  <a:srgbClr val="2B91AF"/>
+                </a:solidFill>
+              </a:rPr>
+              <a:t>PositiveTime</a:t>
+            </a:r>
+            <a:r>
+              <a:rPr lang="en-US" sz="1400" dirty="0" smtClean="0">
+                <a:solidFill>
+                  <a:srgbClr val="2B91AF"/>
+                </a:solidFill>
+              </a:rPr>
+              <a:t> </a:t>
+            </a:r>
+            <a:r>
+              <a:rPr lang="en-US" sz="1400" dirty="0"/>
+              <a:t>value</a:t>
+            </a:r>
+            <a:endParaRPr lang="en-US" sz="1400" dirty="0"/>
+          </a:p>
+          <a:p>
+            <a:pPr marL="0" indent="0">
+              <a:lnSpc>
+                <a:spcPct val="100000"/>
+              </a:lnSpc>
+              <a:buNone/>
+            </a:pPr>
+            <a:endParaRPr lang="en-US" sz="1400" dirty="0"/>
+          </a:p>
         </p:txBody>
       </p:sp>
+      <p:graphicFrame>
+        <p:nvGraphicFramePr>
+          <p:cNvPr id="7" name="Content Placeholder 22"/>
+          <p:cNvGraphicFramePr>
+            <a:graphicFrameLocks/>
+          </p:cNvGraphicFramePr>
+          <p:nvPr>
+            <p:extLst>
+              <p:ext uri="{D42A27DB-BD31-4B8C-83A1-F6EECF244321}">
+                <p14:modId xmlns:p14="http://schemas.microsoft.com/office/powerpoint/2010/main" val="992091031"/>
+              </p:ext>
+            </p:extLst>
+          </p:nvPr>
+        </p:nvGraphicFramePr>
+        <p:xfrm>
+          <a:off x="839788" y="2245488"/>
+          <a:ext cx="3932237" cy="4110861"/>
+        </p:xfrm>
+        <a:graphic>
+          <a:graphicData uri="http://schemas.openxmlformats.org/drawingml/2006/chart">
+            <c:chart xmlns:c="http://schemas.openxmlformats.org/drawingml/2006/chart" xmlns:r="http://schemas.openxmlformats.org/officeDocument/2006/relationships" r:id="rId3"/>
+          </a:graphicData>
+        </a:graphic>
+      </p:graphicFrame>
       <p:sp>
         <p:nvSpPr>
-          <p:cNvPr id="2" name="Slide Number Placeholder 1"/>
+          <p:cNvPr id="6" name="Slide Number Placeholder 5"/>
           <p:cNvSpPr>
             <a:spLocks noGrp="1"/>
           </p:cNvSpPr>
@@ -23317,7 +24409,7 @@
     </p:spTree>
     <p:extLst>
       <p:ext uri="{BB962C8B-B14F-4D97-AF65-F5344CB8AC3E}">
-        <p14:creationId xmlns:p14="http://schemas.microsoft.com/office/powerpoint/2010/main" val="1325816545"/>
+        <p14:creationId xmlns:p14="http://schemas.microsoft.com/office/powerpoint/2010/main" val="20859498"/>
       </p:ext>
     </p:extLst>
   </p:cSld>
@@ -23365,6 +24457,275 @@
       </p:grpSpPr>
       <p:sp>
         <p:nvSpPr>
+          <p:cNvPr id="5" name="Title 4"/>
+          <p:cNvSpPr>
+            <a:spLocks noGrp="1"/>
+          </p:cNvSpPr>
+          <p:nvPr>
+            <p:ph type="title"/>
+          </p:nvPr>
+        </p:nvSpPr>
+        <p:spPr/>
+        <p:txBody>
+          <a:bodyPr anchor="ctr">
+            <a:noAutofit/>
+          </a:bodyPr>
+          <a:lstStyle/>
+          <a:p>
+            <a:pPr>
+              <a:lnSpc>
+                <a:spcPct val="100000"/>
+              </a:lnSpc>
+            </a:pPr>
+            <a:r>
+              <a:rPr lang="en-US" sz="2400" b="1" dirty="0">
+                <a:solidFill>
+                  <a:schemeClr val="tx2"/>
+                </a:solidFill>
+              </a:rPr>
+              <a:t>RANDOM </a:t>
+            </a:r>
+            <a:r>
+              <a:rPr lang="en-US" sz="2400" b="1" dirty="0" smtClean="0">
+                <a:solidFill>
+                  <a:schemeClr val="tx2"/>
+                </a:solidFill>
+              </a:rPr>
+              <a:t>TESTING</a:t>
+            </a:r>
+            <a:r>
+              <a:rPr lang="en-US" sz="2400" b="1" dirty="0" smtClean="0">
+                <a:solidFill>
+                  <a:schemeClr val="accent1"/>
+                </a:solidFill>
+              </a:rPr>
+              <a:t/>
+            </a:r>
+            <a:br>
+              <a:rPr lang="en-US" sz="2400" b="1" dirty="0" smtClean="0">
+                <a:solidFill>
+                  <a:schemeClr val="accent1"/>
+                </a:solidFill>
+              </a:rPr>
+            </a:br>
+            <a:r>
+              <a:rPr lang="en-US" sz="2400" b="1" dirty="0">
+                <a:solidFill>
+                  <a:schemeClr val="accent1"/>
+                </a:solidFill>
+              </a:rPr>
+              <a:t/>
+            </a:r>
+            <a:br>
+              <a:rPr lang="en-US" sz="2400" b="1" dirty="0">
+                <a:solidFill>
+                  <a:schemeClr val="accent1"/>
+                </a:solidFill>
+              </a:rPr>
+            </a:br>
+            <a:r>
+              <a:rPr lang="en-US" sz="2400" dirty="0">
+                <a:solidFill>
+                  <a:schemeClr val="accent6"/>
+                </a:solidFill>
+              </a:rPr>
+              <a:t>“One of the major </a:t>
+            </a:r>
+            <a:r>
+              <a:rPr lang="en-US" sz="2400" dirty="0" smtClean="0">
+                <a:solidFill>
+                  <a:schemeClr val="accent6"/>
+                </a:solidFill>
+              </a:rPr>
+              <a:t>advantages… is </a:t>
+            </a:r>
+            <a:r>
+              <a:rPr lang="en-US" sz="2400" dirty="0">
+                <a:solidFill>
+                  <a:schemeClr val="accent6"/>
+                </a:solidFill>
+              </a:rPr>
+              <a:t>that it </a:t>
+            </a:r>
+            <a:r>
+              <a:rPr lang="en-US" sz="2400" dirty="0"/>
+              <a:t>encourages</a:t>
+            </a:r>
+            <a:r>
+              <a:rPr lang="en-US" sz="2400" dirty="0">
+                <a:solidFill>
+                  <a:schemeClr val="accent6"/>
+                </a:solidFill>
+              </a:rPr>
+              <a:t> us to formulate </a:t>
+            </a:r>
+            <a:r>
+              <a:rPr lang="en-US" sz="2400" dirty="0"/>
+              <a:t>formal specifications</a:t>
+            </a:r>
+            <a:r>
+              <a:rPr lang="en-US" sz="2400" dirty="0">
+                <a:solidFill>
+                  <a:schemeClr val="accent6"/>
+                </a:solidFill>
+              </a:rPr>
+              <a:t>, </a:t>
+            </a:r>
+            <a:r>
+              <a:rPr lang="en-US" sz="2400" dirty="0"/>
+              <a:t>thus improving</a:t>
+            </a:r>
+            <a:r>
+              <a:rPr lang="en-US" sz="2400" dirty="0">
+                <a:solidFill>
+                  <a:schemeClr val="accent6"/>
+                </a:solidFill>
+              </a:rPr>
+              <a:t> our </a:t>
+            </a:r>
+            <a:r>
+              <a:rPr lang="en-US" sz="2400" dirty="0"/>
+              <a:t>understanding</a:t>
+            </a:r>
+            <a:r>
+              <a:rPr lang="en-US" sz="2400" dirty="0">
+                <a:solidFill>
+                  <a:schemeClr val="accent6"/>
+                </a:solidFill>
+              </a:rPr>
+              <a:t>…”</a:t>
+            </a:r>
+          </a:p>
+        </p:txBody>
+      </p:sp>
+      <p:sp>
+        <p:nvSpPr>
+          <p:cNvPr id="6" name="Text Placeholder 5"/>
+          <p:cNvSpPr>
+            <a:spLocks noGrp="1"/>
+          </p:cNvSpPr>
+          <p:nvPr>
+            <p:ph type="body" idx="1"/>
+          </p:nvPr>
+        </p:nvSpPr>
+        <p:spPr/>
+        <p:txBody>
+          <a:bodyPr/>
+          <a:lstStyle/>
+          <a:p>
+            <a:pPr algn="r"/>
+            <a:r>
+              <a:rPr lang="en-US" i="1" dirty="0">
+                <a:solidFill>
+                  <a:schemeClr val="accent6"/>
+                </a:solidFill>
+              </a:rPr>
+              <a:t>from </a:t>
+            </a:r>
+            <a:r>
+              <a:rPr lang="en-US" i="1" dirty="0">
+                <a:solidFill>
+                  <a:schemeClr val="accent1">
+                    <a:lumMod val="50000"/>
+                  </a:schemeClr>
+                </a:solidFill>
+              </a:rPr>
+              <a:t>ICFP’00 – Claessen, </a:t>
+            </a:r>
+            <a:r>
+              <a:rPr lang="en-US" i="1" dirty="0" smtClean="0">
+                <a:solidFill>
+                  <a:schemeClr val="accent1">
+                    <a:lumMod val="50000"/>
+                  </a:schemeClr>
+                </a:solidFill>
+              </a:rPr>
+              <a:t>Hughes</a:t>
+            </a:r>
+            <a:endParaRPr lang="en-US" i="1" dirty="0">
+              <a:solidFill>
+                <a:schemeClr val="accent1">
+                  <a:lumMod val="50000"/>
+                </a:schemeClr>
+              </a:solidFill>
+            </a:endParaRPr>
+          </a:p>
+        </p:txBody>
+      </p:sp>
+      <p:sp>
+        <p:nvSpPr>
+          <p:cNvPr id="2" name="Slide Number Placeholder 1"/>
+          <p:cNvSpPr>
+            <a:spLocks noGrp="1"/>
+          </p:cNvSpPr>
+          <p:nvPr>
+            <p:ph type="sldNum" sz="quarter" idx="12"/>
+          </p:nvPr>
+        </p:nvSpPr>
+        <p:spPr/>
+        <p:txBody>
+          <a:bodyPr/>
+          <a:lstStyle/>
+          <a:p>
+            <a:fld id="{3245CBE3-AA2B-404B-ADB8-3AD937BF2B49}" type="slidenum">
+              <a:rPr lang="en-US" smtClean="0"/>
+              <a:t>21</a:t>
+            </a:fld>
+            <a:endParaRPr lang="en-US"/>
+          </a:p>
+        </p:txBody>
+      </p:sp>
+    </p:spTree>
+    <p:extLst>
+      <p:ext uri="{BB962C8B-B14F-4D97-AF65-F5344CB8AC3E}">
+        <p14:creationId xmlns:p14="http://schemas.microsoft.com/office/powerpoint/2010/main" val="1325816545"/>
+      </p:ext>
+    </p:extLst>
+  </p:cSld>
+  <p:clrMapOvr>
+    <a:masterClrMapping/>
+  </p:clrMapOvr>
+  <mc:AlternateContent xmlns:mc="http://schemas.openxmlformats.org/markup-compatibility/2006" xmlns:p14="http://schemas.microsoft.com/office/powerpoint/2010/main">
+    <mc:Choice Requires="p14">
+      <p:transition spd="med" p14:dur="700">
+        <p:fade/>
+      </p:transition>
+    </mc:Choice>
+    <mc:Fallback xmlns="">
+      <p:transition spd="med">
+        <p:fade/>
+      </p:transition>
+    </mc:Fallback>
+  </mc:AlternateContent>
+  <p:timing>
+    <p:tnLst>
+      <p:par>
+        <p:cTn id="1" dur="indefinite" restart="never" nodeType="tmRoot"/>
+      </p:par>
+    </p:tnLst>
+  </p:timing>
+</p:sld>
+</file>
+
+<file path=ppt/slides/slide22.xml><?xml version="1.0" encoding="utf-8"?>
+<p:sld xmlns:a="http://schemas.openxmlformats.org/drawingml/2006/main" xmlns:r="http://schemas.openxmlformats.org/officeDocument/2006/relationships" xmlns:p="http://schemas.openxmlformats.org/presentationml/2006/main">
+  <p:cSld>
+    <p:spTree>
+      <p:nvGrpSpPr>
+        <p:cNvPr id="1" name=""/>
+        <p:cNvGrpSpPr/>
+        <p:nvPr/>
+      </p:nvGrpSpPr>
+      <p:grpSpPr>
+        <a:xfrm>
+          <a:off x="0" y="0"/>
+          <a:ext cx="0" cy="0"/>
+          <a:chOff x="0" y="0"/>
+          <a:chExt cx="0" cy="0"/>
+        </a:xfrm>
+      </p:grpSpPr>
+      <p:sp>
+        <p:nvSpPr>
           <p:cNvPr id="2" name="Title 1"/>
           <p:cNvSpPr>
             <a:spLocks noGrp="1"/>
@@ -23920,7 +25281,7 @@
           <a:p>
             <a:fld id="{3245CBE3-AA2B-404B-ADB8-3AD937BF2B49}" type="slidenum">
               <a:rPr lang="en-US" smtClean="0"/>
-              <a:t>21</a:t>
+              <a:t>22</a:t>
             </a:fld>
             <a:endParaRPr lang="en-US"/>
           </a:p>
@@ -26141,7 +27502,11 @@
             </a:r>
             <a:r>
               <a:rPr lang="en-US" sz="1400" dirty="0" smtClean="0"/>
-              <a:t> once = </a:t>
+              <a:t> once </a:t>
+            </a:r>
+            <a:r>
+              <a:rPr lang="en-US" sz="1400" dirty="0" smtClean="0"/>
+              <a:t> = </a:t>
             </a:r>
             <a:r>
               <a:rPr lang="en-US" sz="1400" dirty="0" err="1" smtClean="0"/>
@@ -26173,7 +27538,11 @@
             </a:r>
             <a:r>
               <a:rPr lang="en-US" sz="1400" dirty="0"/>
-              <a:t> once = </a:t>
+              <a:t> </a:t>
+            </a:r>
+            <a:r>
+              <a:rPr lang="en-US" sz="1400" dirty="0" smtClean="0"/>
+              <a:t>twice = </a:t>
             </a:r>
             <a:r>
               <a:rPr lang="en-US" sz="1400" dirty="0" err="1"/>
